--- a/5 Präsentation/mensameet_abschluss.pptx
+++ b/5 Präsentation/mensameet_abschluss.pptx
@@ -1,29 +1,131 @@
 
 <file path=ppt/presentation.xml><?xml version="1.0" encoding="utf-8"?>
-<p:presentation xmlns:a="http://schemas.openxmlformats.org/drawingml/2006/main" xmlns:p="http://schemas.openxmlformats.org/presentationml/2006/main" xmlns:r="http://schemas.openxmlformats.org/officeDocument/2006/relationships" xmlns:p14="http://schemas.microsoft.com/office/powerpoint/2010/main" xmlns:p15="http://schemas.microsoft.com/office/powerpoint/2012/main" xmlns:mc="http://schemas.openxmlformats.org/markup-compatibility/2006">
+<p:presentation xmlns:a="http://schemas.openxmlformats.org/drawingml/2006/main" xmlns:r="http://schemas.openxmlformats.org/officeDocument/2006/relationships" xmlns:p="http://schemas.openxmlformats.org/presentationml/2006/main">
   <p:sldMasterIdLst>
-    <p:sldMasterId id="2147483648" r:id="rId2"/>
-    <p:sldMasterId id="2147483661" r:id="rId3"/>
-    <p:sldMasterId id="2147483674" r:id="rId4"/>
+    <p:sldMasterId id="2147483648" r:id="rId1"/>
+    <p:sldMasterId id="2147483661" r:id="rId2"/>
+    <p:sldMasterId id="2147483674" r:id="rId3"/>
   </p:sldMasterIdLst>
   <p:sldIdLst>
+    <p:sldId id="269" r:id="rId4"/>
     <p:sldId id="256" r:id="rId5"/>
     <p:sldId id="257" r:id="rId6"/>
     <p:sldId id="258" r:id="rId7"/>
-    <p:sldId id="259" r:id="rId8"/>
+    <p:sldId id="267" r:id="rId8"/>
     <p:sldId id="260" r:id="rId9"/>
     <p:sldId id="261" r:id="rId10"/>
     <p:sldId id="262" r:id="rId11"/>
-    <p:sldId id="263" r:id="rId12"/>
-    <p:sldId id="264" r:id="rId13"/>
+    <p:sldId id="266" r:id="rId12"/>
+    <p:sldId id="263" r:id="rId13"/>
+    <p:sldId id="264" r:id="rId14"/>
   </p:sldIdLst>
   <p:sldSz cx="12192000" cy="6858000"/>
-  <p:notesSz cx="7559675" cy="10691812"/>
+  <p:notesSz cx="7559675" cy="10691813"/>
+  <p:defaultTextStyle>
+    <a:defPPr>
+      <a:defRPr lang="de-DE"/>
+    </a:defPPr>
+    <a:lvl1pPr marL="0" algn="l" defTabSz="914400" rtl="0" eaLnBrk="1" latinLnBrk="0" hangingPunct="1">
+      <a:defRPr sz="1800" kern="1200">
+        <a:solidFill>
+          <a:schemeClr val="tx1"/>
+        </a:solidFill>
+        <a:latin typeface="+mn-lt"/>
+        <a:ea typeface="+mn-ea"/>
+        <a:cs typeface="+mn-cs"/>
+      </a:defRPr>
+    </a:lvl1pPr>
+    <a:lvl2pPr marL="457200" algn="l" defTabSz="914400" rtl="0" eaLnBrk="1" latinLnBrk="0" hangingPunct="1">
+      <a:defRPr sz="1800" kern="1200">
+        <a:solidFill>
+          <a:schemeClr val="tx1"/>
+        </a:solidFill>
+        <a:latin typeface="+mn-lt"/>
+        <a:ea typeface="+mn-ea"/>
+        <a:cs typeface="+mn-cs"/>
+      </a:defRPr>
+    </a:lvl2pPr>
+    <a:lvl3pPr marL="914400" algn="l" defTabSz="914400" rtl="0" eaLnBrk="1" latinLnBrk="0" hangingPunct="1">
+      <a:defRPr sz="1800" kern="1200">
+        <a:solidFill>
+          <a:schemeClr val="tx1"/>
+        </a:solidFill>
+        <a:latin typeface="+mn-lt"/>
+        <a:ea typeface="+mn-ea"/>
+        <a:cs typeface="+mn-cs"/>
+      </a:defRPr>
+    </a:lvl3pPr>
+    <a:lvl4pPr marL="1371600" algn="l" defTabSz="914400" rtl="0" eaLnBrk="1" latinLnBrk="0" hangingPunct="1">
+      <a:defRPr sz="1800" kern="1200">
+        <a:solidFill>
+          <a:schemeClr val="tx1"/>
+        </a:solidFill>
+        <a:latin typeface="+mn-lt"/>
+        <a:ea typeface="+mn-ea"/>
+        <a:cs typeface="+mn-cs"/>
+      </a:defRPr>
+    </a:lvl4pPr>
+    <a:lvl5pPr marL="1828800" algn="l" defTabSz="914400" rtl="0" eaLnBrk="1" latinLnBrk="0" hangingPunct="1">
+      <a:defRPr sz="1800" kern="1200">
+        <a:solidFill>
+          <a:schemeClr val="tx1"/>
+        </a:solidFill>
+        <a:latin typeface="+mn-lt"/>
+        <a:ea typeface="+mn-ea"/>
+        <a:cs typeface="+mn-cs"/>
+      </a:defRPr>
+    </a:lvl5pPr>
+    <a:lvl6pPr marL="2286000" algn="l" defTabSz="914400" rtl="0" eaLnBrk="1" latinLnBrk="0" hangingPunct="1">
+      <a:defRPr sz="1800" kern="1200">
+        <a:solidFill>
+          <a:schemeClr val="tx1"/>
+        </a:solidFill>
+        <a:latin typeface="+mn-lt"/>
+        <a:ea typeface="+mn-ea"/>
+        <a:cs typeface="+mn-cs"/>
+      </a:defRPr>
+    </a:lvl6pPr>
+    <a:lvl7pPr marL="2743200" algn="l" defTabSz="914400" rtl="0" eaLnBrk="1" latinLnBrk="0" hangingPunct="1">
+      <a:defRPr sz="1800" kern="1200">
+        <a:solidFill>
+          <a:schemeClr val="tx1"/>
+        </a:solidFill>
+        <a:latin typeface="+mn-lt"/>
+        <a:ea typeface="+mn-ea"/>
+        <a:cs typeface="+mn-cs"/>
+      </a:defRPr>
+    </a:lvl7pPr>
+    <a:lvl8pPr marL="3200400" algn="l" defTabSz="914400" rtl="0" eaLnBrk="1" latinLnBrk="0" hangingPunct="1">
+      <a:defRPr sz="1800" kern="1200">
+        <a:solidFill>
+          <a:schemeClr val="tx1"/>
+        </a:solidFill>
+        <a:latin typeface="+mn-lt"/>
+        <a:ea typeface="+mn-ea"/>
+        <a:cs typeface="+mn-cs"/>
+      </a:defRPr>
+    </a:lvl8pPr>
+    <a:lvl9pPr marL="3657600" algn="l" defTabSz="914400" rtl="0" eaLnBrk="1" latinLnBrk="0" hangingPunct="1">
+      <a:defRPr sz="1800" kern="1200">
+        <a:solidFill>
+          <a:schemeClr val="tx1"/>
+        </a:solidFill>
+        <a:latin typeface="+mn-lt"/>
+        <a:ea typeface="+mn-ea"/>
+        <a:cs typeface="+mn-cs"/>
+      </a:defRPr>
+    </a:lvl9pPr>
+  </p:defaultTextStyle>
+  <p:extLst>
+    <p:ext uri="{EFAFB233-063F-42B5-8137-9DF3F51BA10A}">
+      <p15:sldGuideLst xmlns:p15="http://schemas.microsoft.com/office/powerpoint/2012/main"/>
+    </p:ext>
+  </p:extLst>
 </p:presentation>
 </file>
 
 <file path=ppt/slideLayouts/slideLayout1.xml><?xml version="1.0" encoding="utf-8"?>
-<p:sldLayout xmlns:a="http://schemas.openxmlformats.org/drawingml/2006/main" xmlns:p="http://schemas.openxmlformats.org/presentationml/2006/main" xmlns:r="http://schemas.openxmlformats.org/officeDocument/2006/relationships" xmlns:p14="http://schemas.microsoft.com/office/powerpoint/2010/main" xmlns:p15="http://schemas.microsoft.com/office/powerpoint/2012/main" xmlns:mc="http://schemas.openxmlformats.org/markup-compatibility/2006" type="blank" preserve="1">
+<p:sldLayout xmlns:a="http://schemas.openxmlformats.org/drawingml/2006/main" xmlns:r="http://schemas.openxmlformats.org/officeDocument/2006/relationships" xmlns:p="http://schemas.openxmlformats.org/presentationml/2006/main" type="blank" preserve="1">
   <p:cSld name="Blank Slide">
     <p:spTree>
       <p:nvGrpSpPr>
@@ -41,11 +143,14 @@
       </p:grpSpPr>
     </p:spTree>
   </p:cSld>
+  <p:clrMapOvr>
+    <a:masterClrMapping/>
+  </p:clrMapOvr>
 </p:sldLayout>
 </file>
 
 <file path=ppt/slideLayouts/slideLayout10.xml><?xml version="1.0" encoding="utf-8"?>
-<p:sldLayout xmlns:a="http://schemas.openxmlformats.org/drawingml/2006/main" xmlns:p="http://schemas.openxmlformats.org/presentationml/2006/main" xmlns:r="http://schemas.openxmlformats.org/officeDocument/2006/relationships" xmlns:p14="http://schemas.microsoft.com/office/powerpoint/2010/main" xmlns:p15="http://schemas.microsoft.com/office/powerpoint/2012/main" xmlns:mc="http://schemas.openxmlformats.org/markup-compatibility/2006" type="objOverTx" preserve="1">
+<p:sldLayout xmlns:a="http://schemas.openxmlformats.org/drawingml/2006/main" xmlns:r="http://schemas.openxmlformats.org/officeDocument/2006/relationships" xmlns:p="http://schemas.openxmlformats.org/presentationml/2006/main" type="objOverTx" preserve="1">
   <p:cSld name="Title, Content over Content">
     <p:spTree>
       <p:nvGrpSpPr>
@@ -81,11 +186,12 @@
           </a:prstGeom>
         </p:spPr>
         <p:txBody>
-          <a:bodyPr lIns="0" rIns="0" tIns="0" bIns="0" anchor="ctr">
+          <a:bodyPr lIns="0" tIns="0" rIns="0" bIns="0" anchor="ctr">
             <a:spAutoFit/>
           </a:bodyPr>
-          <a:p>
-            <a:endParaRPr b="0" lang="de-DE" sz="1800" spc="-1" strike="noStrike">
+          <a:lstStyle/>
+          <a:p>
+            <a:endParaRPr lang="de-DE" sz="1800" b="0" strike="noStrike" spc="-1">
               <a:solidFill>
                 <a:srgbClr val="000000"/>
               </a:solidFill>
@@ -114,11 +220,12 @@
           </a:prstGeom>
         </p:spPr>
         <p:txBody>
-          <a:bodyPr lIns="0" rIns="0" tIns="0" bIns="0">
+          <a:bodyPr lIns="0" tIns="0" rIns="0" bIns="0">
             <a:normAutofit/>
           </a:bodyPr>
-          <a:p>
-            <a:endParaRPr b="0" lang="de-DE" sz="2800" spc="-1" strike="noStrike">
+          <a:lstStyle/>
+          <a:p>
+            <a:endParaRPr lang="de-DE" sz="2800" b="0" strike="noStrike" spc="-1">
               <a:solidFill>
                 <a:srgbClr val="000000"/>
               </a:solidFill>
@@ -147,11 +254,12 @@
           </a:prstGeom>
         </p:spPr>
         <p:txBody>
-          <a:bodyPr lIns="0" rIns="0" tIns="0" bIns="0">
+          <a:bodyPr lIns="0" tIns="0" rIns="0" bIns="0">
             <a:normAutofit/>
           </a:bodyPr>
-          <a:p>
-            <a:endParaRPr b="0" lang="de-DE" sz="2800" spc="-1" strike="noStrike">
+          <a:lstStyle/>
+          <a:p>
+            <a:endParaRPr lang="de-DE" sz="2800" b="0" strike="noStrike" spc="-1">
               <a:solidFill>
                 <a:srgbClr val="000000"/>
               </a:solidFill>
@@ -162,11 +270,14 @@
       </p:sp>
     </p:spTree>
   </p:cSld>
+  <p:clrMapOvr>
+    <a:masterClrMapping/>
+  </p:clrMapOvr>
 </p:sldLayout>
 </file>
 
 <file path=ppt/slideLayouts/slideLayout11.xml><?xml version="1.0" encoding="utf-8"?>
-<p:sldLayout xmlns:a="http://schemas.openxmlformats.org/drawingml/2006/main" xmlns:p="http://schemas.openxmlformats.org/presentationml/2006/main" xmlns:r="http://schemas.openxmlformats.org/officeDocument/2006/relationships" xmlns:p14="http://schemas.microsoft.com/office/powerpoint/2010/main" xmlns:p15="http://schemas.microsoft.com/office/powerpoint/2012/main" xmlns:mc="http://schemas.openxmlformats.org/markup-compatibility/2006" type="fourObj" preserve="1">
+<p:sldLayout xmlns:a="http://schemas.openxmlformats.org/drawingml/2006/main" xmlns:r="http://schemas.openxmlformats.org/officeDocument/2006/relationships" xmlns:p="http://schemas.openxmlformats.org/presentationml/2006/main" type="fourObj" preserve="1">
   <p:cSld name="Title, 4 Content">
     <p:spTree>
       <p:nvGrpSpPr>
@@ -202,11 +313,12 @@
           </a:prstGeom>
         </p:spPr>
         <p:txBody>
-          <a:bodyPr lIns="0" rIns="0" tIns="0" bIns="0" anchor="ctr">
+          <a:bodyPr lIns="0" tIns="0" rIns="0" bIns="0" anchor="ctr">
             <a:spAutoFit/>
           </a:bodyPr>
-          <a:p>
-            <a:endParaRPr b="0" lang="de-DE" sz="1800" spc="-1" strike="noStrike">
+          <a:lstStyle/>
+          <a:p>
+            <a:endParaRPr lang="de-DE" sz="1800" b="0" strike="noStrike" spc="-1">
               <a:solidFill>
                 <a:srgbClr val="000000"/>
               </a:solidFill>
@@ -235,11 +347,12 @@
           </a:prstGeom>
         </p:spPr>
         <p:txBody>
-          <a:bodyPr lIns="0" rIns="0" tIns="0" bIns="0">
+          <a:bodyPr lIns="0" tIns="0" rIns="0" bIns="0">
             <a:normAutofit/>
           </a:bodyPr>
-          <a:p>
-            <a:endParaRPr b="0" lang="de-DE" sz="2800" spc="-1" strike="noStrike">
+          <a:lstStyle/>
+          <a:p>
+            <a:endParaRPr lang="de-DE" sz="2800" b="0" strike="noStrike" spc="-1">
               <a:solidFill>
                 <a:srgbClr val="000000"/>
               </a:solidFill>
@@ -268,11 +381,12 @@
           </a:prstGeom>
         </p:spPr>
         <p:txBody>
-          <a:bodyPr lIns="0" rIns="0" tIns="0" bIns="0">
+          <a:bodyPr lIns="0" tIns="0" rIns="0" bIns="0">
             <a:normAutofit/>
           </a:bodyPr>
-          <a:p>
-            <a:endParaRPr b="0" lang="de-DE" sz="2800" spc="-1" strike="noStrike">
+          <a:lstStyle/>
+          <a:p>
+            <a:endParaRPr lang="de-DE" sz="2800" b="0" strike="noStrike" spc="-1">
               <a:solidFill>
                 <a:srgbClr val="000000"/>
               </a:solidFill>
@@ -301,11 +415,12 @@
           </a:prstGeom>
         </p:spPr>
         <p:txBody>
-          <a:bodyPr lIns="0" rIns="0" tIns="0" bIns="0">
+          <a:bodyPr lIns="0" tIns="0" rIns="0" bIns="0">
             <a:normAutofit/>
           </a:bodyPr>
-          <a:p>
-            <a:endParaRPr b="0" lang="de-DE" sz="2800" spc="-1" strike="noStrike">
+          <a:lstStyle/>
+          <a:p>
+            <a:endParaRPr lang="de-DE" sz="2800" b="0" strike="noStrike" spc="-1">
               <a:solidFill>
                 <a:srgbClr val="000000"/>
               </a:solidFill>
@@ -334,11 +449,12 @@
           </a:prstGeom>
         </p:spPr>
         <p:txBody>
-          <a:bodyPr lIns="0" rIns="0" tIns="0" bIns="0">
+          <a:bodyPr lIns="0" tIns="0" rIns="0" bIns="0">
             <a:normAutofit/>
           </a:bodyPr>
-          <a:p>
-            <a:endParaRPr b="0" lang="de-DE" sz="2800" spc="-1" strike="noStrike">
+          <a:lstStyle/>
+          <a:p>
+            <a:endParaRPr lang="de-DE" sz="2800" b="0" strike="noStrike" spc="-1">
               <a:solidFill>
                 <a:srgbClr val="000000"/>
               </a:solidFill>
@@ -349,11 +465,14 @@
       </p:sp>
     </p:spTree>
   </p:cSld>
+  <p:clrMapOvr>
+    <a:masterClrMapping/>
+  </p:clrMapOvr>
 </p:sldLayout>
 </file>
 
 <file path=ppt/slideLayouts/slideLayout12.xml><?xml version="1.0" encoding="utf-8"?>
-<p:sldLayout xmlns:a="http://schemas.openxmlformats.org/drawingml/2006/main" xmlns:p="http://schemas.openxmlformats.org/presentationml/2006/main" xmlns:r="http://schemas.openxmlformats.org/officeDocument/2006/relationships" xmlns:p14="http://schemas.microsoft.com/office/powerpoint/2010/main" xmlns:p15="http://schemas.microsoft.com/office/powerpoint/2012/main" xmlns:mc="http://schemas.openxmlformats.org/markup-compatibility/2006" type="blank" preserve="1">
+<p:sldLayout xmlns:a="http://schemas.openxmlformats.org/drawingml/2006/main" xmlns:r="http://schemas.openxmlformats.org/officeDocument/2006/relationships" xmlns:p="http://schemas.openxmlformats.org/presentationml/2006/main" type="blank" preserve="1">
   <p:cSld name="Title, 6 Content">
     <p:spTree>
       <p:nvGrpSpPr>
@@ -389,11 +508,12 @@
           </a:prstGeom>
         </p:spPr>
         <p:txBody>
-          <a:bodyPr lIns="0" rIns="0" tIns="0" bIns="0" anchor="ctr">
+          <a:bodyPr lIns="0" tIns="0" rIns="0" bIns="0" anchor="ctr">
             <a:spAutoFit/>
           </a:bodyPr>
-          <a:p>
-            <a:endParaRPr b="0" lang="de-DE" sz="1800" spc="-1" strike="noStrike">
+          <a:lstStyle/>
+          <a:p>
+            <a:endParaRPr lang="de-DE" sz="1800" b="0" strike="noStrike" spc="-1">
               <a:solidFill>
                 <a:srgbClr val="000000"/>
               </a:solidFill>
@@ -422,11 +542,12 @@
           </a:prstGeom>
         </p:spPr>
         <p:txBody>
-          <a:bodyPr lIns="0" rIns="0" tIns="0" bIns="0">
+          <a:bodyPr lIns="0" tIns="0" rIns="0" bIns="0">
             <a:normAutofit/>
           </a:bodyPr>
-          <a:p>
-            <a:endParaRPr b="0" lang="de-DE" sz="2800" spc="-1" strike="noStrike">
+          <a:lstStyle/>
+          <a:p>
+            <a:endParaRPr lang="de-DE" sz="2800" b="0" strike="noStrike" spc="-1">
               <a:solidFill>
                 <a:srgbClr val="000000"/>
               </a:solidFill>
@@ -455,11 +576,12 @@
           </a:prstGeom>
         </p:spPr>
         <p:txBody>
-          <a:bodyPr lIns="0" rIns="0" tIns="0" bIns="0">
+          <a:bodyPr lIns="0" tIns="0" rIns="0" bIns="0">
             <a:normAutofit/>
           </a:bodyPr>
-          <a:p>
-            <a:endParaRPr b="0" lang="de-DE" sz="2800" spc="-1" strike="noStrike">
+          <a:lstStyle/>
+          <a:p>
+            <a:endParaRPr lang="de-DE" sz="2800" b="0" strike="noStrike" spc="-1">
               <a:solidFill>
                 <a:srgbClr val="000000"/>
               </a:solidFill>
@@ -488,11 +610,12 @@
           </a:prstGeom>
         </p:spPr>
         <p:txBody>
-          <a:bodyPr lIns="0" rIns="0" tIns="0" bIns="0">
+          <a:bodyPr lIns="0" tIns="0" rIns="0" bIns="0">
             <a:normAutofit/>
           </a:bodyPr>
-          <a:p>
-            <a:endParaRPr b="0" lang="de-DE" sz="2800" spc="-1" strike="noStrike">
+          <a:lstStyle/>
+          <a:p>
+            <a:endParaRPr lang="de-DE" sz="2800" b="0" strike="noStrike" spc="-1">
               <a:solidFill>
                 <a:srgbClr val="000000"/>
               </a:solidFill>
@@ -521,11 +644,12 @@
           </a:prstGeom>
         </p:spPr>
         <p:txBody>
-          <a:bodyPr lIns="0" rIns="0" tIns="0" bIns="0">
+          <a:bodyPr lIns="0" tIns="0" rIns="0" bIns="0">
             <a:normAutofit/>
           </a:bodyPr>
-          <a:p>
-            <a:endParaRPr b="0" lang="de-DE" sz="2800" spc="-1" strike="noStrike">
+          <a:lstStyle/>
+          <a:p>
+            <a:endParaRPr lang="de-DE" sz="2800" b="0" strike="noStrike" spc="-1">
               <a:solidFill>
                 <a:srgbClr val="000000"/>
               </a:solidFill>
@@ -554,11 +678,12 @@
           </a:prstGeom>
         </p:spPr>
         <p:txBody>
-          <a:bodyPr lIns="0" rIns="0" tIns="0" bIns="0">
+          <a:bodyPr lIns="0" tIns="0" rIns="0" bIns="0">
             <a:normAutofit/>
           </a:bodyPr>
-          <a:p>
-            <a:endParaRPr b="0" lang="de-DE" sz="2800" spc="-1" strike="noStrike">
+          <a:lstStyle/>
+          <a:p>
+            <a:endParaRPr lang="de-DE" sz="2800" b="0" strike="noStrike" spc="-1">
               <a:solidFill>
                 <a:srgbClr val="000000"/>
               </a:solidFill>
@@ -587,11 +712,12 @@
           </a:prstGeom>
         </p:spPr>
         <p:txBody>
-          <a:bodyPr lIns="0" rIns="0" tIns="0" bIns="0">
+          <a:bodyPr lIns="0" tIns="0" rIns="0" bIns="0">
             <a:normAutofit/>
           </a:bodyPr>
-          <a:p>
-            <a:endParaRPr b="0" lang="de-DE" sz="2800" spc="-1" strike="noStrike">
+          <a:lstStyle/>
+          <a:p>
+            <a:endParaRPr lang="de-DE" sz="2800" b="0" strike="noStrike" spc="-1">
               <a:solidFill>
                 <a:srgbClr val="000000"/>
               </a:solidFill>
@@ -602,11 +728,14 @@
       </p:sp>
     </p:spTree>
   </p:cSld>
+  <p:clrMapOvr>
+    <a:masterClrMapping/>
+  </p:clrMapOvr>
 </p:sldLayout>
 </file>
 
 <file path=ppt/slideLayouts/slideLayout13.xml><?xml version="1.0" encoding="utf-8"?>
-<p:sldLayout xmlns:a="http://schemas.openxmlformats.org/drawingml/2006/main" xmlns:p="http://schemas.openxmlformats.org/presentationml/2006/main" xmlns:r="http://schemas.openxmlformats.org/officeDocument/2006/relationships" xmlns:p14="http://schemas.microsoft.com/office/powerpoint/2010/main" xmlns:p15="http://schemas.microsoft.com/office/powerpoint/2012/main" xmlns:mc="http://schemas.openxmlformats.org/markup-compatibility/2006" type="blank" preserve="1">
+<p:sldLayout xmlns:a="http://schemas.openxmlformats.org/drawingml/2006/main" xmlns:r="http://schemas.openxmlformats.org/officeDocument/2006/relationships" xmlns:p="http://schemas.openxmlformats.org/presentationml/2006/main" type="blank" preserve="1">
   <p:cSld name="Blank Slide">
     <p:spTree>
       <p:nvGrpSpPr>
@@ -624,11 +753,14 @@
       </p:grpSpPr>
     </p:spTree>
   </p:cSld>
+  <p:clrMapOvr>
+    <a:masterClrMapping/>
+  </p:clrMapOvr>
 </p:sldLayout>
 </file>
 
 <file path=ppt/slideLayouts/slideLayout14.xml><?xml version="1.0" encoding="utf-8"?>
-<p:sldLayout xmlns:a="http://schemas.openxmlformats.org/drawingml/2006/main" xmlns:p="http://schemas.openxmlformats.org/presentationml/2006/main" xmlns:r="http://schemas.openxmlformats.org/officeDocument/2006/relationships" xmlns:p14="http://schemas.microsoft.com/office/powerpoint/2010/main" xmlns:p15="http://schemas.microsoft.com/office/powerpoint/2012/main" xmlns:mc="http://schemas.openxmlformats.org/markup-compatibility/2006" type="tx" preserve="1">
+<p:sldLayout xmlns:a="http://schemas.openxmlformats.org/drawingml/2006/main" xmlns:r="http://schemas.openxmlformats.org/officeDocument/2006/relationships" xmlns:p="http://schemas.openxmlformats.org/presentationml/2006/main" type="tx" preserve="1">
   <p:cSld name="Title Slide">
     <p:spTree>
       <p:nvGrpSpPr>
@@ -664,11 +796,12 @@
           </a:prstGeom>
         </p:spPr>
         <p:txBody>
-          <a:bodyPr lIns="0" rIns="0" tIns="0" bIns="0" anchor="ctr">
+          <a:bodyPr lIns="0" tIns="0" rIns="0" bIns="0" anchor="ctr">
             <a:spAutoFit/>
           </a:bodyPr>
-          <a:p>
-            <a:endParaRPr b="0" lang="de-DE" sz="1800" spc="-1" strike="noStrike">
+          <a:lstStyle/>
+          <a:p>
+            <a:endParaRPr lang="de-DE" sz="1800" b="0" strike="noStrike" spc="-1">
               <a:solidFill>
                 <a:srgbClr val="000000"/>
               </a:solidFill>
@@ -697,12 +830,13 @@
           </a:prstGeom>
         </p:spPr>
         <p:txBody>
-          <a:bodyPr lIns="0" rIns="0" tIns="0" bIns="0" anchor="ctr">
+          <a:bodyPr lIns="0" tIns="0" rIns="0" bIns="0" anchor="ctr">
             <a:spAutoFit/>
           </a:bodyPr>
+          <a:lstStyle/>
           <a:p>
             <a:pPr algn="ctr"/>
-            <a:endParaRPr b="0" lang="de-DE" sz="3200" spc="-1" strike="noStrike">
+            <a:endParaRPr lang="de-DE" sz="3200" b="0" strike="noStrike" spc="-1">
               <a:latin typeface="Arial"/>
             </a:endParaRPr>
           </a:p>
@@ -710,11 +844,14 @@
       </p:sp>
     </p:spTree>
   </p:cSld>
+  <p:clrMapOvr>
+    <a:masterClrMapping/>
+  </p:clrMapOvr>
 </p:sldLayout>
 </file>
 
 <file path=ppt/slideLayouts/slideLayout15.xml><?xml version="1.0" encoding="utf-8"?>
-<p:sldLayout xmlns:a="http://schemas.openxmlformats.org/drawingml/2006/main" xmlns:p="http://schemas.openxmlformats.org/presentationml/2006/main" xmlns:r="http://schemas.openxmlformats.org/officeDocument/2006/relationships" xmlns:p14="http://schemas.microsoft.com/office/powerpoint/2010/main" xmlns:p15="http://schemas.microsoft.com/office/powerpoint/2012/main" xmlns:mc="http://schemas.openxmlformats.org/markup-compatibility/2006" type="obj" preserve="1">
+<p:sldLayout xmlns:a="http://schemas.openxmlformats.org/drawingml/2006/main" xmlns:r="http://schemas.openxmlformats.org/officeDocument/2006/relationships" xmlns:p="http://schemas.openxmlformats.org/presentationml/2006/main" type="obj" preserve="1">
   <p:cSld name="Title, Content">
     <p:spTree>
       <p:nvGrpSpPr>
@@ -750,11 +887,12 @@
           </a:prstGeom>
         </p:spPr>
         <p:txBody>
-          <a:bodyPr lIns="0" rIns="0" tIns="0" bIns="0" anchor="ctr">
+          <a:bodyPr lIns="0" tIns="0" rIns="0" bIns="0" anchor="ctr">
             <a:spAutoFit/>
           </a:bodyPr>
-          <a:p>
-            <a:endParaRPr b="0" lang="de-DE" sz="1800" spc="-1" strike="noStrike">
+          <a:lstStyle/>
+          <a:p>
+            <a:endParaRPr lang="de-DE" sz="1800" b="0" strike="noStrike" spc="-1">
               <a:solidFill>
                 <a:srgbClr val="000000"/>
               </a:solidFill>
@@ -783,11 +921,12 @@
           </a:prstGeom>
         </p:spPr>
         <p:txBody>
-          <a:bodyPr lIns="0" rIns="0" tIns="0" bIns="0">
+          <a:bodyPr lIns="0" tIns="0" rIns="0" bIns="0">
             <a:normAutofit/>
           </a:bodyPr>
-          <a:p>
-            <a:endParaRPr b="0" lang="de-DE" sz="2800" spc="-1" strike="noStrike">
+          <a:lstStyle/>
+          <a:p>
+            <a:endParaRPr lang="de-DE" sz="2800" b="0" strike="noStrike" spc="-1">
               <a:solidFill>
                 <a:srgbClr val="000000"/>
               </a:solidFill>
@@ -798,11 +937,14 @@
       </p:sp>
     </p:spTree>
   </p:cSld>
+  <p:clrMapOvr>
+    <a:masterClrMapping/>
+  </p:clrMapOvr>
 </p:sldLayout>
 </file>
 
 <file path=ppt/slideLayouts/slideLayout16.xml><?xml version="1.0" encoding="utf-8"?>
-<p:sldLayout xmlns:a="http://schemas.openxmlformats.org/drawingml/2006/main" xmlns:p="http://schemas.openxmlformats.org/presentationml/2006/main" xmlns:r="http://schemas.openxmlformats.org/officeDocument/2006/relationships" xmlns:p14="http://schemas.microsoft.com/office/powerpoint/2010/main" xmlns:p15="http://schemas.microsoft.com/office/powerpoint/2012/main" xmlns:mc="http://schemas.openxmlformats.org/markup-compatibility/2006" type="twoObj" preserve="1">
+<p:sldLayout xmlns:a="http://schemas.openxmlformats.org/drawingml/2006/main" xmlns:r="http://schemas.openxmlformats.org/officeDocument/2006/relationships" xmlns:p="http://schemas.openxmlformats.org/presentationml/2006/main" type="twoObj" preserve="1">
   <p:cSld name="Title, 2 Content">
     <p:spTree>
       <p:nvGrpSpPr>
@@ -838,11 +980,12 @@
           </a:prstGeom>
         </p:spPr>
         <p:txBody>
-          <a:bodyPr lIns="0" rIns="0" tIns="0" bIns="0" anchor="ctr">
+          <a:bodyPr lIns="0" tIns="0" rIns="0" bIns="0" anchor="ctr">
             <a:spAutoFit/>
           </a:bodyPr>
-          <a:p>
-            <a:endParaRPr b="0" lang="de-DE" sz="1800" spc="-1" strike="noStrike">
+          <a:lstStyle/>
+          <a:p>
+            <a:endParaRPr lang="de-DE" sz="1800" b="0" strike="noStrike" spc="-1">
               <a:solidFill>
                 <a:srgbClr val="000000"/>
               </a:solidFill>
@@ -871,11 +1014,12 @@
           </a:prstGeom>
         </p:spPr>
         <p:txBody>
-          <a:bodyPr lIns="0" rIns="0" tIns="0" bIns="0">
+          <a:bodyPr lIns="0" tIns="0" rIns="0" bIns="0">
             <a:normAutofit/>
           </a:bodyPr>
-          <a:p>
-            <a:endParaRPr b="0" lang="de-DE" sz="2800" spc="-1" strike="noStrike">
+          <a:lstStyle/>
+          <a:p>
+            <a:endParaRPr lang="de-DE" sz="2800" b="0" strike="noStrike" spc="-1">
               <a:solidFill>
                 <a:srgbClr val="000000"/>
               </a:solidFill>
@@ -904,11 +1048,12 @@
           </a:prstGeom>
         </p:spPr>
         <p:txBody>
-          <a:bodyPr lIns="0" rIns="0" tIns="0" bIns="0">
+          <a:bodyPr lIns="0" tIns="0" rIns="0" bIns="0">
             <a:normAutofit/>
           </a:bodyPr>
-          <a:p>
-            <a:endParaRPr b="0" lang="de-DE" sz="2800" spc="-1" strike="noStrike">
+          <a:lstStyle/>
+          <a:p>
+            <a:endParaRPr lang="de-DE" sz="2800" b="0" strike="noStrike" spc="-1">
               <a:solidFill>
                 <a:srgbClr val="000000"/>
               </a:solidFill>
@@ -919,11 +1064,14 @@
       </p:sp>
     </p:spTree>
   </p:cSld>
+  <p:clrMapOvr>
+    <a:masterClrMapping/>
+  </p:clrMapOvr>
 </p:sldLayout>
 </file>
 
 <file path=ppt/slideLayouts/slideLayout17.xml><?xml version="1.0" encoding="utf-8"?>
-<p:sldLayout xmlns:a="http://schemas.openxmlformats.org/drawingml/2006/main" xmlns:p="http://schemas.openxmlformats.org/presentationml/2006/main" xmlns:r="http://schemas.openxmlformats.org/officeDocument/2006/relationships" xmlns:p14="http://schemas.microsoft.com/office/powerpoint/2010/main" xmlns:p15="http://schemas.microsoft.com/office/powerpoint/2012/main" xmlns:mc="http://schemas.openxmlformats.org/markup-compatibility/2006" type="titleOnly" preserve="1">
+<p:sldLayout xmlns:a="http://schemas.openxmlformats.org/drawingml/2006/main" xmlns:r="http://schemas.openxmlformats.org/officeDocument/2006/relationships" xmlns:p="http://schemas.openxmlformats.org/presentationml/2006/main" type="titleOnly" preserve="1">
   <p:cSld name="Title Only">
     <p:spTree>
       <p:nvGrpSpPr>
@@ -959,11 +1107,12 @@
           </a:prstGeom>
         </p:spPr>
         <p:txBody>
-          <a:bodyPr lIns="0" rIns="0" tIns="0" bIns="0" anchor="ctr">
+          <a:bodyPr lIns="0" tIns="0" rIns="0" bIns="0" anchor="ctr">
             <a:spAutoFit/>
           </a:bodyPr>
-          <a:p>
-            <a:endParaRPr b="0" lang="de-DE" sz="1800" spc="-1" strike="noStrike">
+          <a:lstStyle/>
+          <a:p>
+            <a:endParaRPr lang="de-DE" sz="1800" b="0" strike="noStrike" spc="-1">
               <a:solidFill>
                 <a:srgbClr val="000000"/>
               </a:solidFill>
@@ -974,11 +1123,14 @@
       </p:sp>
     </p:spTree>
   </p:cSld>
+  <p:clrMapOvr>
+    <a:masterClrMapping/>
+  </p:clrMapOvr>
 </p:sldLayout>
 </file>
 
 <file path=ppt/slideLayouts/slideLayout18.xml><?xml version="1.0" encoding="utf-8"?>
-<p:sldLayout xmlns:a="http://schemas.openxmlformats.org/drawingml/2006/main" xmlns:p="http://schemas.openxmlformats.org/presentationml/2006/main" xmlns:r="http://schemas.openxmlformats.org/officeDocument/2006/relationships" xmlns:p14="http://schemas.microsoft.com/office/powerpoint/2010/main" xmlns:p15="http://schemas.microsoft.com/office/powerpoint/2012/main" xmlns:mc="http://schemas.openxmlformats.org/markup-compatibility/2006" type="objOnly" preserve="1">
+<p:sldLayout xmlns:a="http://schemas.openxmlformats.org/drawingml/2006/main" xmlns:r="http://schemas.openxmlformats.org/officeDocument/2006/relationships" xmlns:p="http://schemas.openxmlformats.org/presentationml/2006/main" type="objOnly" preserve="1">
   <p:cSld name="Centered Text">
     <p:spTree>
       <p:nvGrpSpPr>
@@ -1014,12 +1166,13 @@
           </a:prstGeom>
         </p:spPr>
         <p:txBody>
-          <a:bodyPr lIns="0" rIns="0" tIns="0" bIns="0" anchor="ctr">
+          <a:bodyPr lIns="0" tIns="0" rIns="0" bIns="0" anchor="ctr">
             <a:spAutoFit/>
           </a:bodyPr>
+          <a:lstStyle/>
           <a:p>
             <a:pPr algn="ctr"/>
-            <a:endParaRPr b="0" lang="de-DE" sz="3200" spc="-1" strike="noStrike">
+            <a:endParaRPr lang="de-DE" sz="3200" b="0" strike="noStrike" spc="-1">
               <a:latin typeface="Arial"/>
             </a:endParaRPr>
           </a:p>
@@ -1027,11 +1180,14 @@
       </p:sp>
     </p:spTree>
   </p:cSld>
+  <p:clrMapOvr>
+    <a:masterClrMapping/>
+  </p:clrMapOvr>
 </p:sldLayout>
 </file>
 
 <file path=ppt/slideLayouts/slideLayout19.xml><?xml version="1.0" encoding="utf-8"?>
-<p:sldLayout xmlns:a="http://schemas.openxmlformats.org/drawingml/2006/main" xmlns:p="http://schemas.openxmlformats.org/presentationml/2006/main" xmlns:r="http://schemas.openxmlformats.org/officeDocument/2006/relationships" xmlns:p14="http://schemas.microsoft.com/office/powerpoint/2010/main" xmlns:p15="http://schemas.microsoft.com/office/powerpoint/2012/main" xmlns:mc="http://schemas.openxmlformats.org/markup-compatibility/2006" type="twoObjAndObj" preserve="1">
+<p:sldLayout xmlns:a="http://schemas.openxmlformats.org/drawingml/2006/main" xmlns:r="http://schemas.openxmlformats.org/officeDocument/2006/relationships" xmlns:p="http://schemas.openxmlformats.org/presentationml/2006/main" type="twoObjAndObj" preserve="1">
   <p:cSld name="Title, 2 Content and Content">
     <p:spTree>
       <p:nvGrpSpPr>
@@ -1067,11 +1223,12 @@
           </a:prstGeom>
         </p:spPr>
         <p:txBody>
-          <a:bodyPr lIns="0" rIns="0" tIns="0" bIns="0" anchor="ctr">
+          <a:bodyPr lIns="0" tIns="0" rIns="0" bIns="0" anchor="ctr">
             <a:spAutoFit/>
           </a:bodyPr>
-          <a:p>
-            <a:endParaRPr b="0" lang="de-DE" sz="1800" spc="-1" strike="noStrike">
+          <a:lstStyle/>
+          <a:p>
+            <a:endParaRPr lang="de-DE" sz="1800" b="0" strike="noStrike" spc="-1">
               <a:solidFill>
                 <a:srgbClr val="000000"/>
               </a:solidFill>
@@ -1100,11 +1257,12 @@
           </a:prstGeom>
         </p:spPr>
         <p:txBody>
-          <a:bodyPr lIns="0" rIns="0" tIns="0" bIns="0">
+          <a:bodyPr lIns="0" tIns="0" rIns="0" bIns="0">
             <a:normAutofit/>
           </a:bodyPr>
-          <a:p>
-            <a:endParaRPr b="0" lang="de-DE" sz="2800" spc="-1" strike="noStrike">
+          <a:lstStyle/>
+          <a:p>
+            <a:endParaRPr lang="de-DE" sz="2800" b="0" strike="noStrike" spc="-1">
               <a:solidFill>
                 <a:srgbClr val="000000"/>
               </a:solidFill>
@@ -1133,11 +1291,12 @@
           </a:prstGeom>
         </p:spPr>
         <p:txBody>
-          <a:bodyPr lIns="0" rIns="0" tIns="0" bIns="0">
+          <a:bodyPr lIns="0" tIns="0" rIns="0" bIns="0">
             <a:normAutofit/>
           </a:bodyPr>
-          <a:p>
-            <a:endParaRPr b="0" lang="de-DE" sz="2800" spc="-1" strike="noStrike">
+          <a:lstStyle/>
+          <a:p>
+            <a:endParaRPr lang="de-DE" sz="2800" b="0" strike="noStrike" spc="-1">
               <a:solidFill>
                 <a:srgbClr val="000000"/>
               </a:solidFill>
@@ -1166,11 +1325,12 @@
           </a:prstGeom>
         </p:spPr>
         <p:txBody>
-          <a:bodyPr lIns="0" rIns="0" tIns="0" bIns="0">
+          <a:bodyPr lIns="0" tIns="0" rIns="0" bIns="0">
             <a:normAutofit/>
           </a:bodyPr>
-          <a:p>
-            <a:endParaRPr b="0" lang="de-DE" sz="2800" spc="-1" strike="noStrike">
+          <a:lstStyle/>
+          <a:p>
+            <a:endParaRPr lang="de-DE" sz="2800" b="0" strike="noStrike" spc="-1">
               <a:solidFill>
                 <a:srgbClr val="000000"/>
               </a:solidFill>
@@ -1181,11 +1341,14 @@
       </p:sp>
     </p:spTree>
   </p:cSld>
+  <p:clrMapOvr>
+    <a:masterClrMapping/>
+  </p:clrMapOvr>
 </p:sldLayout>
 </file>
 
 <file path=ppt/slideLayouts/slideLayout2.xml><?xml version="1.0" encoding="utf-8"?>
-<p:sldLayout xmlns:a="http://schemas.openxmlformats.org/drawingml/2006/main" xmlns:p="http://schemas.openxmlformats.org/presentationml/2006/main" xmlns:r="http://schemas.openxmlformats.org/officeDocument/2006/relationships" xmlns:p14="http://schemas.microsoft.com/office/powerpoint/2010/main" xmlns:p15="http://schemas.microsoft.com/office/powerpoint/2012/main" xmlns:mc="http://schemas.openxmlformats.org/markup-compatibility/2006" type="tx" preserve="1">
+<p:sldLayout xmlns:a="http://schemas.openxmlformats.org/drawingml/2006/main" xmlns:r="http://schemas.openxmlformats.org/officeDocument/2006/relationships" xmlns:p="http://schemas.openxmlformats.org/presentationml/2006/main" type="tx" preserve="1">
   <p:cSld name="Title Slide">
     <p:spTree>
       <p:nvGrpSpPr>
@@ -1221,11 +1384,12 @@
           </a:prstGeom>
         </p:spPr>
         <p:txBody>
-          <a:bodyPr lIns="0" rIns="0" tIns="0" bIns="0" anchor="ctr">
+          <a:bodyPr lIns="0" tIns="0" rIns="0" bIns="0" anchor="ctr">
             <a:spAutoFit/>
           </a:bodyPr>
-          <a:p>
-            <a:endParaRPr b="0" lang="de-DE" sz="1800" spc="-1" strike="noStrike">
+          <a:lstStyle/>
+          <a:p>
+            <a:endParaRPr lang="de-DE" sz="1800" b="0" strike="noStrike" spc="-1">
               <a:solidFill>
                 <a:srgbClr val="000000"/>
               </a:solidFill>
@@ -1254,12 +1418,13 @@
           </a:prstGeom>
         </p:spPr>
         <p:txBody>
-          <a:bodyPr lIns="0" rIns="0" tIns="0" bIns="0" anchor="ctr">
+          <a:bodyPr lIns="0" tIns="0" rIns="0" bIns="0" anchor="ctr">
             <a:spAutoFit/>
           </a:bodyPr>
+          <a:lstStyle/>
           <a:p>
             <a:pPr algn="ctr"/>
-            <a:endParaRPr b="0" lang="de-DE" sz="3200" spc="-1" strike="noStrike">
+            <a:endParaRPr lang="de-DE" sz="3200" b="0" strike="noStrike" spc="-1">
               <a:latin typeface="Arial"/>
             </a:endParaRPr>
           </a:p>
@@ -1267,11 +1432,14 @@
       </p:sp>
     </p:spTree>
   </p:cSld>
+  <p:clrMapOvr>
+    <a:masterClrMapping/>
+  </p:clrMapOvr>
 </p:sldLayout>
 </file>
 
 <file path=ppt/slideLayouts/slideLayout20.xml><?xml version="1.0" encoding="utf-8"?>
-<p:sldLayout xmlns:a="http://schemas.openxmlformats.org/drawingml/2006/main" xmlns:p="http://schemas.openxmlformats.org/presentationml/2006/main" xmlns:r="http://schemas.openxmlformats.org/officeDocument/2006/relationships" xmlns:p14="http://schemas.microsoft.com/office/powerpoint/2010/main" xmlns:p15="http://schemas.microsoft.com/office/powerpoint/2012/main" xmlns:mc="http://schemas.openxmlformats.org/markup-compatibility/2006" type="objAndTwoObj" preserve="1">
+<p:sldLayout xmlns:a="http://schemas.openxmlformats.org/drawingml/2006/main" xmlns:r="http://schemas.openxmlformats.org/officeDocument/2006/relationships" xmlns:p="http://schemas.openxmlformats.org/presentationml/2006/main" type="objAndTwoObj" preserve="1">
   <p:cSld name="Title Content and 2 Content">
     <p:spTree>
       <p:nvGrpSpPr>
@@ -1307,11 +1475,12 @@
           </a:prstGeom>
         </p:spPr>
         <p:txBody>
-          <a:bodyPr lIns="0" rIns="0" tIns="0" bIns="0" anchor="ctr">
+          <a:bodyPr lIns="0" tIns="0" rIns="0" bIns="0" anchor="ctr">
             <a:spAutoFit/>
           </a:bodyPr>
-          <a:p>
-            <a:endParaRPr b="0" lang="de-DE" sz="1800" spc="-1" strike="noStrike">
+          <a:lstStyle/>
+          <a:p>
+            <a:endParaRPr lang="de-DE" sz="1800" b="0" strike="noStrike" spc="-1">
               <a:solidFill>
                 <a:srgbClr val="000000"/>
               </a:solidFill>
@@ -1340,11 +1509,12 @@
           </a:prstGeom>
         </p:spPr>
         <p:txBody>
-          <a:bodyPr lIns="0" rIns="0" tIns="0" bIns="0">
+          <a:bodyPr lIns="0" tIns="0" rIns="0" bIns="0">
             <a:normAutofit/>
           </a:bodyPr>
-          <a:p>
-            <a:endParaRPr b="0" lang="de-DE" sz="2800" spc="-1" strike="noStrike">
+          <a:lstStyle/>
+          <a:p>
+            <a:endParaRPr lang="de-DE" sz="2800" b="0" strike="noStrike" spc="-1">
               <a:solidFill>
                 <a:srgbClr val="000000"/>
               </a:solidFill>
@@ -1373,11 +1543,12 @@
           </a:prstGeom>
         </p:spPr>
         <p:txBody>
-          <a:bodyPr lIns="0" rIns="0" tIns="0" bIns="0">
+          <a:bodyPr lIns="0" tIns="0" rIns="0" bIns="0">
             <a:normAutofit/>
           </a:bodyPr>
-          <a:p>
-            <a:endParaRPr b="0" lang="de-DE" sz="2800" spc="-1" strike="noStrike">
+          <a:lstStyle/>
+          <a:p>
+            <a:endParaRPr lang="de-DE" sz="2800" b="0" strike="noStrike" spc="-1">
               <a:solidFill>
                 <a:srgbClr val="000000"/>
               </a:solidFill>
@@ -1406,11 +1577,12 @@
           </a:prstGeom>
         </p:spPr>
         <p:txBody>
-          <a:bodyPr lIns="0" rIns="0" tIns="0" bIns="0">
+          <a:bodyPr lIns="0" tIns="0" rIns="0" bIns="0">
             <a:normAutofit/>
           </a:bodyPr>
-          <a:p>
-            <a:endParaRPr b="0" lang="de-DE" sz="2800" spc="-1" strike="noStrike">
+          <a:lstStyle/>
+          <a:p>
+            <a:endParaRPr lang="de-DE" sz="2800" b="0" strike="noStrike" spc="-1">
               <a:solidFill>
                 <a:srgbClr val="000000"/>
               </a:solidFill>
@@ -1421,11 +1593,14 @@
       </p:sp>
     </p:spTree>
   </p:cSld>
+  <p:clrMapOvr>
+    <a:masterClrMapping/>
+  </p:clrMapOvr>
 </p:sldLayout>
 </file>
 
 <file path=ppt/slideLayouts/slideLayout21.xml><?xml version="1.0" encoding="utf-8"?>
-<p:sldLayout xmlns:a="http://schemas.openxmlformats.org/drawingml/2006/main" xmlns:p="http://schemas.openxmlformats.org/presentationml/2006/main" xmlns:r="http://schemas.openxmlformats.org/officeDocument/2006/relationships" xmlns:p14="http://schemas.microsoft.com/office/powerpoint/2010/main" xmlns:p15="http://schemas.microsoft.com/office/powerpoint/2012/main" xmlns:mc="http://schemas.openxmlformats.org/markup-compatibility/2006" type="twoObjOverTx" preserve="1">
+<p:sldLayout xmlns:a="http://schemas.openxmlformats.org/drawingml/2006/main" xmlns:r="http://schemas.openxmlformats.org/officeDocument/2006/relationships" xmlns:p="http://schemas.openxmlformats.org/presentationml/2006/main" type="twoObjOverTx" preserve="1">
   <p:cSld name="Title, 2 Content over Content">
     <p:spTree>
       <p:nvGrpSpPr>
@@ -1461,11 +1636,12 @@
           </a:prstGeom>
         </p:spPr>
         <p:txBody>
-          <a:bodyPr lIns="0" rIns="0" tIns="0" bIns="0" anchor="ctr">
+          <a:bodyPr lIns="0" tIns="0" rIns="0" bIns="0" anchor="ctr">
             <a:spAutoFit/>
           </a:bodyPr>
-          <a:p>
-            <a:endParaRPr b="0" lang="de-DE" sz="1800" spc="-1" strike="noStrike">
+          <a:lstStyle/>
+          <a:p>
+            <a:endParaRPr lang="de-DE" sz="1800" b="0" strike="noStrike" spc="-1">
               <a:solidFill>
                 <a:srgbClr val="000000"/>
               </a:solidFill>
@@ -1494,11 +1670,12 @@
           </a:prstGeom>
         </p:spPr>
         <p:txBody>
-          <a:bodyPr lIns="0" rIns="0" tIns="0" bIns="0">
+          <a:bodyPr lIns="0" tIns="0" rIns="0" bIns="0">
             <a:normAutofit/>
           </a:bodyPr>
-          <a:p>
-            <a:endParaRPr b="0" lang="de-DE" sz="2800" spc="-1" strike="noStrike">
+          <a:lstStyle/>
+          <a:p>
+            <a:endParaRPr lang="de-DE" sz="2800" b="0" strike="noStrike" spc="-1">
               <a:solidFill>
                 <a:srgbClr val="000000"/>
               </a:solidFill>
@@ -1527,11 +1704,12 @@
           </a:prstGeom>
         </p:spPr>
         <p:txBody>
-          <a:bodyPr lIns="0" rIns="0" tIns="0" bIns="0">
+          <a:bodyPr lIns="0" tIns="0" rIns="0" bIns="0">
             <a:normAutofit/>
           </a:bodyPr>
-          <a:p>
-            <a:endParaRPr b="0" lang="de-DE" sz="2800" spc="-1" strike="noStrike">
+          <a:lstStyle/>
+          <a:p>
+            <a:endParaRPr lang="de-DE" sz="2800" b="0" strike="noStrike" spc="-1">
               <a:solidFill>
                 <a:srgbClr val="000000"/>
               </a:solidFill>
@@ -1560,11 +1738,12 @@
           </a:prstGeom>
         </p:spPr>
         <p:txBody>
-          <a:bodyPr lIns="0" rIns="0" tIns="0" bIns="0">
+          <a:bodyPr lIns="0" tIns="0" rIns="0" bIns="0">
             <a:normAutofit/>
           </a:bodyPr>
-          <a:p>
-            <a:endParaRPr b="0" lang="de-DE" sz="2800" spc="-1" strike="noStrike">
+          <a:lstStyle/>
+          <a:p>
+            <a:endParaRPr lang="de-DE" sz="2800" b="0" strike="noStrike" spc="-1">
               <a:solidFill>
                 <a:srgbClr val="000000"/>
               </a:solidFill>
@@ -1575,11 +1754,14 @@
       </p:sp>
     </p:spTree>
   </p:cSld>
+  <p:clrMapOvr>
+    <a:masterClrMapping/>
+  </p:clrMapOvr>
 </p:sldLayout>
 </file>
 
 <file path=ppt/slideLayouts/slideLayout22.xml><?xml version="1.0" encoding="utf-8"?>
-<p:sldLayout xmlns:a="http://schemas.openxmlformats.org/drawingml/2006/main" xmlns:p="http://schemas.openxmlformats.org/presentationml/2006/main" xmlns:r="http://schemas.openxmlformats.org/officeDocument/2006/relationships" xmlns:p14="http://schemas.microsoft.com/office/powerpoint/2010/main" xmlns:p15="http://schemas.microsoft.com/office/powerpoint/2012/main" xmlns:mc="http://schemas.openxmlformats.org/markup-compatibility/2006" type="objOverTx" preserve="1">
+<p:sldLayout xmlns:a="http://schemas.openxmlformats.org/drawingml/2006/main" xmlns:r="http://schemas.openxmlformats.org/officeDocument/2006/relationships" xmlns:p="http://schemas.openxmlformats.org/presentationml/2006/main" type="objOverTx" preserve="1">
   <p:cSld name="Title, Content over Content">
     <p:spTree>
       <p:nvGrpSpPr>
@@ -1615,11 +1797,12 @@
           </a:prstGeom>
         </p:spPr>
         <p:txBody>
-          <a:bodyPr lIns="0" rIns="0" tIns="0" bIns="0" anchor="ctr">
+          <a:bodyPr lIns="0" tIns="0" rIns="0" bIns="0" anchor="ctr">
             <a:spAutoFit/>
           </a:bodyPr>
-          <a:p>
-            <a:endParaRPr b="0" lang="de-DE" sz="1800" spc="-1" strike="noStrike">
+          <a:lstStyle/>
+          <a:p>
+            <a:endParaRPr lang="de-DE" sz="1800" b="0" strike="noStrike" spc="-1">
               <a:solidFill>
                 <a:srgbClr val="000000"/>
               </a:solidFill>
@@ -1648,11 +1831,12 @@
           </a:prstGeom>
         </p:spPr>
         <p:txBody>
-          <a:bodyPr lIns="0" rIns="0" tIns="0" bIns="0">
+          <a:bodyPr lIns="0" tIns="0" rIns="0" bIns="0">
             <a:normAutofit/>
           </a:bodyPr>
-          <a:p>
-            <a:endParaRPr b="0" lang="de-DE" sz="2800" spc="-1" strike="noStrike">
+          <a:lstStyle/>
+          <a:p>
+            <a:endParaRPr lang="de-DE" sz="2800" b="0" strike="noStrike" spc="-1">
               <a:solidFill>
                 <a:srgbClr val="000000"/>
               </a:solidFill>
@@ -1681,11 +1865,12 @@
           </a:prstGeom>
         </p:spPr>
         <p:txBody>
-          <a:bodyPr lIns="0" rIns="0" tIns="0" bIns="0">
+          <a:bodyPr lIns="0" tIns="0" rIns="0" bIns="0">
             <a:normAutofit/>
           </a:bodyPr>
-          <a:p>
-            <a:endParaRPr b="0" lang="de-DE" sz="2800" spc="-1" strike="noStrike">
+          <a:lstStyle/>
+          <a:p>
+            <a:endParaRPr lang="de-DE" sz="2800" b="0" strike="noStrike" spc="-1">
               <a:solidFill>
                 <a:srgbClr val="000000"/>
               </a:solidFill>
@@ -1696,11 +1881,14 @@
       </p:sp>
     </p:spTree>
   </p:cSld>
+  <p:clrMapOvr>
+    <a:masterClrMapping/>
+  </p:clrMapOvr>
 </p:sldLayout>
 </file>
 
 <file path=ppt/slideLayouts/slideLayout23.xml><?xml version="1.0" encoding="utf-8"?>
-<p:sldLayout xmlns:a="http://schemas.openxmlformats.org/drawingml/2006/main" xmlns:p="http://schemas.openxmlformats.org/presentationml/2006/main" xmlns:r="http://schemas.openxmlformats.org/officeDocument/2006/relationships" xmlns:p14="http://schemas.microsoft.com/office/powerpoint/2010/main" xmlns:p15="http://schemas.microsoft.com/office/powerpoint/2012/main" xmlns:mc="http://schemas.openxmlformats.org/markup-compatibility/2006" type="fourObj" preserve="1">
+<p:sldLayout xmlns:a="http://schemas.openxmlformats.org/drawingml/2006/main" xmlns:r="http://schemas.openxmlformats.org/officeDocument/2006/relationships" xmlns:p="http://schemas.openxmlformats.org/presentationml/2006/main" type="fourObj" preserve="1">
   <p:cSld name="Title, 4 Content">
     <p:spTree>
       <p:nvGrpSpPr>
@@ -1736,11 +1924,12 @@
           </a:prstGeom>
         </p:spPr>
         <p:txBody>
-          <a:bodyPr lIns="0" rIns="0" tIns="0" bIns="0" anchor="ctr">
+          <a:bodyPr lIns="0" tIns="0" rIns="0" bIns="0" anchor="ctr">
             <a:spAutoFit/>
           </a:bodyPr>
-          <a:p>
-            <a:endParaRPr b="0" lang="de-DE" sz="1800" spc="-1" strike="noStrike">
+          <a:lstStyle/>
+          <a:p>
+            <a:endParaRPr lang="de-DE" sz="1800" b="0" strike="noStrike" spc="-1">
               <a:solidFill>
                 <a:srgbClr val="000000"/>
               </a:solidFill>
@@ -1769,11 +1958,12 @@
           </a:prstGeom>
         </p:spPr>
         <p:txBody>
-          <a:bodyPr lIns="0" rIns="0" tIns="0" bIns="0">
+          <a:bodyPr lIns="0" tIns="0" rIns="0" bIns="0">
             <a:normAutofit/>
           </a:bodyPr>
-          <a:p>
-            <a:endParaRPr b="0" lang="de-DE" sz="2800" spc="-1" strike="noStrike">
+          <a:lstStyle/>
+          <a:p>
+            <a:endParaRPr lang="de-DE" sz="2800" b="0" strike="noStrike" spc="-1">
               <a:solidFill>
                 <a:srgbClr val="000000"/>
               </a:solidFill>
@@ -1802,11 +1992,12 @@
           </a:prstGeom>
         </p:spPr>
         <p:txBody>
-          <a:bodyPr lIns="0" rIns="0" tIns="0" bIns="0">
+          <a:bodyPr lIns="0" tIns="0" rIns="0" bIns="0">
             <a:normAutofit/>
           </a:bodyPr>
-          <a:p>
-            <a:endParaRPr b="0" lang="de-DE" sz="2800" spc="-1" strike="noStrike">
+          <a:lstStyle/>
+          <a:p>
+            <a:endParaRPr lang="de-DE" sz="2800" b="0" strike="noStrike" spc="-1">
               <a:solidFill>
                 <a:srgbClr val="000000"/>
               </a:solidFill>
@@ -1835,11 +2026,12 @@
           </a:prstGeom>
         </p:spPr>
         <p:txBody>
-          <a:bodyPr lIns="0" rIns="0" tIns="0" bIns="0">
+          <a:bodyPr lIns="0" tIns="0" rIns="0" bIns="0">
             <a:normAutofit/>
           </a:bodyPr>
-          <a:p>
-            <a:endParaRPr b="0" lang="de-DE" sz="2800" spc="-1" strike="noStrike">
+          <a:lstStyle/>
+          <a:p>
+            <a:endParaRPr lang="de-DE" sz="2800" b="0" strike="noStrike" spc="-1">
               <a:solidFill>
                 <a:srgbClr val="000000"/>
               </a:solidFill>
@@ -1868,11 +2060,12 @@
           </a:prstGeom>
         </p:spPr>
         <p:txBody>
-          <a:bodyPr lIns="0" rIns="0" tIns="0" bIns="0">
+          <a:bodyPr lIns="0" tIns="0" rIns="0" bIns="0">
             <a:normAutofit/>
           </a:bodyPr>
-          <a:p>
-            <a:endParaRPr b="0" lang="de-DE" sz="2800" spc="-1" strike="noStrike">
+          <a:lstStyle/>
+          <a:p>
+            <a:endParaRPr lang="de-DE" sz="2800" b="0" strike="noStrike" spc="-1">
               <a:solidFill>
                 <a:srgbClr val="000000"/>
               </a:solidFill>
@@ -1883,11 +2076,14 @@
       </p:sp>
     </p:spTree>
   </p:cSld>
+  <p:clrMapOvr>
+    <a:masterClrMapping/>
+  </p:clrMapOvr>
 </p:sldLayout>
 </file>
 
 <file path=ppt/slideLayouts/slideLayout24.xml><?xml version="1.0" encoding="utf-8"?>
-<p:sldLayout xmlns:a="http://schemas.openxmlformats.org/drawingml/2006/main" xmlns:p="http://schemas.openxmlformats.org/presentationml/2006/main" xmlns:r="http://schemas.openxmlformats.org/officeDocument/2006/relationships" xmlns:p14="http://schemas.microsoft.com/office/powerpoint/2010/main" xmlns:p15="http://schemas.microsoft.com/office/powerpoint/2012/main" xmlns:mc="http://schemas.openxmlformats.org/markup-compatibility/2006" type="blank" preserve="1">
+<p:sldLayout xmlns:a="http://schemas.openxmlformats.org/drawingml/2006/main" xmlns:r="http://schemas.openxmlformats.org/officeDocument/2006/relationships" xmlns:p="http://schemas.openxmlformats.org/presentationml/2006/main" type="blank" preserve="1">
   <p:cSld name="Title, 6 Content">
     <p:spTree>
       <p:nvGrpSpPr>
@@ -1923,11 +2119,12 @@
           </a:prstGeom>
         </p:spPr>
         <p:txBody>
-          <a:bodyPr lIns="0" rIns="0" tIns="0" bIns="0" anchor="ctr">
+          <a:bodyPr lIns="0" tIns="0" rIns="0" bIns="0" anchor="ctr">
             <a:spAutoFit/>
           </a:bodyPr>
-          <a:p>
-            <a:endParaRPr b="0" lang="de-DE" sz="1800" spc="-1" strike="noStrike">
+          <a:lstStyle/>
+          <a:p>
+            <a:endParaRPr lang="de-DE" sz="1800" b="0" strike="noStrike" spc="-1">
               <a:solidFill>
                 <a:srgbClr val="000000"/>
               </a:solidFill>
@@ -1956,11 +2153,12 @@
           </a:prstGeom>
         </p:spPr>
         <p:txBody>
-          <a:bodyPr lIns="0" rIns="0" tIns="0" bIns="0">
+          <a:bodyPr lIns="0" tIns="0" rIns="0" bIns="0">
             <a:normAutofit/>
           </a:bodyPr>
-          <a:p>
-            <a:endParaRPr b="0" lang="de-DE" sz="2800" spc="-1" strike="noStrike">
+          <a:lstStyle/>
+          <a:p>
+            <a:endParaRPr lang="de-DE" sz="2800" b="0" strike="noStrike" spc="-1">
               <a:solidFill>
                 <a:srgbClr val="000000"/>
               </a:solidFill>
@@ -1989,11 +2187,12 @@
           </a:prstGeom>
         </p:spPr>
         <p:txBody>
-          <a:bodyPr lIns="0" rIns="0" tIns="0" bIns="0">
+          <a:bodyPr lIns="0" tIns="0" rIns="0" bIns="0">
             <a:normAutofit/>
           </a:bodyPr>
-          <a:p>
-            <a:endParaRPr b="0" lang="de-DE" sz="2800" spc="-1" strike="noStrike">
+          <a:lstStyle/>
+          <a:p>
+            <a:endParaRPr lang="de-DE" sz="2800" b="0" strike="noStrike" spc="-1">
               <a:solidFill>
                 <a:srgbClr val="000000"/>
               </a:solidFill>
@@ -2022,11 +2221,12 @@
           </a:prstGeom>
         </p:spPr>
         <p:txBody>
-          <a:bodyPr lIns="0" rIns="0" tIns="0" bIns="0">
+          <a:bodyPr lIns="0" tIns="0" rIns="0" bIns="0">
             <a:normAutofit/>
           </a:bodyPr>
-          <a:p>
-            <a:endParaRPr b="0" lang="de-DE" sz="2800" spc="-1" strike="noStrike">
+          <a:lstStyle/>
+          <a:p>
+            <a:endParaRPr lang="de-DE" sz="2800" b="0" strike="noStrike" spc="-1">
               <a:solidFill>
                 <a:srgbClr val="000000"/>
               </a:solidFill>
@@ -2055,11 +2255,12 @@
           </a:prstGeom>
         </p:spPr>
         <p:txBody>
-          <a:bodyPr lIns="0" rIns="0" tIns="0" bIns="0">
+          <a:bodyPr lIns="0" tIns="0" rIns="0" bIns="0">
             <a:normAutofit/>
           </a:bodyPr>
-          <a:p>
-            <a:endParaRPr b="0" lang="de-DE" sz="2800" spc="-1" strike="noStrike">
+          <a:lstStyle/>
+          <a:p>
+            <a:endParaRPr lang="de-DE" sz="2800" b="0" strike="noStrike" spc="-1">
               <a:solidFill>
                 <a:srgbClr val="000000"/>
               </a:solidFill>
@@ -2088,11 +2289,12 @@
           </a:prstGeom>
         </p:spPr>
         <p:txBody>
-          <a:bodyPr lIns="0" rIns="0" tIns="0" bIns="0">
+          <a:bodyPr lIns="0" tIns="0" rIns="0" bIns="0">
             <a:normAutofit/>
           </a:bodyPr>
-          <a:p>
-            <a:endParaRPr b="0" lang="de-DE" sz="2800" spc="-1" strike="noStrike">
+          <a:lstStyle/>
+          <a:p>
+            <a:endParaRPr lang="de-DE" sz="2800" b="0" strike="noStrike" spc="-1">
               <a:solidFill>
                 <a:srgbClr val="000000"/>
               </a:solidFill>
@@ -2121,11 +2323,12 @@
           </a:prstGeom>
         </p:spPr>
         <p:txBody>
-          <a:bodyPr lIns="0" rIns="0" tIns="0" bIns="0">
+          <a:bodyPr lIns="0" tIns="0" rIns="0" bIns="0">
             <a:normAutofit/>
           </a:bodyPr>
-          <a:p>
-            <a:endParaRPr b="0" lang="de-DE" sz="2800" spc="-1" strike="noStrike">
+          <a:lstStyle/>
+          <a:p>
+            <a:endParaRPr lang="de-DE" sz="2800" b="0" strike="noStrike" spc="-1">
               <a:solidFill>
                 <a:srgbClr val="000000"/>
               </a:solidFill>
@@ -2136,11 +2339,14 @@
       </p:sp>
     </p:spTree>
   </p:cSld>
+  <p:clrMapOvr>
+    <a:masterClrMapping/>
+  </p:clrMapOvr>
 </p:sldLayout>
 </file>
 
 <file path=ppt/slideLayouts/slideLayout25.xml><?xml version="1.0" encoding="utf-8"?>
-<p:sldLayout xmlns:a="http://schemas.openxmlformats.org/drawingml/2006/main" xmlns:p="http://schemas.openxmlformats.org/presentationml/2006/main" xmlns:r="http://schemas.openxmlformats.org/officeDocument/2006/relationships" xmlns:p14="http://schemas.microsoft.com/office/powerpoint/2010/main" xmlns:p15="http://schemas.microsoft.com/office/powerpoint/2012/main" xmlns:mc="http://schemas.openxmlformats.org/markup-compatibility/2006" type="blank" preserve="1">
+<p:sldLayout xmlns:a="http://schemas.openxmlformats.org/drawingml/2006/main" xmlns:r="http://schemas.openxmlformats.org/officeDocument/2006/relationships" xmlns:p="http://schemas.openxmlformats.org/presentationml/2006/main" type="blank" preserve="1">
   <p:cSld name="Blank Slide">
     <p:spTree>
       <p:nvGrpSpPr>
@@ -2158,11 +2364,14 @@
       </p:grpSpPr>
     </p:spTree>
   </p:cSld>
+  <p:clrMapOvr>
+    <a:masterClrMapping/>
+  </p:clrMapOvr>
 </p:sldLayout>
 </file>
 
 <file path=ppt/slideLayouts/slideLayout26.xml><?xml version="1.0" encoding="utf-8"?>
-<p:sldLayout xmlns:a="http://schemas.openxmlformats.org/drawingml/2006/main" xmlns:p="http://schemas.openxmlformats.org/presentationml/2006/main" xmlns:r="http://schemas.openxmlformats.org/officeDocument/2006/relationships" xmlns:p14="http://schemas.microsoft.com/office/powerpoint/2010/main" xmlns:p15="http://schemas.microsoft.com/office/powerpoint/2012/main" xmlns:mc="http://schemas.openxmlformats.org/markup-compatibility/2006" type="tx" preserve="1">
+<p:sldLayout xmlns:a="http://schemas.openxmlformats.org/drawingml/2006/main" xmlns:r="http://schemas.openxmlformats.org/officeDocument/2006/relationships" xmlns:p="http://schemas.openxmlformats.org/presentationml/2006/main" type="tx" preserve="1">
   <p:cSld name="Title Slide">
     <p:spTree>
       <p:nvGrpSpPr>
@@ -2198,11 +2407,12 @@
           </a:prstGeom>
         </p:spPr>
         <p:txBody>
-          <a:bodyPr lIns="0" rIns="0" tIns="0" bIns="0" anchor="ctr">
+          <a:bodyPr lIns="0" tIns="0" rIns="0" bIns="0" anchor="ctr">
             <a:spAutoFit/>
           </a:bodyPr>
-          <a:p>
-            <a:endParaRPr b="0" lang="de-DE" sz="1800" spc="-1" strike="noStrike">
+          <a:lstStyle/>
+          <a:p>
+            <a:endParaRPr lang="de-DE" sz="1800" b="0" strike="noStrike" spc="-1">
               <a:solidFill>
                 <a:srgbClr val="000000"/>
               </a:solidFill>
@@ -2231,12 +2441,13 @@
           </a:prstGeom>
         </p:spPr>
         <p:txBody>
-          <a:bodyPr lIns="0" rIns="0" tIns="0" bIns="0" anchor="ctr">
+          <a:bodyPr lIns="0" tIns="0" rIns="0" bIns="0" anchor="ctr">
             <a:spAutoFit/>
           </a:bodyPr>
+          <a:lstStyle/>
           <a:p>
             <a:pPr algn="ctr"/>
-            <a:endParaRPr b="0" lang="de-DE" sz="3200" spc="-1" strike="noStrike">
+            <a:endParaRPr lang="de-DE" sz="3200" b="0" strike="noStrike" spc="-1">
               <a:latin typeface="Arial"/>
             </a:endParaRPr>
           </a:p>
@@ -2244,11 +2455,14 @@
       </p:sp>
     </p:spTree>
   </p:cSld>
+  <p:clrMapOvr>
+    <a:masterClrMapping/>
+  </p:clrMapOvr>
 </p:sldLayout>
 </file>
 
 <file path=ppt/slideLayouts/slideLayout27.xml><?xml version="1.0" encoding="utf-8"?>
-<p:sldLayout xmlns:a="http://schemas.openxmlformats.org/drawingml/2006/main" xmlns:p="http://schemas.openxmlformats.org/presentationml/2006/main" xmlns:r="http://schemas.openxmlformats.org/officeDocument/2006/relationships" xmlns:p14="http://schemas.microsoft.com/office/powerpoint/2010/main" xmlns:p15="http://schemas.microsoft.com/office/powerpoint/2012/main" xmlns:mc="http://schemas.openxmlformats.org/markup-compatibility/2006" type="obj" preserve="1">
+<p:sldLayout xmlns:a="http://schemas.openxmlformats.org/drawingml/2006/main" xmlns:r="http://schemas.openxmlformats.org/officeDocument/2006/relationships" xmlns:p="http://schemas.openxmlformats.org/presentationml/2006/main" type="obj" preserve="1">
   <p:cSld name="Title, Content">
     <p:spTree>
       <p:nvGrpSpPr>
@@ -2284,11 +2498,12 @@
           </a:prstGeom>
         </p:spPr>
         <p:txBody>
-          <a:bodyPr lIns="0" rIns="0" tIns="0" bIns="0" anchor="ctr">
+          <a:bodyPr lIns="0" tIns="0" rIns="0" bIns="0" anchor="ctr">
             <a:spAutoFit/>
           </a:bodyPr>
-          <a:p>
-            <a:endParaRPr b="0" lang="de-DE" sz="1800" spc="-1" strike="noStrike">
+          <a:lstStyle/>
+          <a:p>
+            <a:endParaRPr lang="de-DE" sz="1800" b="0" strike="noStrike" spc="-1">
               <a:solidFill>
                 <a:srgbClr val="000000"/>
               </a:solidFill>
@@ -2317,11 +2532,12 @@
           </a:prstGeom>
         </p:spPr>
         <p:txBody>
-          <a:bodyPr lIns="0" rIns="0" tIns="0" bIns="0">
+          <a:bodyPr lIns="0" tIns="0" rIns="0" bIns="0">
             <a:normAutofit/>
           </a:bodyPr>
-          <a:p>
-            <a:endParaRPr b="0" lang="de-DE" sz="2800" spc="-1" strike="noStrike">
+          <a:lstStyle/>
+          <a:p>
+            <a:endParaRPr lang="de-DE" sz="2800" b="0" strike="noStrike" spc="-1">
               <a:solidFill>
                 <a:srgbClr val="000000"/>
               </a:solidFill>
@@ -2332,11 +2548,14 @@
       </p:sp>
     </p:spTree>
   </p:cSld>
+  <p:clrMapOvr>
+    <a:masterClrMapping/>
+  </p:clrMapOvr>
 </p:sldLayout>
 </file>
 
 <file path=ppt/slideLayouts/slideLayout28.xml><?xml version="1.0" encoding="utf-8"?>
-<p:sldLayout xmlns:a="http://schemas.openxmlformats.org/drawingml/2006/main" xmlns:p="http://schemas.openxmlformats.org/presentationml/2006/main" xmlns:r="http://schemas.openxmlformats.org/officeDocument/2006/relationships" xmlns:p14="http://schemas.microsoft.com/office/powerpoint/2010/main" xmlns:p15="http://schemas.microsoft.com/office/powerpoint/2012/main" xmlns:mc="http://schemas.openxmlformats.org/markup-compatibility/2006" type="twoObj" preserve="1">
+<p:sldLayout xmlns:a="http://schemas.openxmlformats.org/drawingml/2006/main" xmlns:r="http://schemas.openxmlformats.org/officeDocument/2006/relationships" xmlns:p="http://schemas.openxmlformats.org/presentationml/2006/main" type="twoObj" preserve="1">
   <p:cSld name="Title, 2 Content">
     <p:spTree>
       <p:nvGrpSpPr>
@@ -2372,11 +2591,12 @@
           </a:prstGeom>
         </p:spPr>
         <p:txBody>
-          <a:bodyPr lIns="0" rIns="0" tIns="0" bIns="0" anchor="ctr">
+          <a:bodyPr lIns="0" tIns="0" rIns="0" bIns="0" anchor="ctr">
             <a:spAutoFit/>
           </a:bodyPr>
-          <a:p>
-            <a:endParaRPr b="0" lang="de-DE" sz="1800" spc="-1" strike="noStrike">
+          <a:lstStyle/>
+          <a:p>
+            <a:endParaRPr lang="de-DE" sz="1800" b="0" strike="noStrike" spc="-1">
               <a:solidFill>
                 <a:srgbClr val="000000"/>
               </a:solidFill>
@@ -2405,11 +2625,12 @@
           </a:prstGeom>
         </p:spPr>
         <p:txBody>
-          <a:bodyPr lIns="0" rIns="0" tIns="0" bIns="0">
+          <a:bodyPr lIns="0" tIns="0" rIns="0" bIns="0">
             <a:normAutofit/>
           </a:bodyPr>
-          <a:p>
-            <a:endParaRPr b="0" lang="de-DE" sz="2800" spc="-1" strike="noStrike">
+          <a:lstStyle/>
+          <a:p>
+            <a:endParaRPr lang="de-DE" sz="2800" b="0" strike="noStrike" spc="-1">
               <a:solidFill>
                 <a:srgbClr val="000000"/>
               </a:solidFill>
@@ -2438,11 +2659,12 @@
           </a:prstGeom>
         </p:spPr>
         <p:txBody>
-          <a:bodyPr lIns="0" rIns="0" tIns="0" bIns="0">
+          <a:bodyPr lIns="0" tIns="0" rIns="0" bIns="0">
             <a:normAutofit/>
           </a:bodyPr>
-          <a:p>
-            <a:endParaRPr b="0" lang="de-DE" sz="2800" spc="-1" strike="noStrike">
+          <a:lstStyle/>
+          <a:p>
+            <a:endParaRPr lang="de-DE" sz="2800" b="0" strike="noStrike" spc="-1">
               <a:solidFill>
                 <a:srgbClr val="000000"/>
               </a:solidFill>
@@ -2453,11 +2675,14 @@
       </p:sp>
     </p:spTree>
   </p:cSld>
+  <p:clrMapOvr>
+    <a:masterClrMapping/>
+  </p:clrMapOvr>
 </p:sldLayout>
 </file>
 
 <file path=ppt/slideLayouts/slideLayout29.xml><?xml version="1.0" encoding="utf-8"?>
-<p:sldLayout xmlns:a="http://schemas.openxmlformats.org/drawingml/2006/main" xmlns:p="http://schemas.openxmlformats.org/presentationml/2006/main" xmlns:r="http://schemas.openxmlformats.org/officeDocument/2006/relationships" xmlns:p14="http://schemas.microsoft.com/office/powerpoint/2010/main" xmlns:p15="http://schemas.microsoft.com/office/powerpoint/2012/main" xmlns:mc="http://schemas.openxmlformats.org/markup-compatibility/2006" type="titleOnly" preserve="1">
+<p:sldLayout xmlns:a="http://schemas.openxmlformats.org/drawingml/2006/main" xmlns:r="http://schemas.openxmlformats.org/officeDocument/2006/relationships" xmlns:p="http://schemas.openxmlformats.org/presentationml/2006/main" type="titleOnly" preserve="1">
   <p:cSld name="Title Only">
     <p:spTree>
       <p:nvGrpSpPr>
@@ -2493,11 +2718,12 @@
           </a:prstGeom>
         </p:spPr>
         <p:txBody>
-          <a:bodyPr lIns="0" rIns="0" tIns="0" bIns="0" anchor="ctr">
+          <a:bodyPr lIns="0" tIns="0" rIns="0" bIns="0" anchor="ctr">
             <a:spAutoFit/>
           </a:bodyPr>
-          <a:p>
-            <a:endParaRPr b="0" lang="de-DE" sz="1800" spc="-1" strike="noStrike">
+          <a:lstStyle/>
+          <a:p>
+            <a:endParaRPr lang="de-DE" sz="1800" b="0" strike="noStrike" spc="-1">
               <a:solidFill>
                 <a:srgbClr val="000000"/>
               </a:solidFill>
@@ -2508,11 +2734,14 @@
       </p:sp>
     </p:spTree>
   </p:cSld>
+  <p:clrMapOvr>
+    <a:masterClrMapping/>
+  </p:clrMapOvr>
 </p:sldLayout>
 </file>
 
 <file path=ppt/slideLayouts/slideLayout3.xml><?xml version="1.0" encoding="utf-8"?>
-<p:sldLayout xmlns:a="http://schemas.openxmlformats.org/drawingml/2006/main" xmlns:p="http://schemas.openxmlformats.org/presentationml/2006/main" xmlns:r="http://schemas.openxmlformats.org/officeDocument/2006/relationships" xmlns:p14="http://schemas.microsoft.com/office/powerpoint/2010/main" xmlns:p15="http://schemas.microsoft.com/office/powerpoint/2012/main" xmlns:mc="http://schemas.openxmlformats.org/markup-compatibility/2006" type="obj" preserve="1">
+<p:sldLayout xmlns:a="http://schemas.openxmlformats.org/drawingml/2006/main" xmlns:r="http://schemas.openxmlformats.org/officeDocument/2006/relationships" xmlns:p="http://schemas.openxmlformats.org/presentationml/2006/main" type="obj" preserve="1">
   <p:cSld name="Title, Content">
     <p:spTree>
       <p:nvGrpSpPr>
@@ -2548,11 +2777,12 @@
           </a:prstGeom>
         </p:spPr>
         <p:txBody>
-          <a:bodyPr lIns="0" rIns="0" tIns="0" bIns="0" anchor="ctr">
+          <a:bodyPr lIns="0" tIns="0" rIns="0" bIns="0" anchor="ctr">
             <a:spAutoFit/>
           </a:bodyPr>
-          <a:p>
-            <a:endParaRPr b="0" lang="de-DE" sz="1800" spc="-1" strike="noStrike">
+          <a:lstStyle/>
+          <a:p>
+            <a:endParaRPr lang="de-DE" sz="1800" b="0" strike="noStrike" spc="-1">
               <a:solidFill>
                 <a:srgbClr val="000000"/>
               </a:solidFill>
@@ -2581,11 +2811,12 @@
           </a:prstGeom>
         </p:spPr>
         <p:txBody>
-          <a:bodyPr lIns="0" rIns="0" tIns="0" bIns="0">
+          <a:bodyPr lIns="0" tIns="0" rIns="0" bIns="0">
             <a:normAutofit/>
           </a:bodyPr>
-          <a:p>
-            <a:endParaRPr b="0" lang="de-DE" sz="2800" spc="-1" strike="noStrike">
+          <a:lstStyle/>
+          <a:p>
+            <a:endParaRPr lang="de-DE" sz="2800" b="0" strike="noStrike" spc="-1">
               <a:solidFill>
                 <a:srgbClr val="000000"/>
               </a:solidFill>
@@ -2596,11 +2827,14 @@
       </p:sp>
     </p:spTree>
   </p:cSld>
+  <p:clrMapOvr>
+    <a:masterClrMapping/>
+  </p:clrMapOvr>
 </p:sldLayout>
 </file>
 
 <file path=ppt/slideLayouts/slideLayout30.xml><?xml version="1.0" encoding="utf-8"?>
-<p:sldLayout xmlns:a="http://schemas.openxmlformats.org/drawingml/2006/main" xmlns:p="http://schemas.openxmlformats.org/presentationml/2006/main" xmlns:r="http://schemas.openxmlformats.org/officeDocument/2006/relationships" xmlns:p14="http://schemas.microsoft.com/office/powerpoint/2010/main" xmlns:p15="http://schemas.microsoft.com/office/powerpoint/2012/main" xmlns:mc="http://schemas.openxmlformats.org/markup-compatibility/2006" type="objOnly" preserve="1">
+<p:sldLayout xmlns:a="http://schemas.openxmlformats.org/drawingml/2006/main" xmlns:r="http://schemas.openxmlformats.org/officeDocument/2006/relationships" xmlns:p="http://schemas.openxmlformats.org/presentationml/2006/main" type="objOnly" preserve="1">
   <p:cSld name="Centered Text">
     <p:spTree>
       <p:nvGrpSpPr>
@@ -2636,12 +2870,13 @@
           </a:prstGeom>
         </p:spPr>
         <p:txBody>
-          <a:bodyPr lIns="0" rIns="0" tIns="0" bIns="0" anchor="ctr">
+          <a:bodyPr lIns="0" tIns="0" rIns="0" bIns="0" anchor="ctr">
             <a:spAutoFit/>
           </a:bodyPr>
+          <a:lstStyle/>
           <a:p>
             <a:pPr algn="ctr"/>
-            <a:endParaRPr b="0" lang="de-DE" sz="3200" spc="-1" strike="noStrike">
+            <a:endParaRPr lang="de-DE" sz="3200" b="0" strike="noStrike" spc="-1">
               <a:latin typeface="Arial"/>
             </a:endParaRPr>
           </a:p>
@@ -2649,11 +2884,14 @@
       </p:sp>
     </p:spTree>
   </p:cSld>
+  <p:clrMapOvr>
+    <a:masterClrMapping/>
+  </p:clrMapOvr>
 </p:sldLayout>
 </file>
 
 <file path=ppt/slideLayouts/slideLayout31.xml><?xml version="1.0" encoding="utf-8"?>
-<p:sldLayout xmlns:a="http://schemas.openxmlformats.org/drawingml/2006/main" xmlns:p="http://schemas.openxmlformats.org/presentationml/2006/main" xmlns:r="http://schemas.openxmlformats.org/officeDocument/2006/relationships" xmlns:p14="http://schemas.microsoft.com/office/powerpoint/2010/main" xmlns:p15="http://schemas.microsoft.com/office/powerpoint/2012/main" xmlns:mc="http://schemas.openxmlformats.org/markup-compatibility/2006" type="twoObjAndObj" preserve="1">
+<p:sldLayout xmlns:a="http://schemas.openxmlformats.org/drawingml/2006/main" xmlns:r="http://schemas.openxmlformats.org/officeDocument/2006/relationships" xmlns:p="http://schemas.openxmlformats.org/presentationml/2006/main" type="twoObjAndObj" preserve="1">
   <p:cSld name="Title, 2 Content and Content">
     <p:spTree>
       <p:nvGrpSpPr>
@@ -2689,11 +2927,12 @@
           </a:prstGeom>
         </p:spPr>
         <p:txBody>
-          <a:bodyPr lIns="0" rIns="0" tIns="0" bIns="0" anchor="ctr">
+          <a:bodyPr lIns="0" tIns="0" rIns="0" bIns="0" anchor="ctr">
             <a:spAutoFit/>
           </a:bodyPr>
-          <a:p>
-            <a:endParaRPr b="0" lang="de-DE" sz="1800" spc="-1" strike="noStrike">
+          <a:lstStyle/>
+          <a:p>
+            <a:endParaRPr lang="de-DE" sz="1800" b="0" strike="noStrike" spc="-1">
               <a:solidFill>
                 <a:srgbClr val="000000"/>
               </a:solidFill>
@@ -2722,11 +2961,12 @@
           </a:prstGeom>
         </p:spPr>
         <p:txBody>
-          <a:bodyPr lIns="0" rIns="0" tIns="0" bIns="0">
+          <a:bodyPr lIns="0" tIns="0" rIns="0" bIns="0">
             <a:normAutofit/>
           </a:bodyPr>
-          <a:p>
-            <a:endParaRPr b="0" lang="de-DE" sz="2800" spc="-1" strike="noStrike">
+          <a:lstStyle/>
+          <a:p>
+            <a:endParaRPr lang="de-DE" sz="2800" b="0" strike="noStrike" spc="-1">
               <a:solidFill>
                 <a:srgbClr val="000000"/>
               </a:solidFill>
@@ -2755,11 +2995,12 @@
           </a:prstGeom>
         </p:spPr>
         <p:txBody>
-          <a:bodyPr lIns="0" rIns="0" tIns="0" bIns="0">
+          <a:bodyPr lIns="0" tIns="0" rIns="0" bIns="0">
             <a:normAutofit/>
           </a:bodyPr>
-          <a:p>
-            <a:endParaRPr b="0" lang="de-DE" sz="2800" spc="-1" strike="noStrike">
+          <a:lstStyle/>
+          <a:p>
+            <a:endParaRPr lang="de-DE" sz="2800" b="0" strike="noStrike" spc="-1">
               <a:solidFill>
                 <a:srgbClr val="000000"/>
               </a:solidFill>
@@ -2788,11 +3029,12 @@
           </a:prstGeom>
         </p:spPr>
         <p:txBody>
-          <a:bodyPr lIns="0" rIns="0" tIns="0" bIns="0">
+          <a:bodyPr lIns="0" tIns="0" rIns="0" bIns="0">
             <a:normAutofit/>
           </a:bodyPr>
-          <a:p>
-            <a:endParaRPr b="0" lang="de-DE" sz="2800" spc="-1" strike="noStrike">
+          <a:lstStyle/>
+          <a:p>
+            <a:endParaRPr lang="de-DE" sz="2800" b="0" strike="noStrike" spc="-1">
               <a:solidFill>
                 <a:srgbClr val="000000"/>
               </a:solidFill>
@@ -2803,11 +3045,14 @@
       </p:sp>
     </p:spTree>
   </p:cSld>
+  <p:clrMapOvr>
+    <a:masterClrMapping/>
+  </p:clrMapOvr>
 </p:sldLayout>
 </file>
 
 <file path=ppt/slideLayouts/slideLayout32.xml><?xml version="1.0" encoding="utf-8"?>
-<p:sldLayout xmlns:a="http://schemas.openxmlformats.org/drawingml/2006/main" xmlns:p="http://schemas.openxmlformats.org/presentationml/2006/main" xmlns:r="http://schemas.openxmlformats.org/officeDocument/2006/relationships" xmlns:p14="http://schemas.microsoft.com/office/powerpoint/2010/main" xmlns:p15="http://schemas.microsoft.com/office/powerpoint/2012/main" xmlns:mc="http://schemas.openxmlformats.org/markup-compatibility/2006" type="objAndTwoObj" preserve="1">
+<p:sldLayout xmlns:a="http://schemas.openxmlformats.org/drawingml/2006/main" xmlns:r="http://schemas.openxmlformats.org/officeDocument/2006/relationships" xmlns:p="http://schemas.openxmlformats.org/presentationml/2006/main" type="objAndTwoObj" preserve="1">
   <p:cSld name="Title Content and 2 Content">
     <p:spTree>
       <p:nvGrpSpPr>
@@ -2843,11 +3088,12 @@
           </a:prstGeom>
         </p:spPr>
         <p:txBody>
-          <a:bodyPr lIns="0" rIns="0" tIns="0" bIns="0" anchor="ctr">
+          <a:bodyPr lIns="0" tIns="0" rIns="0" bIns="0" anchor="ctr">
             <a:spAutoFit/>
           </a:bodyPr>
-          <a:p>
-            <a:endParaRPr b="0" lang="de-DE" sz="1800" spc="-1" strike="noStrike">
+          <a:lstStyle/>
+          <a:p>
+            <a:endParaRPr lang="de-DE" sz="1800" b="0" strike="noStrike" spc="-1">
               <a:solidFill>
                 <a:srgbClr val="000000"/>
               </a:solidFill>
@@ -2876,11 +3122,12 @@
           </a:prstGeom>
         </p:spPr>
         <p:txBody>
-          <a:bodyPr lIns="0" rIns="0" tIns="0" bIns="0">
+          <a:bodyPr lIns="0" tIns="0" rIns="0" bIns="0">
             <a:normAutofit/>
           </a:bodyPr>
-          <a:p>
-            <a:endParaRPr b="0" lang="de-DE" sz="2800" spc="-1" strike="noStrike">
+          <a:lstStyle/>
+          <a:p>
+            <a:endParaRPr lang="de-DE" sz="2800" b="0" strike="noStrike" spc="-1">
               <a:solidFill>
                 <a:srgbClr val="000000"/>
               </a:solidFill>
@@ -2909,11 +3156,12 @@
           </a:prstGeom>
         </p:spPr>
         <p:txBody>
-          <a:bodyPr lIns="0" rIns="0" tIns="0" bIns="0">
+          <a:bodyPr lIns="0" tIns="0" rIns="0" bIns="0">
             <a:normAutofit/>
           </a:bodyPr>
-          <a:p>
-            <a:endParaRPr b="0" lang="de-DE" sz="2800" spc="-1" strike="noStrike">
+          <a:lstStyle/>
+          <a:p>
+            <a:endParaRPr lang="de-DE" sz="2800" b="0" strike="noStrike" spc="-1">
               <a:solidFill>
                 <a:srgbClr val="000000"/>
               </a:solidFill>
@@ -2942,11 +3190,12 @@
           </a:prstGeom>
         </p:spPr>
         <p:txBody>
-          <a:bodyPr lIns="0" rIns="0" tIns="0" bIns="0">
+          <a:bodyPr lIns="0" tIns="0" rIns="0" bIns="0">
             <a:normAutofit/>
           </a:bodyPr>
-          <a:p>
-            <a:endParaRPr b="0" lang="de-DE" sz="2800" spc="-1" strike="noStrike">
+          <a:lstStyle/>
+          <a:p>
+            <a:endParaRPr lang="de-DE" sz="2800" b="0" strike="noStrike" spc="-1">
               <a:solidFill>
                 <a:srgbClr val="000000"/>
               </a:solidFill>
@@ -2957,11 +3206,14 @@
       </p:sp>
     </p:spTree>
   </p:cSld>
+  <p:clrMapOvr>
+    <a:masterClrMapping/>
+  </p:clrMapOvr>
 </p:sldLayout>
 </file>
 
 <file path=ppt/slideLayouts/slideLayout33.xml><?xml version="1.0" encoding="utf-8"?>
-<p:sldLayout xmlns:a="http://schemas.openxmlformats.org/drawingml/2006/main" xmlns:p="http://schemas.openxmlformats.org/presentationml/2006/main" xmlns:r="http://schemas.openxmlformats.org/officeDocument/2006/relationships" xmlns:p14="http://schemas.microsoft.com/office/powerpoint/2010/main" xmlns:p15="http://schemas.microsoft.com/office/powerpoint/2012/main" xmlns:mc="http://schemas.openxmlformats.org/markup-compatibility/2006" type="twoObjOverTx" preserve="1">
+<p:sldLayout xmlns:a="http://schemas.openxmlformats.org/drawingml/2006/main" xmlns:r="http://schemas.openxmlformats.org/officeDocument/2006/relationships" xmlns:p="http://schemas.openxmlformats.org/presentationml/2006/main" type="twoObjOverTx" preserve="1">
   <p:cSld name="Title, 2 Content over Content">
     <p:spTree>
       <p:nvGrpSpPr>
@@ -2997,11 +3249,12 @@
           </a:prstGeom>
         </p:spPr>
         <p:txBody>
-          <a:bodyPr lIns="0" rIns="0" tIns="0" bIns="0" anchor="ctr">
+          <a:bodyPr lIns="0" tIns="0" rIns="0" bIns="0" anchor="ctr">
             <a:spAutoFit/>
           </a:bodyPr>
-          <a:p>
-            <a:endParaRPr b="0" lang="de-DE" sz="1800" spc="-1" strike="noStrike">
+          <a:lstStyle/>
+          <a:p>
+            <a:endParaRPr lang="de-DE" sz="1800" b="0" strike="noStrike" spc="-1">
               <a:solidFill>
                 <a:srgbClr val="000000"/>
               </a:solidFill>
@@ -3030,11 +3283,12 @@
           </a:prstGeom>
         </p:spPr>
         <p:txBody>
-          <a:bodyPr lIns="0" rIns="0" tIns="0" bIns="0">
+          <a:bodyPr lIns="0" tIns="0" rIns="0" bIns="0">
             <a:normAutofit/>
           </a:bodyPr>
-          <a:p>
-            <a:endParaRPr b="0" lang="de-DE" sz="2800" spc="-1" strike="noStrike">
+          <a:lstStyle/>
+          <a:p>
+            <a:endParaRPr lang="de-DE" sz="2800" b="0" strike="noStrike" spc="-1">
               <a:solidFill>
                 <a:srgbClr val="000000"/>
               </a:solidFill>
@@ -3063,11 +3317,12 @@
           </a:prstGeom>
         </p:spPr>
         <p:txBody>
-          <a:bodyPr lIns="0" rIns="0" tIns="0" bIns="0">
+          <a:bodyPr lIns="0" tIns="0" rIns="0" bIns="0">
             <a:normAutofit/>
           </a:bodyPr>
-          <a:p>
-            <a:endParaRPr b="0" lang="de-DE" sz="2800" spc="-1" strike="noStrike">
+          <a:lstStyle/>
+          <a:p>
+            <a:endParaRPr lang="de-DE" sz="2800" b="0" strike="noStrike" spc="-1">
               <a:solidFill>
                 <a:srgbClr val="000000"/>
               </a:solidFill>
@@ -3096,11 +3351,12 @@
           </a:prstGeom>
         </p:spPr>
         <p:txBody>
-          <a:bodyPr lIns="0" rIns="0" tIns="0" bIns="0">
+          <a:bodyPr lIns="0" tIns="0" rIns="0" bIns="0">
             <a:normAutofit/>
           </a:bodyPr>
-          <a:p>
-            <a:endParaRPr b="0" lang="de-DE" sz="2800" spc="-1" strike="noStrike">
+          <a:lstStyle/>
+          <a:p>
+            <a:endParaRPr lang="de-DE" sz="2800" b="0" strike="noStrike" spc="-1">
               <a:solidFill>
                 <a:srgbClr val="000000"/>
               </a:solidFill>
@@ -3111,11 +3367,14 @@
       </p:sp>
     </p:spTree>
   </p:cSld>
+  <p:clrMapOvr>
+    <a:masterClrMapping/>
+  </p:clrMapOvr>
 </p:sldLayout>
 </file>
 
 <file path=ppt/slideLayouts/slideLayout34.xml><?xml version="1.0" encoding="utf-8"?>
-<p:sldLayout xmlns:a="http://schemas.openxmlformats.org/drawingml/2006/main" xmlns:p="http://schemas.openxmlformats.org/presentationml/2006/main" xmlns:r="http://schemas.openxmlformats.org/officeDocument/2006/relationships" xmlns:p14="http://schemas.microsoft.com/office/powerpoint/2010/main" xmlns:p15="http://schemas.microsoft.com/office/powerpoint/2012/main" xmlns:mc="http://schemas.openxmlformats.org/markup-compatibility/2006" type="objOverTx" preserve="1">
+<p:sldLayout xmlns:a="http://schemas.openxmlformats.org/drawingml/2006/main" xmlns:r="http://schemas.openxmlformats.org/officeDocument/2006/relationships" xmlns:p="http://schemas.openxmlformats.org/presentationml/2006/main" type="objOverTx" preserve="1">
   <p:cSld name="Title, Content over Content">
     <p:spTree>
       <p:nvGrpSpPr>
@@ -3151,11 +3410,12 @@
           </a:prstGeom>
         </p:spPr>
         <p:txBody>
-          <a:bodyPr lIns="0" rIns="0" tIns="0" bIns="0" anchor="ctr">
+          <a:bodyPr lIns="0" tIns="0" rIns="0" bIns="0" anchor="ctr">
             <a:spAutoFit/>
           </a:bodyPr>
-          <a:p>
-            <a:endParaRPr b="0" lang="de-DE" sz="1800" spc="-1" strike="noStrike">
+          <a:lstStyle/>
+          <a:p>
+            <a:endParaRPr lang="de-DE" sz="1800" b="0" strike="noStrike" spc="-1">
               <a:solidFill>
                 <a:srgbClr val="000000"/>
               </a:solidFill>
@@ -3184,11 +3444,12 @@
           </a:prstGeom>
         </p:spPr>
         <p:txBody>
-          <a:bodyPr lIns="0" rIns="0" tIns="0" bIns="0">
+          <a:bodyPr lIns="0" tIns="0" rIns="0" bIns="0">
             <a:normAutofit/>
           </a:bodyPr>
-          <a:p>
-            <a:endParaRPr b="0" lang="de-DE" sz="2800" spc="-1" strike="noStrike">
+          <a:lstStyle/>
+          <a:p>
+            <a:endParaRPr lang="de-DE" sz="2800" b="0" strike="noStrike" spc="-1">
               <a:solidFill>
                 <a:srgbClr val="000000"/>
               </a:solidFill>
@@ -3217,11 +3478,12 @@
           </a:prstGeom>
         </p:spPr>
         <p:txBody>
-          <a:bodyPr lIns="0" rIns="0" tIns="0" bIns="0">
+          <a:bodyPr lIns="0" tIns="0" rIns="0" bIns="0">
             <a:normAutofit/>
           </a:bodyPr>
-          <a:p>
-            <a:endParaRPr b="0" lang="de-DE" sz="2800" spc="-1" strike="noStrike">
+          <a:lstStyle/>
+          <a:p>
+            <a:endParaRPr lang="de-DE" sz="2800" b="0" strike="noStrike" spc="-1">
               <a:solidFill>
                 <a:srgbClr val="000000"/>
               </a:solidFill>
@@ -3232,11 +3494,14 @@
       </p:sp>
     </p:spTree>
   </p:cSld>
+  <p:clrMapOvr>
+    <a:masterClrMapping/>
+  </p:clrMapOvr>
 </p:sldLayout>
 </file>
 
 <file path=ppt/slideLayouts/slideLayout35.xml><?xml version="1.0" encoding="utf-8"?>
-<p:sldLayout xmlns:a="http://schemas.openxmlformats.org/drawingml/2006/main" xmlns:p="http://schemas.openxmlformats.org/presentationml/2006/main" xmlns:r="http://schemas.openxmlformats.org/officeDocument/2006/relationships" xmlns:p14="http://schemas.microsoft.com/office/powerpoint/2010/main" xmlns:p15="http://schemas.microsoft.com/office/powerpoint/2012/main" xmlns:mc="http://schemas.openxmlformats.org/markup-compatibility/2006" type="fourObj" preserve="1">
+<p:sldLayout xmlns:a="http://schemas.openxmlformats.org/drawingml/2006/main" xmlns:r="http://schemas.openxmlformats.org/officeDocument/2006/relationships" xmlns:p="http://schemas.openxmlformats.org/presentationml/2006/main" type="fourObj" preserve="1">
   <p:cSld name="Title, 4 Content">
     <p:spTree>
       <p:nvGrpSpPr>
@@ -3272,11 +3537,12 @@
           </a:prstGeom>
         </p:spPr>
         <p:txBody>
-          <a:bodyPr lIns="0" rIns="0" tIns="0" bIns="0" anchor="ctr">
+          <a:bodyPr lIns="0" tIns="0" rIns="0" bIns="0" anchor="ctr">
             <a:spAutoFit/>
           </a:bodyPr>
-          <a:p>
-            <a:endParaRPr b="0" lang="de-DE" sz="1800" spc="-1" strike="noStrike">
+          <a:lstStyle/>
+          <a:p>
+            <a:endParaRPr lang="de-DE" sz="1800" b="0" strike="noStrike" spc="-1">
               <a:solidFill>
                 <a:srgbClr val="000000"/>
               </a:solidFill>
@@ -3305,11 +3571,12 @@
           </a:prstGeom>
         </p:spPr>
         <p:txBody>
-          <a:bodyPr lIns="0" rIns="0" tIns="0" bIns="0">
+          <a:bodyPr lIns="0" tIns="0" rIns="0" bIns="0">
             <a:normAutofit/>
           </a:bodyPr>
-          <a:p>
-            <a:endParaRPr b="0" lang="de-DE" sz="2800" spc="-1" strike="noStrike">
+          <a:lstStyle/>
+          <a:p>
+            <a:endParaRPr lang="de-DE" sz="2800" b="0" strike="noStrike" spc="-1">
               <a:solidFill>
                 <a:srgbClr val="000000"/>
               </a:solidFill>
@@ -3338,11 +3605,12 @@
           </a:prstGeom>
         </p:spPr>
         <p:txBody>
-          <a:bodyPr lIns="0" rIns="0" tIns="0" bIns="0">
+          <a:bodyPr lIns="0" tIns="0" rIns="0" bIns="0">
             <a:normAutofit/>
           </a:bodyPr>
-          <a:p>
-            <a:endParaRPr b="0" lang="de-DE" sz="2800" spc="-1" strike="noStrike">
+          <a:lstStyle/>
+          <a:p>
+            <a:endParaRPr lang="de-DE" sz="2800" b="0" strike="noStrike" spc="-1">
               <a:solidFill>
                 <a:srgbClr val="000000"/>
               </a:solidFill>
@@ -3371,11 +3639,12 @@
           </a:prstGeom>
         </p:spPr>
         <p:txBody>
-          <a:bodyPr lIns="0" rIns="0" tIns="0" bIns="0">
+          <a:bodyPr lIns="0" tIns="0" rIns="0" bIns="0">
             <a:normAutofit/>
           </a:bodyPr>
-          <a:p>
-            <a:endParaRPr b="0" lang="de-DE" sz="2800" spc="-1" strike="noStrike">
+          <a:lstStyle/>
+          <a:p>
+            <a:endParaRPr lang="de-DE" sz="2800" b="0" strike="noStrike" spc="-1">
               <a:solidFill>
                 <a:srgbClr val="000000"/>
               </a:solidFill>
@@ -3404,11 +3673,12 @@
           </a:prstGeom>
         </p:spPr>
         <p:txBody>
-          <a:bodyPr lIns="0" rIns="0" tIns="0" bIns="0">
+          <a:bodyPr lIns="0" tIns="0" rIns="0" bIns="0">
             <a:normAutofit/>
           </a:bodyPr>
-          <a:p>
-            <a:endParaRPr b="0" lang="de-DE" sz="2800" spc="-1" strike="noStrike">
+          <a:lstStyle/>
+          <a:p>
+            <a:endParaRPr lang="de-DE" sz="2800" b="0" strike="noStrike" spc="-1">
               <a:solidFill>
                 <a:srgbClr val="000000"/>
               </a:solidFill>
@@ -3419,11 +3689,14 @@
       </p:sp>
     </p:spTree>
   </p:cSld>
+  <p:clrMapOvr>
+    <a:masterClrMapping/>
+  </p:clrMapOvr>
 </p:sldLayout>
 </file>
 
 <file path=ppt/slideLayouts/slideLayout36.xml><?xml version="1.0" encoding="utf-8"?>
-<p:sldLayout xmlns:a="http://schemas.openxmlformats.org/drawingml/2006/main" xmlns:p="http://schemas.openxmlformats.org/presentationml/2006/main" xmlns:r="http://schemas.openxmlformats.org/officeDocument/2006/relationships" xmlns:p14="http://schemas.microsoft.com/office/powerpoint/2010/main" xmlns:p15="http://schemas.microsoft.com/office/powerpoint/2012/main" xmlns:mc="http://schemas.openxmlformats.org/markup-compatibility/2006" type="blank" preserve="1">
+<p:sldLayout xmlns:a="http://schemas.openxmlformats.org/drawingml/2006/main" xmlns:r="http://schemas.openxmlformats.org/officeDocument/2006/relationships" xmlns:p="http://schemas.openxmlformats.org/presentationml/2006/main" type="blank" preserve="1">
   <p:cSld name="Title, 6 Content">
     <p:spTree>
       <p:nvGrpSpPr>
@@ -3459,11 +3732,12 @@
           </a:prstGeom>
         </p:spPr>
         <p:txBody>
-          <a:bodyPr lIns="0" rIns="0" tIns="0" bIns="0" anchor="ctr">
+          <a:bodyPr lIns="0" tIns="0" rIns="0" bIns="0" anchor="ctr">
             <a:spAutoFit/>
           </a:bodyPr>
-          <a:p>
-            <a:endParaRPr b="0" lang="de-DE" sz="1800" spc="-1" strike="noStrike">
+          <a:lstStyle/>
+          <a:p>
+            <a:endParaRPr lang="de-DE" sz="1800" b="0" strike="noStrike" spc="-1">
               <a:solidFill>
                 <a:srgbClr val="000000"/>
               </a:solidFill>
@@ -3492,11 +3766,12 @@
           </a:prstGeom>
         </p:spPr>
         <p:txBody>
-          <a:bodyPr lIns="0" rIns="0" tIns="0" bIns="0">
+          <a:bodyPr lIns="0" tIns="0" rIns="0" bIns="0">
             <a:normAutofit/>
           </a:bodyPr>
-          <a:p>
-            <a:endParaRPr b="0" lang="de-DE" sz="2800" spc="-1" strike="noStrike">
+          <a:lstStyle/>
+          <a:p>
+            <a:endParaRPr lang="de-DE" sz="2800" b="0" strike="noStrike" spc="-1">
               <a:solidFill>
                 <a:srgbClr val="000000"/>
               </a:solidFill>
@@ -3525,11 +3800,12 @@
           </a:prstGeom>
         </p:spPr>
         <p:txBody>
-          <a:bodyPr lIns="0" rIns="0" tIns="0" bIns="0">
+          <a:bodyPr lIns="0" tIns="0" rIns="0" bIns="0">
             <a:normAutofit/>
           </a:bodyPr>
-          <a:p>
-            <a:endParaRPr b="0" lang="de-DE" sz="2800" spc="-1" strike="noStrike">
+          <a:lstStyle/>
+          <a:p>
+            <a:endParaRPr lang="de-DE" sz="2800" b="0" strike="noStrike" spc="-1">
               <a:solidFill>
                 <a:srgbClr val="000000"/>
               </a:solidFill>
@@ -3558,11 +3834,12 @@
           </a:prstGeom>
         </p:spPr>
         <p:txBody>
-          <a:bodyPr lIns="0" rIns="0" tIns="0" bIns="0">
+          <a:bodyPr lIns="0" tIns="0" rIns="0" bIns="0">
             <a:normAutofit/>
           </a:bodyPr>
-          <a:p>
-            <a:endParaRPr b="0" lang="de-DE" sz="2800" spc="-1" strike="noStrike">
+          <a:lstStyle/>
+          <a:p>
+            <a:endParaRPr lang="de-DE" sz="2800" b="0" strike="noStrike" spc="-1">
               <a:solidFill>
                 <a:srgbClr val="000000"/>
               </a:solidFill>
@@ -3591,11 +3868,12 @@
           </a:prstGeom>
         </p:spPr>
         <p:txBody>
-          <a:bodyPr lIns="0" rIns="0" tIns="0" bIns="0">
+          <a:bodyPr lIns="0" tIns="0" rIns="0" bIns="0">
             <a:normAutofit/>
           </a:bodyPr>
-          <a:p>
-            <a:endParaRPr b="0" lang="de-DE" sz="2800" spc="-1" strike="noStrike">
+          <a:lstStyle/>
+          <a:p>
+            <a:endParaRPr lang="de-DE" sz="2800" b="0" strike="noStrike" spc="-1">
               <a:solidFill>
                 <a:srgbClr val="000000"/>
               </a:solidFill>
@@ -3624,11 +3902,12 @@
           </a:prstGeom>
         </p:spPr>
         <p:txBody>
-          <a:bodyPr lIns="0" rIns="0" tIns="0" bIns="0">
+          <a:bodyPr lIns="0" tIns="0" rIns="0" bIns="0">
             <a:normAutofit/>
           </a:bodyPr>
-          <a:p>
-            <a:endParaRPr b="0" lang="de-DE" sz="2800" spc="-1" strike="noStrike">
+          <a:lstStyle/>
+          <a:p>
+            <a:endParaRPr lang="de-DE" sz="2800" b="0" strike="noStrike" spc="-1">
               <a:solidFill>
                 <a:srgbClr val="000000"/>
               </a:solidFill>
@@ -3657,11 +3936,12 @@
           </a:prstGeom>
         </p:spPr>
         <p:txBody>
-          <a:bodyPr lIns="0" rIns="0" tIns="0" bIns="0">
+          <a:bodyPr lIns="0" tIns="0" rIns="0" bIns="0">
             <a:normAutofit/>
           </a:bodyPr>
-          <a:p>
-            <a:endParaRPr b="0" lang="de-DE" sz="2800" spc="-1" strike="noStrike">
+          <a:lstStyle/>
+          <a:p>
+            <a:endParaRPr lang="de-DE" sz="2800" b="0" strike="noStrike" spc="-1">
               <a:solidFill>
                 <a:srgbClr val="000000"/>
               </a:solidFill>
@@ -3672,11 +3952,14 @@
       </p:sp>
     </p:spTree>
   </p:cSld>
+  <p:clrMapOvr>
+    <a:masterClrMapping/>
+  </p:clrMapOvr>
 </p:sldLayout>
 </file>
 
 <file path=ppt/slideLayouts/slideLayout4.xml><?xml version="1.0" encoding="utf-8"?>
-<p:sldLayout xmlns:a="http://schemas.openxmlformats.org/drawingml/2006/main" xmlns:p="http://schemas.openxmlformats.org/presentationml/2006/main" xmlns:r="http://schemas.openxmlformats.org/officeDocument/2006/relationships" xmlns:p14="http://schemas.microsoft.com/office/powerpoint/2010/main" xmlns:p15="http://schemas.microsoft.com/office/powerpoint/2012/main" xmlns:mc="http://schemas.openxmlformats.org/markup-compatibility/2006" type="twoObj" preserve="1">
+<p:sldLayout xmlns:a="http://schemas.openxmlformats.org/drawingml/2006/main" xmlns:r="http://schemas.openxmlformats.org/officeDocument/2006/relationships" xmlns:p="http://schemas.openxmlformats.org/presentationml/2006/main" type="twoObj" preserve="1">
   <p:cSld name="Title, 2 Content">
     <p:spTree>
       <p:nvGrpSpPr>
@@ -3712,11 +3995,12 @@
           </a:prstGeom>
         </p:spPr>
         <p:txBody>
-          <a:bodyPr lIns="0" rIns="0" tIns="0" bIns="0" anchor="ctr">
+          <a:bodyPr lIns="0" tIns="0" rIns="0" bIns="0" anchor="ctr">
             <a:spAutoFit/>
           </a:bodyPr>
-          <a:p>
-            <a:endParaRPr b="0" lang="de-DE" sz="1800" spc="-1" strike="noStrike">
+          <a:lstStyle/>
+          <a:p>
+            <a:endParaRPr lang="de-DE" sz="1800" b="0" strike="noStrike" spc="-1">
               <a:solidFill>
                 <a:srgbClr val="000000"/>
               </a:solidFill>
@@ -3745,11 +4029,12 @@
           </a:prstGeom>
         </p:spPr>
         <p:txBody>
-          <a:bodyPr lIns="0" rIns="0" tIns="0" bIns="0">
+          <a:bodyPr lIns="0" tIns="0" rIns="0" bIns="0">
             <a:normAutofit/>
           </a:bodyPr>
-          <a:p>
-            <a:endParaRPr b="0" lang="de-DE" sz="2800" spc="-1" strike="noStrike">
+          <a:lstStyle/>
+          <a:p>
+            <a:endParaRPr lang="de-DE" sz="2800" b="0" strike="noStrike" spc="-1">
               <a:solidFill>
                 <a:srgbClr val="000000"/>
               </a:solidFill>
@@ -3778,11 +4063,12 @@
           </a:prstGeom>
         </p:spPr>
         <p:txBody>
-          <a:bodyPr lIns="0" rIns="0" tIns="0" bIns="0">
+          <a:bodyPr lIns="0" tIns="0" rIns="0" bIns="0">
             <a:normAutofit/>
           </a:bodyPr>
-          <a:p>
-            <a:endParaRPr b="0" lang="de-DE" sz="2800" spc="-1" strike="noStrike">
+          <a:lstStyle/>
+          <a:p>
+            <a:endParaRPr lang="de-DE" sz="2800" b="0" strike="noStrike" spc="-1">
               <a:solidFill>
                 <a:srgbClr val="000000"/>
               </a:solidFill>
@@ -3793,11 +4079,14 @@
       </p:sp>
     </p:spTree>
   </p:cSld>
+  <p:clrMapOvr>
+    <a:masterClrMapping/>
+  </p:clrMapOvr>
 </p:sldLayout>
 </file>
 
 <file path=ppt/slideLayouts/slideLayout5.xml><?xml version="1.0" encoding="utf-8"?>
-<p:sldLayout xmlns:a="http://schemas.openxmlformats.org/drawingml/2006/main" xmlns:p="http://schemas.openxmlformats.org/presentationml/2006/main" xmlns:r="http://schemas.openxmlformats.org/officeDocument/2006/relationships" xmlns:p14="http://schemas.microsoft.com/office/powerpoint/2010/main" xmlns:p15="http://schemas.microsoft.com/office/powerpoint/2012/main" xmlns:mc="http://schemas.openxmlformats.org/markup-compatibility/2006" type="titleOnly" preserve="1">
+<p:sldLayout xmlns:a="http://schemas.openxmlformats.org/drawingml/2006/main" xmlns:r="http://schemas.openxmlformats.org/officeDocument/2006/relationships" xmlns:p="http://schemas.openxmlformats.org/presentationml/2006/main" type="titleOnly" preserve="1">
   <p:cSld name="Title Only">
     <p:spTree>
       <p:nvGrpSpPr>
@@ -3833,11 +4122,12 @@
           </a:prstGeom>
         </p:spPr>
         <p:txBody>
-          <a:bodyPr lIns="0" rIns="0" tIns="0" bIns="0" anchor="ctr">
+          <a:bodyPr lIns="0" tIns="0" rIns="0" bIns="0" anchor="ctr">
             <a:spAutoFit/>
           </a:bodyPr>
-          <a:p>
-            <a:endParaRPr b="0" lang="de-DE" sz="1800" spc="-1" strike="noStrike">
+          <a:lstStyle/>
+          <a:p>
+            <a:endParaRPr lang="de-DE" sz="1800" b="0" strike="noStrike" spc="-1">
               <a:solidFill>
                 <a:srgbClr val="000000"/>
               </a:solidFill>
@@ -3848,11 +4138,14 @@
       </p:sp>
     </p:spTree>
   </p:cSld>
+  <p:clrMapOvr>
+    <a:masterClrMapping/>
+  </p:clrMapOvr>
 </p:sldLayout>
 </file>
 
 <file path=ppt/slideLayouts/slideLayout6.xml><?xml version="1.0" encoding="utf-8"?>
-<p:sldLayout xmlns:a="http://schemas.openxmlformats.org/drawingml/2006/main" xmlns:p="http://schemas.openxmlformats.org/presentationml/2006/main" xmlns:r="http://schemas.openxmlformats.org/officeDocument/2006/relationships" xmlns:p14="http://schemas.microsoft.com/office/powerpoint/2010/main" xmlns:p15="http://schemas.microsoft.com/office/powerpoint/2012/main" xmlns:mc="http://schemas.openxmlformats.org/markup-compatibility/2006" type="objOnly" preserve="1">
+<p:sldLayout xmlns:a="http://schemas.openxmlformats.org/drawingml/2006/main" xmlns:r="http://schemas.openxmlformats.org/officeDocument/2006/relationships" xmlns:p="http://schemas.openxmlformats.org/presentationml/2006/main" type="objOnly" preserve="1">
   <p:cSld name="Centered Text">
     <p:spTree>
       <p:nvGrpSpPr>
@@ -3888,12 +4181,13 @@
           </a:prstGeom>
         </p:spPr>
         <p:txBody>
-          <a:bodyPr lIns="0" rIns="0" tIns="0" bIns="0" anchor="ctr">
+          <a:bodyPr lIns="0" tIns="0" rIns="0" bIns="0" anchor="ctr">
             <a:spAutoFit/>
           </a:bodyPr>
+          <a:lstStyle/>
           <a:p>
             <a:pPr algn="ctr"/>
-            <a:endParaRPr b="0" lang="de-DE" sz="3200" spc="-1" strike="noStrike">
+            <a:endParaRPr lang="de-DE" sz="3200" b="0" strike="noStrike" spc="-1">
               <a:latin typeface="Arial"/>
             </a:endParaRPr>
           </a:p>
@@ -3901,11 +4195,14 @@
       </p:sp>
     </p:spTree>
   </p:cSld>
+  <p:clrMapOvr>
+    <a:masterClrMapping/>
+  </p:clrMapOvr>
 </p:sldLayout>
 </file>
 
 <file path=ppt/slideLayouts/slideLayout7.xml><?xml version="1.0" encoding="utf-8"?>
-<p:sldLayout xmlns:a="http://schemas.openxmlformats.org/drawingml/2006/main" xmlns:p="http://schemas.openxmlformats.org/presentationml/2006/main" xmlns:r="http://schemas.openxmlformats.org/officeDocument/2006/relationships" xmlns:p14="http://schemas.microsoft.com/office/powerpoint/2010/main" xmlns:p15="http://schemas.microsoft.com/office/powerpoint/2012/main" xmlns:mc="http://schemas.openxmlformats.org/markup-compatibility/2006" type="twoObjAndObj" preserve="1">
+<p:sldLayout xmlns:a="http://schemas.openxmlformats.org/drawingml/2006/main" xmlns:r="http://schemas.openxmlformats.org/officeDocument/2006/relationships" xmlns:p="http://schemas.openxmlformats.org/presentationml/2006/main" type="twoObjAndObj" preserve="1">
   <p:cSld name="Title, 2 Content and Content">
     <p:spTree>
       <p:nvGrpSpPr>
@@ -3941,11 +4238,12 @@
           </a:prstGeom>
         </p:spPr>
         <p:txBody>
-          <a:bodyPr lIns="0" rIns="0" tIns="0" bIns="0" anchor="ctr">
+          <a:bodyPr lIns="0" tIns="0" rIns="0" bIns="0" anchor="ctr">
             <a:spAutoFit/>
           </a:bodyPr>
-          <a:p>
-            <a:endParaRPr b="0" lang="de-DE" sz="1800" spc="-1" strike="noStrike">
+          <a:lstStyle/>
+          <a:p>
+            <a:endParaRPr lang="de-DE" sz="1800" b="0" strike="noStrike" spc="-1">
               <a:solidFill>
                 <a:srgbClr val="000000"/>
               </a:solidFill>
@@ -3974,11 +4272,12 @@
           </a:prstGeom>
         </p:spPr>
         <p:txBody>
-          <a:bodyPr lIns="0" rIns="0" tIns="0" bIns="0">
+          <a:bodyPr lIns="0" tIns="0" rIns="0" bIns="0">
             <a:normAutofit/>
           </a:bodyPr>
-          <a:p>
-            <a:endParaRPr b="0" lang="de-DE" sz="2800" spc="-1" strike="noStrike">
+          <a:lstStyle/>
+          <a:p>
+            <a:endParaRPr lang="de-DE" sz="2800" b="0" strike="noStrike" spc="-1">
               <a:solidFill>
                 <a:srgbClr val="000000"/>
               </a:solidFill>
@@ -4007,11 +4306,12 @@
           </a:prstGeom>
         </p:spPr>
         <p:txBody>
-          <a:bodyPr lIns="0" rIns="0" tIns="0" bIns="0">
+          <a:bodyPr lIns="0" tIns="0" rIns="0" bIns="0">
             <a:normAutofit/>
           </a:bodyPr>
-          <a:p>
-            <a:endParaRPr b="0" lang="de-DE" sz="2800" spc="-1" strike="noStrike">
+          <a:lstStyle/>
+          <a:p>
+            <a:endParaRPr lang="de-DE" sz="2800" b="0" strike="noStrike" spc="-1">
               <a:solidFill>
                 <a:srgbClr val="000000"/>
               </a:solidFill>
@@ -4040,11 +4340,12 @@
           </a:prstGeom>
         </p:spPr>
         <p:txBody>
-          <a:bodyPr lIns="0" rIns="0" tIns="0" bIns="0">
+          <a:bodyPr lIns="0" tIns="0" rIns="0" bIns="0">
             <a:normAutofit/>
           </a:bodyPr>
-          <a:p>
-            <a:endParaRPr b="0" lang="de-DE" sz="2800" spc="-1" strike="noStrike">
+          <a:lstStyle/>
+          <a:p>
+            <a:endParaRPr lang="de-DE" sz="2800" b="0" strike="noStrike" spc="-1">
               <a:solidFill>
                 <a:srgbClr val="000000"/>
               </a:solidFill>
@@ -4055,11 +4356,14 @@
       </p:sp>
     </p:spTree>
   </p:cSld>
+  <p:clrMapOvr>
+    <a:masterClrMapping/>
+  </p:clrMapOvr>
 </p:sldLayout>
 </file>
 
 <file path=ppt/slideLayouts/slideLayout8.xml><?xml version="1.0" encoding="utf-8"?>
-<p:sldLayout xmlns:a="http://schemas.openxmlformats.org/drawingml/2006/main" xmlns:p="http://schemas.openxmlformats.org/presentationml/2006/main" xmlns:r="http://schemas.openxmlformats.org/officeDocument/2006/relationships" xmlns:p14="http://schemas.microsoft.com/office/powerpoint/2010/main" xmlns:p15="http://schemas.microsoft.com/office/powerpoint/2012/main" xmlns:mc="http://schemas.openxmlformats.org/markup-compatibility/2006" type="objAndTwoObj" preserve="1">
+<p:sldLayout xmlns:a="http://schemas.openxmlformats.org/drawingml/2006/main" xmlns:r="http://schemas.openxmlformats.org/officeDocument/2006/relationships" xmlns:p="http://schemas.openxmlformats.org/presentationml/2006/main" type="objAndTwoObj" preserve="1">
   <p:cSld name="Title Content and 2 Content">
     <p:spTree>
       <p:nvGrpSpPr>
@@ -4095,11 +4399,12 @@
           </a:prstGeom>
         </p:spPr>
         <p:txBody>
-          <a:bodyPr lIns="0" rIns="0" tIns="0" bIns="0" anchor="ctr">
+          <a:bodyPr lIns="0" tIns="0" rIns="0" bIns="0" anchor="ctr">
             <a:spAutoFit/>
           </a:bodyPr>
-          <a:p>
-            <a:endParaRPr b="0" lang="de-DE" sz="1800" spc="-1" strike="noStrike">
+          <a:lstStyle/>
+          <a:p>
+            <a:endParaRPr lang="de-DE" sz="1800" b="0" strike="noStrike" spc="-1">
               <a:solidFill>
                 <a:srgbClr val="000000"/>
               </a:solidFill>
@@ -4128,11 +4433,12 @@
           </a:prstGeom>
         </p:spPr>
         <p:txBody>
-          <a:bodyPr lIns="0" rIns="0" tIns="0" bIns="0">
+          <a:bodyPr lIns="0" tIns="0" rIns="0" bIns="0">
             <a:normAutofit/>
           </a:bodyPr>
-          <a:p>
-            <a:endParaRPr b="0" lang="de-DE" sz="2800" spc="-1" strike="noStrike">
+          <a:lstStyle/>
+          <a:p>
+            <a:endParaRPr lang="de-DE" sz="2800" b="0" strike="noStrike" spc="-1">
               <a:solidFill>
                 <a:srgbClr val="000000"/>
               </a:solidFill>
@@ -4161,11 +4467,12 @@
           </a:prstGeom>
         </p:spPr>
         <p:txBody>
-          <a:bodyPr lIns="0" rIns="0" tIns="0" bIns="0">
+          <a:bodyPr lIns="0" tIns="0" rIns="0" bIns="0">
             <a:normAutofit/>
           </a:bodyPr>
-          <a:p>
-            <a:endParaRPr b="0" lang="de-DE" sz="2800" spc="-1" strike="noStrike">
+          <a:lstStyle/>
+          <a:p>
+            <a:endParaRPr lang="de-DE" sz="2800" b="0" strike="noStrike" spc="-1">
               <a:solidFill>
                 <a:srgbClr val="000000"/>
               </a:solidFill>
@@ -4194,11 +4501,12 @@
           </a:prstGeom>
         </p:spPr>
         <p:txBody>
-          <a:bodyPr lIns="0" rIns="0" tIns="0" bIns="0">
+          <a:bodyPr lIns="0" tIns="0" rIns="0" bIns="0">
             <a:normAutofit/>
           </a:bodyPr>
-          <a:p>
-            <a:endParaRPr b="0" lang="de-DE" sz="2800" spc="-1" strike="noStrike">
+          <a:lstStyle/>
+          <a:p>
+            <a:endParaRPr lang="de-DE" sz="2800" b="0" strike="noStrike" spc="-1">
               <a:solidFill>
                 <a:srgbClr val="000000"/>
               </a:solidFill>
@@ -4209,11 +4517,14 @@
       </p:sp>
     </p:spTree>
   </p:cSld>
+  <p:clrMapOvr>
+    <a:masterClrMapping/>
+  </p:clrMapOvr>
 </p:sldLayout>
 </file>
 
 <file path=ppt/slideLayouts/slideLayout9.xml><?xml version="1.0" encoding="utf-8"?>
-<p:sldLayout xmlns:a="http://schemas.openxmlformats.org/drawingml/2006/main" xmlns:p="http://schemas.openxmlformats.org/presentationml/2006/main" xmlns:r="http://schemas.openxmlformats.org/officeDocument/2006/relationships" xmlns:p14="http://schemas.microsoft.com/office/powerpoint/2010/main" xmlns:p15="http://schemas.microsoft.com/office/powerpoint/2012/main" xmlns:mc="http://schemas.openxmlformats.org/markup-compatibility/2006" type="twoObjOverTx" preserve="1">
+<p:sldLayout xmlns:a="http://schemas.openxmlformats.org/drawingml/2006/main" xmlns:r="http://schemas.openxmlformats.org/officeDocument/2006/relationships" xmlns:p="http://schemas.openxmlformats.org/presentationml/2006/main" type="twoObjOverTx" preserve="1">
   <p:cSld name="Title, 2 Content over Content">
     <p:spTree>
       <p:nvGrpSpPr>
@@ -4249,11 +4560,12 @@
           </a:prstGeom>
         </p:spPr>
         <p:txBody>
-          <a:bodyPr lIns="0" rIns="0" tIns="0" bIns="0" anchor="ctr">
+          <a:bodyPr lIns="0" tIns="0" rIns="0" bIns="0" anchor="ctr">
             <a:spAutoFit/>
           </a:bodyPr>
-          <a:p>
-            <a:endParaRPr b="0" lang="de-DE" sz="1800" spc="-1" strike="noStrike">
+          <a:lstStyle/>
+          <a:p>
+            <a:endParaRPr lang="de-DE" sz="1800" b="0" strike="noStrike" spc="-1">
               <a:solidFill>
                 <a:srgbClr val="000000"/>
               </a:solidFill>
@@ -4282,11 +4594,12 @@
           </a:prstGeom>
         </p:spPr>
         <p:txBody>
-          <a:bodyPr lIns="0" rIns="0" tIns="0" bIns="0">
+          <a:bodyPr lIns="0" tIns="0" rIns="0" bIns="0">
             <a:normAutofit/>
           </a:bodyPr>
-          <a:p>
-            <a:endParaRPr b="0" lang="de-DE" sz="2800" spc="-1" strike="noStrike">
+          <a:lstStyle/>
+          <a:p>
+            <a:endParaRPr lang="de-DE" sz="2800" b="0" strike="noStrike" spc="-1">
               <a:solidFill>
                 <a:srgbClr val="000000"/>
               </a:solidFill>
@@ -4315,11 +4628,12 @@
           </a:prstGeom>
         </p:spPr>
         <p:txBody>
-          <a:bodyPr lIns="0" rIns="0" tIns="0" bIns="0">
+          <a:bodyPr lIns="0" tIns="0" rIns="0" bIns="0">
             <a:normAutofit/>
           </a:bodyPr>
-          <a:p>
-            <a:endParaRPr b="0" lang="de-DE" sz="2800" spc="-1" strike="noStrike">
+          <a:lstStyle/>
+          <a:p>
+            <a:endParaRPr lang="de-DE" sz="2800" b="0" strike="noStrike" spc="-1">
               <a:solidFill>
                 <a:srgbClr val="000000"/>
               </a:solidFill>
@@ -4348,11 +4662,12 @@
           </a:prstGeom>
         </p:spPr>
         <p:txBody>
-          <a:bodyPr lIns="0" rIns="0" tIns="0" bIns="0">
+          <a:bodyPr lIns="0" tIns="0" rIns="0" bIns="0">
             <a:normAutofit/>
           </a:bodyPr>
-          <a:p>
-            <a:endParaRPr b="0" lang="de-DE" sz="2800" spc="-1" strike="noStrike">
+          <a:lstStyle/>
+          <a:p>
+            <a:endParaRPr lang="de-DE" sz="2800" b="0" strike="noStrike" spc="-1">
               <a:solidFill>
                 <a:srgbClr val="000000"/>
               </a:solidFill>
@@ -4363,17 +4678,21 @@
       </p:sp>
     </p:spTree>
   </p:cSld>
+  <p:clrMapOvr>
+    <a:masterClrMapping/>
+  </p:clrMapOvr>
 </p:sldLayout>
 </file>
 
 <file path=ppt/slideMasters/slideMaster1.xml><?xml version="1.0" encoding="utf-8"?>
-<p:sldMaster xmlns:a="http://schemas.openxmlformats.org/drawingml/2006/main" xmlns:p="http://schemas.openxmlformats.org/presentationml/2006/main" xmlns:r="http://schemas.openxmlformats.org/officeDocument/2006/relationships" xmlns:p14="http://schemas.microsoft.com/office/powerpoint/2010/main" xmlns:p15="http://schemas.microsoft.com/office/powerpoint/2012/main" xmlns:mc="http://schemas.openxmlformats.org/markup-compatibility/2006">
+<p:sldMaster xmlns:a="http://schemas.openxmlformats.org/drawingml/2006/main" xmlns:r="http://schemas.openxmlformats.org/officeDocument/2006/relationships" xmlns:p="http://schemas.openxmlformats.org/presentationml/2006/main">
   <p:cSld>
     <p:bg>
       <p:bgPr>
         <a:solidFill>
-          <a:srgbClr val="ffffff"/>
+          <a:srgbClr val="FFFFFF"/>
         </a:solidFill>
+        <a:effectLst/>
       </p:bgPr>
     </p:bg>
     <p:spTree>
@@ -4392,7 +4711,7 @@
       </p:grpSpPr>
       <p:sp>
         <p:nvSpPr>
-          <p:cNvPr id="0" name="PlaceHolder 1"/>
+          <p:cNvPr id="5" name="PlaceHolder 1"/>
           <p:cNvSpPr>
             <a:spLocks noGrp="1"/>
           </p:cNvSpPr>
@@ -4413,6 +4732,7 @@
           <a:bodyPr anchor="b">
             <a:noAutofit/>
           </a:bodyPr>
+          <a:lstStyle/>
           <a:p>
             <a:pPr algn="ctr">
               <a:lnSpc>
@@ -4420,7 +4740,7 @@
               </a:lnSpc>
             </a:pPr>
             <a:r>
-              <a:rPr b="0" lang="de-DE" sz="6000" spc="-1" strike="noStrike">
+              <a:rPr lang="de-DE" sz="6000" b="0" strike="noStrike" spc="-1">
                 <a:solidFill>
                   <a:srgbClr val="000000"/>
                 </a:solidFill>
@@ -4428,18 +4748,18 @@
               </a:rPr>
               <a:t>Mastertitelformat bearbeiten</a:t>
             </a:r>
-            <a:endParaRPr b="0" lang="de-DE" sz="6000" spc="-1" strike="noStrike">
-              <a:solidFill>
-                <a:srgbClr val="000000"/>
-              </a:solidFill>
-              <a:latin typeface="Calibri"/>
-            </a:endParaRPr>
-          </a:p>
-        </p:txBody>
-      </p:sp>
-      <p:sp>
-        <p:nvSpPr>
-          <p:cNvPr id="1" name="PlaceHolder 2"/>
+            <a:endParaRPr lang="de-DE" sz="6000" b="0" strike="noStrike" spc="-1">
+              <a:solidFill>
+                <a:srgbClr val="000000"/>
+              </a:solidFill>
+              <a:latin typeface="Calibri"/>
+            </a:endParaRPr>
+          </a:p>
+        </p:txBody>
+      </p:sp>
+      <p:sp>
+        <p:nvSpPr>
+          <p:cNvPr id="6" name="PlaceHolder 2"/>
           <p:cNvSpPr>
             <a:spLocks noGrp="1"/>
           </p:cNvSpPr>
@@ -4460,6 +4780,7 @@
           <a:bodyPr anchor="ctr">
             <a:noAutofit/>
           </a:bodyPr>
+          <a:lstStyle/>
           <a:p>
             <a:pPr>
               <a:lnSpc>
@@ -4467,15 +4788,15 @@
               </a:lnSpc>
             </a:pPr>
             <a:fld id="{7424CF2D-0029-45EE-BC17-4318D3329D21}" type="datetime">
-              <a:rPr b="0" lang="de-DE" sz="1200" spc="-1" strike="noStrike">
+              <a:rPr lang="de-DE" sz="1200" b="0" strike="noStrike" spc="-1">
                 <a:solidFill>
-                  <a:srgbClr val="8b8b8b"/>
+                  <a:srgbClr val="8B8B8B"/>
                 </a:solidFill>
                 <a:latin typeface="Calibri"/>
               </a:rPr>
-              <a:t>09.09.19</a:t>
+              <a:t>09.09.2019</a:t>
             </a:fld>
-            <a:endParaRPr b="0" lang="de-DE" sz="1200" spc="-1" strike="noStrike">
+            <a:endParaRPr lang="de-DE" sz="1200" b="0" strike="noStrike" spc="-1">
               <a:latin typeface="Times New Roman"/>
             </a:endParaRPr>
           </a:p>
@@ -4504,8 +4825,9 @@
           <a:bodyPr anchor="ctr">
             <a:noAutofit/>
           </a:bodyPr>
-          <a:p>
-            <a:endParaRPr b="0" lang="de-DE" sz="2400" spc="-1" strike="noStrike">
+          <a:lstStyle/>
+          <a:p>
+            <a:endParaRPr lang="de-DE" sz="2400" b="0" strike="noStrike" spc="-1">
               <a:latin typeface="Times New Roman"/>
             </a:endParaRPr>
           </a:p>
@@ -4534,6 +4856,7 @@
           <a:bodyPr anchor="ctr">
             <a:noAutofit/>
           </a:bodyPr>
+          <a:lstStyle/>
           <a:p>
             <a:pPr algn="r">
               <a:lnSpc>
@@ -4541,15 +4864,15 @@
               </a:lnSpc>
             </a:pPr>
             <a:fld id="{CFFA19A4-41A8-4853-8DC3-799AAB8F55C2}" type="slidenum">
-              <a:rPr b="0" lang="de-DE" sz="1200" spc="-1" strike="noStrike">
+              <a:rPr lang="de-DE" sz="1200" b="0" strike="noStrike" spc="-1">
                 <a:solidFill>
-                  <a:srgbClr val="8b8b8b"/>
+                  <a:srgbClr val="8B8B8B"/>
                 </a:solidFill>
                 <a:latin typeface="Calibri"/>
               </a:rPr>
-              <a:t>&lt;Foliennummer&gt;</a:t>
+              <a:t>‹Nr.›</a:t>
             </a:fld>
-            <a:endParaRPr b="0" lang="de-DE" sz="1200" spc="-1" strike="noStrike">
+            <a:endParaRPr lang="de-DE" sz="1200" b="0" strike="noStrike" spc="-1">
               <a:latin typeface="Times New Roman"/>
             </a:endParaRPr>
           </a:p>
@@ -4575,9 +4898,10 @@
           </a:prstGeom>
         </p:spPr>
         <p:txBody>
-          <a:bodyPr lIns="0" rIns="0" tIns="0" bIns="0">
+          <a:bodyPr lIns="0" tIns="0" rIns="0" bIns="0">
             <a:normAutofit/>
           </a:bodyPr>
+          <a:lstStyle/>
           <a:p>
             <a:pPr marL="432000" indent="-324000">
               <a:spcBef>
@@ -4591,7 +4915,7 @@
               <a:buChar char=""/>
             </a:pPr>
             <a:r>
-              <a:rPr b="0" lang="de-DE" sz="2800" spc="-1" strike="noStrike">
+              <a:rPr lang="de-DE" sz="2800" b="0" strike="noStrike" spc="-1">
                 <a:solidFill>
                   <a:srgbClr val="000000"/>
                 </a:solidFill>
@@ -4599,15 +4923,9 @@
               </a:rPr>
               <a:t>Format des Gliederungstextes durch Klicken bearbeiten</a:t>
             </a:r>
-            <a:endParaRPr b="0" lang="de-DE" sz="2800" spc="-1" strike="noStrike">
-              <a:solidFill>
-                <a:srgbClr val="000000"/>
-              </a:solidFill>
-              <a:latin typeface="Calibri"/>
-            </a:endParaRPr>
-          </a:p>
-          <a:p>
-            <a:pPr lvl="1" marL="864000" indent="-324000">
+          </a:p>
+          <a:p>
+            <a:pPr marL="864000" lvl="1" indent="-324000">
               <a:spcBef>
                 <a:spcPts val="1134"/>
               </a:spcBef>
@@ -4619,7 +4937,7 @@
               <a:buChar char=""/>
             </a:pPr>
             <a:r>
-              <a:rPr b="0" lang="de-DE" sz="2000" spc="-1" strike="noStrike">
+              <a:rPr lang="de-DE" sz="2000" b="0" strike="noStrike" spc="-1">
                 <a:solidFill>
                   <a:srgbClr val="000000"/>
                 </a:solidFill>
@@ -4627,15 +4945,9 @@
               </a:rPr>
               <a:t>Zweite Gliederungsebene</a:t>
             </a:r>
-            <a:endParaRPr b="0" lang="de-DE" sz="2000" spc="-1" strike="noStrike">
-              <a:solidFill>
-                <a:srgbClr val="000000"/>
-              </a:solidFill>
-              <a:latin typeface="Calibri"/>
-            </a:endParaRPr>
-          </a:p>
-          <a:p>
-            <a:pPr lvl="2" marL="1296000" indent="-288000">
+          </a:p>
+          <a:p>
+            <a:pPr marL="1296000" lvl="2" indent="-288000">
               <a:spcBef>
                 <a:spcPts val="850"/>
               </a:spcBef>
@@ -4647,7 +4959,7 @@
               <a:buChar char=""/>
             </a:pPr>
             <a:r>
-              <a:rPr b="0" lang="de-DE" sz="1800" spc="-1" strike="noStrike">
+              <a:rPr lang="de-DE" sz="1800" b="0" strike="noStrike" spc="-1">
                 <a:solidFill>
                   <a:srgbClr val="000000"/>
                 </a:solidFill>
@@ -4655,15 +4967,9 @@
               </a:rPr>
               <a:t>Dritte Gliederungsebene</a:t>
             </a:r>
-            <a:endParaRPr b="0" lang="de-DE" sz="1800" spc="-1" strike="noStrike">
-              <a:solidFill>
-                <a:srgbClr val="000000"/>
-              </a:solidFill>
-              <a:latin typeface="Calibri"/>
-            </a:endParaRPr>
-          </a:p>
-          <a:p>
-            <a:pPr lvl="3" marL="1728000" indent="-216000">
+          </a:p>
+          <a:p>
+            <a:pPr marL="1728000" lvl="3" indent="-216000">
               <a:spcBef>
                 <a:spcPts val="567"/>
               </a:spcBef>
@@ -4675,7 +4981,7 @@
               <a:buChar char=""/>
             </a:pPr>
             <a:r>
-              <a:rPr b="0" lang="de-DE" sz="1800" spc="-1" strike="noStrike">
+              <a:rPr lang="de-DE" sz="1800" b="0" strike="noStrike" spc="-1">
                 <a:solidFill>
                   <a:srgbClr val="000000"/>
                 </a:solidFill>
@@ -4683,15 +4989,9 @@
               </a:rPr>
               <a:t>Vierte Gliederungsebene</a:t>
             </a:r>
-            <a:endParaRPr b="0" lang="de-DE" sz="1800" spc="-1" strike="noStrike">
-              <a:solidFill>
-                <a:srgbClr val="000000"/>
-              </a:solidFill>
-              <a:latin typeface="Calibri"/>
-            </a:endParaRPr>
-          </a:p>
-          <a:p>
-            <a:pPr lvl="4" marL="2160000" indent="-216000">
+          </a:p>
+          <a:p>
+            <a:pPr marL="2160000" lvl="4" indent="-216000">
               <a:spcBef>
                 <a:spcPts val="283"/>
               </a:spcBef>
@@ -4703,7 +5003,7 @@
               <a:buChar char=""/>
             </a:pPr>
             <a:r>
-              <a:rPr b="0" lang="de-DE" sz="2000" spc="-1" strike="noStrike">
+              <a:rPr lang="de-DE" sz="2000" b="0" strike="noStrike" spc="-1">
                 <a:solidFill>
                   <a:srgbClr val="000000"/>
                 </a:solidFill>
@@ -4711,15 +5011,9 @@
               </a:rPr>
               <a:t>Fünfte Gliederungsebene</a:t>
             </a:r>
-            <a:endParaRPr b="0" lang="de-DE" sz="2000" spc="-1" strike="noStrike">
-              <a:solidFill>
-                <a:srgbClr val="000000"/>
-              </a:solidFill>
-              <a:latin typeface="Calibri"/>
-            </a:endParaRPr>
-          </a:p>
-          <a:p>
-            <a:pPr lvl="5" marL="2592000" indent="-216000">
+          </a:p>
+          <a:p>
+            <a:pPr marL="2592000" lvl="5" indent="-216000">
               <a:spcBef>
                 <a:spcPts val="283"/>
               </a:spcBef>
@@ -4731,7 +5025,7 @@
               <a:buChar char=""/>
             </a:pPr>
             <a:r>
-              <a:rPr b="0" lang="de-DE" sz="2000" spc="-1" strike="noStrike">
+              <a:rPr lang="de-DE" sz="2000" b="0" strike="noStrike" spc="-1">
                 <a:solidFill>
                   <a:srgbClr val="000000"/>
                 </a:solidFill>
@@ -4739,15 +5033,9 @@
               </a:rPr>
               <a:t>Sechste Gliederungsebene</a:t>
             </a:r>
-            <a:endParaRPr b="0" lang="de-DE" sz="2000" spc="-1" strike="noStrike">
-              <a:solidFill>
-                <a:srgbClr val="000000"/>
-              </a:solidFill>
-              <a:latin typeface="Calibri"/>
-            </a:endParaRPr>
-          </a:p>
-          <a:p>
-            <a:pPr lvl="6" marL="3024000" indent="-216000">
+          </a:p>
+          <a:p>
+            <a:pPr marL="3024000" lvl="6" indent="-216000">
               <a:spcBef>
                 <a:spcPts val="283"/>
               </a:spcBef>
@@ -4759,7 +5047,7 @@
               <a:buChar char=""/>
             </a:pPr>
             <a:r>
-              <a:rPr b="0" lang="de-DE" sz="2000" spc="-1" strike="noStrike">
+              <a:rPr lang="de-DE" sz="2000" b="0" strike="noStrike" spc="-1">
                 <a:solidFill>
                   <a:srgbClr val="000000"/>
                 </a:solidFill>
@@ -4767,43 +5055,318 @@
               </a:rPr>
               <a:t>Siebte Gliederungsebene</a:t>
             </a:r>
-            <a:endParaRPr b="0" lang="de-DE" sz="2000" spc="-1" strike="noStrike">
-              <a:solidFill>
-                <a:srgbClr val="000000"/>
-              </a:solidFill>
-              <a:latin typeface="Calibri"/>
-            </a:endParaRPr>
           </a:p>
         </p:txBody>
       </p:sp>
     </p:spTree>
   </p:cSld>
-  <p:clrMap bg1="lt1" bg2="lt2" tx1="dk1" tx2="dk2" accent1="accent1" accent2="accent2" accent3="accent3" accent4="accent4" accent5="accent5" accent6="accent6" hlink="hlink" folHlink="folHlink"/>
+  <p:clrMap bg1="lt1" tx1="dk1" bg2="lt2" tx2="dk2" accent1="accent1" accent2="accent2" accent3="accent3" accent4="accent4" accent5="accent5" accent6="accent6" hlink="hlink" folHlink="folHlink"/>
   <p:sldLayoutIdLst>
-    <p:sldLayoutId id="2147483649" r:id="rId2"/>
-    <p:sldLayoutId id="2147483650" r:id="rId3"/>
-    <p:sldLayoutId id="2147483651" r:id="rId4"/>
-    <p:sldLayoutId id="2147483652" r:id="rId5"/>
-    <p:sldLayoutId id="2147483653" r:id="rId6"/>
-    <p:sldLayoutId id="2147483654" r:id="rId7"/>
-    <p:sldLayoutId id="2147483655" r:id="rId8"/>
-    <p:sldLayoutId id="2147483656" r:id="rId9"/>
-    <p:sldLayoutId id="2147483657" r:id="rId10"/>
-    <p:sldLayoutId id="2147483658" r:id="rId11"/>
-    <p:sldLayoutId id="2147483659" r:id="rId12"/>
-    <p:sldLayoutId id="2147483660" r:id="rId13"/>
+    <p:sldLayoutId id="2147483649" r:id="rId1"/>
+    <p:sldLayoutId id="2147483650" r:id="rId2"/>
+    <p:sldLayoutId id="2147483651" r:id="rId3"/>
+    <p:sldLayoutId id="2147483652" r:id="rId4"/>
+    <p:sldLayoutId id="2147483653" r:id="rId5"/>
+    <p:sldLayoutId id="2147483654" r:id="rId6"/>
+    <p:sldLayoutId id="2147483655" r:id="rId7"/>
+    <p:sldLayoutId id="2147483656" r:id="rId8"/>
+    <p:sldLayoutId id="2147483657" r:id="rId9"/>
+    <p:sldLayoutId id="2147483658" r:id="rId10"/>
+    <p:sldLayoutId id="2147483659" r:id="rId11"/>
+    <p:sldLayoutId id="2147483660" r:id="rId12"/>
   </p:sldLayoutIdLst>
+  <p:txStyles>
+    <p:titleStyle>
+      <a:lvl1pPr algn="l" defTabSz="914400" rtl="0" eaLnBrk="1" latinLnBrk="0" hangingPunct="1">
+        <a:lnSpc>
+          <a:spcPct val="90000"/>
+        </a:lnSpc>
+        <a:spcBef>
+          <a:spcPct val="0"/>
+        </a:spcBef>
+        <a:buNone/>
+        <a:defRPr sz="4400" kern="1200">
+          <a:solidFill>
+            <a:schemeClr val="tx1"/>
+          </a:solidFill>
+          <a:latin typeface="+mj-lt"/>
+          <a:ea typeface="+mj-ea"/>
+          <a:cs typeface="+mj-cs"/>
+        </a:defRPr>
+      </a:lvl1pPr>
+    </p:titleStyle>
+    <p:bodyStyle>
+      <a:lvl1pPr marL="228600" indent="-228600" algn="l" defTabSz="914400" rtl="0" eaLnBrk="1" latinLnBrk="0" hangingPunct="1">
+        <a:lnSpc>
+          <a:spcPct val="90000"/>
+        </a:lnSpc>
+        <a:spcBef>
+          <a:spcPts val="1000"/>
+        </a:spcBef>
+        <a:buFont typeface="Arial" panose="020B0604020202020204" pitchFamily="34" charset="0"/>
+        <a:buChar char="•"/>
+        <a:defRPr sz="2800" kern="1200">
+          <a:solidFill>
+            <a:schemeClr val="tx1"/>
+          </a:solidFill>
+          <a:latin typeface="+mn-lt"/>
+          <a:ea typeface="+mn-ea"/>
+          <a:cs typeface="+mn-cs"/>
+        </a:defRPr>
+      </a:lvl1pPr>
+      <a:lvl2pPr marL="685800" indent="-228600" algn="l" defTabSz="914400" rtl="0" eaLnBrk="1" latinLnBrk="0" hangingPunct="1">
+        <a:lnSpc>
+          <a:spcPct val="90000"/>
+        </a:lnSpc>
+        <a:spcBef>
+          <a:spcPts val="500"/>
+        </a:spcBef>
+        <a:buFont typeface="Arial" panose="020B0604020202020204" pitchFamily="34" charset="0"/>
+        <a:buChar char="•"/>
+        <a:defRPr sz="2400" kern="1200">
+          <a:solidFill>
+            <a:schemeClr val="tx1"/>
+          </a:solidFill>
+          <a:latin typeface="+mn-lt"/>
+          <a:ea typeface="+mn-ea"/>
+          <a:cs typeface="+mn-cs"/>
+        </a:defRPr>
+      </a:lvl2pPr>
+      <a:lvl3pPr marL="1143000" indent="-228600" algn="l" defTabSz="914400" rtl="0" eaLnBrk="1" latinLnBrk="0" hangingPunct="1">
+        <a:lnSpc>
+          <a:spcPct val="90000"/>
+        </a:lnSpc>
+        <a:spcBef>
+          <a:spcPts val="500"/>
+        </a:spcBef>
+        <a:buFont typeface="Arial" panose="020B0604020202020204" pitchFamily="34" charset="0"/>
+        <a:buChar char="•"/>
+        <a:defRPr sz="2000" kern="1200">
+          <a:solidFill>
+            <a:schemeClr val="tx1"/>
+          </a:solidFill>
+          <a:latin typeface="+mn-lt"/>
+          <a:ea typeface="+mn-ea"/>
+          <a:cs typeface="+mn-cs"/>
+        </a:defRPr>
+      </a:lvl3pPr>
+      <a:lvl4pPr marL="1600200" indent="-228600" algn="l" defTabSz="914400" rtl="0" eaLnBrk="1" latinLnBrk="0" hangingPunct="1">
+        <a:lnSpc>
+          <a:spcPct val="90000"/>
+        </a:lnSpc>
+        <a:spcBef>
+          <a:spcPts val="500"/>
+        </a:spcBef>
+        <a:buFont typeface="Arial" panose="020B0604020202020204" pitchFamily="34" charset="0"/>
+        <a:buChar char="•"/>
+        <a:defRPr sz="1800" kern="1200">
+          <a:solidFill>
+            <a:schemeClr val="tx1"/>
+          </a:solidFill>
+          <a:latin typeface="+mn-lt"/>
+          <a:ea typeface="+mn-ea"/>
+          <a:cs typeface="+mn-cs"/>
+        </a:defRPr>
+      </a:lvl4pPr>
+      <a:lvl5pPr marL="2057400" indent="-228600" algn="l" defTabSz="914400" rtl="0" eaLnBrk="1" latinLnBrk="0" hangingPunct="1">
+        <a:lnSpc>
+          <a:spcPct val="90000"/>
+        </a:lnSpc>
+        <a:spcBef>
+          <a:spcPts val="500"/>
+        </a:spcBef>
+        <a:buFont typeface="Arial" panose="020B0604020202020204" pitchFamily="34" charset="0"/>
+        <a:buChar char="•"/>
+        <a:defRPr sz="1800" kern="1200">
+          <a:solidFill>
+            <a:schemeClr val="tx1"/>
+          </a:solidFill>
+          <a:latin typeface="+mn-lt"/>
+          <a:ea typeface="+mn-ea"/>
+          <a:cs typeface="+mn-cs"/>
+        </a:defRPr>
+      </a:lvl5pPr>
+      <a:lvl6pPr marL="2514600" indent="-228600" algn="l" defTabSz="914400" rtl="0" eaLnBrk="1" latinLnBrk="0" hangingPunct="1">
+        <a:lnSpc>
+          <a:spcPct val="90000"/>
+        </a:lnSpc>
+        <a:spcBef>
+          <a:spcPts val="500"/>
+        </a:spcBef>
+        <a:buFont typeface="Arial" panose="020B0604020202020204" pitchFamily="34" charset="0"/>
+        <a:buChar char="•"/>
+        <a:defRPr sz="1800" kern="1200">
+          <a:solidFill>
+            <a:schemeClr val="tx1"/>
+          </a:solidFill>
+          <a:latin typeface="+mn-lt"/>
+          <a:ea typeface="+mn-ea"/>
+          <a:cs typeface="+mn-cs"/>
+        </a:defRPr>
+      </a:lvl6pPr>
+      <a:lvl7pPr marL="2971800" indent="-228600" algn="l" defTabSz="914400" rtl="0" eaLnBrk="1" latinLnBrk="0" hangingPunct="1">
+        <a:lnSpc>
+          <a:spcPct val="90000"/>
+        </a:lnSpc>
+        <a:spcBef>
+          <a:spcPts val="500"/>
+        </a:spcBef>
+        <a:buFont typeface="Arial" panose="020B0604020202020204" pitchFamily="34" charset="0"/>
+        <a:buChar char="•"/>
+        <a:defRPr sz="1800" kern="1200">
+          <a:solidFill>
+            <a:schemeClr val="tx1"/>
+          </a:solidFill>
+          <a:latin typeface="+mn-lt"/>
+          <a:ea typeface="+mn-ea"/>
+          <a:cs typeface="+mn-cs"/>
+        </a:defRPr>
+      </a:lvl7pPr>
+      <a:lvl8pPr marL="3429000" indent="-228600" algn="l" defTabSz="914400" rtl="0" eaLnBrk="1" latinLnBrk="0" hangingPunct="1">
+        <a:lnSpc>
+          <a:spcPct val="90000"/>
+        </a:lnSpc>
+        <a:spcBef>
+          <a:spcPts val="500"/>
+        </a:spcBef>
+        <a:buFont typeface="Arial" panose="020B0604020202020204" pitchFamily="34" charset="0"/>
+        <a:buChar char="•"/>
+        <a:defRPr sz="1800" kern="1200">
+          <a:solidFill>
+            <a:schemeClr val="tx1"/>
+          </a:solidFill>
+          <a:latin typeface="+mn-lt"/>
+          <a:ea typeface="+mn-ea"/>
+          <a:cs typeface="+mn-cs"/>
+        </a:defRPr>
+      </a:lvl8pPr>
+      <a:lvl9pPr marL="3886200" indent="-228600" algn="l" defTabSz="914400" rtl="0" eaLnBrk="1" latinLnBrk="0" hangingPunct="1">
+        <a:lnSpc>
+          <a:spcPct val="90000"/>
+        </a:lnSpc>
+        <a:spcBef>
+          <a:spcPts val="500"/>
+        </a:spcBef>
+        <a:buFont typeface="Arial" panose="020B0604020202020204" pitchFamily="34" charset="0"/>
+        <a:buChar char="•"/>
+        <a:defRPr sz="1800" kern="1200">
+          <a:solidFill>
+            <a:schemeClr val="tx1"/>
+          </a:solidFill>
+          <a:latin typeface="+mn-lt"/>
+          <a:ea typeface="+mn-ea"/>
+          <a:cs typeface="+mn-cs"/>
+        </a:defRPr>
+      </a:lvl9pPr>
+    </p:bodyStyle>
+    <p:otherStyle>
+      <a:defPPr>
+        <a:defRPr lang="de-DE"/>
+      </a:defPPr>
+      <a:lvl1pPr marL="0" algn="l" defTabSz="914400" rtl="0" eaLnBrk="1" latinLnBrk="0" hangingPunct="1">
+        <a:defRPr sz="1800" kern="1200">
+          <a:solidFill>
+            <a:schemeClr val="tx1"/>
+          </a:solidFill>
+          <a:latin typeface="+mn-lt"/>
+          <a:ea typeface="+mn-ea"/>
+          <a:cs typeface="+mn-cs"/>
+        </a:defRPr>
+      </a:lvl1pPr>
+      <a:lvl2pPr marL="457200" algn="l" defTabSz="914400" rtl="0" eaLnBrk="1" latinLnBrk="0" hangingPunct="1">
+        <a:defRPr sz="1800" kern="1200">
+          <a:solidFill>
+            <a:schemeClr val="tx1"/>
+          </a:solidFill>
+          <a:latin typeface="+mn-lt"/>
+          <a:ea typeface="+mn-ea"/>
+          <a:cs typeface="+mn-cs"/>
+        </a:defRPr>
+      </a:lvl2pPr>
+      <a:lvl3pPr marL="914400" algn="l" defTabSz="914400" rtl="0" eaLnBrk="1" latinLnBrk="0" hangingPunct="1">
+        <a:defRPr sz="1800" kern="1200">
+          <a:solidFill>
+            <a:schemeClr val="tx1"/>
+          </a:solidFill>
+          <a:latin typeface="+mn-lt"/>
+          <a:ea typeface="+mn-ea"/>
+          <a:cs typeface="+mn-cs"/>
+        </a:defRPr>
+      </a:lvl3pPr>
+      <a:lvl4pPr marL="1371600" algn="l" defTabSz="914400" rtl="0" eaLnBrk="1" latinLnBrk="0" hangingPunct="1">
+        <a:defRPr sz="1800" kern="1200">
+          <a:solidFill>
+            <a:schemeClr val="tx1"/>
+          </a:solidFill>
+          <a:latin typeface="+mn-lt"/>
+          <a:ea typeface="+mn-ea"/>
+          <a:cs typeface="+mn-cs"/>
+        </a:defRPr>
+      </a:lvl4pPr>
+      <a:lvl5pPr marL="1828800" algn="l" defTabSz="914400" rtl="0" eaLnBrk="1" latinLnBrk="0" hangingPunct="1">
+        <a:defRPr sz="1800" kern="1200">
+          <a:solidFill>
+            <a:schemeClr val="tx1"/>
+          </a:solidFill>
+          <a:latin typeface="+mn-lt"/>
+          <a:ea typeface="+mn-ea"/>
+          <a:cs typeface="+mn-cs"/>
+        </a:defRPr>
+      </a:lvl5pPr>
+      <a:lvl6pPr marL="2286000" algn="l" defTabSz="914400" rtl="0" eaLnBrk="1" latinLnBrk="0" hangingPunct="1">
+        <a:defRPr sz="1800" kern="1200">
+          <a:solidFill>
+            <a:schemeClr val="tx1"/>
+          </a:solidFill>
+          <a:latin typeface="+mn-lt"/>
+          <a:ea typeface="+mn-ea"/>
+          <a:cs typeface="+mn-cs"/>
+        </a:defRPr>
+      </a:lvl6pPr>
+      <a:lvl7pPr marL="2743200" algn="l" defTabSz="914400" rtl="0" eaLnBrk="1" latinLnBrk="0" hangingPunct="1">
+        <a:defRPr sz="1800" kern="1200">
+          <a:solidFill>
+            <a:schemeClr val="tx1"/>
+          </a:solidFill>
+          <a:latin typeface="+mn-lt"/>
+          <a:ea typeface="+mn-ea"/>
+          <a:cs typeface="+mn-cs"/>
+        </a:defRPr>
+      </a:lvl7pPr>
+      <a:lvl8pPr marL="3200400" algn="l" defTabSz="914400" rtl="0" eaLnBrk="1" latinLnBrk="0" hangingPunct="1">
+        <a:defRPr sz="1800" kern="1200">
+          <a:solidFill>
+            <a:schemeClr val="tx1"/>
+          </a:solidFill>
+          <a:latin typeface="+mn-lt"/>
+          <a:ea typeface="+mn-ea"/>
+          <a:cs typeface="+mn-cs"/>
+        </a:defRPr>
+      </a:lvl8pPr>
+      <a:lvl9pPr marL="3657600" algn="l" defTabSz="914400" rtl="0" eaLnBrk="1" latinLnBrk="0" hangingPunct="1">
+        <a:defRPr sz="1800" kern="1200">
+          <a:solidFill>
+            <a:schemeClr val="tx1"/>
+          </a:solidFill>
+          <a:latin typeface="+mn-lt"/>
+          <a:ea typeface="+mn-ea"/>
+          <a:cs typeface="+mn-cs"/>
+        </a:defRPr>
+      </a:lvl9pPr>
+    </p:otherStyle>
+  </p:txStyles>
 </p:sldMaster>
 </file>
 
 <file path=ppt/slideMasters/slideMaster2.xml><?xml version="1.0" encoding="utf-8"?>
-<p:sldMaster xmlns:a="http://schemas.openxmlformats.org/drawingml/2006/main" xmlns:p="http://schemas.openxmlformats.org/presentationml/2006/main" xmlns:r="http://schemas.openxmlformats.org/officeDocument/2006/relationships" xmlns:p14="http://schemas.microsoft.com/office/powerpoint/2010/main" xmlns:p15="http://schemas.microsoft.com/office/powerpoint/2012/main" xmlns:mc="http://schemas.openxmlformats.org/markup-compatibility/2006">
+<p:sldMaster xmlns:a="http://schemas.openxmlformats.org/drawingml/2006/main" xmlns:r="http://schemas.openxmlformats.org/officeDocument/2006/relationships" xmlns:p="http://schemas.openxmlformats.org/presentationml/2006/main">
   <p:cSld>
     <p:bg>
       <p:bgPr>
         <a:solidFill>
-          <a:srgbClr val="ffffff"/>
+          <a:srgbClr val="FFFFFF"/>
         </a:solidFill>
+        <a:effectLst/>
       </p:bgPr>
     </p:bg>
     <p:spTree>
@@ -4843,6 +5406,7 @@
           <a:bodyPr anchor="b">
             <a:noAutofit/>
           </a:bodyPr>
+          <a:lstStyle/>
           <a:p>
             <a:pPr>
               <a:lnSpc>
@@ -4850,7 +5414,7 @@
               </a:lnSpc>
             </a:pPr>
             <a:r>
-              <a:rPr b="0" lang="de-DE" sz="6000" spc="-1" strike="noStrike">
+              <a:rPr lang="de-DE" sz="6000" b="0" strike="noStrike" spc="-1">
                 <a:solidFill>
                   <a:srgbClr val="000000"/>
                 </a:solidFill>
@@ -4858,7 +5422,7 @@
               </a:rPr>
               <a:t>Mastertitelformat bearbeiten</a:t>
             </a:r>
-            <a:endParaRPr b="0" lang="de-DE" sz="6000" spc="-1" strike="noStrike">
+            <a:endParaRPr lang="de-DE" sz="6000" b="0" strike="noStrike" spc="-1">
               <a:solidFill>
                 <a:srgbClr val="000000"/>
               </a:solidFill>
@@ -4890,6 +5454,7 @@
           <a:bodyPr>
             <a:noAutofit/>
           </a:bodyPr>
+          <a:lstStyle/>
           <a:p>
             <a:pPr marL="432000" indent="-324000">
               <a:lnSpc>
@@ -4906,15 +5471,15 @@
               <a:buChar char=""/>
             </a:pPr>
             <a:r>
-              <a:rPr b="0" lang="de-DE" sz="2400" spc="-1" strike="noStrike">
+              <a:rPr lang="de-DE" sz="2400" b="0" strike="noStrike" spc="-1">
                 <a:solidFill>
-                  <a:srgbClr val="8b8b8b"/>
+                  <a:srgbClr val="8B8B8B"/>
                 </a:solidFill>
                 <a:latin typeface="Calibri"/>
               </a:rPr>
               <a:t>Mastertextformat bearbeiten</a:t>
             </a:r>
-            <a:endParaRPr b="0" lang="de-DE" sz="2400" spc="-1" strike="noStrike">
+            <a:endParaRPr lang="de-DE" sz="2400" b="0" strike="noStrike" spc="-1">
               <a:solidFill>
                 <a:srgbClr val="000000"/>
               </a:solidFill>
@@ -4946,6 +5511,7 @@
           <a:bodyPr anchor="ctr">
             <a:noAutofit/>
           </a:bodyPr>
+          <a:lstStyle/>
           <a:p>
             <a:pPr>
               <a:lnSpc>
@@ -4953,15 +5519,15 @@
               </a:lnSpc>
             </a:pPr>
             <a:fld id="{1D6EE3A0-F8DA-453E-8625-2D90B5416AC4}" type="datetime">
-              <a:rPr b="0" lang="de-DE" sz="1200" spc="-1" strike="noStrike">
+              <a:rPr lang="de-DE" sz="1200" b="0" strike="noStrike" spc="-1">
                 <a:solidFill>
-                  <a:srgbClr val="8b8b8b"/>
+                  <a:srgbClr val="8B8B8B"/>
                 </a:solidFill>
                 <a:latin typeface="Calibri"/>
               </a:rPr>
-              <a:t>09.09.19</a:t>
+              <a:t>09.09.2019</a:t>
             </a:fld>
-            <a:endParaRPr b="0" lang="de-DE" sz="1200" spc="-1" strike="noStrike">
+            <a:endParaRPr lang="de-DE" sz="1200" b="0" strike="noStrike" spc="-1">
               <a:latin typeface="Times New Roman"/>
             </a:endParaRPr>
           </a:p>
@@ -4990,8 +5556,9 @@
           <a:bodyPr anchor="ctr">
             <a:noAutofit/>
           </a:bodyPr>
-          <a:p>
-            <a:endParaRPr b="0" lang="de-DE" sz="2400" spc="-1" strike="noStrike">
+          <a:lstStyle/>
+          <a:p>
+            <a:endParaRPr lang="de-DE" sz="2400" b="0" strike="noStrike" spc="-1">
               <a:latin typeface="Times New Roman"/>
             </a:endParaRPr>
           </a:p>
@@ -5020,6 +5587,7 @@
           <a:bodyPr anchor="ctr">
             <a:noAutofit/>
           </a:bodyPr>
+          <a:lstStyle/>
           <a:p>
             <a:pPr algn="r">
               <a:lnSpc>
@@ -5027,15 +5595,15 @@
               </a:lnSpc>
             </a:pPr>
             <a:fld id="{BB0232B8-0825-48F8-8B51-AD949E522A16}" type="slidenum">
-              <a:rPr b="0" lang="de-DE" sz="1200" spc="-1" strike="noStrike">
+              <a:rPr lang="de-DE" sz="1200" b="0" strike="noStrike" spc="-1">
                 <a:solidFill>
-                  <a:srgbClr val="8b8b8b"/>
+                  <a:srgbClr val="8B8B8B"/>
                 </a:solidFill>
                 <a:latin typeface="Calibri"/>
               </a:rPr>
-              <a:t>&lt;Foliennummer&gt;</a:t>
+              <a:t>‹Nr.›</a:t>
             </a:fld>
-            <a:endParaRPr b="0" lang="de-DE" sz="1200" spc="-1" strike="noStrike">
+            <a:endParaRPr lang="de-DE" sz="1200" b="0" strike="noStrike" spc="-1">
               <a:latin typeface="Times New Roman"/>
             </a:endParaRPr>
           </a:p>
@@ -5043,32 +5611,313 @@
       </p:sp>
     </p:spTree>
   </p:cSld>
-  <p:clrMap bg1="lt1" bg2="lt2" tx1="dk1" tx2="dk2" accent1="accent1" accent2="accent2" accent3="accent3" accent4="accent4" accent5="accent5" accent6="accent6" hlink="hlink" folHlink="folHlink"/>
+  <p:clrMap bg1="lt1" tx1="dk1" bg2="lt2" tx2="dk2" accent1="accent1" accent2="accent2" accent3="accent3" accent4="accent4" accent5="accent5" accent6="accent6" hlink="hlink" folHlink="folHlink"/>
   <p:sldLayoutIdLst>
-    <p:sldLayoutId id="2147483662" r:id="rId2"/>
-    <p:sldLayoutId id="2147483663" r:id="rId3"/>
-    <p:sldLayoutId id="2147483664" r:id="rId4"/>
-    <p:sldLayoutId id="2147483665" r:id="rId5"/>
-    <p:sldLayoutId id="2147483666" r:id="rId6"/>
-    <p:sldLayoutId id="2147483667" r:id="rId7"/>
-    <p:sldLayoutId id="2147483668" r:id="rId8"/>
-    <p:sldLayoutId id="2147483669" r:id="rId9"/>
-    <p:sldLayoutId id="2147483670" r:id="rId10"/>
-    <p:sldLayoutId id="2147483671" r:id="rId11"/>
-    <p:sldLayoutId id="2147483672" r:id="rId12"/>
-    <p:sldLayoutId id="2147483673" r:id="rId13"/>
+    <p:sldLayoutId id="2147483662" r:id="rId1"/>
+    <p:sldLayoutId id="2147483663" r:id="rId2"/>
+    <p:sldLayoutId id="2147483664" r:id="rId3"/>
+    <p:sldLayoutId id="2147483665" r:id="rId4"/>
+    <p:sldLayoutId id="2147483666" r:id="rId5"/>
+    <p:sldLayoutId id="2147483667" r:id="rId6"/>
+    <p:sldLayoutId id="2147483668" r:id="rId7"/>
+    <p:sldLayoutId id="2147483669" r:id="rId8"/>
+    <p:sldLayoutId id="2147483670" r:id="rId9"/>
+    <p:sldLayoutId id="2147483671" r:id="rId10"/>
+    <p:sldLayoutId id="2147483672" r:id="rId11"/>
+    <p:sldLayoutId id="2147483673" r:id="rId12"/>
   </p:sldLayoutIdLst>
+  <p:txStyles>
+    <p:titleStyle>
+      <a:lvl1pPr algn="l" defTabSz="914400" rtl="0" eaLnBrk="1" latinLnBrk="0" hangingPunct="1">
+        <a:lnSpc>
+          <a:spcPct val="90000"/>
+        </a:lnSpc>
+        <a:spcBef>
+          <a:spcPct val="0"/>
+        </a:spcBef>
+        <a:buNone/>
+        <a:defRPr sz="4400" kern="1200">
+          <a:solidFill>
+            <a:schemeClr val="tx1"/>
+          </a:solidFill>
+          <a:latin typeface="+mj-lt"/>
+          <a:ea typeface="+mj-ea"/>
+          <a:cs typeface="+mj-cs"/>
+        </a:defRPr>
+      </a:lvl1pPr>
+    </p:titleStyle>
+    <p:bodyStyle>
+      <a:lvl1pPr marL="228600" indent="-228600" algn="l" defTabSz="914400" rtl="0" eaLnBrk="1" latinLnBrk="0" hangingPunct="1">
+        <a:lnSpc>
+          <a:spcPct val="90000"/>
+        </a:lnSpc>
+        <a:spcBef>
+          <a:spcPts val="1000"/>
+        </a:spcBef>
+        <a:buFont typeface="Arial" panose="020B0604020202020204" pitchFamily="34" charset="0"/>
+        <a:buChar char="•"/>
+        <a:defRPr sz="2800" kern="1200">
+          <a:solidFill>
+            <a:schemeClr val="tx1"/>
+          </a:solidFill>
+          <a:latin typeface="+mn-lt"/>
+          <a:ea typeface="+mn-ea"/>
+          <a:cs typeface="+mn-cs"/>
+        </a:defRPr>
+      </a:lvl1pPr>
+      <a:lvl2pPr marL="685800" indent="-228600" algn="l" defTabSz="914400" rtl="0" eaLnBrk="1" latinLnBrk="0" hangingPunct="1">
+        <a:lnSpc>
+          <a:spcPct val="90000"/>
+        </a:lnSpc>
+        <a:spcBef>
+          <a:spcPts val="500"/>
+        </a:spcBef>
+        <a:buFont typeface="Arial" panose="020B0604020202020204" pitchFamily="34" charset="0"/>
+        <a:buChar char="•"/>
+        <a:defRPr sz="2400" kern="1200">
+          <a:solidFill>
+            <a:schemeClr val="tx1"/>
+          </a:solidFill>
+          <a:latin typeface="+mn-lt"/>
+          <a:ea typeface="+mn-ea"/>
+          <a:cs typeface="+mn-cs"/>
+        </a:defRPr>
+      </a:lvl2pPr>
+      <a:lvl3pPr marL="1143000" indent="-228600" algn="l" defTabSz="914400" rtl="0" eaLnBrk="1" latinLnBrk="0" hangingPunct="1">
+        <a:lnSpc>
+          <a:spcPct val="90000"/>
+        </a:lnSpc>
+        <a:spcBef>
+          <a:spcPts val="500"/>
+        </a:spcBef>
+        <a:buFont typeface="Arial" panose="020B0604020202020204" pitchFamily="34" charset="0"/>
+        <a:buChar char="•"/>
+        <a:defRPr sz="2000" kern="1200">
+          <a:solidFill>
+            <a:schemeClr val="tx1"/>
+          </a:solidFill>
+          <a:latin typeface="+mn-lt"/>
+          <a:ea typeface="+mn-ea"/>
+          <a:cs typeface="+mn-cs"/>
+        </a:defRPr>
+      </a:lvl3pPr>
+      <a:lvl4pPr marL="1600200" indent="-228600" algn="l" defTabSz="914400" rtl="0" eaLnBrk="1" latinLnBrk="0" hangingPunct="1">
+        <a:lnSpc>
+          <a:spcPct val="90000"/>
+        </a:lnSpc>
+        <a:spcBef>
+          <a:spcPts val="500"/>
+        </a:spcBef>
+        <a:buFont typeface="Arial" panose="020B0604020202020204" pitchFamily="34" charset="0"/>
+        <a:buChar char="•"/>
+        <a:defRPr sz="1800" kern="1200">
+          <a:solidFill>
+            <a:schemeClr val="tx1"/>
+          </a:solidFill>
+          <a:latin typeface="+mn-lt"/>
+          <a:ea typeface="+mn-ea"/>
+          <a:cs typeface="+mn-cs"/>
+        </a:defRPr>
+      </a:lvl4pPr>
+      <a:lvl5pPr marL="2057400" indent="-228600" algn="l" defTabSz="914400" rtl="0" eaLnBrk="1" latinLnBrk="0" hangingPunct="1">
+        <a:lnSpc>
+          <a:spcPct val="90000"/>
+        </a:lnSpc>
+        <a:spcBef>
+          <a:spcPts val="500"/>
+        </a:spcBef>
+        <a:buFont typeface="Arial" panose="020B0604020202020204" pitchFamily="34" charset="0"/>
+        <a:buChar char="•"/>
+        <a:defRPr sz="1800" kern="1200">
+          <a:solidFill>
+            <a:schemeClr val="tx1"/>
+          </a:solidFill>
+          <a:latin typeface="+mn-lt"/>
+          <a:ea typeface="+mn-ea"/>
+          <a:cs typeface="+mn-cs"/>
+        </a:defRPr>
+      </a:lvl5pPr>
+      <a:lvl6pPr marL="2514600" indent="-228600" algn="l" defTabSz="914400" rtl="0" eaLnBrk="1" latinLnBrk="0" hangingPunct="1">
+        <a:lnSpc>
+          <a:spcPct val="90000"/>
+        </a:lnSpc>
+        <a:spcBef>
+          <a:spcPts val="500"/>
+        </a:spcBef>
+        <a:buFont typeface="Arial" panose="020B0604020202020204" pitchFamily="34" charset="0"/>
+        <a:buChar char="•"/>
+        <a:defRPr sz="1800" kern="1200">
+          <a:solidFill>
+            <a:schemeClr val="tx1"/>
+          </a:solidFill>
+          <a:latin typeface="+mn-lt"/>
+          <a:ea typeface="+mn-ea"/>
+          <a:cs typeface="+mn-cs"/>
+        </a:defRPr>
+      </a:lvl6pPr>
+      <a:lvl7pPr marL="2971800" indent="-228600" algn="l" defTabSz="914400" rtl="0" eaLnBrk="1" latinLnBrk="0" hangingPunct="1">
+        <a:lnSpc>
+          <a:spcPct val="90000"/>
+        </a:lnSpc>
+        <a:spcBef>
+          <a:spcPts val="500"/>
+        </a:spcBef>
+        <a:buFont typeface="Arial" panose="020B0604020202020204" pitchFamily="34" charset="0"/>
+        <a:buChar char="•"/>
+        <a:defRPr sz="1800" kern="1200">
+          <a:solidFill>
+            <a:schemeClr val="tx1"/>
+          </a:solidFill>
+          <a:latin typeface="+mn-lt"/>
+          <a:ea typeface="+mn-ea"/>
+          <a:cs typeface="+mn-cs"/>
+        </a:defRPr>
+      </a:lvl7pPr>
+      <a:lvl8pPr marL="3429000" indent="-228600" algn="l" defTabSz="914400" rtl="0" eaLnBrk="1" latinLnBrk="0" hangingPunct="1">
+        <a:lnSpc>
+          <a:spcPct val="90000"/>
+        </a:lnSpc>
+        <a:spcBef>
+          <a:spcPts val="500"/>
+        </a:spcBef>
+        <a:buFont typeface="Arial" panose="020B0604020202020204" pitchFamily="34" charset="0"/>
+        <a:buChar char="•"/>
+        <a:defRPr sz="1800" kern="1200">
+          <a:solidFill>
+            <a:schemeClr val="tx1"/>
+          </a:solidFill>
+          <a:latin typeface="+mn-lt"/>
+          <a:ea typeface="+mn-ea"/>
+          <a:cs typeface="+mn-cs"/>
+        </a:defRPr>
+      </a:lvl8pPr>
+      <a:lvl9pPr marL="3886200" indent="-228600" algn="l" defTabSz="914400" rtl="0" eaLnBrk="1" latinLnBrk="0" hangingPunct="1">
+        <a:lnSpc>
+          <a:spcPct val="90000"/>
+        </a:lnSpc>
+        <a:spcBef>
+          <a:spcPts val="500"/>
+        </a:spcBef>
+        <a:buFont typeface="Arial" panose="020B0604020202020204" pitchFamily="34" charset="0"/>
+        <a:buChar char="•"/>
+        <a:defRPr sz="1800" kern="1200">
+          <a:solidFill>
+            <a:schemeClr val="tx1"/>
+          </a:solidFill>
+          <a:latin typeface="+mn-lt"/>
+          <a:ea typeface="+mn-ea"/>
+          <a:cs typeface="+mn-cs"/>
+        </a:defRPr>
+      </a:lvl9pPr>
+    </p:bodyStyle>
+    <p:otherStyle>
+      <a:defPPr>
+        <a:defRPr lang="de-DE"/>
+      </a:defPPr>
+      <a:lvl1pPr marL="0" algn="l" defTabSz="914400" rtl="0" eaLnBrk="1" latinLnBrk="0" hangingPunct="1">
+        <a:defRPr sz="1800" kern="1200">
+          <a:solidFill>
+            <a:schemeClr val="tx1"/>
+          </a:solidFill>
+          <a:latin typeface="+mn-lt"/>
+          <a:ea typeface="+mn-ea"/>
+          <a:cs typeface="+mn-cs"/>
+        </a:defRPr>
+      </a:lvl1pPr>
+      <a:lvl2pPr marL="457200" algn="l" defTabSz="914400" rtl="0" eaLnBrk="1" latinLnBrk="0" hangingPunct="1">
+        <a:defRPr sz="1800" kern="1200">
+          <a:solidFill>
+            <a:schemeClr val="tx1"/>
+          </a:solidFill>
+          <a:latin typeface="+mn-lt"/>
+          <a:ea typeface="+mn-ea"/>
+          <a:cs typeface="+mn-cs"/>
+        </a:defRPr>
+      </a:lvl2pPr>
+      <a:lvl3pPr marL="914400" algn="l" defTabSz="914400" rtl="0" eaLnBrk="1" latinLnBrk="0" hangingPunct="1">
+        <a:defRPr sz="1800" kern="1200">
+          <a:solidFill>
+            <a:schemeClr val="tx1"/>
+          </a:solidFill>
+          <a:latin typeface="+mn-lt"/>
+          <a:ea typeface="+mn-ea"/>
+          <a:cs typeface="+mn-cs"/>
+        </a:defRPr>
+      </a:lvl3pPr>
+      <a:lvl4pPr marL="1371600" algn="l" defTabSz="914400" rtl="0" eaLnBrk="1" latinLnBrk="0" hangingPunct="1">
+        <a:defRPr sz="1800" kern="1200">
+          <a:solidFill>
+            <a:schemeClr val="tx1"/>
+          </a:solidFill>
+          <a:latin typeface="+mn-lt"/>
+          <a:ea typeface="+mn-ea"/>
+          <a:cs typeface="+mn-cs"/>
+        </a:defRPr>
+      </a:lvl4pPr>
+      <a:lvl5pPr marL="1828800" algn="l" defTabSz="914400" rtl="0" eaLnBrk="1" latinLnBrk="0" hangingPunct="1">
+        <a:defRPr sz="1800" kern="1200">
+          <a:solidFill>
+            <a:schemeClr val="tx1"/>
+          </a:solidFill>
+          <a:latin typeface="+mn-lt"/>
+          <a:ea typeface="+mn-ea"/>
+          <a:cs typeface="+mn-cs"/>
+        </a:defRPr>
+      </a:lvl5pPr>
+      <a:lvl6pPr marL="2286000" algn="l" defTabSz="914400" rtl="0" eaLnBrk="1" latinLnBrk="0" hangingPunct="1">
+        <a:defRPr sz="1800" kern="1200">
+          <a:solidFill>
+            <a:schemeClr val="tx1"/>
+          </a:solidFill>
+          <a:latin typeface="+mn-lt"/>
+          <a:ea typeface="+mn-ea"/>
+          <a:cs typeface="+mn-cs"/>
+        </a:defRPr>
+      </a:lvl6pPr>
+      <a:lvl7pPr marL="2743200" algn="l" defTabSz="914400" rtl="0" eaLnBrk="1" latinLnBrk="0" hangingPunct="1">
+        <a:defRPr sz="1800" kern="1200">
+          <a:solidFill>
+            <a:schemeClr val="tx1"/>
+          </a:solidFill>
+          <a:latin typeface="+mn-lt"/>
+          <a:ea typeface="+mn-ea"/>
+          <a:cs typeface="+mn-cs"/>
+        </a:defRPr>
+      </a:lvl7pPr>
+      <a:lvl8pPr marL="3200400" algn="l" defTabSz="914400" rtl="0" eaLnBrk="1" latinLnBrk="0" hangingPunct="1">
+        <a:defRPr sz="1800" kern="1200">
+          <a:solidFill>
+            <a:schemeClr val="tx1"/>
+          </a:solidFill>
+          <a:latin typeface="+mn-lt"/>
+          <a:ea typeface="+mn-ea"/>
+          <a:cs typeface="+mn-cs"/>
+        </a:defRPr>
+      </a:lvl8pPr>
+      <a:lvl9pPr marL="3657600" algn="l" defTabSz="914400" rtl="0" eaLnBrk="1" latinLnBrk="0" hangingPunct="1">
+        <a:defRPr sz="1800" kern="1200">
+          <a:solidFill>
+            <a:schemeClr val="tx1"/>
+          </a:solidFill>
+          <a:latin typeface="+mn-lt"/>
+          <a:ea typeface="+mn-ea"/>
+          <a:cs typeface="+mn-cs"/>
+        </a:defRPr>
+      </a:lvl9pPr>
+    </p:otherStyle>
+  </p:txStyles>
 </p:sldMaster>
 </file>
 
 <file path=ppt/slideMasters/slideMaster3.xml><?xml version="1.0" encoding="utf-8"?>
-<p:sldMaster xmlns:a="http://schemas.openxmlformats.org/drawingml/2006/main" xmlns:p="http://schemas.openxmlformats.org/presentationml/2006/main" xmlns:r="http://schemas.openxmlformats.org/officeDocument/2006/relationships" xmlns:p14="http://schemas.microsoft.com/office/powerpoint/2010/main" xmlns:p15="http://schemas.microsoft.com/office/powerpoint/2012/main" xmlns:mc="http://schemas.openxmlformats.org/markup-compatibility/2006">
+<p:sldMaster xmlns:a="http://schemas.openxmlformats.org/drawingml/2006/main" xmlns:r="http://schemas.openxmlformats.org/officeDocument/2006/relationships" xmlns:p="http://schemas.openxmlformats.org/presentationml/2006/main">
   <p:cSld>
     <p:bg>
       <p:bgPr>
         <a:solidFill>
-          <a:srgbClr val="ffffff"/>
+          <a:srgbClr val="FFFFFF"/>
         </a:solidFill>
+        <a:effectLst/>
       </p:bgPr>
     </p:bg>
     <p:spTree>
@@ -5108,6 +5957,7 @@
           <a:bodyPr anchor="ctr">
             <a:noAutofit/>
           </a:bodyPr>
+          <a:lstStyle/>
           <a:p>
             <a:pPr>
               <a:lnSpc>
@@ -5115,7 +5965,7 @@
               </a:lnSpc>
             </a:pPr>
             <a:r>
-              <a:rPr b="0" lang="de-DE" sz="4400" spc="-1" strike="noStrike">
+              <a:rPr lang="de-DE" sz="4400" b="0" strike="noStrike" spc="-1">
                 <a:solidFill>
                   <a:srgbClr val="000000"/>
                 </a:solidFill>
@@ -5123,7 +5973,7 @@
               </a:rPr>
               <a:t>Mastertitelformat bearbeiten</a:t>
             </a:r>
-            <a:endParaRPr b="0" lang="de-DE" sz="4400" spc="-1" strike="noStrike">
+            <a:endParaRPr lang="de-DE" sz="4400" b="0" strike="noStrike" spc="-1">
               <a:solidFill>
                 <a:srgbClr val="000000"/>
               </a:solidFill>
@@ -5155,6 +6005,7 @@
           <a:bodyPr>
             <a:noAutofit/>
           </a:bodyPr>
+          <a:lstStyle/>
           <a:p>
             <a:pPr marL="432000" indent="-324000">
               <a:lnSpc>
@@ -5171,7 +6022,7 @@
               <a:buChar char=""/>
             </a:pPr>
             <a:r>
-              <a:rPr b="0" lang="de-DE" sz="2800" spc="-1" strike="noStrike">
+              <a:rPr lang="de-DE" sz="2800" b="0" strike="noStrike" spc="-1">
                 <a:solidFill>
                   <a:srgbClr val="000000"/>
                 </a:solidFill>
@@ -5179,15 +6030,9 @@
               </a:rPr>
               <a:t>Mastertextformat bearbeiten</a:t>
             </a:r>
-            <a:endParaRPr b="0" lang="de-DE" sz="2800" spc="-1" strike="noStrike">
-              <a:solidFill>
-                <a:srgbClr val="000000"/>
-              </a:solidFill>
-              <a:latin typeface="Calibri"/>
-            </a:endParaRPr>
-          </a:p>
-          <a:p>
-            <a:pPr lvl="1" marL="864000" indent="-324000">
+          </a:p>
+          <a:p>
+            <a:pPr marL="864000" lvl="1" indent="-324000">
               <a:lnSpc>
                 <a:spcPct val="90000"/>
               </a:lnSpc>
@@ -5202,7 +6047,7 @@
               <a:buChar char=""/>
             </a:pPr>
             <a:r>
-              <a:rPr b="0" lang="de-DE" sz="2400" spc="-1" strike="noStrike">
+              <a:rPr lang="de-DE" sz="2400" b="0" strike="noStrike" spc="-1">
                 <a:solidFill>
                   <a:srgbClr val="000000"/>
                 </a:solidFill>
@@ -5210,15 +6055,9 @@
               </a:rPr>
               <a:t>Zweite Ebene</a:t>
             </a:r>
-            <a:endParaRPr b="0" lang="de-DE" sz="2400" spc="-1" strike="noStrike">
-              <a:solidFill>
-                <a:srgbClr val="000000"/>
-              </a:solidFill>
-              <a:latin typeface="Calibri"/>
-            </a:endParaRPr>
-          </a:p>
-          <a:p>
-            <a:pPr lvl="2" marL="1296000" indent="-288000">
+          </a:p>
+          <a:p>
+            <a:pPr marL="1296000" lvl="2" indent="-288000">
               <a:lnSpc>
                 <a:spcPct val="90000"/>
               </a:lnSpc>
@@ -5233,7 +6072,7 @@
               <a:buChar char=""/>
             </a:pPr>
             <a:r>
-              <a:rPr b="0" lang="de-DE" sz="2000" spc="-1" strike="noStrike">
+              <a:rPr lang="de-DE" sz="2000" b="0" strike="noStrike" spc="-1">
                 <a:solidFill>
                   <a:srgbClr val="000000"/>
                 </a:solidFill>
@@ -5241,15 +6080,9 @@
               </a:rPr>
               <a:t>Dritte Ebene</a:t>
             </a:r>
-            <a:endParaRPr b="0" lang="de-DE" sz="2000" spc="-1" strike="noStrike">
-              <a:solidFill>
-                <a:srgbClr val="000000"/>
-              </a:solidFill>
-              <a:latin typeface="Calibri"/>
-            </a:endParaRPr>
-          </a:p>
-          <a:p>
-            <a:pPr lvl="3" marL="1728000" indent="-216000">
+          </a:p>
+          <a:p>
+            <a:pPr marL="1728000" lvl="3" indent="-216000">
               <a:lnSpc>
                 <a:spcPct val="90000"/>
               </a:lnSpc>
@@ -5264,7 +6097,7 @@
               <a:buChar char=""/>
             </a:pPr>
             <a:r>
-              <a:rPr b="0" lang="de-DE" sz="1800" spc="-1" strike="noStrike">
+              <a:rPr lang="de-DE" sz="1800" b="0" strike="noStrike" spc="-1">
                 <a:solidFill>
                   <a:srgbClr val="000000"/>
                 </a:solidFill>
@@ -5272,15 +6105,9 @@
               </a:rPr>
               <a:t>Vierte Ebene</a:t>
             </a:r>
-            <a:endParaRPr b="0" lang="de-DE" sz="1800" spc="-1" strike="noStrike">
-              <a:solidFill>
-                <a:srgbClr val="000000"/>
-              </a:solidFill>
-              <a:latin typeface="Calibri"/>
-            </a:endParaRPr>
-          </a:p>
-          <a:p>
-            <a:pPr lvl="4" marL="2160000" indent="-216000">
+          </a:p>
+          <a:p>
+            <a:pPr marL="2160000" lvl="4" indent="-216000">
               <a:lnSpc>
                 <a:spcPct val="90000"/>
               </a:lnSpc>
@@ -5295,7 +6122,7 @@
               <a:buChar char=""/>
             </a:pPr>
             <a:r>
-              <a:rPr b="0" lang="de-DE" sz="1800" spc="-1" strike="noStrike">
+              <a:rPr lang="de-DE" sz="1800" b="0" strike="noStrike" spc="-1">
                 <a:solidFill>
                   <a:srgbClr val="000000"/>
                 </a:solidFill>
@@ -5303,12 +6130,6 @@
               </a:rPr>
               <a:t>Fünfte Ebene</a:t>
             </a:r>
-            <a:endParaRPr b="0" lang="de-DE" sz="1800" spc="-1" strike="noStrike">
-              <a:solidFill>
-                <a:srgbClr val="000000"/>
-              </a:solidFill>
-              <a:latin typeface="Calibri"/>
-            </a:endParaRPr>
           </a:p>
         </p:txBody>
       </p:sp>
@@ -5335,6 +6156,7 @@
           <a:bodyPr anchor="ctr">
             <a:noAutofit/>
           </a:bodyPr>
+          <a:lstStyle/>
           <a:p>
             <a:pPr>
               <a:lnSpc>
@@ -5342,15 +6164,15 @@
               </a:lnSpc>
             </a:pPr>
             <a:fld id="{569F56F6-A25B-42F6-A53E-D0B7C06EA2EE}" type="datetime">
-              <a:rPr b="0" lang="de-DE" sz="1200" spc="-1" strike="noStrike">
+              <a:rPr lang="de-DE" sz="1200" b="0" strike="noStrike" spc="-1">
                 <a:solidFill>
-                  <a:srgbClr val="8b8b8b"/>
+                  <a:srgbClr val="8B8B8B"/>
                 </a:solidFill>
                 <a:latin typeface="Calibri"/>
               </a:rPr>
-              <a:t>09.09.19</a:t>
+              <a:t>09.09.2019</a:t>
             </a:fld>
-            <a:endParaRPr b="0" lang="de-DE" sz="1200" spc="-1" strike="noStrike">
+            <a:endParaRPr lang="de-DE" sz="1200" b="0" strike="noStrike" spc="-1">
               <a:latin typeface="Times New Roman"/>
             </a:endParaRPr>
           </a:p>
@@ -5379,8 +6201,9 @@
           <a:bodyPr anchor="ctr">
             <a:noAutofit/>
           </a:bodyPr>
-          <a:p>
-            <a:endParaRPr b="0" lang="de-DE" sz="2400" spc="-1" strike="noStrike">
+          <a:lstStyle/>
+          <a:p>
+            <a:endParaRPr lang="de-DE" sz="2400" b="0" strike="noStrike" spc="-1">
               <a:latin typeface="Times New Roman"/>
             </a:endParaRPr>
           </a:p>
@@ -5409,6 +6232,7 @@
           <a:bodyPr anchor="ctr">
             <a:noAutofit/>
           </a:bodyPr>
+          <a:lstStyle/>
           <a:p>
             <a:pPr algn="r">
               <a:lnSpc>
@@ -5416,15 +6240,15 @@
               </a:lnSpc>
             </a:pPr>
             <a:fld id="{329E2BE1-6753-4A72-A9F4-42C4602EAAF0}" type="slidenum">
-              <a:rPr b="0" lang="de-DE" sz="1200" spc="-1" strike="noStrike">
+              <a:rPr lang="de-DE" sz="1200" b="0" strike="noStrike" spc="-1">
                 <a:solidFill>
-                  <a:srgbClr val="8b8b8b"/>
+                  <a:srgbClr val="8B8B8B"/>
                 </a:solidFill>
                 <a:latin typeface="Calibri"/>
               </a:rPr>
-              <a:t>&lt;Foliennummer&gt;</a:t>
+              <a:t>‹Nr.›</a:t>
             </a:fld>
-            <a:endParaRPr b="0" lang="de-DE" sz="1200" spc="-1" strike="noStrike">
+            <a:endParaRPr lang="de-DE" sz="1200" b="0" strike="noStrike" spc="-1">
               <a:latin typeface="Times New Roman"/>
             </a:endParaRPr>
           </a:p>
@@ -5432,26 +6256,923 @@
       </p:sp>
     </p:spTree>
   </p:cSld>
-  <p:clrMap bg1="lt1" bg2="lt2" tx1="dk1" tx2="dk2" accent1="accent1" accent2="accent2" accent3="accent3" accent4="accent4" accent5="accent5" accent6="accent6" hlink="hlink" folHlink="folHlink"/>
+  <p:clrMap bg1="lt1" tx1="dk1" bg2="lt2" tx2="dk2" accent1="accent1" accent2="accent2" accent3="accent3" accent4="accent4" accent5="accent5" accent6="accent6" hlink="hlink" folHlink="folHlink"/>
   <p:sldLayoutIdLst>
-    <p:sldLayoutId id="2147483675" r:id="rId2"/>
-    <p:sldLayoutId id="2147483676" r:id="rId3"/>
-    <p:sldLayoutId id="2147483677" r:id="rId4"/>
-    <p:sldLayoutId id="2147483678" r:id="rId5"/>
-    <p:sldLayoutId id="2147483679" r:id="rId6"/>
-    <p:sldLayoutId id="2147483680" r:id="rId7"/>
-    <p:sldLayoutId id="2147483681" r:id="rId8"/>
-    <p:sldLayoutId id="2147483682" r:id="rId9"/>
-    <p:sldLayoutId id="2147483683" r:id="rId10"/>
-    <p:sldLayoutId id="2147483684" r:id="rId11"/>
-    <p:sldLayoutId id="2147483685" r:id="rId12"/>
-    <p:sldLayoutId id="2147483686" r:id="rId13"/>
+    <p:sldLayoutId id="2147483675" r:id="rId1"/>
+    <p:sldLayoutId id="2147483676" r:id="rId2"/>
+    <p:sldLayoutId id="2147483677" r:id="rId3"/>
+    <p:sldLayoutId id="2147483678" r:id="rId4"/>
+    <p:sldLayoutId id="2147483679" r:id="rId5"/>
+    <p:sldLayoutId id="2147483680" r:id="rId6"/>
+    <p:sldLayoutId id="2147483681" r:id="rId7"/>
+    <p:sldLayoutId id="2147483682" r:id="rId8"/>
+    <p:sldLayoutId id="2147483683" r:id="rId9"/>
+    <p:sldLayoutId id="2147483684" r:id="rId10"/>
+    <p:sldLayoutId id="2147483685" r:id="rId11"/>
+    <p:sldLayoutId id="2147483686" r:id="rId12"/>
   </p:sldLayoutIdLst>
+  <p:txStyles>
+    <p:titleStyle>
+      <a:lvl1pPr algn="l" defTabSz="914400" rtl="0" eaLnBrk="1" latinLnBrk="0" hangingPunct="1">
+        <a:lnSpc>
+          <a:spcPct val="90000"/>
+        </a:lnSpc>
+        <a:spcBef>
+          <a:spcPct val="0"/>
+        </a:spcBef>
+        <a:buNone/>
+        <a:defRPr sz="4400" kern="1200">
+          <a:solidFill>
+            <a:schemeClr val="tx1"/>
+          </a:solidFill>
+          <a:latin typeface="+mj-lt"/>
+          <a:ea typeface="+mj-ea"/>
+          <a:cs typeface="+mj-cs"/>
+        </a:defRPr>
+      </a:lvl1pPr>
+    </p:titleStyle>
+    <p:bodyStyle>
+      <a:lvl1pPr marL="228600" indent="-228600" algn="l" defTabSz="914400" rtl="0" eaLnBrk="1" latinLnBrk="0" hangingPunct="1">
+        <a:lnSpc>
+          <a:spcPct val="90000"/>
+        </a:lnSpc>
+        <a:spcBef>
+          <a:spcPts val="1000"/>
+        </a:spcBef>
+        <a:buFont typeface="Arial" panose="020B0604020202020204" pitchFamily="34" charset="0"/>
+        <a:buChar char="•"/>
+        <a:defRPr sz="2800" kern="1200">
+          <a:solidFill>
+            <a:schemeClr val="tx1"/>
+          </a:solidFill>
+          <a:latin typeface="+mn-lt"/>
+          <a:ea typeface="+mn-ea"/>
+          <a:cs typeface="+mn-cs"/>
+        </a:defRPr>
+      </a:lvl1pPr>
+      <a:lvl2pPr marL="685800" indent="-228600" algn="l" defTabSz="914400" rtl="0" eaLnBrk="1" latinLnBrk="0" hangingPunct="1">
+        <a:lnSpc>
+          <a:spcPct val="90000"/>
+        </a:lnSpc>
+        <a:spcBef>
+          <a:spcPts val="500"/>
+        </a:spcBef>
+        <a:buFont typeface="Arial" panose="020B0604020202020204" pitchFamily="34" charset="0"/>
+        <a:buChar char="•"/>
+        <a:defRPr sz="2400" kern="1200">
+          <a:solidFill>
+            <a:schemeClr val="tx1"/>
+          </a:solidFill>
+          <a:latin typeface="+mn-lt"/>
+          <a:ea typeface="+mn-ea"/>
+          <a:cs typeface="+mn-cs"/>
+        </a:defRPr>
+      </a:lvl2pPr>
+      <a:lvl3pPr marL="1143000" indent="-228600" algn="l" defTabSz="914400" rtl="0" eaLnBrk="1" latinLnBrk="0" hangingPunct="1">
+        <a:lnSpc>
+          <a:spcPct val="90000"/>
+        </a:lnSpc>
+        <a:spcBef>
+          <a:spcPts val="500"/>
+        </a:spcBef>
+        <a:buFont typeface="Arial" panose="020B0604020202020204" pitchFamily="34" charset="0"/>
+        <a:buChar char="•"/>
+        <a:defRPr sz="2000" kern="1200">
+          <a:solidFill>
+            <a:schemeClr val="tx1"/>
+          </a:solidFill>
+          <a:latin typeface="+mn-lt"/>
+          <a:ea typeface="+mn-ea"/>
+          <a:cs typeface="+mn-cs"/>
+        </a:defRPr>
+      </a:lvl3pPr>
+      <a:lvl4pPr marL="1600200" indent="-228600" algn="l" defTabSz="914400" rtl="0" eaLnBrk="1" latinLnBrk="0" hangingPunct="1">
+        <a:lnSpc>
+          <a:spcPct val="90000"/>
+        </a:lnSpc>
+        <a:spcBef>
+          <a:spcPts val="500"/>
+        </a:spcBef>
+        <a:buFont typeface="Arial" panose="020B0604020202020204" pitchFamily="34" charset="0"/>
+        <a:buChar char="•"/>
+        <a:defRPr sz="1800" kern="1200">
+          <a:solidFill>
+            <a:schemeClr val="tx1"/>
+          </a:solidFill>
+          <a:latin typeface="+mn-lt"/>
+          <a:ea typeface="+mn-ea"/>
+          <a:cs typeface="+mn-cs"/>
+        </a:defRPr>
+      </a:lvl4pPr>
+      <a:lvl5pPr marL="2057400" indent="-228600" algn="l" defTabSz="914400" rtl="0" eaLnBrk="1" latinLnBrk="0" hangingPunct="1">
+        <a:lnSpc>
+          <a:spcPct val="90000"/>
+        </a:lnSpc>
+        <a:spcBef>
+          <a:spcPts val="500"/>
+        </a:spcBef>
+        <a:buFont typeface="Arial" panose="020B0604020202020204" pitchFamily="34" charset="0"/>
+        <a:buChar char="•"/>
+        <a:defRPr sz="1800" kern="1200">
+          <a:solidFill>
+            <a:schemeClr val="tx1"/>
+          </a:solidFill>
+          <a:latin typeface="+mn-lt"/>
+          <a:ea typeface="+mn-ea"/>
+          <a:cs typeface="+mn-cs"/>
+        </a:defRPr>
+      </a:lvl5pPr>
+      <a:lvl6pPr marL="2514600" indent="-228600" algn="l" defTabSz="914400" rtl="0" eaLnBrk="1" latinLnBrk="0" hangingPunct="1">
+        <a:lnSpc>
+          <a:spcPct val="90000"/>
+        </a:lnSpc>
+        <a:spcBef>
+          <a:spcPts val="500"/>
+        </a:spcBef>
+        <a:buFont typeface="Arial" panose="020B0604020202020204" pitchFamily="34" charset="0"/>
+        <a:buChar char="•"/>
+        <a:defRPr sz="1800" kern="1200">
+          <a:solidFill>
+            <a:schemeClr val="tx1"/>
+          </a:solidFill>
+          <a:latin typeface="+mn-lt"/>
+          <a:ea typeface="+mn-ea"/>
+          <a:cs typeface="+mn-cs"/>
+        </a:defRPr>
+      </a:lvl6pPr>
+      <a:lvl7pPr marL="2971800" indent="-228600" algn="l" defTabSz="914400" rtl="0" eaLnBrk="1" latinLnBrk="0" hangingPunct="1">
+        <a:lnSpc>
+          <a:spcPct val="90000"/>
+        </a:lnSpc>
+        <a:spcBef>
+          <a:spcPts val="500"/>
+        </a:spcBef>
+        <a:buFont typeface="Arial" panose="020B0604020202020204" pitchFamily="34" charset="0"/>
+        <a:buChar char="•"/>
+        <a:defRPr sz="1800" kern="1200">
+          <a:solidFill>
+            <a:schemeClr val="tx1"/>
+          </a:solidFill>
+          <a:latin typeface="+mn-lt"/>
+          <a:ea typeface="+mn-ea"/>
+          <a:cs typeface="+mn-cs"/>
+        </a:defRPr>
+      </a:lvl7pPr>
+      <a:lvl8pPr marL="3429000" indent="-228600" algn="l" defTabSz="914400" rtl="0" eaLnBrk="1" latinLnBrk="0" hangingPunct="1">
+        <a:lnSpc>
+          <a:spcPct val="90000"/>
+        </a:lnSpc>
+        <a:spcBef>
+          <a:spcPts val="500"/>
+        </a:spcBef>
+        <a:buFont typeface="Arial" panose="020B0604020202020204" pitchFamily="34" charset="0"/>
+        <a:buChar char="•"/>
+        <a:defRPr sz="1800" kern="1200">
+          <a:solidFill>
+            <a:schemeClr val="tx1"/>
+          </a:solidFill>
+          <a:latin typeface="+mn-lt"/>
+          <a:ea typeface="+mn-ea"/>
+          <a:cs typeface="+mn-cs"/>
+        </a:defRPr>
+      </a:lvl8pPr>
+      <a:lvl9pPr marL="3886200" indent="-228600" algn="l" defTabSz="914400" rtl="0" eaLnBrk="1" latinLnBrk="0" hangingPunct="1">
+        <a:lnSpc>
+          <a:spcPct val="90000"/>
+        </a:lnSpc>
+        <a:spcBef>
+          <a:spcPts val="500"/>
+        </a:spcBef>
+        <a:buFont typeface="Arial" panose="020B0604020202020204" pitchFamily="34" charset="0"/>
+        <a:buChar char="•"/>
+        <a:defRPr sz="1800" kern="1200">
+          <a:solidFill>
+            <a:schemeClr val="tx1"/>
+          </a:solidFill>
+          <a:latin typeface="+mn-lt"/>
+          <a:ea typeface="+mn-ea"/>
+          <a:cs typeface="+mn-cs"/>
+        </a:defRPr>
+      </a:lvl9pPr>
+    </p:bodyStyle>
+    <p:otherStyle>
+      <a:defPPr>
+        <a:defRPr lang="de-DE"/>
+      </a:defPPr>
+      <a:lvl1pPr marL="0" algn="l" defTabSz="914400" rtl="0" eaLnBrk="1" latinLnBrk="0" hangingPunct="1">
+        <a:defRPr sz="1800" kern="1200">
+          <a:solidFill>
+            <a:schemeClr val="tx1"/>
+          </a:solidFill>
+          <a:latin typeface="+mn-lt"/>
+          <a:ea typeface="+mn-ea"/>
+          <a:cs typeface="+mn-cs"/>
+        </a:defRPr>
+      </a:lvl1pPr>
+      <a:lvl2pPr marL="457200" algn="l" defTabSz="914400" rtl="0" eaLnBrk="1" latinLnBrk="0" hangingPunct="1">
+        <a:defRPr sz="1800" kern="1200">
+          <a:solidFill>
+            <a:schemeClr val="tx1"/>
+          </a:solidFill>
+          <a:latin typeface="+mn-lt"/>
+          <a:ea typeface="+mn-ea"/>
+          <a:cs typeface="+mn-cs"/>
+        </a:defRPr>
+      </a:lvl2pPr>
+      <a:lvl3pPr marL="914400" algn="l" defTabSz="914400" rtl="0" eaLnBrk="1" latinLnBrk="0" hangingPunct="1">
+        <a:defRPr sz="1800" kern="1200">
+          <a:solidFill>
+            <a:schemeClr val="tx1"/>
+          </a:solidFill>
+          <a:latin typeface="+mn-lt"/>
+          <a:ea typeface="+mn-ea"/>
+          <a:cs typeface="+mn-cs"/>
+        </a:defRPr>
+      </a:lvl3pPr>
+      <a:lvl4pPr marL="1371600" algn="l" defTabSz="914400" rtl="0" eaLnBrk="1" latinLnBrk="0" hangingPunct="1">
+        <a:defRPr sz="1800" kern="1200">
+          <a:solidFill>
+            <a:schemeClr val="tx1"/>
+          </a:solidFill>
+          <a:latin typeface="+mn-lt"/>
+          <a:ea typeface="+mn-ea"/>
+          <a:cs typeface="+mn-cs"/>
+        </a:defRPr>
+      </a:lvl4pPr>
+      <a:lvl5pPr marL="1828800" algn="l" defTabSz="914400" rtl="0" eaLnBrk="1" latinLnBrk="0" hangingPunct="1">
+        <a:defRPr sz="1800" kern="1200">
+          <a:solidFill>
+            <a:schemeClr val="tx1"/>
+          </a:solidFill>
+          <a:latin typeface="+mn-lt"/>
+          <a:ea typeface="+mn-ea"/>
+          <a:cs typeface="+mn-cs"/>
+        </a:defRPr>
+      </a:lvl5pPr>
+      <a:lvl6pPr marL="2286000" algn="l" defTabSz="914400" rtl="0" eaLnBrk="1" latinLnBrk="0" hangingPunct="1">
+        <a:defRPr sz="1800" kern="1200">
+          <a:solidFill>
+            <a:schemeClr val="tx1"/>
+          </a:solidFill>
+          <a:latin typeface="+mn-lt"/>
+          <a:ea typeface="+mn-ea"/>
+          <a:cs typeface="+mn-cs"/>
+        </a:defRPr>
+      </a:lvl6pPr>
+      <a:lvl7pPr marL="2743200" algn="l" defTabSz="914400" rtl="0" eaLnBrk="1" latinLnBrk="0" hangingPunct="1">
+        <a:defRPr sz="1800" kern="1200">
+          <a:solidFill>
+            <a:schemeClr val="tx1"/>
+          </a:solidFill>
+          <a:latin typeface="+mn-lt"/>
+          <a:ea typeface="+mn-ea"/>
+          <a:cs typeface="+mn-cs"/>
+        </a:defRPr>
+      </a:lvl7pPr>
+      <a:lvl8pPr marL="3200400" algn="l" defTabSz="914400" rtl="0" eaLnBrk="1" latinLnBrk="0" hangingPunct="1">
+        <a:defRPr sz="1800" kern="1200">
+          <a:solidFill>
+            <a:schemeClr val="tx1"/>
+          </a:solidFill>
+          <a:latin typeface="+mn-lt"/>
+          <a:ea typeface="+mn-ea"/>
+          <a:cs typeface="+mn-cs"/>
+        </a:defRPr>
+      </a:lvl8pPr>
+      <a:lvl9pPr marL="3657600" algn="l" defTabSz="914400" rtl="0" eaLnBrk="1" latinLnBrk="0" hangingPunct="1">
+        <a:defRPr sz="1800" kern="1200">
+          <a:solidFill>
+            <a:schemeClr val="tx1"/>
+          </a:solidFill>
+          <a:latin typeface="+mn-lt"/>
+          <a:ea typeface="+mn-ea"/>
+          <a:cs typeface="+mn-cs"/>
+        </a:defRPr>
+      </a:lvl9pPr>
+    </p:otherStyle>
+  </p:txStyles>
 </p:sldMaster>
 </file>
 
 <file path=ppt/slides/slide1.xml><?xml version="1.0" encoding="utf-8"?>
-<p:sld xmlns:a="http://schemas.openxmlformats.org/drawingml/2006/main" xmlns:p="http://schemas.openxmlformats.org/presentationml/2006/main" xmlns:r="http://schemas.openxmlformats.org/officeDocument/2006/relationships" xmlns:p14="http://schemas.microsoft.com/office/powerpoint/2010/main" xmlns:p15="http://schemas.microsoft.com/office/powerpoint/2012/main" xmlns:mc="http://schemas.openxmlformats.org/markup-compatibility/2006">
+<p:sld xmlns:a="http://schemas.openxmlformats.org/drawingml/2006/main" xmlns:r="http://schemas.openxmlformats.org/officeDocument/2006/relationships" xmlns:p="http://schemas.openxmlformats.org/presentationml/2006/main">
+  <p:cSld>
+    <p:bg>
+      <p:bgPr>
+        <a:solidFill>
+          <a:srgbClr val="9AC000"/>
+        </a:solidFill>
+        <a:effectLst/>
+      </p:bgPr>
+    </p:bg>
+    <p:spTree>
+      <p:nvGrpSpPr>
+        <p:cNvPr id="1" name=""/>
+        <p:cNvGrpSpPr/>
+        <p:nvPr/>
+      </p:nvGrpSpPr>
+      <p:grpSpPr>
+        <a:xfrm>
+          <a:off x="0" y="0"/>
+          <a:ext cx="0" cy="0"/>
+          <a:chOff x="0" y="0"/>
+          <a:chExt cx="0" cy="0"/>
+        </a:xfrm>
+      </p:grpSpPr>
+      <p:sp>
+        <p:nvSpPr>
+          <p:cNvPr id="130" name="TextShape 1"/>
+          <p:cNvSpPr txBox="1"/>
+          <p:nvPr/>
+        </p:nvSpPr>
+        <p:spPr>
+          <a:xfrm>
+            <a:off x="1977480" y="2317629"/>
+            <a:ext cx="8236440" cy="2270880"/>
+          </a:xfrm>
+          <a:prstGeom prst="rect">
+            <a:avLst/>
+          </a:prstGeom>
+          <a:noFill/>
+          <a:ln>
+            <a:noFill/>
+          </a:ln>
+        </p:spPr>
+        <p:txBody>
+          <a:bodyPr anchor="b">
+            <a:normAutofit/>
+          </a:bodyPr>
+          <a:lstStyle/>
+          <a:p>
+            <a:pPr algn="ctr">
+              <a:lnSpc>
+                <a:spcPct val="114000"/>
+              </a:lnSpc>
+            </a:pPr>
+            <a:r>
+              <a:rPr lang="de-DE" sz="2800" b="1" strike="noStrike" spc="-1" dirty="0">
+                <a:solidFill>
+                  <a:srgbClr val="FFFFFF"/>
+                </a:solidFill>
+                <a:latin typeface="Enriqueta"/>
+              </a:rPr>
+              <a:t>PSE-Abschlusspräsentation der Android-Gruppe 2</a:t>
+            </a:r>
+            <a:br>
+              <a:rPr dirty="0"/>
+            </a:br>
+            <a:endParaRPr lang="de-DE" sz="2800" b="0" strike="noStrike" spc="-1" dirty="0">
+              <a:solidFill>
+                <a:srgbClr val="000000"/>
+              </a:solidFill>
+              <a:latin typeface="Calibri"/>
+            </a:endParaRPr>
+          </a:p>
+        </p:txBody>
+      </p:sp>
+      <p:sp>
+        <p:nvSpPr>
+          <p:cNvPr id="131" name="TextShape 2"/>
+          <p:cNvSpPr txBox="1"/>
+          <p:nvPr/>
+        </p:nvSpPr>
+        <p:spPr>
+          <a:xfrm>
+            <a:off x="3004560" y="4552560"/>
+            <a:ext cx="6182640" cy="1399320"/>
+          </a:xfrm>
+          <a:prstGeom prst="rect">
+            <a:avLst/>
+          </a:prstGeom>
+          <a:noFill/>
+          <a:ln>
+            <a:noFill/>
+          </a:ln>
+        </p:spPr>
+        <p:txBody>
+          <a:bodyPr>
+            <a:noAutofit/>
+          </a:bodyPr>
+          <a:lstStyle/>
+          <a:p>
+            <a:pPr algn="ctr">
+              <a:lnSpc>
+                <a:spcPct val="114000"/>
+              </a:lnSpc>
+              <a:spcBef>
+                <a:spcPts val="1001"/>
+              </a:spcBef>
+              <a:spcAft>
+                <a:spcPts val="1800"/>
+              </a:spcAft>
+            </a:pPr>
+            <a:r>
+              <a:rPr lang="de-DE" sz="2000" b="0" strike="noStrike" spc="-1" dirty="0" err="1">
+                <a:solidFill>
+                  <a:srgbClr val="FFFFFF"/>
+                </a:solidFill>
+                <a:latin typeface="Enriqueta"/>
+              </a:rPr>
+              <a:t>Fangzhou</a:t>
+            </a:r>
+            <a:r>
+              <a:rPr lang="de-DE" sz="2000" b="0" strike="noStrike" spc="-1" dirty="0">
+                <a:solidFill>
+                  <a:srgbClr val="FFFFFF"/>
+                </a:solidFill>
+                <a:latin typeface="Enriqueta"/>
+              </a:rPr>
+              <a:t> </a:t>
+            </a:r>
+            <a:r>
+              <a:rPr lang="de-DE" sz="2000" b="0" strike="noStrike" spc="-1" dirty="0" err="1">
+                <a:solidFill>
+                  <a:srgbClr val="FFFFFF"/>
+                </a:solidFill>
+                <a:latin typeface="Enriqueta"/>
+              </a:rPr>
+              <a:t>Bian</a:t>
+            </a:r>
+            <a:r>
+              <a:rPr lang="de-DE" sz="2000" b="0" strike="noStrike" spc="-1" dirty="0">
+                <a:solidFill>
+                  <a:srgbClr val="FFFFFF"/>
+                </a:solidFill>
+                <a:latin typeface="Enriqueta"/>
+              </a:rPr>
+              <a:t>, Kathrin Blum, Matthias Bruns, Leonhard Duda, Tan </a:t>
+            </a:r>
+            <a:r>
+              <a:rPr lang="de-DE" sz="2000" b="0" strike="noStrike" spc="-1" dirty="0" err="1">
+                <a:solidFill>
+                  <a:srgbClr val="FFFFFF"/>
+                </a:solidFill>
+                <a:latin typeface="Enriqueta"/>
+              </a:rPr>
+              <a:t>Grumser</a:t>
+            </a:r>
+            <a:r>
+              <a:rPr lang="de-DE" sz="2000" b="0" strike="noStrike" spc="-1" dirty="0">
+                <a:solidFill>
+                  <a:srgbClr val="FFFFFF"/>
+                </a:solidFill>
+                <a:latin typeface="Enriqueta"/>
+              </a:rPr>
+              <a:t>, Yuguang Lin</a:t>
+            </a:r>
+            <a:endParaRPr lang="de-DE" sz="2000" b="0" strike="noStrike" spc="-1" dirty="0">
+              <a:latin typeface="Arial"/>
+            </a:endParaRPr>
+          </a:p>
+          <a:p>
+            <a:pPr algn="ctr">
+              <a:lnSpc>
+                <a:spcPct val="90000"/>
+              </a:lnSpc>
+              <a:spcBef>
+                <a:spcPts val="1001"/>
+              </a:spcBef>
+            </a:pPr>
+            <a:r>
+              <a:rPr lang="de-DE" sz="2000" b="0" strike="noStrike" spc="-1" dirty="0">
+                <a:solidFill>
+                  <a:srgbClr val="FFFFFF"/>
+                </a:solidFill>
+                <a:latin typeface="Enriqueta"/>
+              </a:rPr>
+              <a:t>10. September 2019</a:t>
+            </a:r>
+            <a:endParaRPr lang="de-DE" sz="2000" b="0" strike="noStrike" spc="-1" dirty="0">
+              <a:latin typeface="Arial"/>
+            </a:endParaRPr>
+          </a:p>
+        </p:txBody>
+      </p:sp>
+      <p:pic>
+        <p:nvPicPr>
+          <p:cNvPr id="132" name="Grafik 4"/>
+          <p:cNvPicPr/>
+          <p:nvPr/>
+        </p:nvPicPr>
+        <p:blipFill>
+          <a:blip r:embed="rId2"/>
+          <a:stretch/>
+        </p:blipFill>
+        <p:spPr>
+          <a:xfrm>
+            <a:off x="3627720" y="575280"/>
+            <a:ext cx="4935960" cy="3003120"/>
+          </a:xfrm>
+          <a:prstGeom prst="rect">
+            <a:avLst/>
+          </a:prstGeom>
+          <a:ln>
+            <a:noFill/>
+          </a:ln>
+        </p:spPr>
+      </p:pic>
+    </p:spTree>
+    <p:extLst>
+      <p:ext uri="{BB962C8B-B14F-4D97-AF65-F5344CB8AC3E}">
+        <p14:creationId xmlns:p14="http://schemas.microsoft.com/office/powerpoint/2010/main" val="2965770424"/>
+      </p:ext>
+    </p:extLst>
+  </p:cSld>
+  <p:clrMapOvr>
+    <a:masterClrMapping/>
+  </p:clrMapOvr>
+</p:sld>
+</file>
+
+<file path=ppt/slides/slide10.xml><?xml version="1.0" encoding="utf-8"?>
+<p:sld xmlns:a="http://schemas.openxmlformats.org/drawingml/2006/main" xmlns:r="http://schemas.openxmlformats.org/officeDocument/2006/relationships" xmlns:p="http://schemas.openxmlformats.org/presentationml/2006/main">
+  <p:cSld>
+    <p:spTree>
+      <p:nvGrpSpPr>
+        <p:cNvPr id="1" name=""/>
+        <p:cNvGrpSpPr/>
+        <p:nvPr/>
+      </p:nvGrpSpPr>
+      <p:grpSpPr>
+        <a:xfrm>
+          <a:off x="0" y="0"/>
+          <a:ext cx="0" cy="0"/>
+          <a:chOff x="0" y="0"/>
+          <a:chExt cx="0" cy="0"/>
+        </a:xfrm>
+      </p:grpSpPr>
+      <p:sp>
+        <p:nvSpPr>
+          <p:cNvPr id="147" name="TextShape 1"/>
+          <p:cNvSpPr txBox="1"/>
+          <p:nvPr/>
+        </p:nvSpPr>
+        <p:spPr>
+          <a:xfrm>
+            <a:off x="0" y="0"/>
+            <a:ext cx="12191760" cy="1192680"/>
+          </a:xfrm>
+          <a:prstGeom prst="rect">
+            <a:avLst/>
+          </a:prstGeom>
+          <a:solidFill>
+            <a:srgbClr val="9AC000"/>
+          </a:solidFill>
+          <a:ln>
+            <a:noFill/>
+          </a:ln>
+          <a:effectLst>
+            <a:outerShdw dist="37674" dir="2700000">
+              <a:srgbClr val="000000">
+                <a:alpha val="40000"/>
+              </a:srgbClr>
+            </a:outerShdw>
+          </a:effectLst>
+        </p:spPr>
+        <p:txBody>
+          <a:bodyPr lIns="540000" tIns="108000" rIns="540000" anchor="ctr">
+            <a:normAutofit/>
+          </a:bodyPr>
+          <a:lstStyle/>
+          <a:p>
+            <a:pPr>
+              <a:lnSpc>
+                <a:spcPct val="90000"/>
+              </a:lnSpc>
+            </a:pPr>
+            <a:r>
+              <a:rPr lang="de-DE" sz="2800" b="0" strike="noStrike" spc="-1">
+                <a:solidFill>
+                  <a:srgbClr val="FFFFFF"/>
+                </a:solidFill>
+                <a:latin typeface="Enriqueta"/>
+              </a:rPr>
+              <a:t>Herausforderungen</a:t>
+            </a:r>
+            <a:endParaRPr lang="de-DE" sz="2800" b="0" strike="noStrike" spc="-1">
+              <a:solidFill>
+                <a:srgbClr val="000000"/>
+              </a:solidFill>
+              <a:latin typeface="Calibri"/>
+            </a:endParaRPr>
+          </a:p>
+        </p:txBody>
+      </p:sp>
+      <p:sp>
+        <p:nvSpPr>
+          <p:cNvPr id="148" name="TextShape 2"/>
+          <p:cNvSpPr txBox="1"/>
+          <p:nvPr/>
+        </p:nvSpPr>
+        <p:spPr>
+          <a:xfrm>
+            <a:off x="838080" y="1825560"/>
+            <a:ext cx="10515240" cy="4350960"/>
+          </a:xfrm>
+          <a:prstGeom prst="rect">
+            <a:avLst/>
+          </a:prstGeom>
+          <a:noFill/>
+          <a:ln>
+            <a:noFill/>
+          </a:ln>
+        </p:spPr>
+        <p:txBody>
+          <a:bodyPr>
+            <a:noAutofit/>
+          </a:bodyPr>
+          <a:lstStyle/>
+          <a:p>
+            <a:pPr marL="228600" indent="-228240">
+              <a:lnSpc>
+                <a:spcPct val="90000"/>
+              </a:lnSpc>
+              <a:spcBef>
+                <a:spcPts val="1001"/>
+              </a:spcBef>
+              <a:buClr>
+                <a:srgbClr val="000000"/>
+              </a:buClr>
+              <a:buFont typeface="Arial"/>
+              <a:buChar char="•"/>
+            </a:pPr>
+            <a:r>
+              <a:rPr lang="de-DE" sz="2000" b="1" strike="noStrike" spc="-1">
+                <a:solidFill>
+                  <a:srgbClr val="000000"/>
+                </a:solidFill>
+                <a:latin typeface="Enriqueta"/>
+              </a:rPr>
+              <a:t>Server</a:t>
+            </a:r>
+            <a:endParaRPr lang="de-DE" sz="2000" b="0" strike="noStrike" spc="-1">
+              <a:solidFill>
+                <a:srgbClr val="000000"/>
+              </a:solidFill>
+              <a:latin typeface="Calibri"/>
+            </a:endParaRPr>
+          </a:p>
+          <a:p>
+            <a:pPr marL="228600" indent="-228240">
+              <a:lnSpc>
+                <a:spcPct val="90000"/>
+              </a:lnSpc>
+              <a:spcBef>
+                <a:spcPts val="1001"/>
+              </a:spcBef>
+              <a:buClr>
+                <a:srgbClr val="000000"/>
+              </a:buClr>
+              <a:buFont typeface="Arial"/>
+              <a:buChar char="•"/>
+            </a:pPr>
+            <a:endParaRPr lang="de-DE" sz="2000" b="0" strike="noStrike" spc="-1">
+              <a:solidFill>
+                <a:srgbClr val="000000"/>
+              </a:solidFill>
+              <a:latin typeface="Calibri"/>
+            </a:endParaRPr>
+          </a:p>
+        </p:txBody>
+      </p:sp>
+      <p:pic>
+        <p:nvPicPr>
+          <p:cNvPr id="149" name="Grafik 5"/>
+          <p:cNvPicPr/>
+          <p:nvPr/>
+        </p:nvPicPr>
+        <p:blipFill>
+          <a:blip r:embed="rId2"/>
+          <a:stretch/>
+        </p:blipFill>
+        <p:spPr>
+          <a:xfrm>
+            <a:off x="10258560" y="141120"/>
+            <a:ext cx="1728360" cy="1051560"/>
+          </a:xfrm>
+          <a:prstGeom prst="rect">
+            <a:avLst/>
+          </a:prstGeom>
+          <a:ln>
+            <a:noFill/>
+          </a:ln>
+        </p:spPr>
+      </p:pic>
+    </p:spTree>
+  </p:cSld>
+  <p:clrMapOvr>
+    <a:masterClrMapping/>
+  </p:clrMapOvr>
+</p:sld>
+</file>
+
+<file path=ppt/slides/slide11.xml><?xml version="1.0" encoding="utf-8"?>
+<p:sld xmlns:a="http://schemas.openxmlformats.org/drawingml/2006/main" xmlns:r="http://schemas.openxmlformats.org/officeDocument/2006/relationships" xmlns:p="http://schemas.openxmlformats.org/presentationml/2006/main">
+  <p:cSld>
+    <p:spTree>
+      <p:nvGrpSpPr>
+        <p:cNvPr id="1" name=""/>
+        <p:cNvGrpSpPr/>
+        <p:nvPr/>
+      </p:nvGrpSpPr>
+      <p:grpSpPr>
+        <a:xfrm>
+          <a:off x="0" y="0"/>
+          <a:ext cx="0" cy="0"/>
+          <a:chOff x="0" y="0"/>
+          <a:chExt cx="0" cy="0"/>
+        </a:xfrm>
+      </p:grpSpPr>
+      <p:sp>
+        <p:nvSpPr>
+          <p:cNvPr id="150" name="TextShape 1"/>
+          <p:cNvSpPr txBox="1"/>
+          <p:nvPr/>
+        </p:nvSpPr>
+        <p:spPr>
+          <a:xfrm>
+            <a:off x="0" y="0"/>
+            <a:ext cx="12191760" cy="1192680"/>
+          </a:xfrm>
+          <a:prstGeom prst="rect">
+            <a:avLst/>
+          </a:prstGeom>
+          <a:solidFill>
+            <a:srgbClr val="9AC000"/>
+          </a:solidFill>
+          <a:ln>
+            <a:noFill/>
+          </a:ln>
+          <a:effectLst>
+            <a:outerShdw dist="37674" dir="2700000">
+              <a:srgbClr val="000000">
+                <a:alpha val="40000"/>
+              </a:srgbClr>
+            </a:outerShdw>
+          </a:effectLst>
+        </p:spPr>
+        <p:txBody>
+          <a:bodyPr lIns="540000" tIns="108000" rIns="540000" anchor="ctr">
+            <a:normAutofit/>
+          </a:bodyPr>
+          <a:lstStyle/>
+          <a:p>
+            <a:pPr>
+              <a:lnSpc>
+                <a:spcPct val="90000"/>
+              </a:lnSpc>
+            </a:pPr>
+            <a:r>
+              <a:rPr lang="de-DE" sz="2800" b="0" strike="noStrike" spc="-1">
+                <a:solidFill>
+                  <a:srgbClr val="FFFFFF"/>
+                </a:solidFill>
+                <a:latin typeface="Enriqueta"/>
+              </a:rPr>
+              <a:t>Hallway-Tests</a:t>
+            </a:r>
+            <a:endParaRPr lang="de-DE" sz="2800" b="0" strike="noStrike" spc="-1">
+              <a:solidFill>
+                <a:srgbClr val="000000"/>
+              </a:solidFill>
+              <a:latin typeface="Calibri"/>
+            </a:endParaRPr>
+          </a:p>
+        </p:txBody>
+      </p:sp>
+      <p:sp>
+        <p:nvSpPr>
+          <p:cNvPr id="151" name="TextShape 2"/>
+          <p:cNvSpPr txBox="1"/>
+          <p:nvPr/>
+        </p:nvSpPr>
+        <p:spPr>
+          <a:xfrm>
+            <a:off x="838080" y="1825560"/>
+            <a:ext cx="10515240" cy="4350960"/>
+          </a:xfrm>
+          <a:prstGeom prst="rect">
+            <a:avLst/>
+          </a:prstGeom>
+          <a:noFill/>
+          <a:ln>
+            <a:noFill/>
+          </a:ln>
+        </p:spPr>
+        <p:txBody>
+          <a:bodyPr>
+            <a:noAutofit/>
+          </a:bodyPr>
+          <a:lstStyle/>
+          <a:p>
+            <a:pPr marL="228600" indent="-228240">
+              <a:lnSpc>
+                <a:spcPct val="90000"/>
+              </a:lnSpc>
+              <a:spcBef>
+                <a:spcPts val="1001"/>
+              </a:spcBef>
+              <a:buClr>
+                <a:srgbClr val="000000"/>
+              </a:buClr>
+              <a:buFont typeface="Arial"/>
+              <a:buChar char="•"/>
+            </a:pPr>
+            <a:r>
+              <a:rPr lang="de-DE" sz="2000" b="1" strike="noStrike" spc="-1">
+                <a:solidFill>
+                  <a:srgbClr val="000000"/>
+                </a:solidFill>
+                <a:latin typeface="Enriqueta"/>
+              </a:rPr>
+              <a:t>Ergebnisse</a:t>
+            </a:r>
+            <a:endParaRPr lang="de-DE" sz="2000" b="0" strike="noStrike" spc="-1">
+              <a:solidFill>
+                <a:srgbClr val="000000"/>
+              </a:solidFill>
+              <a:latin typeface="Calibri"/>
+            </a:endParaRPr>
+          </a:p>
+          <a:p>
+            <a:pPr marL="228600" indent="-228240">
+              <a:lnSpc>
+                <a:spcPct val="90000"/>
+              </a:lnSpc>
+              <a:spcBef>
+                <a:spcPts val="1001"/>
+              </a:spcBef>
+              <a:buClr>
+                <a:srgbClr val="000000"/>
+              </a:buClr>
+              <a:buFont typeface="Arial"/>
+              <a:buChar char="•"/>
+            </a:pPr>
+            <a:endParaRPr lang="de-DE" sz="2000" b="0" strike="noStrike" spc="-1">
+              <a:solidFill>
+                <a:srgbClr val="000000"/>
+              </a:solidFill>
+              <a:latin typeface="Calibri"/>
+            </a:endParaRPr>
+          </a:p>
+        </p:txBody>
+      </p:sp>
+      <p:pic>
+        <p:nvPicPr>
+          <p:cNvPr id="152" name="Grafik 5"/>
+          <p:cNvPicPr/>
+          <p:nvPr/>
+        </p:nvPicPr>
+        <p:blipFill>
+          <a:blip r:embed="rId2"/>
+          <a:stretch/>
+        </p:blipFill>
+        <p:spPr>
+          <a:xfrm>
+            <a:off x="10258560" y="141120"/>
+            <a:ext cx="1728360" cy="1051560"/>
+          </a:xfrm>
+          <a:prstGeom prst="rect">
+            <a:avLst/>
+          </a:prstGeom>
+          <a:ln>
+            <a:noFill/>
+          </a:ln>
+        </p:spPr>
+      </p:pic>
+      <p:pic>
+        <p:nvPicPr>
+          <p:cNvPr id="153" name="Grafik 152"/>
+          <p:cNvPicPr/>
+          <p:nvPr/>
+        </p:nvPicPr>
+        <p:blipFill>
+          <a:blip r:embed="rId3"/>
+          <a:stretch/>
+        </p:blipFill>
+        <p:spPr>
+          <a:xfrm>
+            <a:off x="867600" y="3031920"/>
+            <a:ext cx="4919040" cy="2927880"/>
+          </a:xfrm>
+          <a:prstGeom prst="rect">
+            <a:avLst/>
+          </a:prstGeom>
+          <a:ln>
+            <a:noFill/>
+          </a:ln>
+        </p:spPr>
+      </p:pic>
+    </p:spTree>
+  </p:cSld>
+  <p:clrMapOvr>
+    <a:masterClrMapping/>
+  </p:clrMapOvr>
+</p:sld>
+</file>
+
+<file path=ppt/slides/slide2.xml><?xml version="1.0" encoding="utf-8"?>
+<p:sld xmlns:a="http://schemas.openxmlformats.org/drawingml/2006/main" xmlns:r="http://schemas.openxmlformats.org/officeDocument/2006/relationships" xmlns:p="http://schemas.openxmlformats.org/presentationml/2006/main">
   <p:cSld>
     <p:spTree>
       <p:nvGrpSpPr>
@@ -5496,27 +7217,33 @@
               <a:avLst/>
             </a:prstGeom>
             <a:solidFill>
-              <a:srgbClr val="9ac000"/>
+              <a:srgbClr val="9AC000"/>
             </a:solidFill>
             <a:ln w="12600">
               <a:noFill/>
             </a:ln>
           </p:spPr>
           <p:style>
-            <a:lnRef idx="0"/>
-            <a:fillRef idx="0"/>
-            <a:effectRef idx="0"/>
+            <a:lnRef idx="0">
+              <a:scrgbClr r="0" g="0" b="0"/>
+            </a:lnRef>
+            <a:fillRef idx="0">
+              <a:scrgbClr r="0" g="0" b="0"/>
+            </a:fillRef>
+            <a:effectRef idx="0">
+              <a:scrgbClr r="0" g="0" b="0"/>
+            </a:effectRef>
             <a:fontRef idx="minor"/>
           </p:style>
         </p:sp>
         <p:pic>
           <p:nvPicPr>
-            <p:cNvPr id="125" name="Grafik 5" descr=""/>
+            <p:cNvPr id="125" name="Grafik 5"/>
             <p:cNvPicPr/>
             <p:nvPr/>
           </p:nvPicPr>
           <p:blipFill>
-            <a:blip r:embed="rId1"/>
+            <a:blip r:embed="rId2"/>
             <a:stretch/>
           </p:blipFill>
           <p:spPr>
@@ -5552,15 +7279,22 @@
             </a:ln>
           </p:spPr>
           <p:style>
-            <a:lnRef idx="0"/>
-            <a:fillRef idx="0"/>
-            <a:effectRef idx="0"/>
+            <a:lnRef idx="0">
+              <a:scrgbClr r="0" g="0" b="0"/>
+            </a:lnRef>
+            <a:fillRef idx="0">
+              <a:scrgbClr r="0" g="0" b="0"/>
+            </a:fillRef>
+            <a:effectRef idx="0">
+              <a:scrgbClr r="0" g="0" b="0"/>
+            </a:effectRef>
             <a:fontRef idx="minor"/>
           </p:style>
           <p:txBody>
-            <a:bodyPr lIns="90000" rIns="90000" tIns="45000" bIns="45000">
+            <a:bodyPr lIns="90000" tIns="45000" rIns="90000" bIns="45000">
               <a:spAutoFit/>
             </a:bodyPr>
+            <a:lstStyle/>
             <a:p>
               <a:pPr>
                 <a:lnSpc>
@@ -5568,15 +7302,15 @@
                 </a:lnSpc>
               </a:pPr>
               <a:r>
-                <a:rPr b="0" lang="de-DE" sz="1300" spc="-1" strike="noStrike">
+                <a:rPr lang="de-DE" sz="1300" b="0" strike="noStrike" spc="-1">
                   <a:solidFill>
-                    <a:srgbClr val="ffffff"/>
+                    <a:srgbClr val="FFFFFF"/>
                   </a:solidFill>
                   <a:latin typeface="Enriqueta Medium"/>
                 </a:rPr>
                 <a:t>Weil alleine essen doof ist.</a:t>
               </a:r>
-              <a:endParaRPr b="0" lang="de-DE" sz="1300" spc="-1" strike="noStrike">
+              <a:endParaRPr lang="de-DE" sz="1300" b="0" strike="noStrike" spc="-1">
                 <a:latin typeface="Arial"/>
               </a:endParaRPr>
             </a:p>
@@ -5602,15 +7336,22 @@
             </a:ln>
           </p:spPr>
           <p:style>
-            <a:lnRef idx="0"/>
-            <a:fillRef idx="0"/>
-            <a:effectRef idx="0"/>
+            <a:lnRef idx="0">
+              <a:scrgbClr r="0" g="0" b="0"/>
+            </a:lnRef>
+            <a:fillRef idx="0">
+              <a:scrgbClr r="0" g="0" b="0"/>
+            </a:fillRef>
+            <a:effectRef idx="0">
+              <a:scrgbClr r="0" g="0" b="0"/>
+            </a:effectRef>
             <a:fontRef idx="minor"/>
           </p:style>
           <p:txBody>
-            <a:bodyPr lIns="90000" rIns="90000" tIns="45000" bIns="45000">
+            <a:bodyPr lIns="90000" tIns="45000" rIns="90000" bIns="45000">
               <a:spAutoFit/>
             </a:bodyPr>
+            <a:lstStyle/>
             <a:p>
               <a:pPr>
                 <a:lnSpc>
@@ -5618,15 +7359,15 @@
                 </a:lnSpc>
               </a:pPr>
               <a:r>
-                <a:rPr b="0" lang="de-DE" sz="1200" spc="-1" strike="noStrike">
+                <a:rPr lang="de-DE" sz="1200" b="0" strike="noStrike" spc="-1">
                   <a:solidFill>
-                    <a:srgbClr val="ffffff"/>
+                    <a:srgbClr val="FFFFFF"/>
                   </a:solidFill>
                   <a:latin typeface="Enriqueta Medium"/>
                 </a:rPr>
                 <a:t>Deine Freunde haben heute keine Zeit, um mit dir in die Mensa zu gehen?</a:t>
               </a:r>
-              <a:endParaRPr b="0" lang="de-DE" sz="1200" spc="-1" strike="noStrike">
+              <a:endParaRPr lang="de-DE" sz="1200" b="0" strike="noStrike" spc="-1">
                 <a:latin typeface="Arial"/>
               </a:endParaRPr>
             </a:p>
@@ -5636,7 +7377,7 @@
                   <a:spcPct val="100000"/>
                 </a:lnSpc>
               </a:pPr>
-              <a:endParaRPr b="0" lang="de-DE" sz="1200" spc="-1" strike="noStrike">
+              <a:endParaRPr lang="de-DE" sz="1200" b="0" strike="noStrike" spc="-1">
                 <a:latin typeface="Arial"/>
               </a:endParaRPr>
             </a:p>
@@ -5647,15 +7388,15 @@
                 </a:lnSpc>
               </a:pPr>
               <a:r>
-                <a:rPr b="0" lang="de-DE" sz="1200" spc="-1" strike="noStrike">
+                <a:rPr lang="de-DE" sz="1200" b="0" strike="noStrike" spc="-1">
                   <a:solidFill>
-                    <a:srgbClr val="ffffff"/>
+                    <a:srgbClr val="FFFFFF"/>
                   </a:solidFill>
                   <a:latin typeface="Enriqueta Medium"/>
                 </a:rPr>
                 <a:t>Du bist neu hier und suchst Anschluss?</a:t>
               </a:r>
-              <a:endParaRPr b="0" lang="de-DE" sz="1200" spc="-1" strike="noStrike">
+              <a:endParaRPr lang="de-DE" sz="1200" b="0" strike="noStrike" spc="-1">
                 <a:latin typeface="Arial"/>
               </a:endParaRPr>
             </a:p>
@@ -5665,7 +7406,7 @@
                   <a:spcPct val="100000"/>
                 </a:lnSpc>
               </a:pPr>
-              <a:endParaRPr b="0" lang="de-DE" sz="1200" spc="-1" strike="noStrike">
+              <a:endParaRPr lang="de-DE" sz="1200" b="0" strike="noStrike" spc="-1">
                 <a:latin typeface="Arial"/>
               </a:endParaRPr>
             </a:p>
@@ -5676,15 +7417,15 @@
                 </a:lnSpc>
               </a:pPr>
               <a:r>
-                <a:rPr b="0" lang="de-DE" sz="1200" spc="-1" strike="noStrike">
+                <a:rPr lang="de-DE" sz="1200" b="0" strike="noStrike" spc="-1">
                   <a:solidFill>
-                    <a:srgbClr val="ffffff"/>
+                    <a:srgbClr val="FFFFFF"/>
                   </a:solidFill>
                   <a:latin typeface="Enriqueta Medium"/>
                 </a:rPr>
                 <a:t>Du möchtest neue Leute kennenlernen? </a:t>
               </a:r>
-              <a:endParaRPr b="0" lang="de-DE" sz="1200" spc="-1" strike="noStrike">
+              <a:endParaRPr lang="de-DE" sz="1200" b="0" strike="noStrike" spc="-1">
                 <a:latin typeface="Arial"/>
               </a:endParaRPr>
             </a:p>
@@ -5694,7 +7435,7 @@
                   <a:spcPct val="100000"/>
                 </a:lnSpc>
               </a:pPr>
-              <a:endParaRPr b="0" lang="de-DE" sz="1200" spc="-1" strike="noStrike">
+              <a:endParaRPr lang="de-DE" sz="1200" b="0" strike="noStrike" spc="-1">
                 <a:latin typeface="Arial"/>
               </a:endParaRPr>
             </a:p>
@@ -5705,15 +7446,15 @@
                 </a:lnSpc>
               </a:pPr>
               <a:r>
-                <a:rPr b="0" lang="de-DE" sz="1200" spc="-1" strike="noStrike">
+                <a:rPr lang="de-DE" sz="1200" b="0" strike="noStrike" spc="-1">
                   <a:solidFill>
-                    <a:srgbClr val="ffffff"/>
+                    <a:srgbClr val="FFFFFF"/>
                   </a:solidFill>
                   <a:latin typeface="Enriqueta Medium"/>
                 </a:rPr>
                 <a:t>Dann hol dir jetzt</a:t>
               </a:r>
-              <a:endParaRPr b="0" lang="de-DE" sz="1200" spc="-1" strike="noStrike">
+              <a:endParaRPr lang="de-DE" sz="1200" b="0" strike="noStrike" spc="-1">
                 <a:latin typeface="Arial"/>
               </a:endParaRPr>
             </a:p>
@@ -5721,12 +7462,12 @@
         </p:sp>
         <p:pic>
           <p:nvPicPr>
-            <p:cNvPr id="128" name="Grafik 14" descr=""/>
+            <p:cNvPr id="128" name="Grafik 14"/>
             <p:cNvPicPr/>
             <p:nvPr/>
           </p:nvPicPr>
           <p:blipFill>
-            <a:blip r:embed="rId2"/>
+            <a:blip r:embed="rId3"/>
             <a:stretch/>
           </p:blipFill>
           <p:spPr>
@@ -5744,12 +7485,12 @@
         </p:pic>
         <p:pic>
           <p:nvPicPr>
-            <p:cNvPr id="129" name="" descr=""/>
+            <p:cNvPr id="129" name="Grafik 128"/>
             <p:cNvPicPr/>
             <p:nvPr/>
           </p:nvPicPr>
           <p:blipFill>
-            <a:blip r:embed="rId3"/>
+            <a:blip r:embed="rId4"/>
             <a:stretch/>
           </p:blipFill>
           <p:spPr>
@@ -5768,25 +7509,21 @@
       </p:grpSp>
     </p:spTree>
   </p:cSld>
-  <mc:AlternateContent>
-    <mc:Choice Requires="p14">
-      <p:transition spd="slow" p14:dur="2000"/>
-    </mc:Choice>
-    <mc:Fallback>
-      <p:transition spd="slow"/>
-    </mc:Fallback>
-  </mc:AlternateContent>
+  <p:clrMapOvr>
+    <a:masterClrMapping/>
+  </p:clrMapOvr>
 </p:sld>
 </file>
 
-<file path=ppt/slides/slide2.xml><?xml version="1.0" encoding="utf-8"?>
-<p:sld xmlns:a="http://schemas.openxmlformats.org/drawingml/2006/main" xmlns:p="http://schemas.openxmlformats.org/presentationml/2006/main" xmlns:r="http://schemas.openxmlformats.org/officeDocument/2006/relationships" xmlns:p14="http://schemas.microsoft.com/office/powerpoint/2010/main" xmlns:p15="http://schemas.microsoft.com/office/powerpoint/2012/main" xmlns:mc="http://schemas.openxmlformats.org/markup-compatibility/2006">
+<file path=ppt/slides/slide3.xml><?xml version="1.0" encoding="utf-8"?>
+<p:sld xmlns:a="http://schemas.openxmlformats.org/drawingml/2006/main" xmlns:r="http://schemas.openxmlformats.org/officeDocument/2006/relationships" xmlns:p="http://schemas.openxmlformats.org/presentationml/2006/main">
   <p:cSld>
     <p:bg>
       <p:bgPr>
         <a:solidFill>
-          <a:srgbClr val="9ac000"/>
+          <a:srgbClr val="9AC000"/>
         </a:solidFill>
+        <a:effectLst/>
       </p:bgPr>
     </p:bg>
     <p:spTree>
@@ -5811,7 +7548,7 @@
         </p:nvSpPr>
         <p:spPr>
           <a:xfrm>
-            <a:off x="1977480" y="2923920"/>
+            <a:off x="1977480" y="2317629"/>
             <a:ext cx="8236440" cy="2270880"/>
           </a:xfrm>
           <a:prstGeom prst="rect">
@@ -5826,6 +7563,7 @@
           <a:bodyPr anchor="b">
             <a:normAutofit/>
           </a:bodyPr>
+          <a:lstStyle/>
           <a:p>
             <a:pPr algn="ctr">
               <a:lnSpc>
@@ -5833,16 +7571,18 @@
               </a:lnSpc>
             </a:pPr>
             <a:r>
-              <a:rPr b="1" lang="de-DE" sz="2800" spc="-1" strike="noStrike">
+              <a:rPr lang="de-DE" sz="2800" b="1" strike="noStrike" spc="-1" dirty="0">
                 <a:solidFill>
-                  <a:srgbClr val="ffffff"/>
+                  <a:srgbClr val="FFFFFF"/>
                 </a:solidFill>
                 <a:latin typeface="Enriqueta"/>
               </a:rPr>
               <a:t>PSE-Abschlusspräsentation der Android-Gruppe 2</a:t>
             </a:r>
-            <a:br/>
-            <a:endParaRPr b="0" lang="de-DE" sz="2800" spc="-1" strike="noStrike">
+            <a:br>
+              <a:rPr dirty="0"/>
+            </a:br>
+            <a:endParaRPr lang="de-DE" sz="2800" b="0" strike="noStrike" spc="-1" dirty="0">
               <a:solidFill>
                 <a:srgbClr val="000000"/>
               </a:solidFill>
@@ -5874,6 +7614,7 @@
           <a:bodyPr>
             <a:noAutofit/>
           </a:bodyPr>
+          <a:lstStyle/>
           <a:p>
             <a:pPr algn="ctr">
               <a:lnSpc>
@@ -5887,15 +7628,60 @@
               </a:spcAft>
             </a:pPr>
             <a:r>
-              <a:rPr b="0" lang="de-DE" sz="2000" spc="-1" strike="noStrike">
+              <a:rPr lang="de-DE" sz="2000" b="0" strike="noStrike" spc="-1" dirty="0" err="1">
                 <a:solidFill>
-                  <a:srgbClr val="ffffff"/>
+                  <a:srgbClr val="FFFFFF"/>
                 </a:solidFill>
                 <a:latin typeface="Enriqueta"/>
               </a:rPr>
-              <a:t>Fangzhou Bian, Kathrin Blum, Matthias Bruns, Leonhard Duda, Tan Grumser, Yuguang Lin</a:t>
+              <a:t>Fangzhou</a:t>
             </a:r>
-            <a:endParaRPr b="0" lang="de-DE" sz="2000" spc="-1" strike="noStrike">
+            <a:r>
+              <a:rPr lang="de-DE" sz="2000" b="0" strike="noStrike" spc="-1" dirty="0">
+                <a:solidFill>
+                  <a:srgbClr val="FFFFFF"/>
+                </a:solidFill>
+                <a:latin typeface="Enriqueta"/>
+              </a:rPr>
+              <a:t> </a:t>
+            </a:r>
+            <a:r>
+              <a:rPr lang="de-DE" sz="2000" b="0" strike="noStrike" spc="-1" dirty="0" err="1">
+                <a:solidFill>
+                  <a:srgbClr val="FFFFFF"/>
+                </a:solidFill>
+                <a:latin typeface="Enriqueta"/>
+              </a:rPr>
+              <a:t>Bian</a:t>
+            </a:r>
+            <a:r>
+              <a:rPr lang="de-DE" sz="2000" b="0" strike="noStrike" spc="-1" dirty="0">
+                <a:solidFill>
+                  <a:srgbClr val="FFFFFF"/>
+                </a:solidFill>
+                <a:latin typeface="Enriqueta"/>
+              </a:rPr>
+              <a:t>, Kathrin Blum, Matthias Bruns, Leonhard Duda, Tan </a:t>
+            </a:r>
+            <a:r>
+              <a:rPr lang="de-DE" sz="2000" b="0" strike="noStrike" spc="-1" dirty="0" err="1">
+                <a:solidFill>
+                  <a:srgbClr val="FFFFFF"/>
+                </a:solidFill>
+                <a:latin typeface="Enriqueta"/>
+              </a:rPr>
+              <a:t>Grumser</a:t>
+            </a:r>
+            <a:r>
+              <a:rPr lang="de-DE" sz="2000" b="0" strike="noStrike" spc="-1" dirty="0">
+                <a:solidFill>
+                  <a:srgbClr val="FFFFFF"/>
+                </a:solidFill>
+                <a:latin typeface="Enriqueta"/>
+              </a:rPr>
+              <a:t>, Yuguang Lin</a:t>
+            </a:r>
+            <a:endParaRPr lang="de-DE" sz="2000" b="0" strike="noStrike" spc="-1" dirty="0">
               <a:latin typeface="Arial"/>
             </a:endParaRPr>
           </a:p>
@@ -5909,15 +7695,15 @@
               </a:spcBef>
             </a:pPr>
             <a:r>
-              <a:rPr b="0" lang="de-DE" sz="2000" spc="-1" strike="noStrike">
+              <a:rPr lang="de-DE" sz="2000" b="0" strike="noStrike" spc="-1" dirty="0">
                 <a:solidFill>
-                  <a:srgbClr val="ffffff"/>
+                  <a:srgbClr val="FFFFFF"/>
                 </a:solidFill>
                 <a:latin typeface="Enriqueta"/>
               </a:rPr>
               <a:t>10. September 2019</a:t>
             </a:r>
-            <a:endParaRPr b="0" lang="de-DE" sz="2000" spc="-1" strike="noStrike">
+            <a:endParaRPr lang="de-DE" sz="2000" b="0" strike="noStrike" spc="-1" dirty="0">
               <a:latin typeface="Arial"/>
             </a:endParaRPr>
           </a:p>
@@ -5925,12 +7711,12 @@
       </p:sp>
       <p:pic>
         <p:nvPicPr>
-          <p:cNvPr id="132" name="Grafik 4" descr=""/>
+          <p:cNvPr id="132" name="Grafik 4"/>
           <p:cNvPicPr/>
           <p:nvPr/>
         </p:nvPicPr>
         <p:blipFill>
-          <a:blip r:embed="rId1"/>
+          <a:blip r:embed="rId2"/>
           <a:stretch/>
         </p:blipFill>
         <p:spPr>
@@ -5948,25 +7734,21 @@
       </p:pic>
     </p:spTree>
   </p:cSld>
-  <mc:AlternateContent>
-    <mc:Choice Requires="p14">
-      <p:transition spd="slow" p14:dur="2000"/>
-    </mc:Choice>
-    <mc:Fallback>
-      <p:transition spd="slow"/>
-    </mc:Fallback>
-  </mc:AlternateContent>
+  <p:clrMapOvr>
+    <a:masterClrMapping/>
+  </p:clrMapOvr>
 </p:sld>
 </file>
 
-<file path=ppt/slides/slide3.xml><?xml version="1.0" encoding="utf-8"?>
-<p:sld xmlns:a="http://schemas.openxmlformats.org/drawingml/2006/main" xmlns:p="http://schemas.openxmlformats.org/presentationml/2006/main" xmlns:r="http://schemas.openxmlformats.org/officeDocument/2006/relationships" xmlns:p14="http://schemas.microsoft.com/office/powerpoint/2010/main" xmlns:p15="http://schemas.microsoft.com/office/powerpoint/2012/main" xmlns:mc="http://schemas.openxmlformats.org/markup-compatibility/2006">
+<file path=ppt/slides/slide4.xml><?xml version="1.0" encoding="utf-8"?>
+<p:sld xmlns:a="http://schemas.openxmlformats.org/drawingml/2006/main" xmlns:r="http://schemas.openxmlformats.org/officeDocument/2006/relationships" xmlns:p="http://schemas.openxmlformats.org/presentationml/2006/main">
   <p:cSld>
     <p:bg>
       <p:bgPr>
         <a:solidFill>
-          <a:srgbClr val="9ac000"/>
+          <a:srgbClr val="9AC000"/>
         </a:solidFill>
+        <a:effectLst/>
       </p:bgPr>
     </p:bg>
     <p:spTree>
@@ -6006,6 +7788,7 @@
           <a:bodyPr anchor="b">
             <a:normAutofit/>
           </a:bodyPr>
+          <a:lstStyle/>
           <a:p>
             <a:pPr>
               <a:lnSpc>
@@ -6013,15 +7796,15 @@
               </a:lnSpc>
             </a:pPr>
             <a:r>
-              <a:rPr b="1" lang="de-DE" sz="2800" spc="-1" strike="noStrike">
+              <a:rPr lang="de-DE" sz="2800" b="1" spc="-1" dirty="0" err="1">
                 <a:solidFill>
-                  <a:srgbClr val="ffffff"/>
+                  <a:srgbClr val="FFFFFF"/>
                 </a:solidFill>
                 <a:latin typeface="Enriqueta"/>
               </a:rPr>
-              <a:t>Unterkapitel</a:t>
+              <a:t>Ent</a:t>
             </a:r>
-            <a:endParaRPr b="0" lang="de-DE" sz="2800" spc="-1" strike="noStrike">
+            <a:endParaRPr lang="de-DE" sz="2800" b="0" strike="noStrike" spc="-1" dirty="0">
               <a:solidFill>
                 <a:srgbClr val="000000"/>
               </a:solidFill>
@@ -6053,8 +7836,9 @@
           <a:bodyPr>
             <a:noAutofit/>
           </a:bodyPr>
-          <a:p>
-            <a:endParaRPr b="0" lang="de-DE" sz="2800" spc="-1" strike="noStrike">
+          <a:lstStyle/>
+          <a:p>
+            <a:endParaRPr lang="de-DE" sz="2800" b="0" strike="noStrike" spc="-1">
               <a:solidFill>
                 <a:srgbClr val="000000"/>
               </a:solidFill>
@@ -6065,19 +7849,14 @@
       </p:sp>
     </p:spTree>
   </p:cSld>
-  <mc:AlternateContent>
-    <mc:Choice Requires="p14">
-      <p:transition spd="slow" p14:dur="2000"/>
-    </mc:Choice>
-    <mc:Fallback>
-      <p:transition spd="slow"/>
-    </mc:Fallback>
-  </mc:AlternateContent>
+  <p:clrMapOvr>
+    <a:masterClrMapping/>
+  </p:clrMapOvr>
 </p:sld>
 </file>
 
-<file path=ppt/slides/slide4.xml><?xml version="1.0" encoding="utf-8"?>
-<p:sld xmlns:a="http://schemas.openxmlformats.org/drawingml/2006/main" xmlns:p="http://schemas.openxmlformats.org/presentationml/2006/main" xmlns:r="http://schemas.openxmlformats.org/officeDocument/2006/relationships" xmlns:p14="http://schemas.microsoft.com/office/powerpoint/2010/main" xmlns:p15="http://schemas.microsoft.com/office/powerpoint/2012/main" xmlns:mc="http://schemas.openxmlformats.org/markup-compatibility/2006">
+<file path=ppt/slides/slide5.xml><?xml version="1.0" encoding="utf-8"?>
+<p:sld xmlns:a="http://schemas.openxmlformats.org/drawingml/2006/main" xmlns:r="http://schemas.openxmlformats.org/officeDocument/2006/relationships" xmlns:p="http://schemas.openxmlformats.org/presentationml/2006/main">
   <p:cSld>
     <p:spTree>
       <p:nvGrpSpPr>
@@ -6108,7 +7887,7 @@
             <a:avLst/>
           </a:prstGeom>
           <a:solidFill>
-            <a:srgbClr val="9ac000"/>
+            <a:srgbClr val="9AC000"/>
           </a:solidFill>
           <a:ln>
             <a:noFill/>
@@ -6122,9 +7901,10 @@
           </a:effectLst>
         </p:spPr>
         <p:txBody>
-          <a:bodyPr lIns="540000" rIns="540000" tIns="108000" anchor="ctr">
+          <a:bodyPr lIns="540000" tIns="108000" rIns="540000" anchor="ctr">
             <a:normAutofit/>
           </a:bodyPr>
+          <a:lstStyle/>
           <a:p>
             <a:pPr>
               <a:lnSpc>
@@ -6132,15 +7912,15 @@
               </a:lnSpc>
             </a:pPr>
             <a:r>
-              <a:rPr b="0" lang="de-DE" sz="2800" spc="-1" strike="noStrike">
+              <a:rPr lang="de-DE" sz="2800" b="0" strike="noStrike" spc="-1" dirty="0">
                 <a:solidFill>
-                  <a:srgbClr val="ffffff"/>
+                  <a:srgbClr val="FFFFFF"/>
                 </a:solidFill>
                 <a:latin typeface="Enriqueta"/>
               </a:rPr>
-              <a:t>Titel</a:t>
+              <a:t>Ränge</a:t>
             </a:r>
-            <a:endParaRPr b="0" lang="de-DE" sz="2800" spc="-1" strike="noStrike">
+            <a:endParaRPr lang="de-DE" sz="2800" b="0" strike="noStrike" spc="-1" dirty="0">
               <a:solidFill>
                 <a:srgbClr val="000000"/>
               </a:solidFill>
@@ -6172,6 +7952,7 @@
           <a:bodyPr>
             <a:noAutofit/>
           </a:bodyPr>
+          <a:lstStyle/>
           <a:p>
             <a:pPr marL="228600" indent="-228240">
               <a:lnSpc>
@@ -6187,15 +7968,15 @@
               <a:buChar char="•"/>
             </a:pPr>
             <a:r>
-              <a:rPr b="0" lang="de-DE" sz="2000" spc="-1" strike="noStrike">
+              <a:rPr lang="de-DE" sz="2000" b="0" strike="noStrike" spc="-1" dirty="0">
                 <a:solidFill>
                   <a:srgbClr val="000000"/>
                 </a:solidFill>
                 <a:latin typeface="Enriqueta"/>
               </a:rPr>
-              <a:t>Text</a:t>
+              <a:t>TODO: Skala</a:t>
             </a:r>
-            <a:endParaRPr b="0" lang="de-DE" sz="2000" spc="-1" strike="noStrike">
+            <a:endParaRPr lang="de-DE" sz="2000" b="0" strike="noStrike" spc="-1" dirty="0">
               <a:solidFill>
                 <a:srgbClr val="000000"/>
               </a:solidFill>
@@ -6206,12 +7987,12 @@
       </p:sp>
       <p:pic>
         <p:nvPicPr>
-          <p:cNvPr id="137" name="Grafik 5" descr=""/>
+          <p:cNvPr id="137" name="Grafik 5"/>
           <p:cNvPicPr/>
           <p:nvPr/>
         </p:nvPicPr>
         <p:blipFill>
-          <a:blip r:embed="rId1"/>
+          <a:blip r:embed="rId2"/>
           <a:stretch/>
         </p:blipFill>
         <p:spPr>
@@ -6228,20 +8009,20 @@
         </p:spPr>
       </p:pic>
     </p:spTree>
+    <p:extLst>
+      <p:ext uri="{BB962C8B-B14F-4D97-AF65-F5344CB8AC3E}">
+        <p14:creationId xmlns:p14="http://schemas.microsoft.com/office/powerpoint/2010/main" val="3400461127"/>
+      </p:ext>
+    </p:extLst>
   </p:cSld>
-  <mc:AlternateContent>
-    <mc:Choice Requires="p14">
-      <p:transition spd="slow" p14:dur="2000"/>
-    </mc:Choice>
-    <mc:Fallback>
-      <p:transition spd="slow"/>
-    </mc:Fallback>
-  </mc:AlternateContent>
+  <p:clrMapOvr>
+    <a:masterClrMapping/>
+  </p:clrMapOvr>
 </p:sld>
 </file>
 
-<file path=ppt/slides/slide5.xml><?xml version="1.0" encoding="utf-8"?>
-<p:sld xmlns:a="http://schemas.openxmlformats.org/drawingml/2006/main" xmlns:p="http://schemas.openxmlformats.org/presentationml/2006/main" xmlns:r="http://schemas.openxmlformats.org/officeDocument/2006/relationships" xmlns:p14="http://schemas.microsoft.com/office/powerpoint/2010/main" xmlns:p15="http://schemas.microsoft.com/office/powerpoint/2012/main" xmlns:mc="http://schemas.openxmlformats.org/markup-compatibility/2006">
+<file path=ppt/slides/slide6.xml><?xml version="1.0" encoding="utf-8"?>
+<p:sld xmlns:a="http://schemas.openxmlformats.org/drawingml/2006/main" xmlns:r="http://schemas.openxmlformats.org/officeDocument/2006/relationships" xmlns:p="http://schemas.openxmlformats.org/presentationml/2006/main">
   <p:cSld>
     <p:spTree>
       <p:nvGrpSpPr>
@@ -6272,7 +8053,7 @@
             <a:avLst/>
           </a:prstGeom>
           <a:solidFill>
-            <a:srgbClr val="9ac000"/>
+            <a:srgbClr val="9AC000"/>
           </a:solidFill>
           <a:ln>
             <a:noFill/>
@@ -6286,9 +8067,10 @@
           </a:effectLst>
         </p:spPr>
         <p:txBody>
-          <a:bodyPr lIns="540000" rIns="540000" tIns="108000" anchor="ctr">
+          <a:bodyPr lIns="540000" tIns="108000" rIns="540000" anchor="ctr">
             <a:normAutofit/>
           </a:bodyPr>
+          <a:lstStyle/>
           <a:p>
             <a:pPr>
               <a:lnSpc>
@@ -6296,15 +8078,15 @@
               </a:lnSpc>
             </a:pPr>
             <a:r>
-              <a:rPr b="0" lang="de-DE" sz="2800" spc="-1" strike="noStrike">
+              <a:rPr lang="de-DE" sz="2800" b="0" strike="noStrike" spc="-1">
                 <a:solidFill>
-                  <a:srgbClr val="ffffff"/>
+                  <a:srgbClr val="FFFFFF"/>
                 </a:solidFill>
                 <a:latin typeface="Enriqueta"/>
               </a:rPr>
               <a:t>Ein paar Statistiken</a:t>
             </a:r>
-            <a:endParaRPr b="0" lang="de-DE" sz="2800" spc="-1" strike="noStrike">
+            <a:endParaRPr lang="de-DE" sz="2800" b="0" strike="noStrike" spc="-1">
               <a:solidFill>
                 <a:srgbClr val="000000"/>
               </a:solidFill>
@@ -6336,6 +8118,7 @@
           <a:bodyPr>
             <a:noAutofit/>
           </a:bodyPr>
+          <a:lstStyle/>
           <a:p>
             <a:pPr marL="228600" indent="-228240">
               <a:lnSpc>
@@ -6351,7 +8134,7 @@
               <a:buChar char="•"/>
             </a:pPr>
             <a:r>
-              <a:rPr b="1" lang="de-DE" sz="2000" spc="-1" strike="noStrike">
+              <a:rPr lang="de-DE" sz="2000" b="1" strike="noStrike" spc="-1">
                 <a:solidFill>
                   <a:srgbClr val="000000"/>
                 </a:solidFill>
@@ -6359,7 +8142,7 @@
               </a:rPr>
               <a:t>XX Zeilen Code (inkl. Kommentare)</a:t>
             </a:r>
-            <a:endParaRPr b="0" lang="de-DE" sz="2000" spc="-1" strike="noStrike">
+            <a:endParaRPr lang="de-DE" sz="2000" b="0" strike="noStrike" spc="-1">
               <a:solidFill>
                 <a:srgbClr val="000000"/>
               </a:solidFill>
@@ -6381,7 +8164,7 @@
               <a:buChar char="•"/>
             </a:pPr>
             <a:r>
-              <a:rPr b="0" lang="de-DE" sz="2000" spc="-1" strike="noStrike">
+              <a:rPr lang="de-DE" sz="2000" b="0" strike="noStrike" spc="-1">
                 <a:solidFill>
                   <a:srgbClr val="000000"/>
                 </a:solidFill>
@@ -6389,7 +8172,7 @@
               </a:rPr>
               <a:t>(Client: 11.124, Server: )</a:t>
             </a:r>
-            <a:endParaRPr b="0" lang="de-DE" sz="2000" spc="-1" strike="noStrike">
+            <a:endParaRPr lang="de-DE" sz="2000" b="0" strike="noStrike" spc="-1">
               <a:solidFill>
                 <a:srgbClr val="000000"/>
               </a:solidFill>
@@ -6411,7 +8194,7 @@
               <a:buChar char="•"/>
             </a:pPr>
             <a:r>
-              <a:rPr b="1" lang="de-DE" sz="2000" spc="-1" strike="noStrike">
+              <a:rPr lang="de-DE" sz="2000" b="1" strike="noStrike" spc="-1">
                 <a:solidFill>
                   <a:srgbClr val="000000"/>
                 </a:solidFill>
@@ -6419,7 +8202,7 @@
               </a:rPr>
               <a:t>XX Java-Klassen (inkl. Testklassen)</a:t>
             </a:r>
-            <a:endParaRPr b="0" lang="de-DE" sz="2000" spc="-1" strike="noStrike">
+            <a:endParaRPr lang="de-DE" sz="2000" b="0" strike="noStrike" spc="-1">
               <a:solidFill>
                 <a:srgbClr val="000000"/>
               </a:solidFill>
@@ -6441,7 +8224,7 @@
               <a:buChar char="•"/>
             </a:pPr>
             <a:r>
-              <a:rPr b="0" lang="de-DE" sz="2000" spc="-1" strike="noStrike">
+              <a:rPr lang="de-DE" sz="2000" b="0" strike="noStrike" spc="-1">
                 <a:solidFill>
                   <a:srgbClr val="000000"/>
                 </a:solidFill>
@@ -6449,7 +8232,7 @@
               </a:rPr>
               <a:t>(Client: 97, Server: )</a:t>
             </a:r>
-            <a:endParaRPr b="0" lang="de-DE" sz="2000" spc="-1" strike="noStrike">
+            <a:endParaRPr lang="de-DE" sz="2000" b="0" strike="noStrike" spc="-1">
               <a:solidFill>
                 <a:srgbClr val="000000"/>
               </a:solidFill>
@@ -6471,7 +8254,7 @@
               <a:buChar char="•"/>
             </a:pPr>
             <a:r>
-              <a:rPr b="1" lang="de-DE" sz="2000" spc="-1" strike="noStrike">
+              <a:rPr lang="de-DE" sz="2000" b="1" strike="noStrike" spc="-1">
                 <a:solidFill>
                   <a:srgbClr val="000000"/>
                 </a:solidFill>
@@ -6479,7 +8262,7 @@
               </a:rPr>
               <a:t>24 Commits</a:t>
             </a:r>
-            <a:endParaRPr b="0" lang="de-DE" sz="2000" spc="-1" strike="noStrike">
+            <a:endParaRPr lang="de-DE" sz="2000" b="0" strike="noStrike" spc="-1">
               <a:solidFill>
                 <a:srgbClr val="000000"/>
               </a:solidFill>
@@ -6500,7 +8283,7 @@
               <a:buFont typeface="Arial"/>
               <a:buChar char="•"/>
             </a:pPr>
-            <a:endParaRPr b="0" lang="de-DE" sz="2000" spc="-1" strike="noStrike">
+            <a:endParaRPr lang="de-DE" sz="2000" b="0" strike="noStrike" spc="-1">
               <a:solidFill>
                 <a:srgbClr val="000000"/>
               </a:solidFill>
@@ -6511,12 +8294,12 @@
       </p:sp>
       <p:pic>
         <p:nvPicPr>
-          <p:cNvPr id="140" name="Grafik 5" descr=""/>
+          <p:cNvPr id="140" name="Grafik 5"/>
           <p:cNvPicPr/>
           <p:nvPr/>
         </p:nvPicPr>
         <p:blipFill>
-          <a:blip r:embed="rId1"/>
+          <a:blip r:embed="rId2"/>
           <a:stretch/>
         </p:blipFill>
         <p:spPr>
@@ -6534,19 +8317,14 @@
       </p:pic>
     </p:spTree>
   </p:cSld>
-  <mc:AlternateContent>
-    <mc:Choice Requires="p14">
-      <p:transition spd="slow" p14:dur="2000"/>
-    </mc:Choice>
-    <mc:Fallback>
-      <p:transition spd="slow"/>
-    </mc:Fallback>
-  </mc:AlternateContent>
+  <p:clrMapOvr>
+    <a:masterClrMapping/>
+  </p:clrMapOvr>
 </p:sld>
 </file>
 
-<file path=ppt/slides/slide6.xml><?xml version="1.0" encoding="utf-8"?>
-<p:sld xmlns:a="http://schemas.openxmlformats.org/drawingml/2006/main" xmlns:p="http://schemas.openxmlformats.org/presentationml/2006/main" xmlns:r="http://schemas.openxmlformats.org/officeDocument/2006/relationships" xmlns:p14="http://schemas.microsoft.com/office/powerpoint/2010/main" xmlns:p15="http://schemas.microsoft.com/office/powerpoint/2012/main" xmlns:mc="http://schemas.openxmlformats.org/markup-compatibility/2006">
+<file path=ppt/slides/slide7.xml><?xml version="1.0" encoding="utf-8"?>
+<p:sld xmlns:a="http://schemas.openxmlformats.org/drawingml/2006/main" xmlns:r="http://schemas.openxmlformats.org/officeDocument/2006/relationships" xmlns:p="http://schemas.openxmlformats.org/presentationml/2006/main">
   <p:cSld>
     <p:spTree>
       <p:nvGrpSpPr>
@@ -6577,7 +8355,7 @@
             <a:avLst/>
           </a:prstGeom>
           <a:solidFill>
-            <a:srgbClr val="9ac000"/>
+            <a:srgbClr val="9AC000"/>
           </a:solidFill>
           <a:ln>
             <a:noFill/>
@@ -6591,9 +8369,10 @@
           </a:effectLst>
         </p:spPr>
         <p:txBody>
-          <a:bodyPr lIns="540000" rIns="540000" tIns="108000" anchor="ctr">
+          <a:bodyPr lIns="540000" tIns="108000" rIns="540000" anchor="ctr">
             <a:normAutofit/>
           </a:bodyPr>
+          <a:lstStyle/>
           <a:p>
             <a:pPr>
               <a:lnSpc>
@@ -6601,15 +8380,15 @@
               </a:lnSpc>
             </a:pPr>
             <a:r>
-              <a:rPr b="0" lang="de-DE" sz="2800" spc="-1" strike="noStrike">
+              <a:rPr lang="de-DE" sz="2800" b="0" strike="noStrike" spc="-1">
                 <a:solidFill>
-                  <a:srgbClr val="ffffff"/>
+                  <a:srgbClr val="FFFFFF"/>
                 </a:solidFill>
                 <a:latin typeface="Enriqueta"/>
               </a:rPr>
               <a:t>Herausforderungen</a:t>
             </a:r>
-            <a:endParaRPr b="0" lang="de-DE" sz="2800" spc="-1" strike="noStrike">
+            <a:endParaRPr lang="de-DE" sz="2800" b="0" strike="noStrike" spc="-1">
               <a:solidFill>
                 <a:srgbClr val="000000"/>
               </a:solidFill>
@@ -6641,6 +8420,7 @@
           <a:bodyPr>
             <a:noAutofit/>
           </a:bodyPr>
+          <a:lstStyle/>
           <a:p>
             <a:pPr marL="228600" indent="-228240">
               <a:lnSpc>
@@ -6656,7 +8436,7 @@
               <a:buChar char="•"/>
             </a:pPr>
             <a:r>
-              <a:rPr b="1" lang="de-DE" sz="2000" spc="-1" strike="noStrike">
+              <a:rPr lang="de-DE" sz="2000" b="1" strike="noStrike" spc="-1">
                 <a:solidFill>
                   <a:srgbClr val="000000"/>
                 </a:solidFill>
@@ -6664,15 +8444,15 @@
               </a:rPr>
               <a:t>Teamarbeit</a:t>
             </a:r>
-            <a:endParaRPr b="0" lang="de-DE" sz="2000" spc="-1" strike="noStrike">
-              <a:solidFill>
-                <a:srgbClr val="000000"/>
-              </a:solidFill>
-              <a:latin typeface="Calibri"/>
-            </a:endParaRPr>
-          </a:p>
-          <a:p>
-            <a:pPr lvl="1" marL="864000" indent="-324000">
+            <a:endParaRPr lang="de-DE" sz="2000" b="0" strike="noStrike" spc="-1">
+              <a:solidFill>
+                <a:srgbClr val="000000"/>
+              </a:solidFill>
+              <a:latin typeface="Calibri"/>
+            </a:endParaRPr>
+          </a:p>
+          <a:p>
+            <a:pPr marL="864000" lvl="1" indent="-324000">
               <a:spcBef>
                 <a:spcPts val="1134"/>
               </a:spcBef>
@@ -6684,7 +8464,7 @@
               <a:buChar char=""/>
             </a:pPr>
             <a:r>
-              <a:rPr b="0" lang="de-DE" sz="2000" spc="-1" strike="noStrike">
+              <a:rPr lang="de-DE" sz="2000" b="0" strike="noStrike" spc="-1">
                 <a:solidFill>
                   <a:srgbClr val="000000"/>
                 </a:solidFill>
@@ -6692,15 +8472,15 @@
               </a:rPr>
               <a:t>Na, wer seid ihr denn?</a:t>
             </a:r>
-            <a:endParaRPr b="0" lang="de-DE" sz="2000" spc="-1" strike="noStrike">
-              <a:solidFill>
-                <a:srgbClr val="000000"/>
-              </a:solidFill>
-              <a:latin typeface="Calibri"/>
-            </a:endParaRPr>
-          </a:p>
-          <a:p>
-            <a:pPr lvl="1" marL="864000" indent="-324000">
+            <a:endParaRPr lang="de-DE" sz="2000" b="0" strike="noStrike" spc="-1">
+              <a:solidFill>
+                <a:srgbClr val="000000"/>
+              </a:solidFill>
+              <a:latin typeface="Calibri"/>
+            </a:endParaRPr>
+          </a:p>
+          <a:p>
+            <a:pPr marL="864000" lvl="1" indent="-324000">
               <a:spcBef>
                 <a:spcPts val="1134"/>
               </a:spcBef>
@@ -6712,7 +8492,7 @@
               <a:buChar char=""/>
             </a:pPr>
             <a:r>
-              <a:rPr b="0" lang="de-DE" sz="2000" spc="-1" strike="noStrike">
+              <a:rPr lang="de-DE" sz="2000" b="0" strike="noStrike" spc="-1">
                 <a:solidFill>
                   <a:srgbClr val="000000"/>
                 </a:solidFill>
@@ -6720,7 +8500,7 @@
               </a:rPr>
               <a:t>Wer macht was? Wann?</a:t>
             </a:r>
-            <a:endParaRPr b="0" lang="de-DE" sz="2000" spc="-1" strike="noStrike">
+            <a:endParaRPr lang="de-DE" sz="2000" b="0" strike="noStrike" spc="-1">
               <a:solidFill>
                 <a:srgbClr val="000000"/>
               </a:solidFill>
@@ -6741,7 +8521,7 @@
               <a:buFont typeface="Arial"/>
               <a:buChar char="•"/>
             </a:pPr>
-            <a:endParaRPr b="0" lang="de-DE" sz="2000" spc="-1" strike="noStrike">
+            <a:endParaRPr lang="de-DE" sz="2000" b="0" strike="noStrike" spc="-1">
               <a:solidFill>
                 <a:srgbClr val="000000"/>
               </a:solidFill>
@@ -6762,7 +8542,7 @@
               <a:buFont typeface="Arial"/>
               <a:buChar char="•"/>
             </a:pPr>
-            <a:endParaRPr b="0" lang="de-DE" sz="2000" spc="-1" strike="noStrike">
+            <a:endParaRPr lang="de-DE" sz="2000" b="0" strike="noStrike" spc="-1">
               <a:solidFill>
                 <a:srgbClr val="000000"/>
               </a:solidFill>
@@ -6773,12 +8553,12 @@
       </p:sp>
       <p:pic>
         <p:nvPicPr>
-          <p:cNvPr id="143" name="Grafik 5" descr=""/>
+          <p:cNvPr id="143" name="Grafik 5"/>
           <p:cNvPicPr/>
           <p:nvPr/>
         </p:nvPicPr>
         <p:blipFill>
-          <a:blip r:embed="rId1"/>
+          <a:blip r:embed="rId2"/>
           <a:stretch/>
         </p:blipFill>
         <p:spPr>
@@ -6796,19 +8576,14 @@
       </p:pic>
     </p:spTree>
   </p:cSld>
-  <mc:AlternateContent>
-    <mc:Choice Requires="p14">
-      <p:transition spd="slow" p14:dur="2000"/>
-    </mc:Choice>
-    <mc:Fallback>
-      <p:transition spd="slow"/>
-    </mc:Fallback>
-  </mc:AlternateContent>
+  <p:clrMapOvr>
+    <a:masterClrMapping/>
+  </p:clrMapOvr>
 </p:sld>
 </file>
 
-<file path=ppt/slides/slide7.xml><?xml version="1.0" encoding="utf-8"?>
-<p:sld xmlns:a="http://schemas.openxmlformats.org/drawingml/2006/main" xmlns:p="http://schemas.openxmlformats.org/presentationml/2006/main" xmlns:r="http://schemas.openxmlformats.org/officeDocument/2006/relationships" xmlns:p14="http://schemas.microsoft.com/office/powerpoint/2010/main" xmlns:p15="http://schemas.microsoft.com/office/powerpoint/2012/main" xmlns:mc="http://schemas.openxmlformats.org/markup-compatibility/2006">
+<file path=ppt/slides/slide8.xml><?xml version="1.0" encoding="utf-8"?>
+<p:sld xmlns:a="http://schemas.openxmlformats.org/drawingml/2006/main" xmlns:r="http://schemas.openxmlformats.org/officeDocument/2006/relationships" xmlns:p="http://schemas.openxmlformats.org/presentationml/2006/main">
   <p:cSld>
     <p:spTree>
       <p:nvGrpSpPr>
@@ -6839,7 +8614,7 @@
             <a:avLst/>
           </a:prstGeom>
           <a:solidFill>
-            <a:srgbClr val="9ac000"/>
+            <a:srgbClr val="9AC000"/>
           </a:solidFill>
           <a:ln>
             <a:noFill/>
@@ -6853,9 +8628,10 @@
           </a:effectLst>
         </p:spPr>
         <p:txBody>
-          <a:bodyPr lIns="540000" rIns="540000" tIns="108000" anchor="ctr">
+          <a:bodyPr lIns="540000" tIns="108000" rIns="540000" anchor="ctr">
             <a:normAutofit/>
           </a:bodyPr>
+          <a:lstStyle/>
           <a:p>
             <a:pPr>
               <a:lnSpc>
@@ -6863,15 +8639,15 @@
               </a:lnSpc>
             </a:pPr>
             <a:r>
-              <a:rPr b="0" lang="de-DE" sz="2800" spc="-1" strike="noStrike">
+              <a:rPr lang="de-DE" sz="2800" b="0" strike="noStrike" spc="-1">
                 <a:solidFill>
-                  <a:srgbClr val="ffffff"/>
+                  <a:srgbClr val="FFFFFF"/>
                 </a:solidFill>
                 <a:latin typeface="Enriqueta"/>
               </a:rPr>
               <a:t>Herausforderungen</a:t>
             </a:r>
-            <a:endParaRPr b="0" lang="de-DE" sz="2800" spc="-1" strike="noStrike">
+            <a:endParaRPr lang="de-DE" sz="2800" b="0" strike="noStrike" spc="-1">
               <a:solidFill>
                 <a:srgbClr val="000000"/>
               </a:solidFill>
@@ -6903,6 +8679,7 @@
           <a:bodyPr>
             <a:noAutofit/>
           </a:bodyPr>
+          <a:lstStyle/>
           <a:p>
             <a:pPr marL="228600" indent="-228240">
               <a:lnSpc>
@@ -6918,7 +8695,7 @@
               <a:buChar char="•"/>
             </a:pPr>
             <a:r>
-              <a:rPr b="1" lang="de-DE" sz="2000" spc="-1" strike="noStrike">
+              <a:rPr lang="de-DE" sz="2000" b="1" strike="noStrike" spc="-1">
                 <a:solidFill>
                   <a:srgbClr val="000000"/>
                 </a:solidFill>
@@ -6926,15 +8703,15 @@
               </a:rPr>
               <a:t>Client</a:t>
             </a:r>
-            <a:endParaRPr b="0" lang="de-DE" sz="2000" spc="-1" strike="noStrike">
-              <a:solidFill>
-                <a:srgbClr val="000000"/>
-              </a:solidFill>
-              <a:latin typeface="Calibri"/>
-            </a:endParaRPr>
-          </a:p>
-          <a:p>
-            <a:pPr lvl="1" marL="864000" indent="-324000">
+            <a:endParaRPr lang="de-DE" sz="2000" b="0" strike="noStrike" spc="-1">
+              <a:solidFill>
+                <a:srgbClr val="000000"/>
+              </a:solidFill>
+              <a:latin typeface="Calibri"/>
+            </a:endParaRPr>
+          </a:p>
+          <a:p>
+            <a:pPr marL="864000" lvl="1" indent="-324000">
               <a:spcBef>
                 <a:spcPts val="1134"/>
               </a:spcBef>
@@ -6946,7 +8723,7 @@
               <a:buChar char=""/>
             </a:pPr>
             <a:r>
-              <a:rPr b="0" lang="de-DE" sz="2000" spc="-1" strike="noStrike">
+              <a:rPr lang="de-DE" sz="2000" b="0" strike="noStrike" spc="-1">
                 <a:solidFill>
                   <a:srgbClr val="000000"/>
                 </a:solidFill>
@@ -6954,15 +8731,15 @@
               </a:rPr>
               <a:t>Was kommt in welche Klasse?</a:t>
             </a:r>
-            <a:endParaRPr b="0" lang="de-DE" sz="2000" spc="-1" strike="noStrike">
-              <a:solidFill>
-                <a:srgbClr val="000000"/>
-              </a:solidFill>
-              <a:latin typeface="Calibri"/>
-            </a:endParaRPr>
-          </a:p>
-          <a:p>
-            <a:pPr lvl="1" marL="864000" indent="-324000">
+            <a:endParaRPr lang="de-DE" sz="2000" b="0" strike="noStrike" spc="-1">
+              <a:solidFill>
+                <a:srgbClr val="000000"/>
+              </a:solidFill>
+              <a:latin typeface="Calibri"/>
+            </a:endParaRPr>
+          </a:p>
+          <a:p>
+            <a:pPr marL="864000" lvl="1" indent="-324000">
               <a:spcBef>
                 <a:spcPts val="1134"/>
               </a:spcBef>
@@ -6974,7 +8751,7 @@
               <a:buChar char=""/>
             </a:pPr>
             <a:r>
-              <a:rPr b="0" lang="de-DE" sz="2000" spc="-1" strike="noStrike">
+              <a:rPr lang="de-DE" sz="2000" b="0" strike="noStrike" spc="-1">
                 <a:solidFill>
                   <a:srgbClr val="000000"/>
                 </a:solidFill>
@@ -6982,15 +8759,15 @@
               </a:rPr>
               <a:t>Ist ein detaillierter Entwurf vor der Implementierung wirklich sinnvoll?</a:t>
             </a:r>
-            <a:endParaRPr b="0" lang="de-DE" sz="2000" spc="-1" strike="noStrike">
-              <a:solidFill>
-                <a:srgbClr val="000000"/>
-              </a:solidFill>
-              <a:latin typeface="Calibri"/>
-            </a:endParaRPr>
-          </a:p>
-          <a:p>
-            <a:pPr lvl="1" marL="864000" indent="-324000">
+            <a:endParaRPr lang="de-DE" sz="2000" b="0" strike="noStrike" spc="-1">
+              <a:solidFill>
+                <a:srgbClr val="000000"/>
+              </a:solidFill>
+              <a:latin typeface="Calibri"/>
+            </a:endParaRPr>
+          </a:p>
+          <a:p>
+            <a:pPr marL="864000" lvl="1" indent="-324000">
               <a:spcBef>
                 <a:spcPts val="1134"/>
               </a:spcBef>
@@ -7002,7 +8779,7 @@
               <a:buChar char=""/>
             </a:pPr>
             <a:r>
-              <a:rPr b="0" lang="de-DE" sz="2000" spc="-1" strike="noStrike">
+              <a:rPr lang="de-DE" sz="2000" b="0" strike="noStrike" spc="-1">
                 <a:solidFill>
                   <a:srgbClr val="000000"/>
                 </a:solidFill>
@@ -7010,15 +8787,15 @@
               </a:rPr>
               <a:t>Was haben Android-Activitys für Eigenheiten?</a:t>
             </a:r>
-            <a:endParaRPr b="0" lang="de-DE" sz="2000" spc="-1" strike="noStrike">
-              <a:solidFill>
-                <a:srgbClr val="000000"/>
-              </a:solidFill>
-              <a:latin typeface="Calibri"/>
-            </a:endParaRPr>
-          </a:p>
-          <a:p>
-            <a:pPr lvl="1" marL="864000" indent="-324000">
+            <a:endParaRPr lang="de-DE" sz="2000" b="0" strike="noStrike" spc="-1">
+              <a:solidFill>
+                <a:srgbClr val="000000"/>
+              </a:solidFill>
+              <a:latin typeface="Calibri"/>
+            </a:endParaRPr>
+          </a:p>
+          <a:p>
+            <a:pPr marL="864000" lvl="1" indent="-324000">
               <a:spcBef>
                 <a:spcPts val="1134"/>
               </a:spcBef>
@@ -7030,7 +8807,7 @@
               <a:buChar char=""/>
             </a:pPr>
             <a:r>
-              <a:rPr b="0" lang="de-DE" sz="2000" spc="-1" strike="noStrike">
+              <a:rPr lang="de-DE" sz="2000" b="0" strike="noStrike" spc="-1">
                 <a:solidFill>
                   <a:srgbClr val="000000"/>
                 </a:solidFill>
@@ -7038,15 +8815,15 @@
               </a:rPr>
               <a:t>Warum stürzt die App ständig ab?</a:t>
             </a:r>
-            <a:endParaRPr b="0" lang="de-DE" sz="2000" spc="-1" strike="noStrike">
-              <a:solidFill>
-                <a:srgbClr val="000000"/>
-              </a:solidFill>
-              <a:latin typeface="Calibri"/>
-            </a:endParaRPr>
-          </a:p>
-          <a:p>
-            <a:pPr lvl="1" marL="864000" indent="-324000">
+            <a:endParaRPr lang="de-DE" sz="2000" b="0" strike="noStrike" spc="-1">
+              <a:solidFill>
+                <a:srgbClr val="000000"/>
+              </a:solidFill>
+              <a:latin typeface="Calibri"/>
+            </a:endParaRPr>
+          </a:p>
+          <a:p>
+            <a:pPr marL="864000" lvl="1" indent="-324000">
               <a:spcBef>
                 <a:spcPts val="1134"/>
               </a:spcBef>
@@ -7058,7 +8835,7 @@
               <a:buChar char=""/>
             </a:pPr>
             <a:r>
-              <a:rPr b="0" lang="de-DE" sz="2000" spc="-1" strike="noStrike">
+              <a:rPr lang="de-DE" sz="2000" b="0" strike="noStrike" spc="-1">
                 <a:solidFill>
                   <a:srgbClr val="000000"/>
                 </a:solidFill>
@@ -7066,15 +8843,15 @@
               </a:rPr>
               <a:t>Wie funktioniert das mit den Layouts genau?</a:t>
             </a:r>
-            <a:endParaRPr b="0" lang="de-DE" sz="2000" spc="-1" strike="noStrike">
-              <a:solidFill>
-                <a:srgbClr val="000000"/>
-              </a:solidFill>
-              <a:latin typeface="Calibri"/>
-            </a:endParaRPr>
-          </a:p>
-          <a:p>
-            <a:pPr lvl="1" marL="864000" indent="-324000">
+            <a:endParaRPr lang="de-DE" sz="2000" b="0" strike="noStrike" spc="-1">
+              <a:solidFill>
+                <a:srgbClr val="000000"/>
+              </a:solidFill>
+              <a:latin typeface="Calibri"/>
+            </a:endParaRPr>
+          </a:p>
+          <a:p>
+            <a:pPr marL="864000" lvl="1" indent="-324000">
               <a:spcBef>
                 <a:spcPts val="1134"/>
               </a:spcBef>
@@ -7086,7 +8863,7 @@
               <a:buChar char=""/>
             </a:pPr>
             <a:r>
-              <a:rPr b="0" lang="de-DE" sz="2000" spc="-1" strike="noStrike">
+              <a:rPr lang="de-DE" sz="2000" b="0" strike="noStrike" spc="-1">
                 <a:solidFill>
                   <a:srgbClr val="000000"/>
                 </a:solidFill>
@@ -7094,7 +8871,7 @@
               </a:rPr>
               <a:t>Wie externalisieren wir Texte, Farben, Konstanten?</a:t>
             </a:r>
-            <a:endParaRPr b="0" lang="de-DE" sz="2000" spc="-1" strike="noStrike">
+            <a:endParaRPr lang="de-DE" sz="2000" b="0" strike="noStrike" spc="-1">
               <a:solidFill>
                 <a:srgbClr val="000000"/>
               </a:solidFill>
@@ -7115,7 +8892,7 @@
               <a:buFont typeface="Arial"/>
               <a:buChar char="•"/>
             </a:pPr>
-            <a:endParaRPr b="0" lang="de-DE" sz="2000" spc="-1" strike="noStrike">
+            <a:endParaRPr lang="de-DE" sz="2000" b="0" strike="noStrike" spc="-1">
               <a:solidFill>
                 <a:srgbClr val="000000"/>
               </a:solidFill>
@@ -7136,7 +8913,7 @@
               <a:buFont typeface="Arial"/>
               <a:buChar char="•"/>
             </a:pPr>
-            <a:endParaRPr b="0" lang="de-DE" sz="2000" spc="-1" strike="noStrike">
+            <a:endParaRPr lang="de-DE" sz="2000" b="0" strike="noStrike" spc="-1">
               <a:solidFill>
                 <a:srgbClr val="000000"/>
               </a:solidFill>
@@ -7147,12 +8924,12 @@
       </p:sp>
       <p:pic>
         <p:nvPicPr>
-          <p:cNvPr id="146" name="Grafik 5" descr=""/>
+          <p:cNvPr id="146" name="Grafik 5"/>
           <p:cNvPicPr/>
           <p:nvPr/>
         </p:nvPicPr>
         <p:blipFill>
-          <a:blip r:embed="rId1"/>
+          <a:blip r:embed="rId2"/>
           <a:stretch/>
         </p:blipFill>
         <p:spPr>
@@ -7170,19 +8947,14 @@
       </p:pic>
     </p:spTree>
   </p:cSld>
-  <mc:AlternateContent>
-    <mc:Choice Requires="p14">
-      <p:transition spd="slow" p14:dur="2000"/>
-    </mc:Choice>
-    <mc:Fallback>
-      <p:transition spd="slow"/>
-    </mc:Fallback>
-  </mc:AlternateContent>
+  <p:clrMapOvr>
+    <a:masterClrMapping/>
+  </p:clrMapOvr>
 </p:sld>
 </file>
 
-<file path=ppt/slides/slide8.xml><?xml version="1.0" encoding="utf-8"?>
-<p:sld xmlns:a="http://schemas.openxmlformats.org/drawingml/2006/main" xmlns:p="http://schemas.openxmlformats.org/presentationml/2006/main" xmlns:r="http://schemas.openxmlformats.org/officeDocument/2006/relationships" xmlns:p14="http://schemas.microsoft.com/office/powerpoint/2010/main" xmlns:p15="http://schemas.microsoft.com/office/powerpoint/2012/main" xmlns:mc="http://schemas.openxmlformats.org/markup-compatibility/2006">
+<file path=ppt/slides/slide9.xml><?xml version="1.0" encoding="utf-8"?>
+<p:sld xmlns:a="http://schemas.openxmlformats.org/drawingml/2006/main" xmlns:r="http://schemas.openxmlformats.org/officeDocument/2006/relationships" xmlns:p="http://schemas.openxmlformats.org/presentationml/2006/main">
   <p:cSld>
     <p:spTree>
       <p:nvGrpSpPr>
@@ -7200,7 +8972,7 @@
       </p:grpSpPr>
       <p:sp>
         <p:nvSpPr>
-          <p:cNvPr id="147" name="TextShape 1"/>
+          <p:cNvPr id="135" name="TextShape 1"/>
           <p:cNvSpPr txBox="1"/>
           <p:nvPr/>
         </p:nvSpPr>
@@ -7213,7 +8985,7 @@
             <a:avLst/>
           </a:prstGeom>
           <a:solidFill>
-            <a:srgbClr val="9ac000"/>
+            <a:srgbClr val="9AC000"/>
           </a:solidFill>
           <a:ln>
             <a:noFill/>
@@ -7221,15 +8993,16 @@
           <a:effectLst>
             <a:outerShdw dist="37674" dir="2700000">
               <a:srgbClr val="000000">
-                <a:alpha val="40000"/>
+                <a:alpha val="33000"/>
               </a:srgbClr>
             </a:outerShdw>
           </a:effectLst>
         </p:spPr>
         <p:txBody>
-          <a:bodyPr lIns="540000" rIns="540000" tIns="108000" anchor="ctr">
+          <a:bodyPr lIns="540000" tIns="108000" rIns="540000" anchor="ctr">
             <a:normAutofit/>
           </a:bodyPr>
+          <a:lstStyle/>
           <a:p>
             <a:pPr>
               <a:lnSpc>
@@ -7237,26 +9010,26 @@
               </a:lnSpc>
             </a:pPr>
             <a:r>
-              <a:rPr b="0" lang="de-DE" sz="2800" spc="-1" strike="noStrike">
+              <a:rPr lang="de-DE" sz="2800" b="0" strike="noStrike" spc="-1" dirty="0">
                 <a:solidFill>
-                  <a:srgbClr val="ffffff"/>
+                  <a:srgbClr val="FFFFFF"/>
                 </a:solidFill>
                 <a:latin typeface="Enriqueta"/>
               </a:rPr>
-              <a:t>Herausforderungen</a:t>
+              <a:t>Diagramme: Statistik</a:t>
             </a:r>
-            <a:endParaRPr b="0" lang="de-DE" sz="2800" spc="-1" strike="noStrike">
-              <a:solidFill>
-                <a:srgbClr val="000000"/>
-              </a:solidFill>
-              <a:latin typeface="Calibri"/>
-            </a:endParaRPr>
-          </a:p>
-        </p:txBody>
-      </p:sp>
-      <p:sp>
-        <p:nvSpPr>
-          <p:cNvPr id="148" name="TextShape 2"/>
+            <a:endParaRPr lang="de-DE" sz="2800" b="0" strike="noStrike" spc="-1" dirty="0">
+              <a:solidFill>
+                <a:srgbClr val="000000"/>
+              </a:solidFill>
+              <a:latin typeface="Calibri"/>
+            </a:endParaRPr>
+          </a:p>
+        </p:txBody>
+      </p:sp>
+      <p:sp>
+        <p:nvSpPr>
+          <p:cNvPr id="136" name="TextShape 2"/>
           <p:cNvSpPr txBox="1"/>
           <p:nvPr/>
         </p:nvSpPr>
@@ -7277,6 +9050,7 @@
           <a:bodyPr>
             <a:noAutofit/>
           </a:bodyPr>
+          <a:lstStyle/>
           <a:p>
             <a:pPr marL="228600" indent="-228240">
               <a:lnSpc>
@@ -7292,36 +9066,15 @@
               <a:buChar char="•"/>
             </a:pPr>
             <a:r>
-              <a:rPr b="1" lang="de-DE" sz="2000" spc="-1" strike="noStrike">
+              <a:rPr lang="de-DE" sz="2000" spc="-1" dirty="0">
                 <a:solidFill>
                   <a:srgbClr val="000000"/>
                 </a:solidFill>
                 <a:latin typeface="Enriqueta"/>
               </a:rPr>
-              <a:t>Server</a:t>
+              <a:t>TODO: Diagramme zählen</a:t>
             </a:r>
-            <a:endParaRPr b="0" lang="de-DE" sz="2000" spc="-1" strike="noStrike">
-              <a:solidFill>
-                <a:srgbClr val="000000"/>
-              </a:solidFill>
-              <a:latin typeface="Calibri"/>
-            </a:endParaRPr>
-          </a:p>
-          <a:p>
-            <a:pPr marL="228600" indent="-228240">
-              <a:lnSpc>
-                <a:spcPct val="90000"/>
-              </a:lnSpc>
-              <a:spcBef>
-                <a:spcPts val="1001"/>
-              </a:spcBef>
-              <a:buClr>
-                <a:srgbClr val="000000"/>
-              </a:buClr>
-              <a:buFont typeface="Arial"/>
-              <a:buChar char="•"/>
-            </a:pPr>
-            <a:endParaRPr b="0" lang="de-DE" sz="2000" spc="-1" strike="noStrike">
+            <a:endParaRPr lang="de-DE" sz="2000" b="0" strike="noStrike" spc="-1" dirty="0">
               <a:solidFill>
                 <a:srgbClr val="000000"/>
               </a:solidFill>
@@ -7332,215 +9085,7 @@
       </p:sp>
       <p:pic>
         <p:nvPicPr>
-          <p:cNvPr id="149" name="Grafik 5" descr=""/>
-          <p:cNvPicPr/>
-          <p:nvPr/>
-        </p:nvPicPr>
-        <p:blipFill>
-          <a:blip r:embed="rId1"/>
-          <a:stretch/>
-        </p:blipFill>
-        <p:spPr>
-          <a:xfrm>
-            <a:off x="10258560" y="141120"/>
-            <a:ext cx="1728360" cy="1051560"/>
-          </a:xfrm>
-          <a:prstGeom prst="rect">
-            <a:avLst/>
-          </a:prstGeom>
-          <a:ln>
-            <a:noFill/>
-          </a:ln>
-        </p:spPr>
-      </p:pic>
-    </p:spTree>
-  </p:cSld>
-  <mc:AlternateContent>
-    <mc:Choice Requires="p14">
-      <p:transition spd="slow" p14:dur="2000"/>
-    </mc:Choice>
-    <mc:Fallback>
-      <p:transition spd="slow"/>
-    </mc:Fallback>
-  </mc:AlternateContent>
-</p:sld>
-</file>
-
-<file path=ppt/slides/slide9.xml><?xml version="1.0" encoding="utf-8"?>
-<p:sld xmlns:a="http://schemas.openxmlformats.org/drawingml/2006/main" xmlns:p="http://schemas.openxmlformats.org/presentationml/2006/main" xmlns:r="http://schemas.openxmlformats.org/officeDocument/2006/relationships" xmlns:p14="http://schemas.microsoft.com/office/powerpoint/2010/main" xmlns:p15="http://schemas.microsoft.com/office/powerpoint/2012/main" xmlns:mc="http://schemas.openxmlformats.org/markup-compatibility/2006">
-  <p:cSld>
-    <p:spTree>
-      <p:nvGrpSpPr>
-        <p:cNvPr id="1" name=""/>
-        <p:cNvGrpSpPr/>
-        <p:nvPr/>
-      </p:nvGrpSpPr>
-      <p:grpSpPr>
-        <a:xfrm>
-          <a:off x="0" y="0"/>
-          <a:ext cx="0" cy="0"/>
-          <a:chOff x="0" y="0"/>
-          <a:chExt cx="0" cy="0"/>
-        </a:xfrm>
-      </p:grpSpPr>
-      <p:sp>
-        <p:nvSpPr>
-          <p:cNvPr id="150" name="TextShape 1"/>
-          <p:cNvSpPr txBox="1"/>
-          <p:nvPr/>
-        </p:nvSpPr>
-        <p:spPr>
-          <a:xfrm>
-            <a:off x="0" y="0"/>
-            <a:ext cx="12191760" cy="1192680"/>
-          </a:xfrm>
-          <a:prstGeom prst="rect">
-            <a:avLst/>
-          </a:prstGeom>
-          <a:solidFill>
-            <a:srgbClr val="9ac000"/>
-          </a:solidFill>
-          <a:ln>
-            <a:noFill/>
-          </a:ln>
-          <a:effectLst>
-            <a:outerShdw dist="37674" dir="2700000">
-              <a:srgbClr val="000000">
-                <a:alpha val="40000"/>
-              </a:srgbClr>
-            </a:outerShdw>
-          </a:effectLst>
-        </p:spPr>
-        <p:txBody>
-          <a:bodyPr lIns="540000" rIns="540000" tIns="108000" anchor="ctr">
-            <a:normAutofit/>
-          </a:bodyPr>
-          <a:p>
-            <a:pPr>
-              <a:lnSpc>
-                <a:spcPct val="90000"/>
-              </a:lnSpc>
-            </a:pPr>
-            <a:r>
-              <a:rPr b="0" lang="de-DE" sz="2800" spc="-1" strike="noStrike">
-                <a:solidFill>
-                  <a:srgbClr val="ffffff"/>
-                </a:solidFill>
-                <a:latin typeface="Enriqueta"/>
-              </a:rPr>
-              <a:t>Hallway-Tests</a:t>
-            </a:r>
-            <a:endParaRPr b="0" lang="de-DE" sz="2800" spc="-1" strike="noStrike">
-              <a:solidFill>
-                <a:srgbClr val="000000"/>
-              </a:solidFill>
-              <a:latin typeface="Calibri"/>
-            </a:endParaRPr>
-          </a:p>
-        </p:txBody>
-      </p:sp>
-      <p:sp>
-        <p:nvSpPr>
-          <p:cNvPr id="151" name="TextShape 2"/>
-          <p:cNvSpPr txBox="1"/>
-          <p:nvPr/>
-        </p:nvSpPr>
-        <p:spPr>
-          <a:xfrm>
-            <a:off x="838080" y="1825560"/>
-            <a:ext cx="10515240" cy="4350960"/>
-          </a:xfrm>
-          <a:prstGeom prst="rect">
-            <a:avLst/>
-          </a:prstGeom>
-          <a:noFill/>
-          <a:ln>
-            <a:noFill/>
-          </a:ln>
-        </p:spPr>
-        <p:txBody>
-          <a:bodyPr>
-            <a:noAutofit/>
-          </a:bodyPr>
-          <a:p>
-            <a:pPr marL="228600" indent="-228240">
-              <a:lnSpc>
-                <a:spcPct val="90000"/>
-              </a:lnSpc>
-              <a:spcBef>
-                <a:spcPts val="1001"/>
-              </a:spcBef>
-              <a:buClr>
-                <a:srgbClr val="000000"/>
-              </a:buClr>
-              <a:buFont typeface="Arial"/>
-              <a:buChar char="•"/>
-            </a:pPr>
-            <a:r>
-              <a:rPr b="1" lang="de-DE" sz="2000" spc="-1" strike="noStrike">
-                <a:solidFill>
-                  <a:srgbClr val="000000"/>
-                </a:solidFill>
-                <a:latin typeface="Enriqueta"/>
-              </a:rPr>
-              <a:t>Ergebnisse</a:t>
-            </a:r>
-            <a:endParaRPr b="0" lang="de-DE" sz="2000" spc="-1" strike="noStrike">
-              <a:solidFill>
-                <a:srgbClr val="000000"/>
-              </a:solidFill>
-              <a:latin typeface="Calibri"/>
-            </a:endParaRPr>
-          </a:p>
-          <a:p>
-            <a:pPr marL="228600" indent="-228240">
-              <a:lnSpc>
-                <a:spcPct val="90000"/>
-              </a:lnSpc>
-              <a:spcBef>
-                <a:spcPts val="1001"/>
-              </a:spcBef>
-              <a:buClr>
-                <a:srgbClr val="000000"/>
-              </a:buClr>
-              <a:buFont typeface="Arial"/>
-              <a:buChar char="•"/>
-            </a:pPr>
-            <a:endParaRPr b="0" lang="de-DE" sz="2000" spc="-1" strike="noStrike">
-              <a:solidFill>
-                <a:srgbClr val="000000"/>
-              </a:solidFill>
-              <a:latin typeface="Calibri"/>
-            </a:endParaRPr>
-          </a:p>
-        </p:txBody>
-      </p:sp>
-      <p:pic>
-        <p:nvPicPr>
-          <p:cNvPr id="152" name="Grafik 5" descr=""/>
-          <p:cNvPicPr/>
-          <p:nvPr/>
-        </p:nvPicPr>
-        <p:blipFill>
-          <a:blip r:embed="rId1"/>
-          <a:stretch/>
-        </p:blipFill>
-        <p:spPr>
-          <a:xfrm>
-            <a:off x="10258560" y="141120"/>
-            <a:ext cx="1728360" cy="1051560"/>
-          </a:xfrm>
-          <a:prstGeom prst="rect">
-            <a:avLst/>
-          </a:prstGeom>
-          <a:ln>
-            <a:noFill/>
-          </a:ln>
-        </p:spPr>
-      </p:pic>
-      <p:pic>
-        <p:nvPicPr>
-          <p:cNvPr id="153" name="" descr=""/>
+          <p:cNvPr id="137" name="Grafik 5"/>
           <p:cNvPicPr/>
           <p:nvPr/>
         </p:nvPicPr>
@@ -7550,8 +9095,8 @@
         </p:blipFill>
         <p:spPr>
           <a:xfrm>
-            <a:off x="867600" y="3031920"/>
-            <a:ext cx="4919040" cy="2927880"/>
+            <a:off x="10258560" y="141120"/>
+            <a:ext cx="1728360" cy="1051560"/>
           </a:xfrm>
           <a:prstGeom prst="rect">
             <a:avLst/>
@@ -7562,15 +9107,15 @@
         </p:spPr>
       </p:pic>
     </p:spTree>
+    <p:extLst>
+      <p:ext uri="{BB962C8B-B14F-4D97-AF65-F5344CB8AC3E}">
+        <p14:creationId xmlns:p14="http://schemas.microsoft.com/office/powerpoint/2010/main" val="3520182129"/>
+      </p:ext>
+    </p:extLst>
   </p:cSld>
-  <mc:AlternateContent>
-    <mc:Choice Requires="p14">
-      <p:transition spd="slow" p14:dur="2000"/>
-    </mc:Choice>
-    <mc:Fallback>
-      <p:transition spd="slow"/>
-    </mc:Fallback>
-  </mc:AlternateContent>
+  <p:clrMapOvr>
+    <a:masterClrMapping/>
+  </p:clrMapOvr>
 </p:sld>
 </file>
 
@@ -7585,31 +9130,31 @@
         <a:sysClr val="window" lastClr="FFFFFF"/>
       </a:lt1>
       <a:dk2>
-        <a:srgbClr val="1f497d"/>
+        <a:srgbClr val="1F497D"/>
       </a:dk2>
       <a:lt2>
-        <a:srgbClr val="eeece1"/>
+        <a:srgbClr val="EEECE1"/>
       </a:lt2>
       <a:accent1>
-        <a:srgbClr val="4f81bd"/>
+        <a:srgbClr val="4F81BD"/>
       </a:accent1>
       <a:accent2>
-        <a:srgbClr val="c0504d"/>
+        <a:srgbClr val="C0504D"/>
       </a:accent2>
       <a:accent3>
-        <a:srgbClr val="9bbb59"/>
+        <a:srgbClr val="9BBB59"/>
       </a:accent3>
       <a:accent4>
-        <a:srgbClr val="8064a2"/>
+        <a:srgbClr val="8064A2"/>
       </a:accent4>
       <a:accent5>
-        <a:srgbClr val="4bacc6"/>
+        <a:srgbClr val="4BACC6"/>
       </a:accent5>
       <a:accent6>
-        <a:srgbClr val="f79646"/>
+        <a:srgbClr val="F79646"/>
       </a:accent6>
       <a:hlink>
-        <a:srgbClr val="0000ff"/>
+        <a:srgbClr val="0000FF"/>
       </a:hlink>
       <a:folHlink>
         <a:srgbClr val="800080"/>
@@ -7794,6 +9339,8 @@
       </a:bgFillStyleLst>
     </a:fmtScheme>
   </a:themeElements>
+  <a:objectDefaults/>
+  <a:extraClrSchemeLst/>
 </a:theme>
 </file>
 
@@ -7808,31 +9355,31 @@
         <a:sysClr val="window" lastClr="FFFFFF"/>
       </a:lt1>
       <a:dk2>
-        <a:srgbClr val="1f497d"/>
+        <a:srgbClr val="1F497D"/>
       </a:dk2>
       <a:lt2>
-        <a:srgbClr val="eeece1"/>
+        <a:srgbClr val="EEECE1"/>
       </a:lt2>
       <a:accent1>
-        <a:srgbClr val="4f81bd"/>
+        <a:srgbClr val="4F81BD"/>
       </a:accent1>
       <a:accent2>
-        <a:srgbClr val="c0504d"/>
+        <a:srgbClr val="C0504D"/>
       </a:accent2>
       <a:accent3>
-        <a:srgbClr val="9bbb59"/>
+        <a:srgbClr val="9BBB59"/>
       </a:accent3>
       <a:accent4>
-        <a:srgbClr val="8064a2"/>
+        <a:srgbClr val="8064A2"/>
       </a:accent4>
       <a:accent5>
-        <a:srgbClr val="4bacc6"/>
+        <a:srgbClr val="4BACC6"/>
       </a:accent5>
       <a:accent6>
-        <a:srgbClr val="f79646"/>
+        <a:srgbClr val="F79646"/>
       </a:accent6>
       <a:hlink>
-        <a:srgbClr val="0000ff"/>
+        <a:srgbClr val="0000FF"/>
       </a:hlink>
       <a:folHlink>
         <a:srgbClr val="800080"/>
@@ -8017,6 +9564,8 @@
       </a:bgFillStyleLst>
     </a:fmtScheme>
   </a:themeElements>
+  <a:objectDefaults/>
+  <a:extraClrSchemeLst/>
 </a:theme>
 </file>
 
@@ -8031,31 +9580,31 @@
         <a:sysClr val="window" lastClr="FFFFFF"/>
       </a:lt1>
       <a:dk2>
-        <a:srgbClr val="1f497d"/>
+        <a:srgbClr val="1F497D"/>
       </a:dk2>
       <a:lt2>
-        <a:srgbClr val="eeece1"/>
+        <a:srgbClr val="EEECE1"/>
       </a:lt2>
       <a:accent1>
-        <a:srgbClr val="4f81bd"/>
+        <a:srgbClr val="4F81BD"/>
       </a:accent1>
       <a:accent2>
-        <a:srgbClr val="c0504d"/>
+        <a:srgbClr val="C0504D"/>
       </a:accent2>
       <a:accent3>
-        <a:srgbClr val="9bbb59"/>
+        <a:srgbClr val="9BBB59"/>
       </a:accent3>
       <a:accent4>
-        <a:srgbClr val="8064a2"/>
+        <a:srgbClr val="8064A2"/>
       </a:accent4>
       <a:accent5>
-        <a:srgbClr val="4bacc6"/>
+        <a:srgbClr val="4BACC6"/>
       </a:accent5>
       <a:accent6>
-        <a:srgbClr val="f79646"/>
+        <a:srgbClr val="F79646"/>
       </a:accent6>
       <a:hlink>
-        <a:srgbClr val="0000ff"/>
+        <a:srgbClr val="0000FF"/>
       </a:hlink>
       <a:folHlink>
         <a:srgbClr val="800080"/>
@@ -8240,5 +9789,7 @@
       </a:bgFillStyleLst>
     </a:fmtScheme>
   </a:themeElements>
+  <a:objectDefaults/>
+  <a:extraClrSchemeLst/>
 </a:theme>
 </file>
--- a/5 Präsentation/mensameet_abschluss.pptx
+++ b/5 Präsentation/mensameet_abschluss.pptx
@@ -11,13 +11,14 @@
     <p:sldId id="256" r:id="rId5"/>
     <p:sldId id="257" r:id="rId6"/>
     <p:sldId id="258" r:id="rId7"/>
-    <p:sldId id="267" r:id="rId8"/>
-    <p:sldId id="260" r:id="rId9"/>
-    <p:sldId id="261" r:id="rId10"/>
-    <p:sldId id="262" r:id="rId11"/>
-    <p:sldId id="266" r:id="rId12"/>
-    <p:sldId id="263" r:id="rId13"/>
-    <p:sldId id="264" r:id="rId14"/>
+    <p:sldId id="270" r:id="rId8"/>
+    <p:sldId id="267" r:id="rId9"/>
+    <p:sldId id="260" r:id="rId10"/>
+    <p:sldId id="261" r:id="rId11"/>
+    <p:sldId id="262" r:id="rId12"/>
+    <p:sldId id="266" r:id="rId13"/>
+    <p:sldId id="263" r:id="rId14"/>
+    <p:sldId id="264" r:id="rId15"/>
   </p:sldIdLst>
   <p:sldSz cx="12192000" cy="6858000"/>
   <p:notesSz cx="7559675" cy="10691813"/>
@@ -4794,7 +4795,7 @@
                 </a:solidFill>
                 <a:latin typeface="Calibri"/>
               </a:rPr>
-              <a:t>09.09.2019</a:t>
+              <a:t>09.09.19</a:t>
             </a:fld>
             <a:endParaRPr lang="de-DE" sz="1200" b="0" strike="noStrike" spc="-1">
               <a:latin typeface="Times New Roman"/>
@@ -5525,7 +5526,7 @@
                 </a:solidFill>
                 <a:latin typeface="Calibri"/>
               </a:rPr>
-              <a:t>09.09.2019</a:t>
+              <a:t>09.09.19</a:t>
             </a:fld>
             <a:endParaRPr lang="de-DE" sz="1200" b="0" strike="noStrike" spc="-1">
               <a:latin typeface="Times New Roman"/>
@@ -6170,7 +6171,7 @@
                 </a:solidFill>
                 <a:latin typeface="Calibri"/>
               </a:rPr>
-              <a:t>09.09.2019</a:t>
+              <a:t>09.09.19</a:t>
             </a:fld>
             <a:endParaRPr lang="de-DE" sz="1200" b="0" strike="noStrike" spc="-1">
               <a:latin typeface="Times New Roman"/>
@@ -6803,6 +6804,172 @@
       </p:grpSpPr>
       <p:sp>
         <p:nvSpPr>
+          <p:cNvPr id="135" name="TextShape 1"/>
+          <p:cNvSpPr txBox="1"/>
+          <p:nvPr/>
+        </p:nvSpPr>
+        <p:spPr>
+          <a:xfrm>
+            <a:off x="0" y="0"/>
+            <a:ext cx="12191760" cy="1192680"/>
+          </a:xfrm>
+          <a:prstGeom prst="rect">
+            <a:avLst/>
+          </a:prstGeom>
+          <a:solidFill>
+            <a:srgbClr val="9AC000"/>
+          </a:solidFill>
+          <a:ln>
+            <a:noFill/>
+          </a:ln>
+          <a:effectLst>
+            <a:outerShdw dist="37674" dir="2700000">
+              <a:srgbClr val="000000">
+                <a:alpha val="33000"/>
+              </a:srgbClr>
+            </a:outerShdw>
+          </a:effectLst>
+        </p:spPr>
+        <p:txBody>
+          <a:bodyPr lIns="540000" tIns="108000" rIns="540000" anchor="ctr">
+            <a:normAutofit/>
+          </a:bodyPr>
+          <a:lstStyle/>
+          <a:p>
+            <a:pPr>
+              <a:lnSpc>
+                <a:spcPct val="90000"/>
+              </a:lnSpc>
+            </a:pPr>
+            <a:r>
+              <a:rPr lang="de-DE" sz="2800" b="0" strike="noStrike" spc="-1" dirty="0">
+                <a:solidFill>
+                  <a:srgbClr val="FFFFFF"/>
+                </a:solidFill>
+                <a:latin typeface="Enriqueta"/>
+              </a:rPr>
+              <a:t>Diagramme: Statistik</a:t>
+            </a:r>
+            <a:endParaRPr lang="de-DE" sz="2800" b="0" strike="noStrike" spc="-1" dirty="0">
+              <a:solidFill>
+                <a:srgbClr val="000000"/>
+              </a:solidFill>
+              <a:latin typeface="Calibri"/>
+            </a:endParaRPr>
+          </a:p>
+        </p:txBody>
+      </p:sp>
+      <p:sp>
+        <p:nvSpPr>
+          <p:cNvPr id="136" name="TextShape 2"/>
+          <p:cNvSpPr txBox="1"/>
+          <p:nvPr/>
+        </p:nvSpPr>
+        <p:spPr>
+          <a:xfrm>
+            <a:off x="838080" y="1825560"/>
+            <a:ext cx="10515240" cy="4350960"/>
+          </a:xfrm>
+          <a:prstGeom prst="rect">
+            <a:avLst/>
+          </a:prstGeom>
+          <a:noFill/>
+          <a:ln>
+            <a:noFill/>
+          </a:ln>
+        </p:spPr>
+        <p:txBody>
+          <a:bodyPr>
+            <a:noAutofit/>
+          </a:bodyPr>
+          <a:lstStyle/>
+          <a:p>
+            <a:pPr marL="228600" indent="-228240">
+              <a:lnSpc>
+                <a:spcPct val="90000"/>
+              </a:lnSpc>
+              <a:spcBef>
+                <a:spcPts val="1001"/>
+              </a:spcBef>
+              <a:buClr>
+                <a:srgbClr val="000000"/>
+              </a:buClr>
+              <a:buFont typeface="Arial"/>
+              <a:buChar char="•"/>
+            </a:pPr>
+            <a:r>
+              <a:rPr lang="de-DE" sz="2000" spc="-1" dirty="0">
+                <a:solidFill>
+                  <a:srgbClr val="000000"/>
+                </a:solidFill>
+                <a:latin typeface="Enriqueta"/>
+              </a:rPr>
+              <a:t>TODO: Diagramme zählen</a:t>
+            </a:r>
+            <a:endParaRPr lang="de-DE" sz="2000" b="0" strike="noStrike" spc="-1" dirty="0">
+              <a:solidFill>
+                <a:srgbClr val="000000"/>
+              </a:solidFill>
+              <a:latin typeface="Calibri"/>
+            </a:endParaRPr>
+          </a:p>
+        </p:txBody>
+      </p:sp>
+      <p:pic>
+        <p:nvPicPr>
+          <p:cNvPr id="137" name="Grafik 5"/>
+          <p:cNvPicPr/>
+          <p:nvPr/>
+        </p:nvPicPr>
+        <p:blipFill>
+          <a:blip r:embed="rId2"/>
+          <a:stretch/>
+        </p:blipFill>
+        <p:spPr>
+          <a:xfrm>
+            <a:off x="10258560" y="141120"/>
+            <a:ext cx="1728360" cy="1051560"/>
+          </a:xfrm>
+          <a:prstGeom prst="rect">
+            <a:avLst/>
+          </a:prstGeom>
+          <a:ln>
+            <a:noFill/>
+          </a:ln>
+        </p:spPr>
+      </p:pic>
+    </p:spTree>
+    <p:extLst>
+      <p:ext uri="{BB962C8B-B14F-4D97-AF65-F5344CB8AC3E}">
+        <p14:creationId xmlns:p14="http://schemas.microsoft.com/office/powerpoint/2010/main" val="3520182129"/>
+      </p:ext>
+    </p:extLst>
+  </p:cSld>
+  <p:clrMapOvr>
+    <a:masterClrMapping/>
+  </p:clrMapOvr>
+</p:sld>
+</file>
+
+<file path=ppt/slides/slide11.xml><?xml version="1.0" encoding="utf-8"?>
+<p:sld xmlns:a="http://schemas.openxmlformats.org/drawingml/2006/main" xmlns:r="http://schemas.openxmlformats.org/officeDocument/2006/relationships" xmlns:p="http://schemas.openxmlformats.org/presentationml/2006/main">
+  <p:cSld>
+    <p:spTree>
+      <p:nvGrpSpPr>
+        <p:cNvPr id="1" name=""/>
+        <p:cNvGrpSpPr/>
+        <p:nvPr/>
+      </p:nvGrpSpPr>
+      <p:grpSpPr>
+        <a:xfrm>
+          <a:off x="0" y="0"/>
+          <a:ext cx="0" cy="0"/>
+          <a:chOff x="0" y="0"/>
+          <a:chExt cx="0" cy="0"/>
+        </a:xfrm>
+      </p:grpSpPr>
+      <p:sp>
+        <p:nvSpPr>
           <p:cNvPr id="147" name="TextShape 1"/>
           <p:cNvSpPr txBox="1"/>
           <p:nvPr/>
@@ -6966,7 +7133,7 @@
 </p:sld>
 </file>
 
-<file path=ppt/slides/slide11.xml><?xml version="1.0" encoding="utf-8"?>
+<file path=ppt/slides/slide12.xml><?xml version="1.0" encoding="utf-8"?>
 <p:sld xmlns:a="http://schemas.openxmlformats.org/drawingml/2006/main" xmlns:r="http://schemas.openxmlformats.org/officeDocument/2006/relationships" xmlns:p="http://schemas.openxmlformats.org/presentationml/2006/main">
   <p:cSld>
     <p:spTree>
@@ -7767,14 +7934,14 @@
       </p:grpSpPr>
       <p:sp>
         <p:nvSpPr>
-          <p:cNvPr id="133" name="TextShape 1"/>
+          <p:cNvPr id="134" name="TextShape 2"/>
           <p:cNvSpPr txBox="1"/>
           <p:nvPr/>
         </p:nvSpPr>
         <p:spPr>
           <a:xfrm>
-            <a:off x="1046160" y="1736640"/>
-            <a:ext cx="10515240" cy="2852280"/>
+            <a:off x="1096200" y="4746600"/>
+            <a:ext cx="10515240" cy="1499760"/>
           </a:xfrm>
           <a:prstGeom prst="rect">
             <a:avLst/>
@@ -7785,54 +7952,6 @@
           </a:ln>
         </p:spPr>
         <p:txBody>
-          <a:bodyPr anchor="b">
-            <a:normAutofit/>
-          </a:bodyPr>
-          <a:lstStyle/>
-          <a:p>
-            <a:pPr>
-              <a:lnSpc>
-                <a:spcPct val="90000"/>
-              </a:lnSpc>
-            </a:pPr>
-            <a:r>
-              <a:rPr lang="de-DE" sz="2800" b="1" spc="-1" dirty="0" err="1">
-                <a:solidFill>
-                  <a:srgbClr val="FFFFFF"/>
-                </a:solidFill>
-                <a:latin typeface="Enriqueta"/>
-              </a:rPr>
-              <a:t>Ent</a:t>
-            </a:r>
-            <a:endParaRPr lang="de-DE" sz="2800" b="0" strike="noStrike" spc="-1" dirty="0">
-              <a:solidFill>
-                <a:srgbClr val="000000"/>
-              </a:solidFill>
-              <a:latin typeface="Calibri"/>
-            </a:endParaRPr>
-          </a:p>
-        </p:txBody>
-      </p:sp>
-      <p:sp>
-        <p:nvSpPr>
-          <p:cNvPr id="134" name="TextShape 2"/>
-          <p:cNvSpPr txBox="1"/>
-          <p:nvPr/>
-        </p:nvSpPr>
-        <p:spPr>
-          <a:xfrm>
-            <a:off x="1096200" y="4746600"/>
-            <a:ext cx="10515240" cy="1499760"/>
-          </a:xfrm>
-          <a:prstGeom prst="rect">
-            <a:avLst/>
-          </a:prstGeom>
-          <a:noFill/>
-          <a:ln>
-            <a:noFill/>
-          </a:ln>
-        </p:spPr>
-        <p:txBody>
           <a:bodyPr>
             <a:noAutofit/>
           </a:bodyPr>
@@ -7847,6 +7966,42 @@
           </a:p>
         </p:txBody>
       </p:sp>
+      <p:pic>
+        <p:nvPicPr>
+          <p:cNvPr id="3" name="Grafik 2">
+            <a:extLst>
+              <a:ext uri="{FF2B5EF4-FFF2-40B4-BE49-F238E27FC236}">
+                <a16:creationId xmlns:a16="http://schemas.microsoft.com/office/drawing/2014/main" id="{7F180A5A-B2D4-ED4C-B9A1-667925C73630}"/>
+              </a:ext>
+            </a:extLst>
+          </p:cNvPr>
+          <p:cNvPicPr>
+            <a:picLocks noChangeAspect="1"/>
+          </p:cNvPicPr>
+          <p:nvPr/>
+        </p:nvPicPr>
+        <p:blipFill>
+          <a:blip r:embed="rId2">
+            <a:extLst>
+              <a:ext uri="{28A0092B-C50C-407E-A947-70E740481C1C}">
+                <a14:useLocalDpi xmlns:a14="http://schemas.microsoft.com/office/drawing/2010/main" val="0"/>
+              </a:ext>
+            </a:extLst>
+          </a:blip>
+          <a:stretch>
+            <a:fillRect/>
+          </a:stretch>
+        </p:blipFill>
+        <p:spPr>
+          <a:xfrm>
+            <a:off x="4324924" y="0"/>
+            <a:ext cx="3542152" cy="6858000"/>
+          </a:xfrm>
+          <a:prstGeom prst="rect">
+            <a:avLst/>
+          </a:prstGeom>
+        </p:spPr>
+      </p:pic>
     </p:spTree>
   </p:cSld>
   <p:clrMapOvr>
@@ -7858,6 +8013,14 @@
 <file path=ppt/slides/slide5.xml><?xml version="1.0" encoding="utf-8"?>
 <p:sld xmlns:a="http://schemas.openxmlformats.org/drawingml/2006/main" xmlns:r="http://schemas.openxmlformats.org/officeDocument/2006/relationships" xmlns:p="http://schemas.openxmlformats.org/presentationml/2006/main">
   <p:cSld>
+    <p:bg>
+      <p:bgPr>
+        <a:solidFill>
+          <a:srgbClr val="9AC000"/>
+        </a:solidFill>
+        <a:effectLst/>
+      </p:bgPr>
+    </p:bg>
     <p:spTree>
       <p:nvGrpSpPr>
         <p:cNvPr id="1" name=""/>
@@ -7874,71 +8037,14 @@
       </p:grpSpPr>
       <p:sp>
         <p:nvSpPr>
-          <p:cNvPr id="135" name="TextShape 1"/>
+          <p:cNvPr id="134" name="TextShape 2"/>
           <p:cNvSpPr txBox="1"/>
           <p:nvPr/>
         </p:nvSpPr>
         <p:spPr>
           <a:xfrm>
-            <a:off x="0" y="0"/>
-            <a:ext cx="12191760" cy="1192680"/>
-          </a:xfrm>
-          <a:prstGeom prst="rect">
-            <a:avLst/>
-          </a:prstGeom>
-          <a:solidFill>
-            <a:srgbClr val="9AC000"/>
-          </a:solidFill>
-          <a:ln>
-            <a:noFill/>
-          </a:ln>
-          <a:effectLst>
-            <a:outerShdw dist="37674" dir="2700000">
-              <a:srgbClr val="000000">
-                <a:alpha val="33000"/>
-              </a:srgbClr>
-            </a:outerShdw>
-          </a:effectLst>
-        </p:spPr>
-        <p:txBody>
-          <a:bodyPr lIns="540000" tIns="108000" rIns="540000" anchor="ctr">
-            <a:normAutofit/>
-          </a:bodyPr>
-          <a:lstStyle/>
-          <a:p>
-            <a:pPr>
-              <a:lnSpc>
-                <a:spcPct val="90000"/>
-              </a:lnSpc>
-            </a:pPr>
-            <a:r>
-              <a:rPr lang="de-DE" sz="2800" b="0" strike="noStrike" spc="-1" dirty="0">
-                <a:solidFill>
-                  <a:srgbClr val="FFFFFF"/>
-                </a:solidFill>
-                <a:latin typeface="Enriqueta"/>
-              </a:rPr>
-              <a:t>Ränge</a:t>
-            </a:r>
-            <a:endParaRPr lang="de-DE" sz="2800" b="0" strike="noStrike" spc="-1" dirty="0">
-              <a:solidFill>
-                <a:srgbClr val="000000"/>
-              </a:solidFill>
-              <a:latin typeface="Calibri"/>
-            </a:endParaRPr>
-          </a:p>
-        </p:txBody>
-      </p:sp>
-      <p:sp>
-        <p:nvSpPr>
-          <p:cNvPr id="136" name="TextShape 2"/>
-          <p:cNvSpPr txBox="1"/>
-          <p:nvPr/>
-        </p:nvSpPr>
-        <p:spPr>
-          <a:xfrm>
-            <a:off x="838080" y="1825560"/>
-            <a:ext cx="10515240" cy="4350960"/>
+            <a:off x="1096200" y="4746600"/>
+            <a:ext cx="10515240" cy="1499760"/>
           </a:xfrm>
           <a:prstGeom prst="rect">
             <a:avLst/>
@@ -7954,29 +8060,7 @@
           </a:bodyPr>
           <a:lstStyle/>
           <a:p>
-            <a:pPr marL="228600" indent="-228240">
-              <a:lnSpc>
-                <a:spcPct val="90000"/>
-              </a:lnSpc>
-              <a:spcBef>
-                <a:spcPts val="1001"/>
-              </a:spcBef>
-              <a:buClr>
-                <a:srgbClr val="000000"/>
-              </a:buClr>
-              <a:buFont typeface="Arial"/>
-              <a:buChar char="•"/>
-            </a:pPr>
-            <a:r>
-              <a:rPr lang="de-DE" sz="2000" b="0" strike="noStrike" spc="-1" dirty="0">
-                <a:solidFill>
-                  <a:srgbClr val="000000"/>
-                </a:solidFill>
-                <a:latin typeface="Enriqueta"/>
-              </a:rPr>
-              <a:t>TODO: Skala</a:t>
-            </a:r>
-            <a:endParaRPr lang="de-DE" sz="2000" b="0" strike="noStrike" spc="-1" dirty="0">
+            <a:endParaRPr lang="de-DE" sz="2800" b="0" strike="noStrike" spc="-1">
               <a:solidFill>
                 <a:srgbClr val="000000"/>
               </a:solidFill>
@@ -7987,31 +8071,44 @@
       </p:sp>
       <p:pic>
         <p:nvPicPr>
-          <p:cNvPr id="137" name="Grafik 5"/>
-          <p:cNvPicPr/>
+          <p:cNvPr id="4" name="Grafik 3">
+            <a:extLst>
+              <a:ext uri="{FF2B5EF4-FFF2-40B4-BE49-F238E27FC236}">
+                <a16:creationId xmlns:a16="http://schemas.microsoft.com/office/drawing/2014/main" id="{7D777843-7D1E-F94F-A146-7D8B2AE00154}"/>
+              </a:ext>
+            </a:extLst>
+          </p:cNvPr>
+          <p:cNvPicPr>
+            <a:picLocks noChangeAspect="1"/>
+          </p:cNvPicPr>
           <p:nvPr/>
         </p:nvPicPr>
         <p:blipFill>
-          <a:blip r:embed="rId2"/>
-          <a:stretch/>
+          <a:blip r:embed="rId2">
+            <a:extLst>
+              <a:ext uri="{28A0092B-C50C-407E-A947-70E740481C1C}">
+                <a14:useLocalDpi xmlns:a14="http://schemas.microsoft.com/office/drawing/2010/main" val="0"/>
+              </a:ext>
+            </a:extLst>
+          </a:blip>
+          <a:stretch>
+            <a:fillRect/>
+          </a:stretch>
         </p:blipFill>
         <p:spPr>
           <a:xfrm>
-            <a:off x="10258560" y="141120"/>
-            <a:ext cx="1728360" cy="1051560"/>
-          </a:xfrm>
-          <a:prstGeom prst="rect">
-            <a:avLst/>
-          </a:prstGeom>
-          <a:ln>
-            <a:noFill/>
-          </a:ln>
+            <a:off x="4324924" y="0"/>
+            <a:ext cx="3542152" cy="6858000"/>
+          </a:xfrm>
+          <a:prstGeom prst="rect">
+            <a:avLst/>
+          </a:prstGeom>
         </p:spPr>
       </p:pic>
     </p:spTree>
     <p:extLst>
       <p:ext uri="{BB962C8B-B14F-4D97-AF65-F5344CB8AC3E}">
-        <p14:creationId xmlns:p14="http://schemas.microsoft.com/office/powerpoint/2010/main" val="3400461127"/>
+        <p14:creationId xmlns:p14="http://schemas.microsoft.com/office/powerpoint/2010/main" val="1403334781"/>
       </p:ext>
     </p:extLst>
   </p:cSld>
@@ -8040,7 +8137,7 @@
       </p:grpSpPr>
       <p:sp>
         <p:nvSpPr>
-          <p:cNvPr id="138" name="TextShape 1"/>
+          <p:cNvPr id="135" name="TextShape 1"/>
           <p:cNvSpPr txBox="1"/>
           <p:nvPr/>
         </p:nvSpPr>
@@ -8061,7 +8158,7 @@
           <a:effectLst>
             <a:outerShdw dist="37674" dir="2700000">
               <a:srgbClr val="000000">
-                <a:alpha val="40000"/>
+                <a:alpha val="33000"/>
               </a:srgbClr>
             </a:outerShdw>
           </a:effectLst>
@@ -8078,26 +8175,26 @@
               </a:lnSpc>
             </a:pPr>
             <a:r>
-              <a:rPr lang="de-DE" sz="2800" b="0" strike="noStrike" spc="-1">
+              <a:rPr lang="de-DE" sz="2800" b="0" strike="noStrike" spc="-1" dirty="0">
                 <a:solidFill>
                   <a:srgbClr val="FFFFFF"/>
                 </a:solidFill>
                 <a:latin typeface="Enriqueta"/>
               </a:rPr>
-              <a:t>Ein paar Statistiken</a:t>
+              <a:t>Ränge</a:t>
             </a:r>
-            <a:endParaRPr lang="de-DE" sz="2800" b="0" strike="noStrike" spc="-1">
-              <a:solidFill>
-                <a:srgbClr val="000000"/>
-              </a:solidFill>
-              <a:latin typeface="Calibri"/>
-            </a:endParaRPr>
-          </a:p>
-        </p:txBody>
-      </p:sp>
-      <p:sp>
-        <p:nvSpPr>
-          <p:cNvPr id="139" name="TextShape 2"/>
+            <a:endParaRPr lang="de-DE" sz="2800" b="0" strike="noStrike" spc="-1" dirty="0">
+              <a:solidFill>
+                <a:srgbClr val="000000"/>
+              </a:solidFill>
+              <a:latin typeface="Calibri"/>
+            </a:endParaRPr>
+          </a:p>
+        </p:txBody>
+      </p:sp>
+      <p:sp>
+        <p:nvSpPr>
+          <p:cNvPr id="136" name="TextShape 2"/>
           <p:cNvSpPr txBox="1"/>
           <p:nvPr/>
         </p:nvSpPr>
@@ -8134,156 +8231,15 @@
               <a:buChar char="•"/>
             </a:pPr>
             <a:r>
-              <a:rPr lang="de-DE" sz="2000" b="1" strike="noStrike" spc="-1">
+              <a:rPr lang="de-DE" sz="2000" b="0" strike="noStrike" spc="-1" dirty="0">
                 <a:solidFill>
                   <a:srgbClr val="000000"/>
                 </a:solidFill>
                 <a:latin typeface="Enriqueta"/>
               </a:rPr>
-              <a:t>XX Zeilen Code (inkl. Kommentare)</a:t>
+              <a:t>TODO: Skala</a:t>
             </a:r>
-            <a:endParaRPr lang="de-DE" sz="2000" b="0" strike="noStrike" spc="-1">
-              <a:solidFill>
-                <a:srgbClr val="000000"/>
-              </a:solidFill>
-              <a:latin typeface="Calibri"/>
-            </a:endParaRPr>
-          </a:p>
-          <a:p>
-            <a:pPr marL="228600" indent="-228240">
-              <a:lnSpc>
-                <a:spcPct val="90000"/>
-              </a:lnSpc>
-              <a:spcBef>
-                <a:spcPts val="1001"/>
-              </a:spcBef>
-              <a:buClr>
-                <a:srgbClr val="000000"/>
-              </a:buClr>
-              <a:buFont typeface="Arial"/>
-              <a:buChar char="•"/>
-            </a:pPr>
-            <a:r>
-              <a:rPr lang="de-DE" sz="2000" b="0" strike="noStrike" spc="-1">
-                <a:solidFill>
-                  <a:srgbClr val="000000"/>
-                </a:solidFill>
-                <a:latin typeface="Enriqueta"/>
-              </a:rPr>
-              <a:t>(Client: 11.124, Server: )</a:t>
-            </a:r>
-            <a:endParaRPr lang="de-DE" sz="2000" b="0" strike="noStrike" spc="-1">
-              <a:solidFill>
-                <a:srgbClr val="000000"/>
-              </a:solidFill>
-              <a:latin typeface="Calibri"/>
-            </a:endParaRPr>
-          </a:p>
-          <a:p>
-            <a:pPr marL="228600" indent="-228240">
-              <a:lnSpc>
-                <a:spcPct val="90000"/>
-              </a:lnSpc>
-              <a:spcBef>
-                <a:spcPts val="1001"/>
-              </a:spcBef>
-              <a:buClr>
-                <a:srgbClr val="000000"/>
-              </a:buClr>
-              <a:buFont typeface="Arial"/>
-              <a:buChar char="•"/>
-            </a:pPr>
-            <a:r>
-              <a:rPr lang="de-DE" sz="2000" b="1" strike="noStrike" spc="-1">
-                <a:solidFill>
-                  <a:srgbClr val="000000"/>
-                </a:solidFill>
-                <a:latin typeface="Enriqueta"/>
-              </a:rPr>
-              <a:t>XX Java-Klassen (inkl. Testklassen)</a:t>
-            </a:r>
-            <a:endParaRPr lang="de-DE" sz="2000" b="0" strike="noStrike" spc="-1">
-              <a:solidFill>
-                <a:srgbClr val="000000"/>
-              </a:solidFill>
-              <a:latin typeface="Calibri"/>
-            </a:endParaRPr>
-          </a:p>
-          <a:p>
-            <a:pPr marL="228600" indent="-228240">
-              <a:lnSpc>
-                <a:spcPct val="90000"/>
-              </a:lnSpc>
-              <a:spcBef>
-                <a:spcPts val="1001"/>
-              </a:spcBef>
-              <a:buClr>
-                <a:srgbClr val="000000"/>
-              </a:buClr>
-              <a:buFont typeface="Arial"/>
-              <a:buChar char="•"/>
-            </a:pPr>
-            <a:r>
-              <a:rPr lang="de-DE" sz="2000" b="0" strike="noStrike" spc="-1">
-                <a:solidFill>
-                  <a:srgbClr val="000000"/>
-                </a:solidFill>
-                <a:latin typeface="Enriqueta"/>
-              </a:rPr>
-              <a:t>(Client: 97, Server: )</a:t>
-            </a:r>
-            <a:endParaRPr lang="de-DE" sz="2000" b="0" strike="noStrike" spc="-1">
-              <a:solidFill>
-                <a:srgbClr val="000000"/>
-              </a:solidFill>
-              <a:latin typeface="Calibri"/>
-            </a:endParaRPr>
-          </a:p>
-          <a:p>
-            <a:pPr marL="228600" indent="-228240">
-              <a:lnSpc>
-                <a:spcPct val="90000"/>
-              </a:lnSpc>
-              <a:spcBef>
-                <a:spcPts val="1001"/>
-              </a:spcBef>
-              <a:buClr>
-                <a:srgbClr val="000000"/>
-              </a:buClr>
-              <a:buFont typeface="Arial"/>
-              <a:buChar char="•"/>
-            </a:pPr>
-            <a:r>
-              <a:rPr lang="de-DE" sz="2000" b="1" strike="noStrike" spc="-1">
-                <a:solidFill>
-                  <a:srgbClr val="000000"/>
-                </a:solidFill>
-                <a:latin typeface="Enriqueta"/>
-              </a:rPr>
-              <a:t>24 Commits</a:t>
-            </a:r>
-            <a:endParaRPr lang="de-DE" sz="2000" b="0" strike="noStrike" spc="-1">
-              <a:solidFill>
-                <a:srgbClr val="000000"/>
-              </a:solidFill>
-              <a:latin typeface="Calibri"/>
-            </a:endParaRPr>
-          </a:p>
-          <a:p>
-            <a:pPr marL="228600" indent="-228240">
-              <a:lnSpc>
-                <a:spcPct val="90000"/>
-              </a:lnSpc>
-              <a:spcBef>
-                <a:spcPts val="1001"/>
-              </a:spcBef>
-              <a:buClr>
-                <a:srgbClr val="000000"/>
-              </a:buClr>
-              <a:buFont typeface="Arial"/>
-              <a:buChar char="•"/>
-            </a:pPr>
-            <a:endParaRPr lang="de-DE" sz="2000" b="0" strike="noStrike" spc="-1">
+            <a:endParaRPr lang="de-DE" sz="2000" b="0" strike="noStrike" spc="-1" dirty="0">
               <a:solidFill>
                 <a:srgbClr val="000000"/>
               </a:solidFill>
@@ -8294,7 +8250,7 @@
       </p:sp>
       <p:pic>
         <p:nvPicPr>
-          <p:cNvPr id="140" name="Grafik 5"/>
+          <p:cNvPr id="137" name="Grafik 5"/>
           <p:cNvPicPr/>
           <p:nvPr/>
         </p:nvPicPr>
@@ -8316,6 +8272,11 @@
         </p:spPr>
       </p:pic>
     </p:spTree>
+    <p:extLst>
+      <p:ext uri="{BB962C8B-B14F-4D97-AF65-F5344CB8AC3E}">
+        <p14:creationId xmlns:p14="http://schemas.microsoft.com/office/powerpoint/2010/main" val="3400461127"/>
+      </p:ext>
+    </p:extLst>
   </p:cSld>
   <p:clrMapOvr>
     <a:masterClrMapping/>
@@ -8342,7 +8303,7 @@
       </p:grpSpPr>
       <p:sp>
         <p:nvSpPr>
-          <p:cNvPr id="141" name="TextShape 1"/>
+          <p:cNvPr id="138" name="TextShape 1"/>
           <p:cNvSpPr txBox="1"/>
           <p:nvPr/>
         </p:nvSpPr>
@@ -8386,7 +8347,7 @@
                 </a:solidFill>
                 <a:latin typeface="Enriqueta"/>
               </a:rPr>
-              <a:t>Herausforderungen</a:t>
+              <a:t>Ein paar Statistiken</a:t>
             </a:r>
             <a:endParaRPr lang="de-DE" sz="2800" b="0" strike="noStrike" spc="-1">
               <a:solidFill>
@@ -8399,7 +8360,7 @@
       </p:sp>
       <p:sp>
         <p:nvSpPr>
-          <p:cNvPr id="142" name="TextShape 2"/>
+          <p:cNvPr id="139" name="TextShape 2"/>
           <p:cNvSpPr txBox="1"/>
           <p:nvPr/>
         </p:nvSpPr>
@@ -8442,7 +8403,7 @@
                 </a:solidFill>
                 <a:latin typeface="Enriqueta"/>
               </a:rPr>
-              <a:t>Teamarbeit</a:t>
+              <a:t>XX Zeilen Code (inkl. Kommentare)</a:t>
             </a:r>
             <a:endParaRPr lang="de-DE" sz="2000" b="0" strike="noStrike" spc="-1">
               <a:solidFill>
@@ -8452,16 +8413,18 @@
             </a:endParaRPr>
           </a:p>
           <a:p>
-            <a:pPr marL="864000" lvl="1" indent="-324000">
+            <a:pPr marL="228600" indent="-228240">
+              <a:lnSpc>
+                <a:spcPct val="90000"/>
+              </a:lnSpc>
               <a:spcBef>
-                <a:spcPts val="1134"/>
+                <a:spcPts val="1001"/>
               </a:spcBef>
               <a:buClr>
                 <a:srgbClr val="000000"/>
               </a:buClr>
-              <a:buSzPct val="75000"/>
-              <a:buFont typeface="Symbol" charset="2"/>
-              <a:buChar char=""/>
+              <a:buFont typeface="Arial"/>
+              <a:buChar char="•"/>
             </a:pPr>
             <a:r>
               <a:rPr lang="de-DE" sz="2000" b="0" strike="noStrike" spc="-1">
@@ -8470,7 +8433,7 @@
                 </a:solidFill>
                 <a:latin typeface="Enriqueta"/>
               </a:rPr>
-              <a:t>Na, wer seid ihr denn?</a:t>
+              <a:t>(Client: 11.124, Server: )</a:t>
             </a:r>
             <a:endParaRPr lang="de-DE" sz="2000" b="0" strike="noStrike" spc="-1">
               <a:solidFill>
@@ -8480,16 +8443,48 @@
             </a:endParaRPr>
           </a:p>
           <a:p>
-            <a:pPr marL="864000" lvl="1" indent="-324000">
+            <a:pPr marL="228600" indent="-228240">
+              <a:lnSpc>
+                <a:spcPct val="90000"/>
+              </a:lnSpc>
               <a:spcBef>
-                <a:spcPts val="1134"/>
+                <a:spcPts val="1001"/>
               </a:spcBef>
               <a:buClr>
                 <a:srgbClr val="000000"/>
               </a:buClr>
-              <a:buSzPct val="75000"/>
-              <a:buFont typeface="Symbol" charset="2"/>
-              <a:buChar char=""/>
+              <a:buFont typeface="Arial"/>
+              <a:buChar char="•"/>
+            </a:pPr>
+            <a:r>
+              <a:rPr lang="de-DE" sz="2000" b="1" strike="noStrike" spc="-1">
+                <a:solidFill>
+                  <a:srgbClr val="000000"/>
+                </a:solidFill>
+                <a:latin typeface="Enriqueta"/>
+              </a:rPr>
+              <a:t>XX Java-Klassen (inkl. Testklassen)</a:t>
+            </a:r>
+            <a:endParaRPr lang="de-DE" sz="2000" b="0" strike="noStrike" spc="-1">
+              <a:solidFill>
+                <a:srgbClr val="000000"/>
+              </a:solidFill>
+              <a:latin typeface="Calibri"/>
+            </a:endParaRPr>
+          </a:p>
+          <a:p>
+            <a:pPr marL="228600" indent="-228240">
+              <a:lnSpc>
+                <a:spcPct val="90000"/>
+              </a:lnSpc>
+              <a:spcBef>
+                <a:spcPts val="1001"/>
+              </a:spcBef>
+              <a:buClr>
+                <a:srgbClr val="000000"/>
+              </a:buClr>
+              <a:buFont typeface="Arial"/>
+              <a:buChar char="•"/>
             </a:pPr>
             <a:r>
               <a:rPr lang="de-DE" sz="2000" b="0" strike="noStrike" spc="-1">
@@ -8498,7 +8493,7 @@
                 </a:solidFill>
                 <a:latin typeface="Enriqueta"/>
               </a:rPr>
-              <a:t>Wer macht was? Wann?</a:t>
+              <a:t>(Client: 97, Server: )</a:t>
             </a:r>
             <a:endParaRPr lang="de-DE" sz="2000" b="0" strike="noStrike" spc="-1">
               <a:solidFill>
@@ -8521,6 +8516,15 @@
               <a:buFont typeface="Arial"/>
               <a:buChar char="•"/>
             </a:pPr>
+            <a:r>
+              <a:rPr lang="de-DE" sz="2000" b="1" strike="noStrike" spc="-1">
+                <a:solidFill>
+                  <a:srgbClr val="000000"/>
+                </a:solidFill>
+                <a:latin typeface="Enriqueta"/>
+              </a:rPr>
+              <a:t>24 Commits</a:t>
+            </a:r>
             <a:endParaRPr lang="de-DE" sz="2000" b="0" strike="noStrike" spc="-1">
               <a:solidFill>
                 <a:srgbClr val="000000"/>
@@ -8553,7 +8557,7 @@
       </p:sp>
       <p:pic>
         <p:nvPicPr>
-          <p:cNvPr id="143" name="Grafik 5"/>
+          <p:cNvPr id="140" name="Grafik 5"/>
           <p:cNvPicPr/>
           <p:nvPr/>
         </p:nvPicPr>
@@ -8601,7 +8605,7 @@
       </p:grpSpPr>
       <p:sp>
         <p:nvSpPr>
-          <p:cNvPr id="144" name="TextShape 1"/>
+          <p:cNvPr id="141" name="TextShape 1"/>
           <p:cNvSpPr txBox="1"/>
           <p:nvPr/>
         </p:nvSpPr>
@@ -8658,7 +8662,7 @@
       </p:sp>
       <p:sp>
         <p:nvSpPr>
-          <p:cNvPr id="145" name="TextShape 2"/>
+          <p:cNvPr id="142" name="TextShape 2"/>
           <p:cNvSpPr txBox="1"/>
           <p:nvPr/>
         </p:nvSpPr>
@@ -8701,7 +8705,7 @@
                 </a:solidFill>
                 <a:latin typeface="Enriqueta"/>
               </a:rPr>
-              <a:t>Client</a:t>
+              <a:t>Teamarbeit</a:t>
             </a:r>
             <a:endParaRPr lang="de-DE" sz="2000" b="0" strike="noStrike" spc="-1">
               <a:solidFill>
@@ -8729,7 +8733,7 @@
                 </a:solidFill>
                 <a:latin typeface="Enriqueta"/>
               </a:rPr>
-              <a:t>Was kommt in welche Klasse?</a:t>
+              <a:t>Na, wer seid ihr denn?</a:t>
             </a:r>
             <a:endParaRPr lang="de-DE" sz="2000" b="0" strike="noStrike" spc="-1">
               <a:solidFill>
@@ -8757,119 +8761,7 @@
                 </a:solidFill>
                 <a:latin typeface="Enriqueta"/>
               </a:rPr>
-              <a:t>Ist ein detaillierter Entwurf vor der Implementierung wirklich sinnvoll?</a:t>
-            </a:r>
-            <a:endParaRPr lang="de-DE" sz="2000" b="0" strike="noStrike" spc="-1">
-              <a:solidFill>
-                <a:srgbClr val="000000"/>
-              </a:solidFill>
-              <a:latin typeface="Calibri"/>
-            </a:endParaRPr>
-          </a:p>
-          <a:p>
-            <a:pPr marL="864000" lvl="1" indent="-324000">
-              <a:spcBef>
-                <a:spcPts val="1134"/>
-              </a:spcBef>
-              <a:buClr>
-                <a:srgbClr val="000000"/>
-              </a:buClr>
-              <a:buSzPct val="75000"/>
-              <a:buFont typeface="Symbol" charset="2"/>
-              <a:buChar char=""/>
-            </a:pPr>
-            <a:r>
-              <a:rPr lang="de-DE" sz="2000" b="0" strike="noStrike" spc="-1">
-                <a:solidFill>
-                  <a:srgbClr val="000000"/>
-                </a:solidFill>
-                <a:latin typeface="Enriqueta"/>
-              </a:rPr>
-              <a:t>Was haben Android-Activitys für Eigenheiten?</a:t>
-            </a:r>
-            <a:endParaRPr lang="de-DE" sz="2000" b="0" strike="noStrike" spc="-1">
-              <a:solidFill>
-                <a:srgbClr val="000000"/>
-              </a:solidFill>
-              <a:latin typeface="Calibri"/>
-            </a:endParaRPr>
-          </a:p>
-          <a:p>
-            <a:pPr marL="864000" lvl="1" indent="-324000">
-              <a:spcBef>
-                <a:spcPts val="1134"/>
-              </a:spcBef>
-              <a:buClr>
-                <a:srgbClr val="000000"/>
-              </a:buClr>
-              <a:buSzPct val="75000"/>
-              <a:buFont typeface="Symbol" charset="2"/>
-              <a:buChar char=""/>
-            </a:pPr>
-            <a:r>
-              <a:rPr lang="de-DE" sz="2000" b="0" strike="noStrike" spc="-1">
-                <a:solidFill>
-                  <a:srgbClr val="000000"/>
-                </a:solidFill>
-                <a:latin typeface="Enriqueta"/>
-              </a:rPr>
-              <a:t>Warum stürzt die App ständig ab?</a:t>
-            </a:r>
-            <a:endParaRPr lang="de-DE" sz="2000" b="0" strike="noStrike" spc="-1">
-              <a:solidFill>
-                <a:srgbClr val="000000"/>
-              </a:solidFill>
-              <a:latin typeface="Calibri"/>
-            </a:endParaRPr>
-          </a:p>
-          <a:p>
-            <a:pPr marL="864000" lvl="1" indent="-324000">
-              <a:spcBef>
-                <a:spcPts val="1134"/>
-              </a:spcBef>
-              <a:buClr>
-                <a:srgbClr val="000000"/>
-              </a:buClr>
-              <a:buSzPct val="75000"/>
-              <a:buFont typeface="Symbol" charset="2"/>
-              <a:buChar char=""/>
-            </a:pPr>
-            <a:r>
-              <a:rPr lang="de-DE" sz="2000" b="0" strike="noStrike" spc="-1">
-                <a:solidFill>
-                  <a:srgbClr val="000000"/>
-                </a:solidFill>
-                <a:latin typeface="Enriqueta"/>
-              </a:rPr>
-              <a:t>Wie funktioniert das mit den Layouts genau?</a:t>
-            </a:r>
-            <a:endParaRPr lang="de-DE" sz="2000" b="0" strike="noStrike" spc="-1">
-              <a:solidFill>
-                <a:srgbClr val="000000"/>
-              </a:solidFill>
-              <a:latin typeface="Calibri"/>
-            </a:endParaRPr>
-          </a:p>
-          <a:p>
-            <a:pPr marL="864000" lvl="1" indent="-324000">
-              <a:spcBef>
-                <a:spcPts val="1134"/>
-              </a:spcBef>
-              <a:buClr>
-                <a:srgbClr val="000000"/>
-              </a:buClr>
-              <a:buSzPct val="75000"/>
-              <a:buFont typeface="Symbol" charset="2"/>
-              <a:buChar char=""/>
-            </a:pPr>
-            <a:r>
-              <a:rPr lang="de-DE" sz="2000" b="0" strike="noStrike" spc="-1">
-                <a:solidFill>
-                  <a:srgbClr val="000000"/>
-                </a:solidFill>
-                <a:latin typeface="Enriqueta"/>
-              </a:rPr>
-              <a:t>Wie externalisieren wir Texte, Farben, Konstanten?</a:t>
+              <a:t>Wer macht was? Wann?</a:t>
             </a:r>
             <a:endParaRPr lang="de-DE" sz="2000" b="0" strike="noStrike" spc="-1">
               <a:solidFill>
@@ -8924,7 +8816,7 @@
       </p:sp>
       <p:pic>
         <p:nvPicPr>
-          <p:cNvPr id="146" name="Grafik 5"/>
+          <p:cNvPr id="143" name="Grafik 5"/>
           <p:cNvPicPr/>
           <p:nvPr/>
         </p:nvPicPr>
@@ -8972,7 +8864,7 @@
       </p:grpSpPr>
       <p:sp>
         <p:nvSpPr>
-          <p:cNvPr id="135" name="TextShape 1"/>
+          <p:cNvPr id="144" name="TextShape 1"/>
           <p:cNvSpPr txBox="1"/>
           <p:nvPr/>
         </p:nvSpPr>
@@ -8993,7 +8885,7 @@
           <a:effectLst>
             <a:outerShdw dist="37674" dir="2700000">
               <a:srgbClr val="000000">
-                <a:alpha val="33000"/>
+                <a:alpha val="40000"/>
               </a:srgbClr>
             </a:outerShdw>
           </a:effectLst>
@@ -9010,26 +8902,26 @@
               </a:lnSpc>
             </a:pPr>
             <a:r>
-              <a:rPr lang="de-DE" sz="2800" b="0" strike="noStrike" spc="-1" dirty="0">
+              <a:rPr lang="de-DE" sz="2800" b="0" strike="noStrike" spc="-1">
                 <a:solidFill>
                   <a:srgbClr val="FFFFFF"/>
                 </a:solidFill>
                 <a:latin typeface="Enriqueta"/>
               </a:rPr>
-              <a:t>Diagramme: Statistik</a:t>
+              <a:t>Herausforderungen</a:t>
             </a:r>
-            <a:endParaRPr lang="de-DE" sz="2800" b="0" strike="noStrike" spc="-1" dirty="0">
-              <a:solidFill>
-                <a:srgbClr val="000000"/>
-              </a:solidFill>
-              <a:latin typeface="Calibri"/>
-            </a:endParaRPr>
-          </a:p>
-        </p:txBody>
-      </p:sp>
-      <p:sp>
-        <p:nvSpPr>
-          <p:cNvPr id="136" name="TextShape 2"/>
+            <a:endParaRPr lang="de-DE" sz="2800" b="0" strike="noStrike" spc="-1">
+              <a:solidFill>
+                <a:srgbClr val="000000"/>
+              </a:solidFill>
+              <a:latin typeface="Calibri"/>
+            </a:endParaRPr>
+          </a:p>
+        </p:txBody>
+      </p:sp>
+      <p:sp>
+        <p:nvSpPr>
+          <p:cNvPr id="145" name="TextShape 2"/>
           <p:cNvSpPr txBox="1"/>
           <p:nvPr/>
         </p:nvSpPr>
@@ -9066,15 +8958,225 @@
               <a:buChar char="•"/>
             </a:pPr>
             <a:r>
-              <a:rPr lang="de-DE" sz="2000" spc="-1" dirty="0">
+              <a:rPr lang="de-DE" sz="2000" b="1" strike="noStrike" spc="-1">
                 <a:solidFill>
                   <a:srgbClr val="000000"/>
                 </a:solidFill>
                 <a:latin typeface="Enriqueta"/>
               </a:rPr>
-              <a:t>TODO: Diagramme zählen</a:t>
+              <a:t>Client</a:t>
             </a:r>
-            <a:endParaRPr lang="de-DE" sz="2000" b="0" strike="noStrike" spc="-1" dirty="0">
+            <a:endParaRPr lang="de-DE" sz="2000" b="0" strike="noStrike" spc="-1">
+              <a:solidFill>
+                <a:srgbClr val="000000"/>
+              </a:solidFill>
+              <a:latin typeface="Calibri"/>
+            </a:endParaRPr>
+          </a:p>
+          <a:p>
+            <a:pPr marL="864000" lvl="1" indent="-324000">
+              <a:spcBef>
+                <a:spcPts val="1134"/>
+              </a:spcBef>
+              <a:buClr>
+                <a:srgbClr val="000000"/>
+              </a:buClr>
+              <a:buSzPct val="75000"/>
+              <a:buFont typeface="Symbol" charset="2"/>
+              <a:buChar char=""/>
+            </a:pPr>
+            <a:r>
+              <a:rPr lang="de-DE" sz="2000" b="0" strike="noStrike" spc="-1">
+                <a:solidFill>
+                  <a:srgbClr val="000000"/>
+                </a:solidFill>
+                <a:latin typeface="Enriqueta"/>
+              </a:rPr>
+              <a:t>Was kommt in welche Klasse?</a:t>
+            </a:r>
+            <a:endParaRPr lang="de-DE" sz="2000" b="0" strike="noStrike" spc="-1">
+              <a:solidFill>
+                <a:srgbClr val="000000"/>
+              </a:solidFill>
+              <a:latin typeface="Calibri"/>
+            </a:endParaRPr>
+          </a:p>
+          <a:p>
+            <a:pPr marL="864000" lvl="1" indent="-324000">
+              <a:spcBef>
+                <a:spcPts val="1134"/>
+              </a:spcBef>
+              <a:buClr>
+                <a:srgbClr val="000000"/>
+              </a:buClr>
+              <a:buSzPct val="75000"/>
+              <a:buFont typeface="Symbol" charset="2"/>
+              <a:buChar char=""/>
+            </a:pPr>
+            <a:r>
+              <a:rPr lang="de-DE" sz="2000" b="0" strike="noStrike" spc="-1">
+                <a:solidFill>
+                  <a:srgbClr val="000000"/>
+                </a:solidFill>
+                <a:latin typeface="Enriqueta"/>
+              </a:rPr>
+              <a:t>Ist ein detaillierter Entwurf vor der Implementierung wirklich sinnvoll?</a:t>
+            </a:r>
+            <a:endParaRPr lang="de-DE" sz="2000" b="0" strike="noStrike" spc="-1">
+              <a:solidFill>
+                <a:srgbClr val="000000"/>
+              </a:solidFill>
+              <a:latin typeface="Calibri"/>
+            </a:endParaRPr>
+          </a:p>
+          <a:p>
+            <a:pPr marL="864000" lvl="1" indent="-324000">
+              <a:spcBef>
+                <a:spcPts val="1134"/>
+              </a:spcBef>
+              <a:buClr>
+                <a:srgbClr val="000000"/>
+              </a:buClr>
+              <a:buSzPct val="75000"/>
+              <a:buFont typeface="Symbol" charset="2"/>
+              <a:buChar char=""/>
+            </a:pPr>
+            <a:r>
+              <a:rPr lang="de-DE" sz="2000" b="0" strike="noStrike" spc="-1">
+                <a:solidFill>
+                  <a:srgbClr val="000000"/>
+                </a:solidFill>
+                <a:latin typeface="Enriqueta"/>
+              </a:rPr>
+              <a:t>Was haben Android-Activitys für Eigenheiten?</a:t>
+            </a:r>
+            <a:endParaRPr lang="de-DE" sz="2000" b="0" strike="noStrike" spc="-1">
+              <a:solidFill>
+                <a:srgbClr val="000000"/>
+              </a:solidFill>
+              <a:latin typeface="Calibri"/>
+            </a:endParaRPr>
+          </a:p>
+          <a:p>
+            <a:pPr marL="864000" lvl="1" indent="-324000">
+              <a:spcBef>
+                <a:spcPts val="1134"/>
+              </a:spcBef>
+              <a:buClr>
+                <a:srgbClr val="000000"/>
+              </a:buClr>
+              <a:buSzPct val="75000"/>
+              <a:buFont typeface="Symbol" charset="2"/>
+              <a:buChar char=""/>
+            </a:pPr>
+            <a:r>
+              <a:rPr lang="de-DE" sz="2000" b="0" strike="noStrike" spc="-1">
+                <a:solidFill>
+                  <a:srgbClr val="000000"/>
+                </a:solidFill>
+                <a:latin typeface="Enriqueta"/>
+              </a:rPr>
+              <a:t>Warum stürzt die App ständig ab?</a:t>
+            </a:r>
+            <a:endParaRPr lang="de-DE" sz="2000" b="0" strike="noStrike" spc="-1">
+              <a:solidFill>
+                <a:srgbClr val="000000"/>
+              </a:solidFill>
+              <a:latin typeface="Calibri"/>
+            </a:endParaRPr>
+          </a:p>
+          <a:p>
+            <a:pPr marL="864000" lvl="1" indent="-324000">
+              <a:spcBef>
+                <a:spcPts val="1134"/>
+              </a:spcBef>
+              <a:buClr>
+                <a:srgbClr val="000000"/>
+              </a:buClr>
+              <a:buSzPct val="75000"/>
+              <a:buFont typeface="Symbol" charset="2"/>
+              <a:buChar char=""/>
+            </a:pPr>
+            <a:r>
+              <a:rPr lang="de-DE" sz="2000" b="0" strike="noStrike" spc="-1">
+                <a:solidFill>
+                  <a:srgbClr val="000000"/>
+                </a:solidFill>
+                <a:latin typeface="Enriqueta"/>
+              </a:rPr>
+              <a:t>Wie funktioniert das mit den Layouts genau?</a:t>
+            </a:r>
+            <a:endParaRPr lang="de-DE" sz="2000" b="0" strike="noStrike" spc="-1">
+              <a:solidFill>
+                <a:srgbClr val="000000"/>
+              </a:solidFill>
+              <a:latin typeface="Calibri"/>
+            </a:endParaRPr>
+          </a:p>
+          <a:p>
+            <a:pPr marL="864000" lvl="1" indent="-324000">
+              <a:spcBef>
+                <a:spcPts val="1134"/>
+              </a:spcBef>
+              <a:buClr>
+                <a:srgbClr val="000000"/>
+              </a:buClr>
+              <a:buSzPct val="75000"/>
+              <a:buFont typeface="Symbol" charset="2"/>
+              <a:buChar char=""/>
+            </a:pPr>
+            <a:r>
+              <a:rPr lang="de-DE" sz="2000" b="0" strike="noStrike" spc="-1">
+                <a:solidFill>
+                  <a:srgbClr val="000000"/>
+                </a:solidFill>
+                <a:latin typeface="Enriqueta"/>
+              </a:rPr>
+              <a:t>Wie externalisieren wir Texte, Farben, Konstanten?</a:t>
+            </a:r>
+            <a:endParaRPr lang="de-DE" sz="2000" b="0" strike="noStrike" spc="-1">
+              <a:solidFill>
+                <a:srgbClr val="000000"/>
+              </a:solidFill>
+              <a:latin typeface="Calibri"/>
+            </a:endParaRPr>
+          </a:p>
+          <a:p>
+            <a:pPr marL="228600" indent="-228240">
+              <a:lnSpc>
+                <a:spcPct val="90000"/>
+              </a:lnSpc>
+              <a:spcBef>
+                <a:spcPts val="1001"/>
+              </a:spcBef>
+              <a:buClr>
+                <a:srgbClr val="000000"/>
+              </a:buClr>
+              <a:buFont typeface="Arial"/>
+              <a:buChar char="•"/>
+            </a:pPr>
+            <a:endParaRPr lang="de-DE" sz="2000" b="0" strike="noStrike" spc="-1">
+              <a:solidFill>
+                <a:srgbClr val="000000"/>
+              </a:solidFill>
+              <a:latin typeface="Calibri"/>
+            </a:endParaRPr>
+          </a:p>
+          <a:p>
+            <a:pPr marL="228600" indent="-228240">
+              <a:lnSpc>
+                <a:spcPct val="90000"/>
+              </a:lnSpc>
+              <a:spcBef>
+                <a:spcPts val="1001"/>
+              </a:spcBef>
+              <a:buClr>
+                <a:srgbClr val="000000"/>
+              </a:buClr>
+              <a:buFont typeface="Arial"/>
+              <a:buChar char="•"/>
+            </a:pPr>
+            <a:endParaRPr lang="de-DE" sz="2000" b="0" strike="noStrike" spc="-1">
               <a:solidFill>
                 <a:srgbClr val="000000"/>
               </a:solidFill>
@@ -9085,7 +9187,7 @@
       </p:sp>
       <p:pic>
         <p:nvPicPr>
-          <p:cNvPr id="137" name="Grafik 5"/>
+          <p:cNvPr id="146" name="Grafik 5"/>
           <p:cNvPicPr/>
           <p:nvPr/>
         </p:nvPicPr>
@@ -9107,11 +9209,6 @@
         </p:spPr>
       </p:pic>
     </p:spTree>
-    <p:extLst>
-      <p:ext uri="{BB962C8B-B14F-4D97-AF65-F5344CB8AC3E}">
-        <p14:creationId xmlns:p14="http://schemas.microsoft.com/office/powerpoint/2010/main" val="3520182129"/>
-      </p:ext>
-    </p:extLst>
   </p:cSld>
   <p:clrMapOvr>
     <a:masterClrMapping/>

--- a/5 Präsentation/mensameet_abschluss.pptx
+++ b/5 Präsentation/mensameet_abschluss.pptx
@@ -13,12 +13,13 @@
     <p:sldId id="258" r:id="rId7"/>
     <p:sldId id="270" r:id="rId8"/>
     <p:sldId id="267" r:id="rId9"/>
-    <p:sldId id="260" r:id="rId10"/>
-    <p:sldId id="261" r:id="rId11"/>
-    <p:sldId id="262" r:id="rId12"/>
-    <p:sldId id="266" r:id="rId13"/>
-    <p:sldId id="263" r:id="rId14"/>
-    <p:sldId id="264" r:id="rId15"/>
+    <p:sldId id="272" r:id="rId10"/>
+    <p:sldId id="275" r:id="rId11"/>
+    <p:sldId id="274" r:id="rId12"/>
+    <p:sldId id="273" r:id="rId13"/>
+    <p:sldId id="276" r:id="rId14"/>
+    <p:sldId id="271" r:id="rId15"/>
+    <p:sldId id="260" r:id="rId16"/>
   </p:sldIdLst>
   <p:sldSz cx="12192000" cy="6858000"/>
   <p:notesSz cx="7559675" cy="10691813"/>
@@ -123,6 +124,932 @@
     </p:ext>
   </p:extLst>
 </p:presentation>
+</file>
+
+<file path=ppt/charts/chart1.xml><?xml version="1.0" encoding="utf-8"?>
+<c:chartSpace xmlns:c="http://schemas.openxmlformats.org/drawingml/2006/chart" xmlns:a="http://schemas.openxmlformats.org/drawingml/2006/main" xmlns:r="http://schemas.openxmlformats.org/officeDocument/2006/relationships" xmlns:c16r2="http://schemas.microsoft.com/office/drawing/2015/06/chart">
+  <c:date1904 val="0"/>
+  <c:lang val="de-DE"/>
+  <c:roundedCorners val="0"/>
+  <mc:AlternateContent xmlns:mc="http://schemas.openxmlformats.org/markup-compatibility/2006">
+    <mc:Choice xmlns:c14="http://schemas.microsoft.com/office/drawing/2007/8/2/chart" Requires="c14">
+      <c14:style val="102"/>
+    </mc:Choice>
+    <mc:Fallback>
+      <c:style val="2"/>
+    </mc:Fallback>
+  </mc:AlternateContent>
+  <c:chart>
+    <c:autoTitleDeleted val="1"/>
+    <c:view3D>
+      <c:rotX val="30"/>
+      <c:rotY val="0"/>
+      <c:depthPercent val="100"/>
+      <c:rAngAx val="0"/>
+    </c:view3D>
+    <c:floor>
+      <c:thickness val="0"/>
+      <c:spPr>
+        <a:noFill/>
+        <a:ln>
+          <a:noFill/>
+        </a:ln>
+        <a:effectLst/>
+        <a:sp3d/>
+      </c:spPr>
+    </c:floor>
+    <c:sideWall>
+      <c:thickness val="0"/>
+      <c:spPr>
+        <a:noFill/>
+        <a:ln>
+          <a:noFill/>
+        </a:ln>
+        <a:effectLst/>
+        <a:sp3d/>
+      </c:spPr>
+    </c:sideWall>
+    <c:backWall>
+      <c:thickness val="0"/>
+      <c:spPr>
+        <a:noFill/>
+        <a:ln>
+          <a:noFill/>
+        </a:ln>
+        <a:effectLst/>
+        <a:sp3d/>
+      </c:spPr>
+    </c:backWall>
+    <c:plotArea>
+      <c:layout/>
+      <c:pie3DChart>
+        <c:varyColors val="1"/>
+        <c:ser>
+          <c:idx val="0"/>
+          <c:order val="0"/>
+          <c:tx>
+            <c:strRef>
+              <c:f>Tabelle1!$B$1</c:f>
+              <c:strCache>
+                <c:ptCount val="1"/>
+                <c:pt idx="0">
+                  <c:v>Verkauf</c:v>
+                </c:pt>
+              </c:strCache>
+            </c:strRef>
+          </c:tx>
+          <c:dPt>
+            <c:idx val="0"/>
+            <c:bubble3D val="0"/>
+            <c:spPr>
+              <a:solidFill>
+                <a:schemeClr val="accent1"/>
+              </a:solidFill>
+              <a:ln w="0">
+                <a:solidFill>
+                  <a:schemeClr val="lt1"/>
+                </a:solidFill>
+              </a:ln>
+              <a:effectLst/>
+              <a:sp3d>
+                <a:contourClr>
+                  <a:schemeClr val="lt1"/>
+                </a:contourClr>
+              </a:sp3d>
+            </c:spPr>
+            <c:extLst>
+              <c:ext xmlns:c16="http://schemas.microsoft.com/office/drawing/2014/chart" uri="{C3380CC4-5D6E-409C-BE32-E72D297353CC}">
+                <c16:uniqueId val="{00000004-2FBE-D84D-A446-B1F6BC5FFFEC}"/>
+              </c:ext>
+            </c:extLst>
+          </c:dPt>
+          <c:dPt>
+            <c:idx val="1"/>
+            <c:bubble3D val="0"/>
+            <c:spPr>
+              <a:solidFill>
+                <a:schemeClr val="accent2"/>
+              </a:solidFill>
+              <a:ln w="0" cmpd="sng">
+                <a:solidFill>
+                  <a:schemeClr val="lt1"/>
+                </a:solidFill>
+              </a:ln>
+              <a:effectLst/>
+              <a:sp3d>
+                <a:contourClr>
+                  <a:schemeClr val="lt1"/>
+                </a:contourClr>
+              </a:sp3d>
+            </c:spPr>
+            <c:extLst>
+              <c:ext xmlns:c16="http://schemas.microsoft.com/office/drawing/2014/chart" uri="{C3380CC4-5D6E-409C-BE32-E72D297353CC}">
+                <c16:uniqueId val="{00000001-2FBE-D84D-A446-B1F6BC5FFFEC}"/>
+              </c:ext>
+            </c:extLst>
+          </c:dPt>
+          <c:dPt>
+            <c:idx val="2"/>
+            <c:bubble3D val="0"/>
+            <c:spPr>
+              <a:solidFill>
+                <a:schemeClr val="accent3"/>
+              </a:solidFill>
+              <a:ln w="0">
+                <a:solidFill>
+                  <a:schemeClr val="lt1"/>
+                </a:solidFill>
+              </a:ln>
+              <a:effectLst/>
+              <a:sp3d>
+                <a:contourClr>
+                  <a:schemeClr val="lt1"/>
+                </a:contourClr>
+              </a:sp3d>
+            </c:spPr>
+            <c:extLst>
+              <c:ext xmlns:c16="http://schemas.microsoft.com/office/drawing/2014/chart" uri="{C3380CC4-5D6E-409C-BE32-E72D297353CC}">
+                <c16:uniqueId val="{00000002-2FBE-D84D-A446-B1F6BC5FFFEC}"/>
+              </c:ext>
+            </c:extLst>
+          </c:dPt>
+          <c:dPt>
+            <c:idx val="3"/>
+            <c:bubble3D val="0"/>
+            <c:spPr>
+              <a:solidFill>
+                <a:schemeClr val="accent4"/>
+              </a:solidFill>
+              <a:ln w="0">
+                <a:solidFill>
+                  <a:schemeClr val="lt1"/>
+                </a:solidFill>
+              </a:ln>
+              <a:effectLst/>
+              <a:sp3d>
+                <a:contourClr>
+                  <a:schemeClr val="lt1"/>
+                </a:contourClr>
+              </a:sp3d>
+            </c:spPr>
+            <c:extLst>
+              <c:ext xmlns:c16="http://schemas.microsoft.com/office/drawing/2014/chart" uri="{C3380CC4-5D6E-409C-BE32-E72D297353CC}">
+                <c16:uniqueId val="{00000003-2FBE-D84D-A446-B1F6BC5FFFEC}"/>
+              </c:ext>
+            </c:extLst>
+          </c:dPt>
+          <c:dLbls>
+            <c:spPr>
+              <a:noFill/>
+              <a:ln>
+                <a:noFill/>
+              </a:ln>
+              <a:effectLst/>
+            </c:spPr>
+            <c:txPr>
+              <a:bodyPr rot="0" spcFirstLastPara="1" vertOverflow="ellipsis" vert="horz" wrap="square" lIns="38100" tIns="19050" rIns="38100" bIns="19050" anchor="ctr" anchorCtr="1">
+                <a:spAutoFit/>
+              </a:bodyPr>
+              <a:lstStyle/>
+              <a:p>
+                <a:pPr>
+                  <a:defRPr sz="2000" b="0" i="0" u="none" strike="noStrike" kern="1200" baseline="0">
+                    <a:solidFill>
+                      <a:schemeClr val="tx1">
+                        <a:lumMod val="75000"/>
+                        <a:lumOff val="25000"/>
+                      </a:schemeClr>
+                    </a:solidFill>
+                    <a:latin typeface="+mn-lt"/>
+                    <a:ea typeface="+mn-ea"/>
+                    <a:cs typeface="+mn-cs"/>
+                  </a:defRPr>
+                </a:pPr>
+                <a:endParaRPr lang="de-DE"/>
+              </a:p>
+            </c:txPr>
+            <c:showLegendKey val="0"/>
+            <c:showVal val="1"/>
+            <c:showCatName val="0"/>
+            <c:showSerName val="0"/>
+            <c:showPercent val="0"/>
+            <c:showBubbleSize val="0"/>
+            <c:showLeaderLines val="1"/>
+            <c:leaderLines>
+              <c:spPr>
+                <a:ln w="9525" cap="flat" cmpd="sng" algn="ctr">
+                  <a:solidFill>
+                    <a:schemeClr val="tx1">
+                      <a:lumMod val="35000"/>
+                      <a:lumOff val="65000"/>
+                    </a:schemeClr>
+                  </a:solidFill>
+                  <a:round/>
+                </a:ln>
+                <a:effectLst/>
+              </c:spPr>
+            </c:leaderLines>
+            <c:extLst>
+              <c:ext xmlns:c15="http://schemas.microsoft.com/office/drawing/2012/chart" uri="{CE6537A1-D6FC-4f65-9D91-7224C49458BB}"/>
+            </c:extLst>
+          </c:dLbls>
+          <c:cat>
+            <c:strRef>
+              <c:f>Tabelle1!$A$2:$A$5</c:f>
+              <c:strCache>
+                <c:ptCount val="4"/>
+                <c:pt idx="0">
+                  <c:v>Anwendungsfalldiagramm</c:v>
+                </c:pt>
+                <c:pt idx="1">
+                  <c:v>Zustandsdiagramm</c:v>
+                </c:pt>
+                <c:pt idx="2">
+                  <c:v>Klassendiagramm</c:v>
+                </c:pt>
+                <c:pt idx="3">
+                  <c:v>Sequenzdiagramm</c:v>
+                </c:pt>
+              </c:strCache>
+            </c:strRef>
+          </c:cat>
+          <c:val>
+            <c:numRef>
+              <c:f>Tabelle1!$B$2:$B$5</c:f>
+              <c:numCache>
+                <c:formatCode>General</c:formatCode>
+                <c:ptCount val="4"/>
+                <c:pt idx="0">
+                  <c:v>1</c:v>
+                </c:pt>
+                <c:pt idx="1">
+                  <c:v>1</c:v>
+                </c:pt>
+                <c:pt idx="2">
+                  <c:v>9</c:v>
+                </c:pt>
+                <c:pt idx="3">
+                  <c:v>6</c:v>
+                </c:pt>
+              </c:numCache>
+            </c:numRef>
+          </c:val>
+          <c:extLst>
+            <c:ext xmlns:c16="http://schemas.microsoft.com/office/drawing/2014/chart" uri="{C3380CC4-5D6E-409C-BE32-E72D297353CC}">
+              <c16:uniqueId val="{00000000-2FBE-D84D-A446-B1F6BC5FFFEC}"/>
+            </c:ext>
+          </c:extLst>
+        </c:ser>
+        <c:dLbls>
+          <c:showLegendKey val="0"/>
+          <c:showVal val="0"/>
+          <c:showCatName val="0"/>
+          <c:showSerName val="0"/>
+          <c:showPercent val="0"/>
+          <c:showBubbleSize val="0"/>
+          <c:showLeaderLines val="1"/>
+        </c:dLbls>
+      </c:pie3DChart>
+      <c:spPr>
+        <a:noFill/>
+        <a:ln>
+          <a:noFill/>
+        </a:ln>
+        <a:effectLst/>
+      </c:spPr>
+    </c:plotArea>
+    <c:legend>
+      <c:legendPos val="b"/>
+      <c:layout>
+        <c:manualLayout>
+          <c:xMode val="edge"/>
+          <c:yMode val="edge"/>
+          <c:x val="0"/>
+          <c:y val="0.89410481015694199"/>
+          <c:w val="1"/>
+          <c:h val="8.7272755458122811E-2"/>
+        </c:manualLayout>
+      </c:layout>
+      <c:overlay val="0"/>
+      <c:spPr>
+        <a:noFill/>
+        <a:ln>
+          <a:noFill/>
+        </a:ln>
+        <a:effectLst/>
+      </c:spPr>
+      <c:txPr>
+        <a:bodyPr rot="0" spcFirstLastPara="1" vertOverflow="ellipsis" vert="horz" wrap="square" anchor="ctr" anchorCtr="1"/>
+        <a:lstStyle/>
+        <a:p>
+          <a:pPr>
+            <a:defRPr sz="1600" b="0" i="0" u="none" strike="noStrike" kern="1200" baseline="0">
+              <a:solidFill>
+                <a:schemeClr val="tx1">
+                  <a:lumMod val="65000"/>
+                  <a:lumOff val="35000"/>
+                </a:schemeClr>
+              </a:solidFill>
+              <a:latin typeface="+mn-lt"/>
+              <a:ea typeface="+mn-ea"/>
+              <a:cs typeface="+mn-cs"/>
+            </a:defRPr>
+          </a:pPr>
+          <a:endParaRPr lang="de-DE"/>
+        </a:p>
+      </c:txPr>
+    </c:legend>
+    <c:plotVisOnly val="1"/>
+    <c:dispBlanksAs val="gap"/>
+    <c:extLst>
+      <c:ext xmlns:c16r3="http://schemas.microsoft.com/office/drawing/2017/03/chart" uri="{56B9EC1D-385E-4148-901F-78D8002777C0}">
+        <c16r3:dataDisplayOptions16>
+          <c16r3:dispNaAsBlank val="1"/>
+        </c16r3:dataDisplayOptions16>
+      </c:ext>
+    </c:extLst>
+    <c:showDLblsOverMax val="0"/>
+  </c:chart>
+  <c:spPr>
+    <a:noFill/>
+    <a:ln>
+      <a:noFill/>
+    </a:ln>
+    <a:effectLst/>
+  </c:spPr>
+  <c:txPr>
+    <a:bodyPr/>
+    <a:lstStyle/>
+    <a:p>
+      <a:pPr>
+        <a:defRPr/>
+      </a:pPr>
+      <a:endParaRPr lang="de-DE"/>
+    </a:p>
+  </c:txPr>
+  <c:externalData r:id="rId3">
+    <c:autoUpdate val="0"/>
+  </c:externalData>
+</c:chartSpace>
+</file>
+
+<file path=ppt/charts/colors1.xml><?xml version="1.0" encoding="utf-8"?>
+<cs:colorStyle xmlns:cs="http://schemas.microsoft.com/office/drawing/2012/chartStyle" xmlns:a="http://schemas.openxmlformats.org/drawingml/2006/main" meth="cycle" id="10">
+  <a:schemeClr val="accent1"/>
+  <a:schemeClr val="accent2"/>
+  <a:schemeClr val="accent3"/>
+  <a:schemeClr val="accent4"/>
+  <a:schemeClr val="accent5"/>
+  <a:schemeClr val="accent6"/>
+  <cs:variation/>
+  <cs:variation>
+    <a:lumMod val="60000"/>
+  </cs:variation>
+  <cs:variation>
+    <a:lumMod val="80000"/>
+    <a:lumOff val="20000"/>
+  </cs:variation>
+  <cs:variation>
+    <a:lumMod val="80000"/>
+  </cs:variation>
+  <cs:variation>
+    <a:lumMod val="60000"/>
+    <a:lumOff val="40000"/>
+  </cs:variation>
+  <cs:variation>
+    <a:lumMod val="50000"/>
+  </cs:variation>
+  <cs:variation>
+    <a:lumMod val="70000"/>
+    <a:lumOff val="30000"/>
+  </cs:variation>
+  <cs:variation>
+    <a:lumMod val="70000"/>
+  </cs:variation>
+  <cs:variation>
+    <a:lumMod val="50000"/>
+    <a:lumOff val="50000"/>
+  </cs:variation>
+</cs:colorStyle>
+</file>
+
+<file path=ppt/charts/style1.xml><?xml version="1.0" encoding="utf-8"?>
+<cs:chartStyle xmlns:cs="http://schemas.microsoft.com/office/drawing/2012/chartStyle" xmlns:a="http://schemas.openxmlformats.org/drawingml/2006/main" id="262">
+  <cs:axisTitle>
+    <cs:lnRef idx="0"/>
+    <cs:fillRef idx="0"/>
+    <cs:effectRef idx="0"/>
+    <cs:fontRef idx="minor">
+      <a:schemeClr val="tx1">
+        <a:lumMod val="65000"/>
+        <a:lumOff val="35000"/>
+      </a:schemeClr>
+    </cs:fontRef>
+    <cs:defRPr sz="1330" kern="1200"/>
+  </cs:axisTitle>
+  <cs:categoryAxis>
+    <cs:lnRef idx="0"/>
+    <cs:fillRef idx="0"/>
+    <cs:effectRef idx="0"/>
+    <cs:fontRef idx="minor">
+      <a:schemeClr val="tx1">
+        <a:lumMod val="65000"/>
+        <a:lumOff val="35000"/>
+      </a:schemeClr>
+    </cs:fontRef>
+    <cs:spPr>
+      <a:ln w="9525" cap="flat" cmpd="sng" algn="ctr">
+        <a:solidFill>
+          <a:schemeClr val="tx1">
+            <a:lumMod val="15000"/>
+            <a:lumOff val="85000"/>
+          </a:schemeClr>
+        </a:solidFill>
+        <a:round/>
+      </a:ln>
+    </cs:spPr>
+    <cs:defRPr sz="1197" kern="1200"/>
+  </cs:categoryAxis>
+  <cs:chartArea mods="allowNoFillOverride allowNoLineOverride">
+    <cs:lnRef idx="0"/>
+    <cs:fillRef idx="0"/>
+    <cs:effectRef idx="0"/>
+    <cs:fontRef idx="minor">
+      <a:schemeClr val="tx1"/>
+    </cs:fontRef>
+    <cs:spPr>
+      <a:solidFill>
+        <a:schemeClr val="bg1"/>
+      </a:solidFill>
+      <a:ln w="9525" cap="flat" cmpd="sng" algn="ctr">
+        <a:solidFill>
+          <a:schemeClr val="tx1">
+            <a:lumMod val="15000"/>
+            <a:lumOff val="85000"/>
+          </a:schemeClr>
+        </a:solidFill>
+        <a:round/>
+      </a:ln>
+    </cs:spPr>
+    <cs:defRPr sz="1197" kern="1200"/>
+  </cs:chartArea>
+  <cs:dataLabel>
+    <cs:lnRef idx="0"/>
+    <cs:fillRef idx="0"/>
+    <cs:effectRef idx="0"/>
+    <cs:fontRef idx="minor">
+      <a:schemeClr val="tx1">
+        <a:lumMod val="75000"/>
+        <a:lumOff val="25000"/>
+      </a:schemeClr>
+    </cs:fontRef>
+    <cs:defRPr sz="1197" kern="1200"/>
+  </cs:dataLabel>
+  <cs:dataLabelCallout>
+    <cs:lnRef idx="0"/>
+    <cs:fillRef idx="0"/>
+    <cs:effectRef idx="0"/>
+    <cs:fontRef idx="minor">
+      <a:schemeClr val="dk1">
+        <a:lumMod val="65000"/>
+        <a:lumOff val="35000"/>
+      </a:schemeClr>
+    </cs:fontRef>
+    <cs:spPr>
+      <a:solidFill>
+        <a:schemeClr val="lt1"/>
+      </a:solidFill>
+      <a:ln>
+        <a:solidFill>
+          <a:schemeClr val="dk1">
+            <a:lumMod val="25000"/>
+            <a:lumOff val="75000"/>
+          </a:schemeClr>
+        </a:solidFill>
+      </a:ln>
+    </cs:spPr>
+    <cs:defRPr sz="1197" kern="1200"/>
+    <cs:bodyPr rot="0" spcFirstLastPara="1" vertOverflow="clip" horzOverflow="clip" vert="horz" wrap="square" lIns="36576" tIns="18288" rIns="36576" bIns="18288" anchor="ctr" anchorCtr="1">
+      <a:spAutoFit/>
+    </cs:bodyPr>
+  </cs:dataLabelCallout>
+  <cs:dataPoint>
+    <cs:lnRef idx="0"/>
+    <cs:fillRef idx="1">
+      <cs:styleClr val="auto"/>
+    </cs:fillRef>
+    <cs:effectRef idx="0"/>
+    <cs:fontRef idx="minor">
+      <a:schemeClr val="tx1"/>
+    </cs:fontRef>
+    <cs:spPr>
+      <a:ln w="19050">
+        <a:solidFill>
+          <a:schemeClr val="lt1"/>
+        </a:solidFill>
+      </a:ln>
+    </cs:spPr>
+  </cs:dataPoint>
+  <cs:dataPoint3D>
+    <cs:lnRef idx="0"/>
+    <cs:fillRef idx="1">
+      <cs:styleClr val="auto"/>
+    </cs:fillRef>
+    <cs:effectRef idx="0"/>
+    <cs:fontRef idx="minor">
+      <a:schemeClr val="tx1"/>
+    </cs:fontRef>
+    <cs:spPr>
+      <a:ln w="25400">
+        <a:solidFill>
+          <a:schemeClr val="lt1"/>
+        </a:solidFill>
+      </a:ln>
+    </cs:spPr>
+  </cs:dataPoint3D>
+  <cs:dataPointLine>
+    <cs:lnRef idx="0">
+      <cs:styleClr val="auto"/>
+    </cs:lnRef>
+    <cs:fillRef idx="0"/>
+    <cs:effectRef idx="0"/>
+    <cs:fontRef idx="minor">
+      <a:schemeClr val="tx1"/>
+    </cs:fontRef>
+    <cs:spPr>
+      <a:ln w="28575" cap="rnd">
+        <a:solidFill>
+          <a:schemeClr val="phClr"/>
+        </a:solidFill>
+        <a:round/>
+      </a:ln>
+    </cs:spPr>
+  </cs:dataPointLine>
+  <cs:dataPointMarker>
+    <cs:lnRef idx="0">
+      <cs:styleClr val="auto"/>
+    </cs:lnRef>
+    <cs:fillRef idx="1">
+      <cs:styleClr val="auto"/>
+    </cs:fillRef>
+    <cs:effectRef idx="0"/>
+    <cs:fontRef idx="minor">
+      <a:schemeClr val="tx1"/>
+    </cs:fontRef>
+    <cs:spPr>
+      <a:ln w="9525">
+        <a:solidFill>
+          <a:schemeClr val="phClr"/>
+        </a:solidFill>
+      </a:ln>
+    </cs:spPr>
+  </cs:dataPointMarker>
+  <cs:dataPointMarkerLayout symbol="circle" size="5"/>
+  <cs:dataPointWireframe>
+    <cs:lnRef idx="0">
+      <cs:styleClr val="auto"/>
+    </cs:lnRef>
+    <cs:fillRef idx="0"/>
+    <cs:effectRef idx="0"/>
+    <cs:fontRef idx="minor">
+      <a:schemeClr val="tx1"/>
+    </cs:fontRef>
+    <cs:spPr>
+      <a:ln w="9525" cap="rnd">
+        <a:solidFill>
+          <a:schemeClr val="phClr"/>
+        </a:solidFill>
+        <a:round/>
+      </a:ln>
+    </cs:spPr>
+  </cs:dataPointWireframe>
+  <cs:dataTable>
+    <cs:lnRef idx="0"/>
+    <cs:fillRef idx="0"/>
+    <cs:effectRef idx="0"/>
+    <cs:fontRef idx="minor">
+      <a:schemeClr val="tx1">
+        <a:lumMod val="65000"/>
+        <a:lumOff val="35000"/>
+      </a:schemeClr>
+    </cs:fontRef>
+    <cs:spPr>
+      <a:noFill/>
+      <a:ln w="9525" cap="flat" cmpd="sng" algn="ctr">
+        <a:solidFill>
+          <a:schemeClr val="tx1">
+            <a:lumMod val="15000"/>
+            <a:lumOff val="85000"/>
+          </a:schemeClr>
+        </a:solidFill>
+        <a:round/>
+      </a:ln>
+    </cs:spPr>
+    <cs:defRPr sz="1197" kern="1200"/>
+  </cs:dataTable>
+  <cs:downBar>
+    <cs:lnRef idx="0"/>
+    <cs:fillRef idx="0"/>
+    <cs:effectRef idx="0"/>
+    <cs:fontRef idx="minor">
+      <a:schemeClr val="tx1"/>
+    </cs:fontRef>
+    <cs:spPr>
+      <a:solidFill>
+        <a:schemeClr val="dk1">
+          <a:lumMod val="75000"/>
+          <a:lumOff val="25000"/>
+        </a:schemeClr>
+      </a:solidFill>
+      <a:ln w="9525" cap="flat" cmpd="sng" algn="ctr">
+        <a:solidFill>
+          <a:schemeClr val="tx1">
+            <a:lumMod val="65000"/>
+            <a:lumOff val="35000"/>
+          </a:schemeClr>
+        </a:solidFill>
+        <a:round/>
+      </a:ln>
+    </cs:spPr>
+  </cs:downBar>
+  <cs:dropLine>
+    <cs:lnRef idx="0"/>
+    <cs:fillRef idx="0"/>
+    <cs:effectRef idx="0"/>
+    <cs:fontRef idx="minor">
+      <a:schemeClr val="tx1"/>
+    </cs:fontRef>
+    <cs:spPr>
+      <a:ln w="9525" cap="flat" cmpd="sng" algn="ctr">
+        <a:solidFill>
+          <a:schemeClr val="tx1">
+            <a:lumMod val="35000"/>
+            <a:lumOff val="65000"/>
+          </a:schemeClr>
+        </a:solidFill>
+        <a:round/>
+      </a:ln>
+    </cs:spPr>
+  </cs:dropLine>
+  <cs:errorBar>
+    <cs:lnRef idx="0"/>
+    <cs:fillRef idx="0"/>
+    <cs:effectRef idx="0"/>
+    <cs:fontRef idx="minor">
+      <a:schemeClr val="tx1"/>
+    </cs:fontRef>
+    <cs:spPr>
+      <a:ln w="9525" cap="flat" cmpd="sng" algn="ctr">
+        <a:solidFill>
+          <a:schemeClr val="tx1">
+            <a:lumMod val="65000"/>
+            <a:lumOff val="35000"/>
+          </a:schemeClr>
+        </a:solidFill>
+        <a:round/>
+      </a:ln>
+    </cs:spPr>
+  </cs:errorBar>
+  <cs:floor>
+    <cs:lnRef idx="0"/>
+    <cs:fillRef idx="0"/>
+    <cs:effectRef idx="0"/>
+    <cs:fontRef idx="minor">
+      <a:schemeClr val="tx1"/>
+    </cs:fontRef>
+    <cs:spPr>
+      <a:noFill/>
+      <a:ln>
+        <a:noFill/>
+      </a:ln>
+    </cs:spPr>
+  </cs:floor>
+  <cs:gridlineMajor>
+    <cs:lnRef idx="0"/>
+    <cs:fillRef idx="0"/>
+    <cs:effectRef idx="0"/>
+    <cs:fontRef idx="minor">
+      <a:schemeClr val="tx1"/>
+    </cs:fontRef>
+    <cs:spPr>
+      <a:ln w="9525" cap="flat" cmpd="sng" algn="ctr">
+        <a:solidFill>
+          <a:schemeClr val="tx1">
+            <a:lumMod val="15000"/>
+            <a:lumOff val="85000"/>
+          </a:schemeClr>
+        </a:solidFill>
+        <a:round/>
+      </a:ln>
+    </cs:spPr>
+  </cs:gridlineMajor>
+  <cs:gridlineMinor>
+    <cs:lnRef idx="0"/>
+    <cs:fillRef idx="0"/>
+    <cs:effectRef idx="0"/>
+    <cs:fontRef idx="minor">
+      <a:schemeClr val="tx1"/>
+    </cs:fontRef>
+    <cs:spPr>
+      <a:ln w="9525" cap="flat" cmpd="sng" algn="ctr">
+        <a:solidFill>
+          <a:schemeClr val="tx1">
+            <a:lumMod val="5000"/>
+            <a:lumOff val="95000"/>
+          </a:schemeClr>
+        </a:solidFill>
+        <a:round/>
+      </a:ln>
+    </cs:spPr>
+  </cs:gridlineMinor>
+  <cs:hiLoLine>
+    <cs:lnRef idx="0"/>
+    <cs:fillRef idx="0"/>
+    <cs:effectRef idx="0"/>
+    <cs:fontRef idx="minor">
+      <a:schemeClr val="tx1"/>
+    </cs:fontRef>
+    <cs:spPr>
+      <a:ln w="9525" cap="flat" cmpd="sng" algn="ctr">
+        <a:solidFill>
+          <a:schemeClr val="tx1">
+            <a:lumMod val="50000"/>
+            <a:lumOff val="50000"/>
+          </a:schemeClr>
+        </a:solidFill>
+        <a:round/>
+      </a:ln>
+    </cs:spPr>
+  </cs:hiLoLine>
+  <cs:leaderLine>
+    <cs:lnRef idx="0"/>
+    <cs:fillRef idx="0"/>
+    <cs:effectRef idx="0"/>
+    <cs:fontRef idx="minor">
+      <a:schemeClr val="tx1"/>
+    </cs:fontRef>
+    <cs:spPr>
+      <a:ln w="9525" cap="flat" cmpd="sng" algn="ctr">
+        <a:solidFill>
+          <a:schemeClr val="tx1">
+            <a:lumMod val="35000"/>
+            <a:lumOff val="65000"/>
+          </a:schemeClr>
+        </a:solidFill>
+        <a:round/>
+      </a:ln>
+    </cs:spPr>
+  </cs:leaderLine>
+  <cs:legend>
+    <cs:lnRef idx="0"/>
+    <cs:fillRef idx="0"/>
+    <cs:effectRef idx="0"/>
+    <cs:fontRef idx="minor">
+      <a:schemeClr val="tx1">
+        <a:lumMod val="65000"/>
+        <a:lumOff val="35000"/>
+      </a:schemeClr>
+    </cs:fontRef>
+    <cs:defRPr sz="1197" kern="1200"/>
+  </cs:legend>
+  <cs:plotArea mods="allowNoFillOverride allowNoLineOverride">
+    <cs:lnRef idx="0"/>
+    <cs:fillRef idx="0"/>
+    <cs:effectRef idx="0"/>
+    <cs:fontRef idx="minor">
+      <a:schemeClr val="tx1"/>
+    </cs:fontRef>
+  </cs:plotArea>
+  <cs:plotArea3D mods="allowNoFillOverride allowNoLineOverride">
+    <cs:lnRef idx="0"/>
+    <cs:fillRef idx="0"/>
+    <cs:effectRef idx="0"/>
+    <cs:fontRef idx="minor">
+      <a:schemeClr val="tx1"/>
+    </cs:fontRef>
+  </cs:plotArea3D>
+  <cs:seriesAxis>
+    <cs:lnRef idx="0"/>
+    <cs:fillRef idx="0"/>
+    <cs:effectRef idx="0"/>
+    <cs:fontRef idx="minor">
+      <a:schemeClr val="tx1">
+        <a:lumMod val="65000"/>
+        <a:lumOff val="35000"/>
+      </a:schemeClr>
+    </cs:fontRef>
+    <cs:defRPr sz="1197" kern="1200"/>
+  </cs:seriesAxis>
+  <cs:seriesLine>
+    <cs:lnRef idx="0"/>
+    <cs:fillRef idx="0"/>
+    <cs:effectRef idx="0"/>
+    <cs:fontRef idx="minor">
+      <a:schemeClr val="tx1"/>
+    </cs:fontRef>
+    <cs:spPr>
+      <a:ln w="9525" cap="flat" cmpd="sng" algn="ctr">
+        <a:solidFill>
+          <a:schemeClr val="tx1">
+            <a:lumMod val="35000"/>
+            <a:lumOff val="65000"/>
+          </a:schemeClr>
+        </a:solidFill>
+        <a:round/>
+      </a:ln>
+    </cs:spPr>
+  </cs:seriesLine>
+  <cs:title>
+    <cs:lnRef idx="0"/>
+    <cs:fillRef idx="0"/>
+    <cs:effectRef idx="0"/>
+    <cs:fontRef idx="minor">
+      <a:schemeClr val="tx1">
+        <a:lumMod val="65000"/>
+        <a:lumOff val="35000"/>
+      </a:schemeClr>
+    </cs:fontRef>
+    <cs:defRPr sz="1862" b="0" kern="1200" spc="0" baseline="0"/>
+  </cs:title>
+  <cs:trendline>
+    <cs:lnRef idx="0">
+      <cs:styleClr val="auto"/>
+    </cs:lnRef>
+    <cs:fillRef idx="0"/>
+    <cs:effectRef idx="0"/>
+    <cs:fontRef idx="minor">
+      <a:schemeClr val="tx1"/>
+    </cs:fontRef>
+    <cs:spPr>
+      <a:ln w="19050" cap="rnd">
+        <a:solidFill>
+          <a:schemeClr val="phClr"/>
+        </a:solidFill>
+        <a:prstDash val="sysDot"/>
+      </a:ln>
+    </cs:spPr>
+  </cs:trendline>
+  <cs:trendlineLabel>
+    <cs:lnRef idx="0"/>
+    <cs:fillRef idx="0"/>
+    <cs:effectRef idx="0"/>
+    <cs:fontRef idx="minor">
+      <a:schemeClr val="tx1">
+        <a:lumMod val="65000"/>
+        <a:lumOff val="35000"/>
+      </a:schemeClr>
+    </cs:fontRef>
+    <cs:defRPr sz="1197" kern="1200"/>
+  </cs:trendlineLabel>
+  <cs:upBar>
+    <cs:lnRef idx="0"/>
+    <cs:fillRef idx="0"/>
+    <cs:effectRef idx="0"/>
+    <cs:fontRef idx="minor">
+      <a:schemeClr val="tx1"/>
+    </cs:fontRef>
+    <cs:spPr>
+      <a:solidFill>
+        <a:schemeClr val="lt1"/>
+      </a:solidFill>
+      <a:ln w="9525" cap="flat" cmpd="sng" algn="ctr">
+        <a:solidFill>
+          <a:schemeClr val="tx1">
+            <a:lumMod val="65000"/>
+            <a:lumOff val="35000"/>
+          </a:schemeClr>
+        </a:solidFill>
+        <a:round/>
+      </a:ln>
+    </cs:spPr>
+  </cs:upBar>
+  <cs:valueAxis>
+    <cs:lnRef idx="0"/>
+    <cs:fillRef idx="0"/>
+    <cs:effectRef idx="0"/>
+    <cs:fontRef idx="minor">
+      <a:schemeClr val="tx1">
+        <a:lumMod val="65000"/>
+        <a:lumOff val="35000"/>
+      </a:schemeClr>
+    </cs:fontRef>
+    <cs:defRPr sz="1197" kern="1200"/>
+  </cs:valueAxis>
+  <cs:wall>
+    <cs:lnRef idx="0"/>
+    <cs:fillRef idx="0"/>
+    <cs:effectRef idx="0"/>
+    <cs:fontRef idx="minor">
+      <a:schemeClr val="tx1"/>
+    </cs:fontRef>
+    <cs:spPr>
+      <a:noFill/>
+      <a:ln>
+        <a:noFill/>
+      </a:ln>
+    </cs:spPr>
+  </cs:wall>
+</cs:chartStyle>
 </file>
 
 <file path=ppt/slideLayouts/slideLayout1.xml><?xml version="1.0" encoding="utf-8"?>
@@ -6842,71 +7769,24 @@
               </a:lnSpc>
             </a:pPr>
             <a:r>
+              <a:rPr lang="de-DE" sz="2800" b="0" strike="noStrike" spc="-1" dirty="0" err="1">
+                <a:solidFill>
+                  <a:srgbClr val="FFFFFF"/>
+                </a:solidFill>
+                <a:latin typeface="Enriqueta"/>
+              </a:rPr>
+              <a:t>Hallway</a:t>
+            </a:r>
+            <a:r>
               <a:rPr lang="de-DE" sz="2800" b="0" strike="noStrike" spc="-1" dirty="0">
                 <a:solidFill>
                   <a:srgbClr val="FFFFFF"/>
                 </a:solidFill>
                 <a:latin typeface="Enriqueta"/>
               </a:rPr>
-              <a:t>Diagramme: Statistik</a:t>
+              <a:t> Test</a:t>
             </a:r>
             <a:endParaRPr lang="de-DE" sz="2800" b="0" strike="noStrike" spc="-1" dirty="0">
-              <a:solidFill>
-                <a:srgbClr val="000000"/>
-              </a:solidFill>
-              <a:latin typeface="Calibri"/>
-            </a:endParaRPr>
-          </a:p>
-        </p:txBody>
-      </p:sp>
-      <p:sp>
-        <p:nvSpPr>
-          <p:cNvPr id="136" name="TextShape 2"/>
-          <p:cNvSpPr txBox="1"/>
-          <p:nvPr/>
-        </p:nvSpPr>
-        <p:spPr>
-          <a:xfrm>
-            <a:off x="838080" y="1825560"/>
-            <a:ext cx="10515240" cy="4350960"/>
-          </a:xfrm>
-          <a:prstGeom prst="rect">
-            <a:avLst/>
-          </a:prstGeom>
-          <a:noFill/>
-          <a:ln>
-            <a:noFill/>
-          </a:ln>
-        </p:spPr>
-        <p:txBody>
-          <a:bodyPr>
-            <a:noAutofit/>
-          </a:bodyPr>
-          <a:lstStyle/>
-          <a:p>
-            <a:pPr marL="228600" indent="-228240">
-              <a:lnSpc>
-                <a:spcPct val="90000"/>
-              </a:lnSpc>
-              <a:spcBef>
-                <a:spcPts val="1001"/>
-              </a:spcBef>
-              <a:buClr>
-                <a:srgbClr val="000000"/>
-              </a:buClr>
-              <a:buFont typeface="Arial"/>
-              <a:buChar char="•"/>
-            </a:pPr>
-            <a:r>
-              <a:rPr lang="de-DE" sz="2000" spc="-1" dirty="0">
-                <a:solidFill>
-                  <a:srgbClr val="000000"/>
-                </a:solidFill>
-                <a:latin typeface="Enriqueta"/>
-              </a:rPr>
-              <a:t>TODO: Diagramme zählen</a:t>
-            </a:r>
-            <a:endParaRPr lang="de-DE" sz="2000" b="0" strike="noStrike" spc="-1" dirty="0">
               <a:solidFill>
                 <a:srgbClr val="000000"/>
               </a:solidFill>
@@ -6938,10 +7818,100 @@
           </a:ln>
         </p:spPr>
       </p:pic>
+      <p:pic>
+        <p:nvPicPr>
+          <p:cNvPr id="3" name="Grafik 2">
+            <a:extLst>
+              <a:ext uri="{FF2B5EF4-FFF2-40B4-BE49-F238E27FC236}">
+                <a16:creationId xmlns:a16="http://schemas.microsoft.com/office/drawing/2014/main" id="{7B5944FA-DB90-8B44-AA0E-5D20504A5897}"/>
+              </a:ext>
+            </a:extLst>
+          </p:cNvPr>
+          <p:cNvPicPr>
+            <a:picLocks noChangeAspect="1"/>
+          </p:cNvPicPr>
+          <p:nvPr/>
+        </p:nvPicPr>
+        <p:blipFill>
+          <a:blip r:embed="rId3">
+            <a:extLst>
+              <a:ext uri="{28A0092B-C50C-407E-A947-70E740481C1C}">
+                <a14:useLocalDpi xmlns:a14="http://schemas.microsoft.com/office/drawing/2010/main" val="0"/>
+              </a:ext>
+            </a:extLst>
+          </a:blip>
+          <a:stretch>
+            <a:fillRect/>
+          </a:stretch>
+        </p:blipFill>
+        <p:spPr>
+          <a:xfrm>
+            <a:off x="1484415" y="1259328"/>
+            <a:ext cx="8614687" cy="5584329"/>
+          </a:xfrm>
+          <a:prstGeom prst="rect">
+            <a:avLst/>
+          </a:prstGeom>
+        </p:spPr>
+      </p:pic>
+      <p:sp>
+        <p:nvSpPr>
+          <p:cNvPr id="4" name="Rechteck 3">
+            <a:extLst>
+              <a:ext uri="{FF2B5EF4-FFF2-40B4-BE49-F238E27FC236}">
+                <a16:creationId xmlns:a16="http://schemas.microsoft.com/office/drawing/2014/main" id="{6652F9D5-3CFE-6542-8AA1-02C069129473}"/>
+              </a:ext>
+            </a:extLst>
+          </p:cNvPr>
+          <p:cNvSpPr/>
+          <p:nvPr/>
+        </p:nvSpPr>
+        <p:spPr>
+          <a:xfrm>
+            <a:off x="9939647" y="1259328"/>
+            <a:ext cx="318913" cy="5584328"/>
+          </a:xfrm>
+          <a:prstGeom prst="rect">
+            <a:avLst/>
+          </a:prstGeom>
+          <a:solidFill>
+            <a:schemeClr val="bg1"/>
+          </a:solidFill>
+          <a:ln>
+            <a:solidFill>
+              <a:schemeClr val="bg1"/>
+            </a:solidFill>
+          </a:ln>
+        </p:spPr>
+        <p:style>
+          <a:lnRef idx="2">
+            <a:schemeClr val="accent1">
+              <a:shade val="50000"/>
+            </a:schemeClr>
+          </a:lnRef>
+          <a:fillRef idx="1">
+            <a:schemeClr val="accent1"/>
+          </a:fillRef>
+          <a:effectRef idx="0">
+            <a:schemeClr val="accent1"/>
+          </a:effectRef>
+          <a:fontRef idx="minor">
+            <a:schemeClr val="lt1"/>
+          </a:fontRef>
+        </p:style>
+        <p:txBody>
+          <a:bodyPr rtlCol="0" anchor="ctr"/>
+          <a:lstStyle/>
+          <a:p>
+            <a:pPr algn="ctr"/>
+            <a:endParaRPr lang="de-DE"/>
+          </a:p>
+        </p:txBody>
+      </p:sp>
     </p:spTree>
     <p:extLst>
       <p:ext uri="{BB962C8B-B14F-4D97-AF65-F5344CB8AC3E}">
-        <p14:creationId xmlns:p14="http://schemas.microsoft.com/office/powerpoint/2010/main" val="3520182129"/>
+        <p14:creationId xmlns:p14="http://schemas.microsoft.com/office/powerpoint/2010/main" val="3114598108"/>
       </p:ext>
     </p:extLst>
   </p:cSld>
@@ -6970,7 +7940,7 @@
       </p:grpSpPr>
       <p:sp>
         <p:nvSpPr>
-          <p:cNvPr id="147" name="TextShape 1"/>
+          <p:cNvPr id="135" name="TextShape 1"/>
           <p:cNvSpPr txBox="1"/>
           <p:nvPr/>
         </p:nvSpPr>
@@ -6991,7 +7961,7 @@
           <a:effectLst>
             <a:outerShdw dist="37674" dir="2700000">
               <a:srgbClr val="000000">
-                <a:alpha val="40000"/>
+                <a:alpha val="33000"/>
               </a:srgbClr>
             </a:outerShdw>
           </a:effectLst>
@@ -7008,26 +7978,26 @@
               </a:lnSpc>
             </a:pPr>
             <a:r>
-              <a:rPr lang="de-DE" sz="2800" b="0" strike="noStrike" spc="-1">
+              <a:rPr lang="de-DE" sz="2800" spc="-1" dirty="0">
                 <a:solidFill>
                   <a:srgbClr val="FFFFFF"/>
                 </a:solidFill>
                 <a:latin typeface="Enriqueta"/>
               </a:rPr>
-              <a:t>Herausforderungen</a:t>
+              <a:t>Zukunftspläne</a:t>
             </a:r>
-            <a:endParaRPr lang="de-DE" sz="2800" b="0" strike="noStrike" spc="-1">
-              <a:solidFill>
-                <a:srgbClr val="000000"/>
-              </a:solidFill>
-              <a:latin typeface="Calibri"/>
-            </a:endParaRPr>
-          </a:p>
-        </p:txBody>
-      </p:sp>
-      <p:sp>
-        <p:nvSpPr>
-          <p:cNvPr id="148" name="TextShape 2"/>
+            <a:endParaRPr lang="de-DE" sz="2800" b="0" strike="noStrike" spc="-1" dirty="0">
+              <a:solidFill>
+                <a:srgbClr val="000000"/>
+              </a:solidFill>
+              <a:latin typeface="Calibri"/>
+            </a:endParaRPr>
+          </a:p>
+        </p:txBody>
+      </p:sp>
+      <p:sp>
+        <p:nvSpPr>
+          <p:cNvPr id="136" name="TextShape 2"/>
           <p:cNvSpPr txBox="1"/>
           <p:nvPr/>
         </p:nvSpPr>
@@ -7064,20 +8034,23 @@
               <a:buChar char="•"/>
             </a:pPr>
             <a:r>
-              <a:rPr lang="de-DE" sz="2000" b="1" strike="noStrike" spc="-1">
+              <a:rPr lang="de-DE" sz="2000" spc="-1" dirty="0" err="1">
                 <a:solidFill>
                   <a:srgbClr val="000000"/>
                 </a:solidFill>
-                <a:latin typeface="Enriqueta"/>
+                <a:latin typeface="Enriqueta" pitchFamily="2" charset="77"/>
               </a:rPr>
-              <a:t>Server</a:t>
+              <a:t>Pushbenachrichtigungen</a:t>
             </a:r>
-            <a:endParaRPr lang="de-DE" sz="2000" b="0" strike="noStrike" spc="-1">
-              <a:solidFill>
-                <a:srgbClr val="000000"/>
-              </a:solidFill>
-              <a:latin typeface="Calibri"/>
-            </a:endParaRPr>
+            <a:r>
+              <a:rPr lang="de-DE" sz="2000" spc="-1" dirty="0">
+                <a:solidFill>
+                  <a:srgbClr val="000000"/>
+                </a:solidFill>
+                <a:latin typeface="Enriqueta" pitchFamily="2" charset="77"/>
+              </a:rPr>
+              <a:t> (WK20)</a:t>
+            </a:r>
           </a:p>
           <a:p>
             <a:pPr marL="228600" indent="-228240">
@@ -7093,18 +8066,69 @@
               <a:buFont typeface="Arial"/>
               <a:buChar char="•"/>
             </a:pPr>
-            <a:endParaRPr lang="de-DE" sz="2000" b="0" strike="noStrike" spc="-1">
-              <a:solidFill>
-                <a:srgbClr val="000000"/>
-              </a:solidFill>
-              <a:latin typeface="Calibri"/>
-            </a:endParaRPr>
+            <a:r>
+              <a:rPr lang="de-DE" sz="2000" spc="-1" dirty="0">
+                <a:solidFill>
+                  <a:srgbClr val="000000"/>
+                </a:solidFill>
+                <a:latin typeface="Enriqueta" pitchFamily="2" charset="77"/>
+              </a:rPr>
+              <a:t>Bewertungssystem inklusive Rankings (WK30)</a:t>
+            </a:r>
+          </a:p>
+          <a:p>
+            <a:pPr marL="228600" indent="-228240">
+              <a:lnSpc>
+                <a:spcPct val="90000"/>
+              </a:lnSpc>
+              <a:spcBef>
+                <a:spcPts val="1001"/>
+              </a:spcBef>
+              <a:buClr>
+                <a:srgbClr val="000000"/>
+              </a:buClr>
+              <a:buFont typeface="Arial"/>
+              <a:buChar char="•"/>
+            </a:pPr>
+            <a:r>
+              <a:rPr lang="de-DE" sz="2000" b="0" strike="noStrike" spc="-1" dirty="0">
+                <a:solidFill>
+                  <a:srgbClr val="000000"/>
+                </a:solidFill>
+                <a:latin typeface="Enriqueta" pitchFamily="2" charset="77"/>
+              </a:rPr>
+              <a:t>Filtermöglichkeit bei Gruppensuche (WK50)</a:t>
+            </a:r>
+          </a:p>
+          <a:p>
+            <a:pPr marL="228600" indent="-228240">
+              <a:lnSpc>
+                <a:spcPct val="90000"/>
+              </a:lnSpc>
+              <a:spcBef>
+                <a:spcPts val="1001"/>
+              </a:spcBef>
+              <a:buClr>
+                <a:srgbClr val="000000"/>
+              </a:buClr>
+              <a:buFont typeface="Arial"/>
+              <a:buChar char="•"/>
+            </a:pPr>
+            <a:r>
+              <a:rPr lang="de-DE" sz="2000" spc="-1" dirty="0">
+                <a:solidFill>
+                  <a:srgbClr val="000000"/>
+                </a:solidFill>
+                <a:latin typeface="Enriqueta" pitchFamily="2" charset="77"/>
+              </a:rPr>
+              <a:t>Restriktionen bei Gruppenerstellung (WK70)</a:t>
+            </a:r>
           </a:p>
         </p:txBody>
       </p:sp>
       <p:pic>
         <p:nvPicPr>
-          <p:cNvPr id="149" name="Grafik 5"/>
+          <p:cNvPr id="137" name="Grafik 5"/>
           <p:cNvPicPr/>
           <p:nvPr/>
         </p:nvPicPr>
@@ -7126,6 +8150,11 @@
         </p:spPr>
       </p:pic>
     </p:spTree>
+    <p:extLst>
+      <p:ext uri="{BB962C8B-B14F-4D97-AF65-F5344CB8AC3E}">
+        <p14:creationId xmlns:p14="http://schemas.microsoft.com/office/powerpoint/2010/main" val="571993491"/>
+      </p:ext>
+    </p:extLst>
   </p:cSld>
   <p:clrMapOvr>
     <a:masterClrMapping/>
@@ -7152,7 +8181,173 @@
       </p:grpSpPr>
       <p:sp>
         <p:nvSpPr>
-          <p:cNvPr id="150" name="TextShape 1"/>
+          <p:cNvPr id="135" name="TextShape 1"/>
+          <p:cNvSpPr txBox="1"/>
+          <p:nvPr/>
+        </p:nvSpPr>
+        <p:spPr>
+          <a:xfrm>
+            <a:off x="0" y="0"/>
+            <a:ext cx="12191760" cy="1192680"/>
+          </a:xfrm>
+          <a:prstGeom prst="rect">
+            <a:avLst/>
+          </a:prstGeom>
+          <a:solidFill>
+            <a:srgbClr val="9AC000"/>
+          </a:solidFill>
+          <a:ln>
+            <a:noFill/>
+          </a:ln>
+          <a:effectLst>
+            <a:outerShdw dist="37674" dir="2700000">
+              <a:srgbClr val="000000">
+                <a:alpha val="33000"/>
+              </a:srgbClr>
+            </a:outerShdw>
+          </a:effectLst>
+        </p:spPr>
+        <p:txBody>
+          <a:bodyPr lIns="540000" tIns="108000" rIns="540000" anchor="ctr">
+            <a:normAutofit/>
+          </a:bodyPr>
+          <a:lstStyle/>
+          <a:p>
+            <a:pPr>
+              <a:lnSpc>
+                <a:spcPct val="90000"/>
+              </a:lnSpc>
+            </a:pPr>
+            <a:r>
+              <a:rPr lang="de-DE" sz="2800" b="0" strike="noStrike" spc="-1" dirty="0">
+                <a:solidFill>
+                  <a:srgbClr val="FFFFFF"/>
+                </a:solidFill>
+                <a:latin typeface="Enriqueta"/>
+              </a:rPr>
+              <a:t>Ränge</a:t>
+            </a:r>
+            <a:endParaRPr lang="de-DE" sz="2800" b="0" strike="noStrike" spc="-1" dirty="0">
+              <a:solidFill>
+                <a:srgbClr val="000000"/>
+              </a:solidFill>
+              <a:latin typeface="Calibri"/>
+            </a:endParaRPr>
+          </a:p>
+        </p:txBody>
+      </p:sp>
+      <p:sp>
+        <p:nvSpPr>
+          <p:cNvPr id="136" name="TextShape 2"/>
+          <p:cNvSpPr txBox="1"/>
+          <p:nvPr/>
+        </p:nvSpPr>
+        <p:spPr>
+          <a:xfrm>
+            <a:off x="838080" y="1825560"/>
+            <a:ext cx="10515240" cy="4350960"/>
+          </a:xfrm>
+          <a:prstGeom prst="rect">
+            <a:avLst/>
+          </a:prstGeom>
+          <a:noFill/>
+          <a:ln>
+            <a:noFill/>
+          </a:ln>
+        </p:spPr>
+        <p:txBody>
+          <a:bodyPr>
+            <a:noAutofit/>
+          </a:bodyPr>
+          <a:lstStyle/>
+          <a:p>
+            <a:pPr marL="228600" indent="-228240">
+              <a:lnSpc>
+                <a:spcPct val="90000"/>
+              </a:lnSpc>
+              <a:spcBef>
+                <a:spcPts val="1001"/>
+              </a:spcBef>
+              <a:buClr>
+                <a:srgbClr val="000000"/>
+              </a:buClr>
+              <a:buFont typeface="Arial"/>
+              <a:buChar char="•"/>
+            </a:pPr>
+            <a:r>
+              <a:rPr lang="de-DE" sz="2000" b="0" strike="noStrike" spc="-1" dirty="0">
+                <a:solidFill>
+                  <a:srgbClr val="000000"/>
+                </a:solidFill>
+                <a:latin typeface="Enriqueta"/>
+              </a:rPr>
+              <a:t>TODO: Skala</a:t>
+            </a:r>
+            <a:endParaRPr lang="de-DE" sz="2000" b="0" strike="noStrike" spc="-1" dirty="0">
+              <a:solidFill>
+                <a:srgbClr val="000000"/>
+              </a:solidFill>
+              <a:latin typeface="Calibri"/>
+            </a:endParaRPr>
+          </a:p>
+        </p:txBody>
+      </p:sp>
+      <p:pic>
+        <p:nvPicPr>
+          <p:cNvPr id="137" name="Grafik 5"/>
+          <p:cNvPicPr/>
+          <p:nvPr/>
+        </p:nvPicPr>
+        <p:blipFill>
+          <a:blip r:embed="rId2"/>
+          <a:stretch/>
+        </p:blipFill>
+        <p:spPr>
+          <a:xfrm>
+            <a:off x="10258560" y="141120"/>
+            <a:ext cx="1728360" cy="1051560"/>
+          </a:xfrm>
+          <a:prstGeom prst="rect">
+            <a:avLst/>
+          </a:prstGeom>
+          <a:ln>
+            <a:noFill/>
+          </a:ln>
+        </p:spPr>
+      </p:pic>
+    </p:spTree>
+    <p:extLst>
+      <p:ext uri="{BB962C8B-B14F-4D97-AF65-F5344CB8AC3E}">
+        <p14:creationId xmlns:p14="http://schemas.microsoft.com/office/powerpoint/2010/main" val="2779863030"/>
+      </p:ext>
+    </p:extLst>
+  </p:cSld>
+  <p:clrMapOvr>
+    <a:masterClrMapping/>
+  </p:clrMapOvr>
+</p:sld>
+</file>
+
+<file path=ppt/slides/slide13.xml><?xml version="1.0" encoding="utf-8"?>
+<p:sld xmlns:a="http://schemas.openxmlformats.org/drawingml/2006/main" xmlns:r="http://schemas.openxmlformats.org/officeDocument/2006/relationships" xmlns:p="http://schemas.openxmlformats.org/presentationml/2006/main">
+  <p:cSld>
+    <p:spTree>
+      <p:nvGrpSpPr>
+        <p:cNvPr id="1" name=""/>
+        <p:cNvGrpSpPr/>
+        <p:nvPr/>
+      </p:nvGrpSpPr>
+      <p:grpSpPr>
+        <a:xfrm>
+          <a:off x="0" y="0"/>
+          <a:ext cx="0" cy="0"/>
+          <a:chOff x="0" y="0"/>
+          <a:chExt cx="0" cy="0"/>
+        </a:xfrm>
+      </p:grpSpPr>
+      <p:sp>
+        <p:nvSpPr>
+          <p:cNvPr id="138" name="TextShape 1"/>
           <p:cNvSpPr txBox="1"/>
           <p:nvPr/>
         </p:nvSpPr>
@@ -7196,7 +8391,7 @@
                 </a:solidFill>
                 <a:latin typeface="Enriqueta"/>
               </a:rPr>
-              <a:t>Hallway-Tests</a:t>
+              <a:t>Ein paar Statistiken</a:t>
             </a:r>
             <a:endParaRPr lang="de-DE" sz="2800" b="0" strike="noStrike" spc="-1">
               <a:solidFill>
@@ -7209,7 +8404,7 @@
       </p:sp>
       <p:sp>
         <p:nvSpPr>
-          <p:cNvPr id="151" name="TextShape 2"/>
+          <p:cNvPr id="139" name="TextShape 2"/>
           <p:cNvSpPr txBox="1"/>
           <p:nvPr/>
         </p:nvSpPr>
@@ -7246,15 +8441,15 @@
               <a:buChar char="•"/>
             </a:pPr>
             <a:r>
-              <a:rPr lang="de-DE" sz="2000" b="1" strike="noStrike" spc="-1">
+              <a:rPr lang="de-DE" sz="2000" b="1" strike="noStrike" spc="-1" dirty="0">
                 <a:solidFill>
                   <a:srgbClr val="000000"/>
                 </a:solidFill>
                 <a:latin typeface="Enriqueta"/>
               </a:rPr>
-              <a:t>Ergebnisse</a:t>
+              <a:t>XX Zeilen Code (inkl. Kommentare)</a:t>
             </a:r>
-            <a:endParaRPr lang="de-DE" sz="2000" b="0" strike="noStrike" spc="-1">
+            <a:endParaRPr lang="de-DE" sz="2000" b="0" strike="noStrike" spc="-1" dirty="0">
               <a:solidFill>
                 <a:srgbClr val="000000"/>
               </a:solidFill>
@@ -7275,7 +8470,300 @@
               <a:buFont typeface="Arial"/>
               <a:buChar char="•"/>
             </a:pPr>
-            <a:endParaRPr lang="de-DE" sz="2000" b="0" strike="noStrike" spc="-1">
+            <a:r>
+              <a:rPr lang="de-DE" sz="2000" b="0" strike="noStrike" spc="-1" dirty="0">
+                <a:solidFill>
+                  <a:srgbClr val="000000"/>
+                </a:solidFill>
+                <a:latin typeface="Enriqueta"/>
+              </a:rPr>
+              <a:t>(Client: 11.124, Server: 2.264 )</a:t>
+            </a:r>
+            <a:endParaRPr lang="de-DE" sz="2000" b="0" strike="noStrike" spc="-1" dirty="0">
+              <a:solidFill>
+                <a:srgbClr val="000000"/>
+              </a:solidFill>
+              <a:latin typeface="Calibri"/>
+            </a:endParaRPr>
+          </a:p>
+          <a:p>
+            <a:pPr marL="228600" indent="-228240">
+              <a:lnSpc>
+                <a:spcPct val="90000"/>
+              </a:lnSpc>
+              <a:spcBef>
+                <a:spcPts val="1001"/>
+              </a:spcBef>
+              <a:buClr>
+                <a:srgbClr val="000000"/>
+              </a:buClr>
+              <a:buFont typeface="Arial"/>
+              <a:buChar char="•"/>
+            </a:pPr>
+            <a:r>
+              <a:rPr lang="de-DE" sz="2000" b="1" strike="noStrike" spc="-1" dirty="0">
+                <a:solidFill>
+                  <a:srgbClr val="000000"/>
+                </a:solidFill>
+                <a:latin typeface="Enriqueta"/>
+              </a:rPr>
+              <a:t>XX Java-Klassen (inkl. Testklassen)</a:t>
+            </a:r>
+            <a:endParaRPr lang="de-DE" sz="2000" b="0" strike="noStrike" spc="-1" dirty="0">
+              <a:solidFill>
+                <a:srgbClr val="000000"/>
+              </a:solidFill>
+              <a:latin typeface="Calibri"/>
+            </a:endParaRPr>
+          </a:p>
+          <a:p>
+            <a:pPr marL="228600" indent="-228240">
+              <a:lnSpc>
+                <a:spcPct val="90000"/>
+              </a:lnSpc>
+              <a:spcBef>
+                <a:spcPts val="1001"/>
+              </a:spcBef>
+              <a:buClr>
+                <a:srgbClr val="000000"/>
+              </a:buClr>
+              <a:buFont typeface="Arial"/>
+              <a:buChar char="•"/>
+            </a:pPr>
+            <a:r>
+              <a:rPr lang="de-DE" sz="2000" b="0" strike="noStrike" spc="-1" dirty="0">
+                <a:solidFill>
+                  <a:srgbClr val="000000"/>
+                </a:solidFill>
+                <a:latin typeface="Enriqueta"/>
+              </a:rPr>
+              <a:t>(Client: 97, Server: 31)</a:t>
+            </a:r>
+            <a:endParaRPr lang="de-DE" sz="2000" b="0" strike="noStrike" spc="-1" dirty="0">
+              <a:solidFill>
+                <a:srgbClr val="000000"/>
+              </a:solidFill>
+              <a:latin typeface="Calibri"/>
+            </a:endParaRPr>
+          </a:p>
+          <a:p>
+            <a:pPr marL="228600" indent="-228240">
+              <a:lnSpc>
+                <a:spcPct val="90000"/>
+              </a:lnSpc>
+              <a:spcBef>
+                <a:spcPts val="1001"/>
+              </a:spcBef>
+              <a:buClr>
+                <a:srgbClr val="000000"/>
+              </a:buClr>
+              <a:buFont typeface="Arial"/>
+              <a:buChar char="•"/>
+            </a:pPr>
+            <a:r>
+              <a:rPr lang="de-DE" sz="2000" b="1" strike="noStrike" spc="-1" dirty="0">
+                <a:solidFill>
+                  <a:srgbClr val="000000"/>
+                </a:solidFill>
+                <a:latin typeface="Enriqueta"/>
+              </a:rPr>
+              <a:t>386 </a:t>
+            </a:r>
+            <a:r>
+              <a:rPr lang="de-DE" sz="2000" b="1" strike="noStrike" spc="-1" dirty="0" err="1">
+                <a:solidFill>
+                  <a:srgbClr val="000000"/>
+                </a:solidFill>
+                <a:latin typeface="Enriqueta"/>
+              </a:rPr>
+              <a:t>Commits</a:t>
+            </a:r>
+            <a:endParaRPr lang="de-DE" sz="2000" b="1" strike="noStrike" spc="-1" dirty="0">
+              <a:solidFill>
+                <a:srgbClr val="000000"/>
+              </a:solidFill>
+              <a:latin typeface="Enriqueta"/>
+            </a:endParaRPr>
+          </a:p>
+          <a:p>
+            <a:pPr marL="685800" lvl="1" indent="-228240">
+              <a:lnSpc>
+                <a:spcPct val="90000"/>
+              </a:lnSpc>
+              <a:spcBef>
+                <a:spcPts val="1001"/>
+              </a:spcBef>
+              <a:buClr>
+                <a:srgbClr val="000000"/>
+              </a:buClr>
+              <a:buFont typeface="Arial"/>
+              <a:buChar char="•"/>
+            </a:pPr>
+            <a:r>
+              <a:rPr lang="de-DE" sz="2000" b="1" spc="-1" dirty="0">
+                <a:solidFill>
+                  <a:srgbClr val="000000"/>
+                </a:solidFill>
+                <a:latin typeface="Enriqueta"/>
+              </a:rPr>
+              <a:t>Planung 60 </a:t>
+            </a:r>
+            <a:r>
+              <a:rPr lang="de-DE" sz="2000" b="1" spc="-1" dirty="0" err="1">
+                <a:solidFill>
+                  <a:srgbClr val="000000"/>
+                </a:solidFill>
+                <a:latin typeface="Enriqueta"/>
+              </a:rPr>
+              <a:t>Commits</a:t>
+            </a:r>
+            <a:endParaRPr lang="de-DE" sz="2000" b="1" spc="-1" dirty="0">
+              <a:solidFill>
+                <a:srgbClr val="000000"/>
+              </a:solidFill>
+              <a:latin typeface="Enriqueta"/>
+            </a:endParaRPr>
+          </a:p>
+          <a:p>
+            <a:pPr marL="685800" lvl="1" indent="-228240">
+              <a:lnSpc>
+                <a:spcPct val="90000"/>
+              </a:lnSpc>
+              <a:spcBef>
+                <a:spcPts val="1001"/>
+              </a:spcBef>
+              <a:buClr>
+                <a:srgbClr val="000000"/>
+              </a:buClr>
+              <a:buFont typeface="Arial"/>
+              <a:buChar char="•"/>
+            </a:pPr>
+            <a:r>
+              <a:rPr lang="de-DE" sz="2000" b="1" spc="-1" dirty="0">
+                <a:solidFill>
+                  <a:srgbClr val="000000"/>
+                </a:solidFill>
+                <a:latin typeface="Enriqueta"/>
+              </a:rPr>
+              <a:t>Entwurf 112 </a:t>
+            </a:r>
+            <a:r>
+              <a:rPr lang="de-DE" sz="2000" b="1" spc="-1" dirty="0" err="1">
+                <a:solidFill>
+                  <a:srgbClr val="000000"/>
+                </a:solidFill>
+                <a:latin typeface="Enriqueta"/>
+              </a:rPr>
+              <a:t>Commits</a:t>
+            </a:r>
+            <a:endParaRPr lang="de-DE" sz="2000" b="1" spc="-1" dirty="0">
+              <a:solidFill>
+                <a:srgbClr val="000000"/>
+              </a:solidFill>
+              <a:latin typeface="Enriqueta"/>
+            </a:endParaRPr>
+          </a:p>
+          <a:p>
+            <a:pPr marL="685800" lvl="1" indent="-228240">
+              <a:lnSpc>
+                <a:spcPct val="90000"/>
+              </a:lnSpc>
+              <a:spcBef>
+                <a:spcPts val="1001"/>
+              </a:spcBef>
+              <a:buClr>
+                <a:srgbClr val="000000"/>
+              </a:buClr>
+              <a:buFont typeface="Arial"/>
+              <a:buChar char="•"/>
+            </a:pPr>
+            <a:r>
+              <a:rPr lang="de-DE" sz="2000" b="1" spc="-1" dirty="0">
+                <a:solidFill>
+                  <a:srgbClr val="000000"/>
+                </a:solidFill>
+                <a:latin typeface="Enriqueta"/>
+              </a:rPr>
+              <a:t>Implementierung 109 </a:t>
+            </a:r>
+            <a:r>
+              <a:rPr lang="de-DE" sz="2000" b="1" spc="-1" dirty="0" err="1">
+                <a:solidFill>
+                  <a:srgbClr val="000000"/>
+                </a:solidFill>
+                <a:latin typeface="Enriqueta"/>
+              </a:rPr>
+              <a:t>Commits</a:t>
+            </a:r>
+            <a:endParaRPr lang="de-DE" sz="2000" b="1" spc="-1" dirty="0">
+              <a:solidFill>
+                <a:srgbClr val="000000"/>
+              </a:solidFill>
+              <a:latin typeface="Enriqueta"/>
+            </a:endParaRPr>
+          </a:p>
+          <a:p>
+            <a:pPr marL="685800" lvl="1" indent="-228240">
+              <a:lnSpc>
+                <a:spcPct val="90000"/>
+              </a:lnSpc>
+              <a:spcBef>
+                <a:spcPts val="1001"/>
+              </a:spcBef>
+              <a:buClr>
+                <a:srgbClr val="000000"/>
+              </a:buClr>
+              <a:buFont typeface="Arial"/>
+              <a:buChar char="•"/>
+            </a:pPr>
+            <a:r>
+              <a:rPr lang="de-DE" sz="2000" b="1" spc="-1" dirty="0">
+                <a:solidFill>
+                  <a:srgbClr val="000000"/>
+                </a:solidFill>
+                <a:latin typeface="Enriqueta"/>
+              </a:rPr>
+              <a:t>Qualitätssicherung 105 </a:t>
+            </a:r>
+            <a:r>
+              <a:rPr lang="de-DE" sz="2000" b="1" spc="-1" dirty="0" err="1">
+                <a:solidFill>
+                  <a:srgbClr val="000000"/>
+                </a:solidFill>
+                <a:latin typeface="Enriqueta"/>
+              </a:rPr>
+              <a:t>Commits</a:t>
+            </a:r>
+            <a:br>
+              <a:rPr lang="de-DE" sz="2000" b="1" spc="-1" dirty="0">
+                <a:solidFill>
+                  <a:srgbClr val="000000"/>
+                </a:solidFill>
+                <a:latin typeface="Enriqueta"/>
+              </a:rPr>
+            </a:br>
+            <a:endParaRPr lang="de-DE" sz="2000" b="0" strike="noStrike" spc="-1" dirty="0">
+              <a:solidFill>
+                <a:srgbClr val="000000"/>
+              </a:solidFill>
+              <a:latin typeface="Calibri"/>
+            </a:endParaRPr>
+          </a:p>
+          <a:p>
+            <a:pPr marL="228600" indent="-228240">
+              <a:lnSpc>
+                <a:spcPct val="90000"/>
+              </a:lnSpc>
+              <a:spcBef>
+                <a:spcPts val="1001"/>
+              </a:spcBef>
+              <a:buClr>
+                <a:srgbClr val="000000"/>
+              </a:buClr>
+              <a:buFont typeface="Arial"/>
+              <a:buChar char="•"/>
+            </a:pPr>
+            <a:endParaRPr lang="de-DE" sz="2000" b="0" strike="noStrike" spc="-1" dirty="0">
               <a:solidFill>
                 <a:srgbClr val="000000"/>
               </a:solidFill>
@@ -7286,7 +8774,7 @@
       </p:sp>
       <p:pic>
         <p:nvPicPr>
-          <p:cNvPr id="152" name="Grafik 5"/>
+          <p:cNvPr id="140" name="Grafik 5"/>
           <p:cNvPicPr/>
           <p:nvPr/>
         </p:nvPicPr>
@@ -7298,29 +8786,6 @@
           <a:xfrm>
             <a:off x="10258560" y="141120"/>
             <a:ext cx="1728360" cy="1051560"/>
-          </a:xfrm>
-          <a:prstGeom prst="rect">
-            <a:avLst/>
-          </a:prstGeom>
-          <a:ln>
-            <a:noFill/>
-          </a:ln>
-        </p:spPr>
-      </p:pic>
-      <p:pic>
-        <p:nvPicPr>
-          <p:cNvPr id="153" name="Grafik 152"/>
-          <p:cNvPicPr/>
-          <p:nvPr/>
-        </p:nvPicPr>
-        <p:blipFill>
-          <a:blip r:embed="rId3"/>
-          <a:stretch/>
-        </p:blipFill>
-        <p:spPr>
-          <a:xfrm>
-            <a:off x="867600" y="3031920"/>
-            <a:ext cx="4919040" cy="2927880"/>
           </a:xfrm>
           <a:prstGeom prst="rect">
             <a:avLst/>
@@ -7913,7 +9378,7 @@
     <p:bg>
       <p:bgPr>
         <a:solidFill>
-          <a:srgbClr val="9AC000"/>
+          <a:schemeClr val="bg1"/>
         </a:solidFill>
         <a:effectLst/>
       </p:bgPr>
@@ -7966,12 +9431,95 @@
           </a:p>
         </p:txBody>
       </p:sp>
+      <p:sp>
+        <p:nvSpPr>
+          <p:cNvPr id="5" name="TextShape 1">
+            <a:extLst>
+              <a:ext uri="{FF2B5EF4-FFF2-40B4-BE49-F238E27FC236}">
+                <a16:creationId xmlns:a16="http://schemas.microsoft.com/office/drawing/2014/main" id="{18C24CBA-2EAC-4E48-BB72-6429C3E1A0E1}"/>
+              </a:ext>
+            </a:extLst>
+          </p:cNvPr>
+          <p:cNvSpPr txBox="1"/>
+          <p:nvPr/>
+        </p:nvSpPr>
+        <p:spPr>
+          <a:xfrm rot="-5400000">
+            <a:off x="-2564820" y="2564820"/>
+            <a:ext cx="6858000" cy="1728360"/>
+          </a:xfrm>
+          <a:prstGeom prst="rect">
+            <a:avLst/>
+          </a:prstGeom>
+          <a:solidFill>
+            <a:srgbClr val="9AC000"/>
+          </a:solidFill>
+          <a:ln>
+            <a:noFill/>
+          </a:ln>
+          <a:effectLst>
+            <a:outerShdw dist="37674" dir="2700000">
+              <a:srgbClr val="000000">
+                <a:alpha val="33000"/>
+              </a:srgbClr>
+            </a:outerShdw>
+          </a:effectLst>
+        </p:spPr>
+        <p:txBody>
+          <a:bodyPr lIns="540000" tIns="108000" rIns="540000" anchor="ctr">
+            <a:normAutofit/>
+          </a:bodyPr>
+          <a:lstStyle/>
+          <a:p>
+            <a:pPr>
+              <a:lnSpc>
+                <a:spcPct val="90000"/>
+              </a:lnSpc>
+            </a:pPr>
+            <a:endParaRPr lang="de-DE" sz="2800" b="0" strike="noStrike" spc="-1" dirty="0">
+              <a:solidFill>
+                <a:srgbClr val="000000"/>
+              </a:solidFill>
+              <a:latin typeface="Calibri"/>
+            </a:endParaRPr>
+          </a:p>
+        </p:txBody>
+      </p:sp>
       <p:pic>
         <p:nvPicPr>
-          <p:cNvPr id="3" name="Grafik 2">
+          <p:cNvPr id="4" name="Grafik 5">
             <a:extLst>
               <a:ext uri="{FF2B5EF4-FFF2-40B4-BE49-F238E27FC236}">
-                <a16:creationId xmlns:a16="http://schemas.microsoft.com/office/drawing/2014/main" id="{7F180A5A-B2D4-ED4C-B9A1-667925C73630}"/>
+                <a16:creationId xmlns:a16="http://schemas.microsoft.com/office/drawing/2014/main" id="{C02059AA-F158-F444-A3C4-85176A98CA09}"/>
+              </a:ext>
+            </a:extLst>
+          </p:cNvPr>
+          <p:cNvPicPr/>
+          <p:nvPr/>
+        </p:nvPicPr>
+        <p:blipFill>
+          <a:blip r:embed="rId2"/>
+          <a:stretch/>
+        </p:blipFill>
+        <p:spPr>
+          <a:xfrm>
+            <a:off x="0" y="0"/>
+            <a:ext cx="1728360" cy="1051560"/>
+          </a:xfrm>
+          <a:prstGeom prst="rect">
+            <a:avLst/>
+          </a:prstGeom>
+          <a:ln>
+            <a:noFill/>
+          </a:ln>
+        </p:spPr>
+      </p:pic>
+      <p:pic>
+        <p:nvPicPr>
+          <p:cNvPr id="7" name="Grafik 6">
+            <a:extLst>
+              <a:ext uri="{FF2B5EF4-FFF2-40B4-BE49-F238E27FC236}">
+                <a16:creationId xmlns:a16="http://schemas.microsoft.com/office/drawing/2014/main" id="{81FD3B53-C0C0-9D41-A1D6-079D980B7374}"/>
               </a:ext>
             </a:extLst>
           </p:cNvPr>
@@ -7981,7 +9529,7 @@
           <p:nvPr/>
         </p:nvPicPr>
         <p:blipFill>
-          <a:blip r:embed="rId2">
+          <a:blip r:embed="rId3">
             <a:extLst>
               <a:ext uri="{28A0092B-C50C-407E-A947-70E740481C1C}">
                 <a14:useLocalDpi xmlns:a14="http://schemas.microsoft.com/office/drawing/2010/main" val="0"/>
@@ -7994,8 +9542,8 @@
         </p:blipFill>
         <p:spPr>
           <a:xfrm>
-            <a:off x="4324924" y="0"/>
-            <a:ext cx="3542152" cy="6858000"/>
+            <a:off x="4153992" y="0"/>
+            <a:ext cx="4399656" cy="6858000"/>
           </a:xfrm>
           <a:prstGeom prst="rect">
             <a:avLst/>
@@ -8016,7 +9564,7 @@
     <p:bg>
       <p:bgPr>
         <a:solidFill>
-          <a:srgbClr val="9AC000"/>
+          <a:schemeClr val="bg1"/>
         </a:solidFill>
         <a:effectLst/>
       </p:bgPr>
@@ -8069,12 +9617,95 @@
           </a:p>
         </p:txBody>
       </p:sp>
+      <p:sp>
+        <p:nvSpPr>
+          <p:cNvPr id="5" name="TextShape 1">
+            <a:extLst>
+              <a:ext uri="{FF2B5EF4-FFF2-40B4-BE49-F238E27FC236}">
+                <a16:creationId xmlns:a16="http://schemas.microsoft.com/office/drawing/2014/main" id="{22B5EFE3-8A92-3A44-822C-9F15A0649BFD}"/>
+              </a:ext>
+            </a:extLst>
+          </p:cNvPr>
+          <p:cNvSpPr txBox="1"/>
+          <p:nvPr/>
+        </p:nvSpPr>
+        <p:spPr>
+          <a:xfrm rot="-5400000">
+            <a:off x="-2564820" y="2564820"/>
+            <a:ext cx="6858000" cy="1728360"/>
+          </a:xfrm>
+          <a:prstGeom prst="rect">
+            <a:avLst/>
+          </a:prstGeom>
+          <a:solidFill>
+            <a:srgbClr val="9AC000"/>
+          </a:solidFill>
+          <a:ln>
+            <a:noFill/>
+          </a:ln>
+          <a:effectLst>
+            <a:outerShdw dist="37674" dir="2700000">
+              <a:srgbClr val="000000">
+                <a:alpha val="33000"/>
+              </a:srgbClr>
+            </a:outerShdw>
+          </a:effectLst>
+        </p:spPr>
+        <p:txBody>
+          <a:bodyPr lIns="540000" tIns="108000" rIns="540000" anchor="ctr">
+            <a:normAutofit/>
+          </a:bodyPr>
+          <a:lstStyle/>
+          <a:p>
+            <a:pPr>
+              <a:lnSpc>
+                <a:spcPct val="90000"/>
+              </a:lnSpc>
+            </a:pPr>
+            <a:endParaRPr lang="de-DE" sz="2800" b="0" strike="noStrike" spc="-1" dirty="0">
+              <a:solidFill>
+                <a:srgbClr val="000000"/>
+              </a:solidFill>
+              <a:latin typeface="Calibri"/>
+            </a:endParaRPr>
+          </a:p>
+        </p:txBody>
+      </p:sp>
       <p:pic>
         <p:nvPicPr>
-          <p:cNvPr id="4" name="Grafik 3">
+          <p:cNvPr id="6" name="Grafik 5">
             <a:extLst>
               <a:ext uri="{FF2B5EF4-FFF2-40B4-BE49-F238E27FC236}">
-                <a16:creationId xmlns:a16="http://schemas.microsoft.com/office/drawing/2014/main" id="{7D777843-7D1E-F94F-A146-7D8B2AE00154}"/>
+                <a16:creationId xmlns:a16="http://schemas.microsoft.com/office/drawing/2014/main" id="{2E2F532F-936C-BC46-BB7A-AA67AE6474BB}"/>
+              </a:ext>
+            </a:extLst>
+          </p:cNvPr>
+          <p:cNvPicPr/>
+          <p:nvPr/>
+        </p:nvPicPr>
+        <p:blipFill>
+          <a:blip r:embed="rId2"/>
+          <a:stretch/>
+        </p:blipFill>
+        <p:spPr>
+          <a:xfrm>
+            <a:off x="0" y="0"/>
+            <a:ext cx="1728360" cy="1051560"/>
+          </a:xfrm>
+          <a:prstGeom prst="rect">
+            <a:avLst/>
+          </a:prstGeom>
+          <a:ln>
+            <a:noFill/>
+          </a:ln>
+        </p:spPr>
+      </p:pic>
+      <p:pic>
+        <p:nvPicPr>
+          <p:cNvPr id="7" name="Grafik 6">
+            <a:extLst>
+              <a:ext uri="{FF2B5EF4-FFF2-40B4-BE49-F238E27FC236}">
+                <a16:creationId xmlns:a16="http://schemas.microsoft.com/office/drawing/2014/main" id="{43ECD626-5D93-6D43-A2E8-EADA45F076FD}"/>
               </a:ext>
             </a:extLst>
           </p:cNvPr>
@@ -8084,7 +9715,7 @@
           <p:nvPr/>
         </p:nvPicPr>
         <p:blipFill>
-          <a:blip r:embed="rId2">
+          <a:blip r:embed="rId3">
             <a:extLst>
               <a:ext uri="{28A0092B-C50C-407E-A947-70E740481C1C}">
                 <a14:useLocalDpi xmlns:a14="http://schemas.microsoft.com/office/drawing/2010/main" val="0"/>
@@ -8097,8 +9728,8 @@
         </p:blipFill>
         <p:spPr>
           <a:xfrm>
-            <a:off x="4324924" y="0"/>
-            <a:ext cx="3542152" cy="6858000"/>
+            <a:off x="4153992" y="0"/>
+            <a:ext cx="4399656" cy="6858000"/>
           </a:xfrm>
           <a:prstGeom prst="rect">
             <a:avLst/>
@@ -8181,65 +9812,9 @@
                 </a:solidFill>
                 <a:latin typeface="Enriqueta"/>
               </a:rPr>
-              <a:t>Ränge</a:t>
+              <a:t>Tools</a:t>
             </a:r>
             <a:endParaRPr lang="de-DE" sz="2800" b="0" strike="noStrike" spc="-1" dirty="0">
-              <a:solidFill>
-                <a:srgbClr val="000000"/>
-              </a:solidFill>
-              <a:latin typeface="Calibri"/>
-            </a:endParaRPr>
-          </a:p>
-        </p:txBody>
-      </p:sp>
-      <p:sp>
-        <p:nvSpPr>
-          <p:cNvPr id="136" name="TextShape 2"/>
-          <p:cNvSpPr txBox="1"/>
-          <p:nvPr/>
-        </p:nvSpPr>
-        <p:spPr>
-          <a:xfrm>
-            <a:off x="838080" y="1825560"/>
-            <a:ext cx="10515240" cy="4350960"/>
-          </a:xfrm>
-          <a:prstGeom prst="rect">
-            <a:avLst/>
-          </a:prstGeom>
-          <a:noFill/>
-          <a:ln>
-            <a:noFill/>
-          </a:ln>
-        </p:spPr>
-        <p:txBody>
-          <a:bodyPr>
-            <a:noAutofit/>
-          </a:bodyPr>
-          <a:lstStyle/>
-          <a:p>
-            <a:pPr marL="228600" indent="-228240">
-              <a:lnSpc>
-                <a:spcPct val="90000"/>
-              </a:lnSpc>
-              <a:spcBef>
-                <a:spcPts val="1001"/>
-              </a:spcBef>
-              <a:buClr>
-                <a:srgbClr val="000000"/>
-              </a:buClr>
-              <a:buFont typeface="Arial"/>
-              <a:buChar char="•"/>
-            </a:pPr>
-            <a:r>
-              <a:rPr lang="de-DE" sz="2000" b="0" strike="noStrike" spc="-1" dirty="0">
-                <a:solidFill>
-                  <a:srgbClr val="000000"/>
-                </a:solidFill>
-                <a:latin typeface="Enriqueta"/>
-              </a:rPr>
-              <a:t>TODO: Skala</a:t>
-            </a:r>
-            <a:endParaRPr lang="de-DE" sz="2000" b="0" strike="noStrike" spc="-1" dirty="0">
               <a:solidFill>
                 <a:srgbClr val="000000"/>
               </a:solidFill>
@@ -8269,6 +9844,186 @@
           <a:ln>
             <a:noFill/>
           </a:ln>
+        </p:spPr>
+      </p:pic>
+      <p:pic>
+        <p:nvPicPr>
+          <p:cNvPr id="3" name="Grafik 2">
+            <a:extLst>
+              <a:ext uri="{FF2B5EF4-FFF2-40B4-BE49-F238E27FC236}">
+                <a16:creationId xmlns:a16="http://schemas.microsoft.com/office/drawing/2014/main" id="{EBE3DFD4-A9F3-4145-A649-A15845B5999F}"/>
+              </a:ext>
+            </a:extLst>
+          </p:cNvPr>
+          <p:cNvPicPr>
+            <a:picLocks noChangeAspect="1"/>
+          </p:cNvPicPr>
+          <p:nvPr/>
+        </p:nvPicPr>
+        <p:blipFill>
+          <a:blip r:embed="rId3">
+            <a:extLst>
+              <a:ext uri="{28A0092B-C50C-407E-A947-70E740481C1C}">
+                <a14:useLocalDpi xmlns:a14="http://schemas.microsoft.com/office/drawing/2010/main" val="0"/>
+              </a:ext>
+            </a:extLst>
+          </a:blip>
+          <a:stretch>
+            <a:fillRect/>
+          </a:stretch>
+        </p:blipFill>
+        <p:spPr>
+          <a:xfrm>
+            <a:off x="3663970" y="1569042"/>
+            <a:ext cx="2685053" cy="2685053"/>
+          </a:xfrm>
+          <a:prstGeom prst="rect">
+            <a:avLst/>
+          </a:prstGeom>
+        </p:spPr>
+      </p:pic>
+      <p:pic>
+        <p:nvPicPr>
+          <p:cNvPr id="5" name="Grafik 4">
+            <a:extLst>
+              <a:ext uri="{FF2B5EF4-FFF2-40B4-BE49-F238E27FC236}">
+                <a16:creationId xmlns:a16="http://schemas.microsoft.com/office/drawing/2014/main" id="{E191CDB6-629D-714B-A46A-503FAB728955}"/>
+              </a:ext>
+            </a:extLst>
+          </p:cNvPr>
+          <p:cNvPicPr>
+            <a:picLocks noChangeAspect="1"/>
+          </p:cNvPicPr>
+          <p:nvPr/>
+        </p:nvPicPr>
+        <p:blipFill>
+          <a:blip r:embed="rId4">
+            <a:extLst>
+              <a:ext uri="{28A0092B-C50C-407E-A947-70E740481C1C}">
+                <a14:useLocalDpi xmlns:a14="http://schemas.microsoft.com/office/drawing/2010/main" val="0"/>
+              </a:ext>
+            </a:extLst>
+          </a:blip>
+          <a:stretch>
+            <a:fillRect/>
+          </a:stretch>
+        </p:blipFill>
+        <p:spPr>
+          <a:xfrm>
+            <a:off x="5486400" y="178618"/>
+            <a:ext cx="7614143" cy="3902248"/>
+          </a:xfrm>
+          <a:prstGeom prst="rect">
+            <a:avLst/>
+          </a:prstGeom>
+        </p:spPr>
+      </p:pic>
+      <p:pic>
+        <p:nvPicPr>
+          <p:cNvPr id="7" name="Grafik 6">
+            <a:extLst>
+              <a:ext uri="{FF2B5EF4-FFF2-40B4-BE49-F238E27FC236}">
+                <a16:creationId xmlns:a16="http://schemas.microsoft.com/office/drawing/2014/main" id="{ED0CAB54-A383-FE4C-8E2C-5E673D6F3F77}"/>
+              </a:ext>
+            </a:extLst>
+          </p:cNvPr>
+          <p:cNvPicPr>
+            <a:picLocks noChangeAspect="1"/>
+          </p:cNvPicPr>
+          <p:nvPr/>
+        </p:nvPicPr>
+        <p:blipFill>
+          <a:blip r:embed="rId5">
+            <a:extLst>
+              <a:ext uri="{28A0092B-C50C-407E-A947-70E740481C1C}">
+                <a14:useLocalDpi xmlns:a14="http://schemas.microsoft.com/office/drawing/2010/main" val="0"/>
+              </a:ext>
+            </a:extLst>
+          </a:blip>
+          <a:stretch>
+            <a:fillRect/>
+          </a:stretch>
+        </p:blipFill>
+        <p:spPr>
+          <a:xfrm>
+            <a:off x="137880" y="1569042"/>
+            <a:ext cx="2685053" cy="2511824"/>
+          </a:xfrm>
+          <a:prstGeom prst="rect">
+            <a:avLst/>
+          </a:prstGeom>
+        </p:spPr>
+      </p:pic>
+      <p:pic>
+        <p:nvPicPr>
+          <p:cNvPr id="9" name="Grafik 8">
+            <a:extLst>
+              <a:ext uri="{FF2B5EF4-FFF2-40B4-BE49-F238E27FC236}">
+                <a16:creationId xmlns:a16="http://schemas.microsoft.com/office/drawing/2014/main" id="{3F6438AD-01FA-FF4A-A9E0-ABC72C5BEBC5}"/>
+              </a:ext>
+            </a:extLst>
+          </p:cNvPr>
+          <p:cNvPicPr>
+            <a:picLocks noChangeAspect="1"/>
+          </p:cNvPicPr>
+          <p:nvPr/>
+        </p:nvPicPr>
+        <p:blipFill>
+          <a:blip r:embed="rId6">
+            <a:extLst>
+              <a:ext uri="{28A0092B-C50C-407E-A947-70E740481C1C}">
+                <a14:useLocalDpi xmlns:a14="http://schemas.microsoft.com/office/drawing/2010/main" val="0"/>
+              </a:ext>
+            </a:extLst>
+          </a:blip>
+          <a:stretch>
+            <a:fillRect/>
+          </a:stretch>
+        </p:blipFill>
+        <p:spPr>
+          <a:xfrm>
+            <a:off x="6656966" y="4080866"/>
+            <a:ext cx="4966955" cy="2598516"/>
+          </a:xfrm>
+          <a:prstGeom prst="rect">
+            <a:avLst/>
+          </a:prstGeom>
+        </p:spPr>
+      </p:pic>
+      <p:pic>
+        <p:nvPicPr>
+          <p:cNvPr id="11" name="Grafik 10">
+            <a:extLst>
+              <a:ext uri="{FF2B5EF4-FFF2-40B4-BE49-F238E27FC236}">
+                <a16:creationId xmlns:a16="http://schemas.microsoft.com/office/drawing/2014/main" id="{BD474071-298A-2047-A40D-F844C56ED69F}"/>
+              </a:ext>
+            </a:extLst>
+          </p:cNvPr>
+          <p:cNvPicPr>
+            <a:picLocks noChangeAspect="1"/>
+          </p:cNvPicPr>
+          <p:nvPr/>
+        </p:nvPicPr>
+        <p:blipFill>
+          <a:blip r:embed="rId7">
+            <a:extLst>
+              <a:ext uri="{28A0092B-C50C-407E-A947-70E740481C1C}">
+                <a14:useLocalDpi xmlns:a14="http://schemas.microsoft.com/office/drawing/2010/main" val="0"/>
+              </a:ext>
+            </a:extLst>
+          </a:blip>
+          <a:stretch>
+            <a:fillRect/>
+          </a:stretch>
+        </p:blipFill>
+        <p:spPr>
+          <a:xfrm>
+            <a:off x="47871" y="3680952"/>
+            <a:ext cx="4425531" cy="3068368"/>
+          </a:xfrm>
+          <a:prstGeom prst="rect">
+            <a:avLst/>
+          </a:prstGeom>
         </p:spPr>
       </p:pic>
     </p:spTree>
@@ -8303,7 +10058,7 @@
       </p:grpSpPr>
       <p:sp>
         <p:nvSpPr>
-          <p:cNvPr id="138" name="TextShape 1"/>
+          <p:cNvPr id="135" name="TextShape 1"/>
           <p:cNvSpPr txBox="1"/>
           <p:nvPr/>
         </p:nvSpPr>
@@ -8324,7 +10079,7 @@
           <a:effectLst>
             <a:outerShdw dist="37674" dir="2700000">
               <a:srgbClr val="000000">
-                <a:alpha val="40000"/>
+                <a:alpha val="33000"/>
               </a:srgbClr>
             </a:outerShdw>
           </a:effectLst>
@@ -8341,212 +10096,15 @@
               </a:lnSpc>
             </a:pPr>
             <a:r>
-              <a:rPr lang="de-DE" sz="2800" b="0" strike="noStrike" spc="-1">
+              <a:rPr lang="de-DE" sz="2800" b="0" strike="noStrike" spc="-1" dirty="0">
                 <a:solidFill>
                   <a:srgbClr val="FFFFFF"/>
                 </a:solidFill>
                 <a:latin typeface="Enriqueta"/>
               </a:rPr>
-              <a:t>Ein paar Statistiken</a:t>
+              <a:t>Diagramme</a:t>
             </a:r>
-            <a:endParaRPr lang="de-DE" sz="2800" b="0" strike="noStrike" spc="-1">
-              <a:solidFill>
-                <a:srgbClr val="000000"/>
-              </a:solidFill>
-              <a:latin typeface="Calibri"/>
-            </a:endParaRPr>
-          </a:p>
-        </p:txBody>
-      </p:sp>
-      <p:sp>
-        <p:nvSpPr>
-          <p:cNvPr id="139" name="TextShape 2"/>
-          <p:cNvSpPr txBox="1"/>
-          <p:nvPr/>
-        </p:nvSpPr>
-        <p:spPr>
-          <a:xfrm>
-            <a:off x="838080" y="1825560"/>
-            <a:ext cx="10515240" cy="4350960"/>
-          </a:xfrm>
-          <a:prstGeom prst="rect">
-            <a:avLst/>
-          </a:prstGeom>
-          <a:noFill/>
-          <a:ln>
-            <a:noFill/>
-          </a:ln>
-        </p:spPr>
-        <p:txBody>
-          <a:bodyPr>
-            <a:noAutofit/>
-          </a:bodyPr>
-          <a:lstStyle/>
-          <a:p>
-            <a:pPr marL="228600" indent="-228240">
-              <a:lnSpc>
-                <a:spcPct val="90000"/>
-              </a:lnSpc>
-              <a:spcBef>
-                <a:spcPts val="1001"/>
-              </a:spcBef>
-              <a:buClr>
-                <a:srgbClr val="000000"/>
-              </a:buClr>
-              <a:buFont typeface="Arial"/>
-              <a:buChar char="•"/>
-            </a:pPr>
-            <a:r>
-              <a:rPr lang="de-DE" sz="2000" b="1" strike="noStrike" spc="-1">
-                <a:solidFill>
-                  <a:srgbClr val="000000"/>
-                </a:solidFill>
-                <a:latin typeface="Enriqueta"/>
-              </a:rPr>
-              <a:t>XX Zeilen Code (inkl. Kommentare)</a:t>
-            </a:r>
-            <a:endParaRPr lang="de-DE" sz="2000" b="0" strike="noStrike" spc="-1">
-              <a:solidFill>
-                <a:srgbClr val="000000"/>
-              </a:solidFill>
-              <a:latin typeface="Calibri"/>
-            </a:endParaRPr>
-          </a:p>
-          <a:p>
-            <a:pPr marL="228600" indent="-228240">
-              <a:lnSpc>
-                <a:spcPct val="90000"/>
-              </a:lnSpc>
-              <a:spcBef>
-                <a:spcPts val="1001"/>
-              </a:spcBef>
-              <a:buClr>
-                <a:srgbClr val="000000"/>
-              </a:buClr>
-              <a:buFont typeface="Arial"/>
-              <a:buChar char="•"/>
-            </a:pPr>
-            <a:r>
-              <a:rPr lang="de-DE" sz="2000" b="0" strike="noStrike" spc="-1">
-                <a:solidFill>
-                  <a:srgbClr val="000000"/>
-                </a:solidFill>
-                <a:latin typeface="Enriqueta"/>
-              </a:rPr>
-              <a:t>(Client: 11.124, Server: )</a:t>
-            </a:r>
-            <a:endParaRPr lang="de-DE" sz="2000" b="0" strike="noStrike" spc="-1">
-              <a:solidFill>
-                <a:srgbClr val="000000"/>
-              </a:solidFill>
-              <a:latin typeface="Calibri"/>
-            </a:endParaRPr>
-          </a:p>
-          <a:p>
-            <a:pPr marL="228600" indent="-228240">
-              <a:lnSpc>
-                <a:spcPct val="90000"/>
-              </a:lnSpc>
-              <a:spcBef>
-                <a:spcPts val="1001"/>
-              </a:spcBef>
-              <a:buClr>
-                <a:srgbClr val="000000"/>
-              </a:buClr>
-              <a:buFont typeface="Arial"/>
-              <a:buChar char="•"/>
-            </a:pPr>
-            <a:r>
-              <a:rPr lang="de-DE" sz="2000" b="1" strike="noStrike" spc="-1">
-                <a:solidFill>
-                  <a:srgbClr val="000000"/>
-                </a:solidFill>
-                <a:latin typeface="Enriqueta"/>
-              </a:rPr>
-              <a:t>XX Java-Klassen (inkl. Testklassen)</a:t>
-            </a:r>
-            <a:endParaRPr lang="de-DE" sz="2000" b="0" strike="noStrike" spc="-1">
-              <a:solidFill>
-                <a:srgbClr val="000000"/>
-              </a:solidFill>
-              <a:latin typeface="Calibri"/>
-            </a:endParaRPr>
-          </a:p>
-          <a:p>
-            <a:pPr marL="228600" indent="-228240">
-              <a:lnSpc>
-                <a:spcPct val="90000"/>
-              </a:lnSpc>
-              <a:spcBef>
-                <a:spcPts val="1001"/>
-              </a:spcBef>
-              <a:buClr>
-                <a:srgbClr val="000000"/>
-              </a:buClr>
-              <a:buFont typeface="Arial"/>
-              <a:buChar char="•"/>
-            </a:pPr>
-            <a:r>
-              <a:rPr lang="de-DE" sz="2000" b="0" strike="noStrike" spc="-1">
-                <a:solidFill>
-                  <a:srgbClr val="000000"/>
-                </a:solidFill>
-                <a:latin typeface="Enriqueta"/>
-              </a:rPr>
-              <a:t>(Client: 97, Server: )</a:t>
-            </a:r>
-            <a:endParaRPr lang="de-DE" sz="2000" b="0" strike="noStrike" spc="-1">
-              <a:solidFill>
-                <a:srgbClr val="000000"/>
-              </a:solidFill>
-              <a:latin typeface="Calibri"/>
-            </a:endParaRPr>
-          </a:p>
-          <a:p>
-            <a:pPr marL="228600" indent="-228240">
-              <a:lnSpc>
-                <a:spcPct val="90000"/>
-              </a:lnSpc>
-              <a:spcBef>
-                <a:spcPts val="1001"/>
-              </a:spcBef>
-              <a:buClr>
-                <a:srgbClr val="000000"/>
-              </a:buClr>
-              <a:buFont typeface="Arial"/>
-              <a:buChar char="•"/>
-            </a:pPr>
-            <a:r>
-              <a:rPr lang="de-DE" sz="2000" b="1" strike="noStrike" spc="-1">
-                <a:solidFill>
-                  <a:srgbClr val="000000"/>
-                </a:solidFill>
-                <a:latin typeface="Enriqueta"/>
-              </a:rPr>
-              <a:t>24 Commits</a:t>
-            </a:r>
-            <a:endParaRPr lang="de-DE" sz="2000" b="0" strike="noStrike" spc="-1">
-              <a:solidFill>
-                <a:srgbClr val="000000"/>
-              </a:solidFill>
-              <a:latin typeface="Calibri"/>
-            </a:endParaRPr>
-          </a:p>
-          <a:p>
-            <a:pPr marL="228600" indent="-228240">
-              <a:lnSpc>
-                <a:spcPct val="90000"/>
-              </a:lnSpc>
-              <a:spcBef>
-                <a:spcPts val="1001"/>
-              </a:spcBef>
-              <a:buClr>
-                <a:srgbClr val="000000"/>
-              </a:buClr>
-              <a:buFont typeface="Arial"/>
-              <a:buChar char="•"/>
-            </a:pPr>
-            <a:endParaRPr lang="de-DE" sz="2000" b="0" strike="noStrike" spc="-1">
+            <a:endParaRPr lang="de-DE" sz="2800" b="0" strike="noStrike" spc="-1" dirty="0">
               <a:solidFill>
                 <a:srgbClr val="000000"/>
               </a:solidFill>
@@ -8557,7 +10115,7 @@
       </p:sp>
       <p:pic>
         <p:nvPicPr>
-          <p:cNvPr id="140" name="Grafik 5"/>
+          <p:cNvPr id="137" name="Grafik 5"/>
           <p:cNvPicPr/>
           <p:nvPr/>
         </p:nvPicPr>
@@ -8578,7 +10136,40 @@
           </a:ln>
         </p:spPr>
       </p:pic>
+      <p:graphicFrame>
+        <p:nvGraphicFramePr>
+          <p:cNvPr id="2" name="Diagramm 1">
+            <a:extLst>
+              <a:ext uri="{FF2B5EF4-FFF2-40B4-BE49-F238E27FC236}">
+                <a16:creationId xmlns:a16="http://schemas.microsoft.com/office/drawing/2014/main" id="{C889409C-51AF-C84D-BE2B-077FDA132EB7}"/>
+              </a:ext>
+            </a:extLst>
+          </p:cNvPr>
+          <p:cNvGraphicFramePr/>
+          <p:nvPr>
+            <p:extLst>
+              <p:ext uri="{D42A27DB-BD31-4B8C-83A1-F6EECF244321}">
+                <p14:modId xmlns:p14="http://schemas.microsoft.com/office/powerpoint/2010/main" val="2587133510"/>
+              </p:ext>
+            </p:extLst>
+          </p:nvPr>
+        </p:nvGraphicFramePr>
+        <p:xfrm>
+          <a:off x="1113001" y="703386"/>
+          <a:ext cx="9965998" cy="6379698"/>
+        </p:xfrm>
+        <a:graphic>
+          <a:graphicData uri="http://schemas.openxmlformats.org/drawingml/2006/chart">
+            <c:chart xmlns:c="http://schemas.openxmlformats.org/drawingml/2006/chart" xmlns:r="http://schemas.openxmlformats.org/officeDocument/2006/relationships" r:id="rId3"/>
+          </a:graphicData>
+        </a:graphic>
+      </p:graphicFrame>
     </p:spTree>
+    <p:extLst>
+      <p:ext uri="{BB962C8B-B14F-4D97-AF65-F5344CB8AC3E}">
+        <p14:creationId xmlns:p14="http://schemas.microsoft.com/office/powerpoint/2010/main" val="2416218462"/>
+      </p:ext>
+    </p:extLst>
   </p:cSld>
   <p:clrMapOvr>
     <a:masterClrMapping/>
@@ -8605,7 +10196,7 @@
       </p:grpSpPr>
       <p:sp>
         <p:nvSpPr>
-          <p:cNvPr id="141" name="TextShape 1"/>
+          <p:cNvPr id="135" name="TextShape 1"/>
           <p:cNvSpPr txBox="1"/>
           <p:nvPr/>
         </p:nvSpPr>
@@ -8626,7 +10217,7 @@
           <a:effectLst>
             <a:outerShdw dist="37674" dir="2700000">
               <a:srgbClr val="000000">
-                <a:alpha val="40000"/>
+                <a:alpha val="33000"/>
               </a:srgbClr>
             </a:outerShdw>
           </a:effectLst>
@@ -8643,169 +10234,15 @@
               </a:lnSpc>
             </a:pPr>
             <a:r>
-              <a:rPr lang="de-DE" sz="2800" b="0" strike="noStrike" spc="-1">
+              <a:rPr lang="de-DE" sz="2800" b="0" strike="noStrike" spc="-1" dirty="0">
                 <a:solidFill>
                   <a:srgbClr val="FFFFFF"/>
                 </a:solidFill>
                 <a:latin typeface="Enriqueta"/>
               </a:rPr>
-              <a:t>Herausforderungen</a:t>
+              <a:t>Tools</a:t>
             </a:r>
-            <a:endParaRPr lang="de-DE" sz="2800" b="0" strike="noStrike" spc="-1">
-              <a:solidFill>
-                <a:srgbClr val="000000"/>
-              </a:solidFill>
-              <a:latin typeface="Calibri"/>
-            </a:endParaRPr>
-          </a:p>
-        </p:txBody>
-      </p:sp>
-      <p:sp>
-        <p:nvSpPr>
-          <p:cNvPr id="142" name="TextShape 2"/>
-          <p:cNvSpPr txBox="1"/>
-          <p:nvPr/>
-        </p:nvSpPr>
-        <p:spPr>
-          <a:xfrm>
-            <a:off x="838080" y="1825560"/>
-            <a:ext cx="10515240" cy="4350960"/>
-          </a:xfrm>
-          <a:prstGeom prst="rect">
-            <a:avLst/>
-          </a:prstGeom>
-          <a:noFill/>
-          <a:ln>
-            <a:noFill/>
-          </a:ln>
-        </p:spPr>
-        <p:txBody>
-          <a:bodyPr>
-            <a:noAutofit/>
-          </a:bodyPr>
-          <a:lstStyle/>
-          <a:p>
-            <a:pPr marL="228600" indent="-228240">
-              <a:lnSpc>
-                <a:spcPct val="90000"/>
-              </a:lnSpc>
-              <a:spcBef>
-                <a:spcPts val="1001"/>
-              </a:spcBef>
-              <a:buClr>
-                <a:srgbClr val="000000"/>
-              </a:buClr>
-              <a:buFont typeface="Arial"/>
-              <a:buChar char="•"/>
-            </a:pPr>
-            <a:r>
-              <a:rPr lang="de-DE" sz="2000" b="1" strike="noStrike" spc="-1">
-                <a:solidFill>
-                  <a:srgbClr val="000000"/>
-                </a:solidFill>
-                <a:latin typeface="Enriqueta"/>
-              </a:rPr>
-              <a:t>Teamarbeit</a:t>
-            </a:r>
-            <a:endParaRPr lang="de-DE" sz="2000" b="0" strike="noStrike" spc="-1">
-              <a:solidFill>
-                <a:srgbClr val="000000"/>
-              </a:solidFill>
-              <a:latin typeface="Calibri"/>
-            </a:endParaRPr>
-          </a:p>
-          <a:p>
-            <a:pPr marL="864000" lvl="1" indent="-324000">
-              <a:spcBef>
-                <a:spcPts val="1134"/>
-              </a:spcBef>
-              <a:buClr>
-                <a:srgbClr val="000000"/>
-              </a:buClr>
-              <a:buSzPct val="75000"/>
-              <a:buFont typeface="Symbol" charset="2"/>
-              <a:buChar char=""/>
-            </a:pPr>
-            <a:r>
-              <a:rPr lang="de-DE" sz="2000" b="0" strike="noStrike" spc="-1">
-                <a:solidFill>
-                  <a:srgbClr val="000000"/>
-                </a:solidFill>
-                <a:latin typeface="Enriqueta"/>
-              </a:rPr>
-              <a:t>Na, wer seid ihr denn?</a:t>
-            </a:r>
-            <a:endParaRPr lang="de-DE" sz="2000" b="0" strike="noStrike" spc="-1">
-              <a:solidFill>
-                <a:srgbClr val="000000"/>
-              </a:solidFill>
-              <a:latin typeface="Calibri"/>
-            </a:endParaRPr>
-          </a:p>
-          <a:p>
-            <a:pPr marL="864000" lvl="1" indent="-324000">
-              <a:spcBef>
-                <a:spcPts val="1134"/>
-              </a:spcBef>
-              <a:buClr>
-                <a:srgbClr val="000000"/>
-              </a:buClr>
-              <a:buSzPct val="75000"/>
-              <a:buFont typeface="Symbol" charset="2"/>
-              <a:buChar char=""/>
-            </a:pPr>
-            <a:r>
-              <a:rPr lang="de-DE" sz="2000" b="0" strike="noStrike" spc="-1">
-                <a:solidFill>
-                  <a:srgbClr val="000000"/>
-                </a:solidFill>
-                <a:latin typeface="Enriqueta"/>
-              </a:rPr>
-              <a:t>Wer macht was? Wann?</a:t>
-            </a:r>
-            <a:endParaRPr lang="de-DE" sz="2000" b="0" strike="noStrike" spc="-1">
-              <a:solidFill>
-                <a:srgbClr val="000000"/>
-              </a:solidFill>
-              <a:latin typeface="Calibri"/>
-            </a:endParaRPr>
-          </a:p>
-          <a:p>
-            <a:pPr marL="228600" indent="-228240">
-              <a:lnSpc>
-                <a:spcPct val="90000"/>
-              </a:lnSpc>
-              <a:spcBef>
-                <a:spcPts val="1001"/>
-              </a:spcBef>
-              <a:buClr>
-                <a:srgbClr val="000000"/>
-              </a:buClr>
-              <a:buFont typeface="Arial"/>
-              <a:buChar char="•"/>
-            </a:pPr>
-            <a:endParaRPr lang="de-DE" sz="2000" b="0" strike="noStrike" spc="-1">
-              <a:solidFill>
-                <a:srgbClr val="000000"/>
-              </a:solidFill>
-              <a:latin typeface="Calibri"/>
-            </a:endParaRPr>
-          </a:p>
-          <a:p>
-            <a:pPr marL="228600" indent="-228240">
-              <a:lnSpc>
-                <a:spcPct val="90000"/>
-              </a:lnSpc>
-              <a:spcBef>
-                <a:spcPts val="1001"/>
-              </a:spcBef>
-              <a:buClr>
-                <a:srgbClr val="000000"/>
-              </a:buClr>
-              <a:buFont typeface="Arial"/>
-              <a:buChar char="•"/>
-            </a:pPr>
-            <a:endParaRPr lang="de-DE" sz="2000" b="0" strike="noStrike" spc="-1">
+            <a:endParaRPr lang="de-DE" sz="2800" b="0" strike="noStrike" spc="-1" dirty="0">
               <a:solidFill>
                 <a:srgbClr val="000000"/>
               </a:solidFill>
@@ -8816,7 +10253,7 @@
       </p:sp>
       <p:pic>
         <p:nvPicPr>
-          <p:cNvPr id="143" name="Grafik 5"/>
+          <p:cNvPr id="137" name="Grafik 5"/>
           <p:cNvPicPr/>
           <p:nvPr/>
         </p:nvPicPr>
@@ -8837,7 +10274,264 @@
           </a:ln>
         </p:spPr>
       </p:pic>
+      <p:pic>
+        <p:nvPicPr>
+          <p:cNvPr id="3" name="Grafik 2">
+            <a:extLst>
+              <a:ext uri="{FF2B5EF4-FFF2-40B4-BE49-F238E27FC236}">
+                <a16:creationId xmlns:a16="http://schemas.microsoft.com/office/drawing/2014/main" id="{EBE3DFD4-A9F3-4145-A649-A15845B5999F}"/>
+              </a:ext>
+            </a:extLst>
+          </p:cNvPr>
+          <p:cNvPicPr>
+            <a:picLocks noChangeAspect="1"/>
+          </p:cNvPicPr>
+          <p:nvPr/>
+        </p:nvPicPr>
+        <p:blipFill>
+          <a:blip r:embed="rId3">
+            <a:extLst>
+              <a:ext uri="{28A0092B-C50C-407E-A947-70E740481C1C}">
+                <a14:useLocalDpi xmlns:a14="http://schemas.microsoft.com/office/drawing/2010/main" val="0"/>
+              </a:ext>
+            </a:extLst>
+          </a:blip>
+          <a:stretch>
+            <a:fillRect/>
+          </a:stretch>
+        </p:blipFill>
+        <p:spPr>
+          <a:xfrm>
+            <a:off x="3663374" y="1223778"/>
+            <a:ext cx="1859958" cy="1859958"/>
+          </a:xfrm>
+          <a:prstGeom prst="rect">
+            <a:avLst/>
+          </a:prstGeom>
+        </p:spPr>
+      </p:pic>
+      <p:pic>
+        <p:nvPicPr>
+          <p:cNvPr id="5" name="Grafik 4">
+            <a:extLst>
+              <a:ext uri="{FF2B5EF4-FFF2-40B4-BE49-F238E27FC236}">
+                <a16:creationId xmlns:a16="http://schemas.microsoft.com/office/drawing/2014/main" id="{E191CDB6-629D-714B-A46A-503FAB728955}"/>
+              </a:ext>
+            </a:extLst>
+          </p:cNvPr>
+          <p:cNvPicPr>
+            <a:picLocks noChangeAspect="1"/>
+          </p:cNvPicPr>
+          <p:nvPr/>
+        </p:nvPicPr>
+        <p:blipFill>
+          <a:blip r:embed="rId4">
+            <a:extLst>
+              <a:ext uri="{28A0092B-C50C-407E-A947-70E740481C1C}">
+                <a14:useLocalDpi xmlns:a14="http://schemas.microsoft.com/office/drawing/2010/main" val="0"/>
+              </a:ext>
+            </a:extLst>
+          </a:blip>
+          <a:stretch>
+            <a:fillRect/>
+          </a:stretch>
+        </p:blipFill>
+        <p:spPr>
+          <a:xfrm>
+            <a:off x="6096000" y="178618"/>
+            <a:ext cx="7004543" cy="3589828"/>
+          </a:xfrm>
+          <a:prstGeom prst="rect">
+            <a:avLst/>
+          </a:prstGeom>
+        </p:spPr>
+      </p:pic>
+      <p:pic>
+        <p:nvPicPr>
+          <p:cNvPr id="7" name="Grafik 6">
+            <a:extLst>
+              <a:ext uri="{FF2B5EF4-FFF2-40B4-BE49-F238E27FC236}">
+                <a16:creationId xmlns:a16="http://schemas.microsoft.com/office/drawing/2014/main" id="{ED0CAB54-A383-FE4C-8E2C-5E673D6F3F77}"/>
+              </a:ext>
+            </a:extLst>
+          </p:cNvPr>
+          <p:cNvPicPr>
+            <a:picLocks noChangeAspect="1"/>
+          </p:cNvPicPr>
+          <p:nvPr/>
+        </p:nvPicPr>
+        <p:blipFill>
+          <a:blip r:embed="rId5">
+            <a:extLst>
+              <a:ext uri="{28A0092B-C50C-407E-A947-70E740481C1C}">
+                <a14:useLocalDpi xmlns:a14="http://schemas.microsoft.com/office/drawing/2010/main" val="0"/>
+              </a:ext>
+            </a:extLst>
+          </a:blip>
+          <a:stretch>
+            <a:fillRect/>
+          </a:stretch>
+        </p:blipFill>
+        <p:spPr>
+          <a:xfrm>
+            <a:off x="37346" y="1223778"/>
+            <a:ext cx="2685053" cy="2511824"/>
+          </a:xfrm>
+          <a:prstGeom prst="rect">
+            <a:avLst/>
+          </a:prstGeom>
+        </p:spPr>
+      </p:pic>
+      <p:pic>
+        <p:nvPicPr>
+          <p:cNvPr id="9" name="Grafik 8">
+            <a:extLst>
+              <a:ext uri="{FF2B5EF4-FFF2-40B4-BE49-F238E27FC236}">
+                <a16:creationId xmlns:a16="http://schemas.microsoft.com/office/drawing/2014/main" id="{3F6438AD-01FA-FF4A-A9E0-ABC72C5BEBC5}"/>
+              </a:ext>
+            </a:extLst>
+          </p:cNvPr>
+          <p:cNvPicPr>
+            <a:picLocks noChangeAspect="1"/>
+          </p:cNvPicPr>
+          <p:nvPr/>
+        </p:nvPicPr>
+        <p:blipFill>
+          <a:blip r:embed="rId6">
+            <a:extLst>
+              <a:ext uri="{28A0092B-C50C-407E-A947-70E740481C1C}">
+                <a14:useLocalDpi xmlns:a14="http://schemas.microsoft.com/office/drawing/2010/main" val="0"/>
+              </a:ext>
+            </a:extLst>
+          </a:blip>
+          <a:stretch>
+            <a:fillRect/>
+          </a:stretch>
+        </p:blipFill>
+        <p:spPr>
+          <a:xfrm>
+            <a:off x="6456498" y="4722308"/>
+            <a:ext cx="4300563" cy="2249886"/>
+          </a:xfrm>
+          <a:prstGeom prst="rect">
+            <a:avLst/>
+          </a:prstGeom>
+        </p:spPr>
+      </p:pic>
+      <p:pic>
+        <p:nvPicPr>
+          <p:cNvPr id="11" name="Grafik 10">
+            <a:extLst>
+              <a:ext uri="{FF2B5EF4-FFF2-40B4-BE49-F238E27FC236}">
+                <a16:creationId xmlns:a16="http://schemas.microsoft.com/office/drawing/2014/main" id="{BD474071-298A-2047-A40D-F844C56ED69F}"/>
+              </a:ext>
+            </a:extLst>
+          </p:cNvPr>
+          <p:cNvPicPr>
+            <a:picLocks noChangeAspect="1"/>
+          </p:cNvPicPr>
+          <p:nvPr/>
+        </p:nvPicPr>
+        <p:blipFill>
+          <a:blip r:embed="rId7">
+            <a:extLst>
+              <a:ext uri="{28A0092B-C50C-407E-A947-70E740481C1C}">
+                <a14:useLocalDpi xmlns:a14="http://schemas.microsoft.com/office/drawing/2010/main" val="0"/>
+              </a:ext>
+            </a:extLst>
+          </a:blip>
+          <a:stretch>
+            <a:fillRect/>
+          </a:stretch>
+        </p:blipFill>
+        <p:spPr>
+          <a:xfrm>
+            <a:off x="47872" y="4551216"/>
+            <a:ext cx="3170341" cy="2198103"/>
+          </a:xfrm>
+          <a:prstGeom prst="rect">
+            <a:avLst/>
+          </a:prstGeom>
+        </p:spPr>
+      </p:pic>
+      <p:pic>
+        <p:nvPicPr>
+          <p:cNvPr id="4" name="Grafik 3">
+            <a:extLst>
+              <a:ext uri="{FF2B5EF4-FFF2-40B4-BE49-F238E27FC236}">
+                <a16:creationId xmlns:a16="http://schemas.microsoft.com/office/drawing/2014/main" id="{723A250C-A557-0149-A520-6D3A795C2DF1}"/>
+              </a:ext>
+            </a:extLst>
+          </p:cNvPr>
+          <p:cNvPicPr>
+            <a:picLocks noChangeAspect="1"/>
+          </p:cNvPicPr>
+          <p:nvPr/>
+        </p:nvPicPr>
+        <p:blipFill>
+          <a:blip r:embed="rId8">
+            <a:extLst>
+              <a:ext uri="{28A0092B-C50C-407E-A947-70E740481C1C}">
+                <a14:useLocalDpi xmlns:a14="http://schemas.microsoft.com/office/drawing/2010/main" val="0"/>
+              </a:ext>
+            </a:extLst>
+          </a:blip>
+          <a:stretch>
+            <a:fillRect/>
+          </a:stretch>
+        </p:blipFill>
+        <p:spPr>
+          <a:xfrm>
+            <a:off x="1717753" y="3365712"/>
+            <a:ext cx="3891242" cy="1185504"/>
+          </a:xfrm>
+          <a:prstGeom prst="rect">
+            <a:avLst/>
+          </a:prstGeom>
+        </p:spPr>
+      </p:pic>
+      <p:pic>
+        <p:nvPicPr>
+          <p:cNvPr id="8" name="Grafik 7">
+            <a:extLst>
+              <a:ext uri="{FF2B5EF4-FFF2-40B4-BE49-F238E27FC236}">
+                <a16:creationId xmlns:a16="http://schemas.microsoft.com/office/drawing/2014/main" id="{87397CA9-3613-A84D-B858-49B5EDEA06CD}"/>
+              </a:ext>
+            </a:extLst>
+          </p:cNvPr>
+          <p:cNvPicPr>
+            <a:picLocks noChangeAspect="1"/>
+          </p:cNvPicPr>
+          <p:nvPr/>
+        </p:nvPicPr>
+        <p:blipFill>
+          <a:blip r:embed="rId9">
+            <a:extLst>
+              <a:ext uri="{28A0092B-C50C-407E-A947-70E740481C1C}">
+                <a14:useLocalDpi xmlns:a14="http://schemas.microsoft.com/office/drawing/2010/main" val="0"/>
+              </a:ext>
+            </a:extLst>
+          </a:blip>
+          <a:stretch>
+            <a:fillRect/>
+          </a:stretch>
+        </p:blipFill>
+        <p:spPr>
+          <a:xfrm>
+            <a:off x="6214540" y="2185060"/>
+            <a:ext cx="5339622" cy="2669811"/>
+          </a:xfrm>
+          <a:prstGeom prst="rect">
+            <a:avLst/>
+          </a:prstGeom>
+        </p:spPr>
+      </p:pic>
     </p:spTree>
+    <p:extLst>
+      <p:ext uri="{BB962C8B-B14F-4D97-AF65-F5344CB8AC3E}">
+        <p14:creationId xmlns:p14="http://schemas.microsoft.com/office/powerpoint/2010/main" val="1340747671"/>
+      </p:ext>
+    </p:extLst>
   </p:cSld>
   <p:clrMapOvr>
     <a:masterClrMapping/>
@@ -8864,7 +10558,7 @@
       </p:grpSpPr>
       <p:sp>
         <p:nvSpPr>
-          <p:cNvPr id="144" name="TextShape 1"/>
+          <p:cNvPr id="135" name="TextShape 1"/>
           <p:cNvSpPr txBox="1"/>
           <p:nvPr/>
         </p:nvSpPr>
@@ -8885,7 +10579,7 @@
           <a:effectLst>
             <a:outerShdw dist="37674" dir="2700000">
               <a:srgbClr val="000000">
-                <a:alpha val="40000"/>
+                <a:alpha val="33000"/>
               </a:srgbClr>
             </a:outerShdw>
           </a:effectLst>
@@ -8902,281 +10596,24 @@
               </a:lnSpc>
             </a:pPr>
             <a:r>
-              <a:rPr lang="de-DE" sz="2800" b="0" strike="noStrike" spc="-1">
+              <a:rPr lang="de-DE" sz="2800" b="0" strike="noStrike" spc="-1" dirty="0" err="1">
                 <a:solidFill>
                   <a:srgbClr val="FFFFFF"/>
                 </a:solidFill>
                 <a:latin typeface="Enriqueta"/>
               </a:rPr>
-              <a:t>Herausforderungen</a:t>
+              <a:t>Hallway</a:t>
             </a:r>
-            <a:endParaRPr lang="de-DE" sz="2800" b="0" strike="noStrike" spc="-1">
-              <a:solidFill>
-                <a:srgbClr val="000000"/>
-              </a:solidFill>
-              <a:latin typeface="Calibri"/>
-            </a:endParaRPr>
-          </a:p>
-        </p:txBody>
-      </p:sp>
-      <p:sp>
-        <p:nvSpPr>
-          <p:cNvPr id="145" name="TextShape 2"/>
-          <p:cNvSpPr txBox="1"/>
-          <p:nvPr/>
-        </p:nvSpPr>
-        <p:spPr>
-          <a:xfrm>
-            <a:off x="838080" y="1825560"/>
-            <a:ext cx="10515240" cy="4350960"/>
-          </a:xfrm>
-          <a:prstGeom prst="rect">
-            <a:avLst/>
-          </a:prstGeom>
-          <a:noFill/>
-          <a:ln>
-            <a:noFill/>
-          </a:ln>
-        </p:spPr>
-        <p:txBody>
-          <a:bodyPr>
-            <a:noAutofit/>
-          </a:bodyPr>
-          <a:lstStyle/>
-          <a:p>
-            <a:pPr marL="228600" indent="-228240">
-              <a:lnSpc>
-                <a:spcPct val="90000"/>
-              </a:lnSpc>
-              <a:spcBef>
-                <a:spcPts val="1001"/>
-              </a:spcBef>
-              <a:buClr>
-                <a:srgbClr val="000000"/>
-              </a:buClr>
-              <a:buFont typeface="Arial"/>
-              <a:buChar char="•"/>
-            </a:pPr>
             <a:r>
-              <a:rPr lang="de-DE" sz="2000" b="1" strike="noStrike" spc="-1">
+              <a:rPr lang="de-DE" sz="2800" b="0" strike="noStrike" spc="-1" dirty="0">
                 <a:solidFill>
-                  <a:srgbClr val="000000"/>
+                  <a:srgbClr val="FFFFFF"/>
                 </a:solidFill>
                 <a:latin typeface="Enriqueta"/>
               </a:rPr>
-              <a:t>Client</a:t>
+              <a:t> Test</a:t>
             </a:r>
-            <a:endParaRPr lang="de-DE" sz="2000" b="0" strike="noStrike" spc="-1">
-              <a:solidFill>
-                <a:srgbClr val="000000"/>
-              </a:solidFill>
-              <a:latin typeface="Calibri"/>
-            </a:endParaRPr>
-          </a:p>
-          <a:p>
-            <a:pPr marL="864000" lvl="1" indent="-324000">
-              <a:spcBef>
-                <a:spcPts val="1134"/>
-              </a:spcBef>
-              <a:buClr>
-                <a:srgbClr val="000000"/>
-              </a:buClr>
-              <a:buSzPct val="75000"/>
-              <a:buFont typeface="Symbol" charset="2"/>
-              <a:buChar char=""/>
-            </a:pPr>
-            <a:r>
-              <a:rPr lang="de-DE" sz="2000" b="0" strike="noStrike" spc="-1">
-                <a:solidFill>
-                  <a:srgbClr val="000000"/>
-                </a:solidFill>
-                <a:latin typeface="Enriqueta"/>
-              </a:rPr>
-              <a:t>Was kommt in welche Klasse?</a:t>
-            </a:r>
-            <a:endParaRPr lang="de-DE" sz="2000" b="0" strike="noStrike" spc="-1">
-              <a:solidFill>
-                <a:srgbClr val="000000"/>
-              </a:solidFill>
-              <a:latin typeface="Calibri"/>
-            </a:endParaRPr>
-          </a:p>
-          <a:p>
-            <a:pPr marL="864000" lvl="1" indent="-324000">
-              <a:spcBef>
-                <a:spcPts val="1134"/>
-              </a:spcBef>
-              <a:buClr>
-                <a:srgbClr val="000000"/>
-              </a:buClr>
-              <a:buSzPct val="75000"/>
-              <a:buFont typeface="Symbol" charset="2"/>
-              <a:buChar char=""/>
-            </a:pPr>
-            <a:r>
-              <a:rPr lang="de-DE" sz="2000" b="0" strike="noStrike" spc="-1">
-                <a:solidFill>
-                  <a:srgbClr val="000000"/>
-                </a:solidFill>
-                <a:latin typeface="Enriqueta"/>
-              </a:rPr>
-              <a:t>Ist ein detaillierter Entwurf vor der Implementierung wirklich sinnvoll?</a:t>
-            </a:r>
-            <a:endParaRPr lang="de-DE" sz="2000" b="0" strike="noStrike" spc="-1">
-              <a:solidFill>
-                <a:srgbClr val="000000"/>
-              </a:solidFill>
-              <a:latin typeface="Calibri"/>
-            </a:endParaRPr>
-          </a:p>
-          <a:p>
-            <a:pPr marL="864000" lvl="1" indent="-324000">
-              <a:spcBef>
-                <a:spcPts val="1134"/>
-              </a:spcBef>
-              <a:buClr>
-                <a:srgbClr val="000000"/>
-              </a:buClr>
-              <a:buSzPct val="75000"/>
-              <a:buFont typeface="Symbol" charset="2"/>
-              <a:buChar char=""/>
-            </a:pPr>
-            <a:r>
-              <a:rPr lang="de-DE" sz="2000" b="0" strike="noStrike" spc="-1">
-                <a:solidFill>
-                  <a:srgbClr val="000000"/>
-                </a:solidFill>
-                <a:latin typeface="Enriqueta"/>
-              </a:rPr>
-              <a:t>Was haben Android-Activitys für Eigenheiten?</a:t>
-            </a:r>
-            <a:endParaRPr lang="de-DE" sz="2000" b="0" strike="noStrike" spc="-1">
-              <a:solidFill>
-                <a:srgbClr val="000000"/>
-              </a:solidFill>
-              <a:latin typeface="Calibri"/>
-            </a:endParaRPr>
-          </a:p>
-          <a:p>
-            <a:pPr marL="864000" lvl="1" indent="-324000">
-              <a:spcBef>
-                <a:spcPts val="1134"/>
-              </a:spcBef>
-              <a:buClr>
-                <a:srgbClr val="000000"/>
-              </a:buClr>
-              <a:buSzPct val="75000"/>
-              <a:buFont typeface="Symbol" charset="2"/>
-              <a:buChar char=""/>
-            </a:pPr>
-            <a:r>
-              <a:rPr lang="de-DE" sz="2000" b="0" strike="noStrike" spc="-1">
-                <a:solidFill>
-                  <a:srgbClr val="000000"/>
-                </a:solidFill>
-                <a:latin typeface="Enriqueta"/>
-              </a:rPr>
-              <a:t>Warum stürzt die App ständig ab?</a:t>
-            </a:r>
-            <a:endParaRPr lang="de-DE" sz="2000" b="0" strike="noStrike" spc="-1">
-              <a:solidFill>
-                <a:srgbClr val="000000"/>
-              </a:solidFill>
-              <a:latin typeface="Calibri"/>
-            </a:endParaRPr>
-          </a:p>
-          <a:p>
-            <a:pPr marL="864000" lvl="1" indent="-324000">
-              <a:spcBef>
-                <a:spcPts val="1134"/>
-              </a:spcBef>
-              <a:buClr>
-                <a:srgbClr val="000000"/>
-              </a:buClr>
-              <a:buSzPct val="75000"/>
-              <a:buFont typeface="Symbol" charset="2"/>
-              <a:buChar char=""/>
-            </a:pPr>
-            <a:r>
-              <a:rPr lang="de-DE" sz="2000" b="0" strike="noStrike" spc="-1">
-                <a:solidFill>
-                  <a:srgbClr val="000000"/>
-                </a:solidFill>
-                <a:latin typeface="Enriqueta"/>
-              </a:rPr>
-              <a:t>Wie funktioniert das mit den Layouts genau?</a:t>
-            </a:r>
-            <a:endParaRPr lang="de-DE" sz="2000" b="0" strike="noStrike" spc="-1">
-              <a:solidFill>
-                <a:srgbClr val="000000"/>
-              </a:solidFill>
-              <a:latin typeface="Calibri"/>
-            </a:endParaRPr>
-          </a:p>
-          <a:p>
-            <a:pPr marL="864000" lvl="1" indent="-324000">
-              <a:spcBef>
-                <a:spcPts val="1134"/>
-              </a:spcBef>
-              <a:buClr>
-                <a:srgbClr val="000000"/>
-              </a:buClr>
-              <a:buSzPct val="75000"/>
-              <a:buFont typeface="Symbol" charset="2"/>
-              <a:buChar char=""/>
-            </a:pPr>
-            <a:r>
-              <a:rPr lang="de-DE" sz="2000" b="0" strike="noStrike" spc="-1">
-                <a:solidFill>
-                  <a:srgbClr val="000000"/>
-                </a:solidFill>
-                <a:latin typeface="Enriqueta"/>
-              </a:rPr>
-              <a:t>Wie externalisieren wir Texte, Farben, Konstanten?</a:t>
-            </a:r>
-            <a:endParaRPr lang="de-DE" sz="2000" b="0" strike="noStrike" spc="-1">
-              <a:solidFill>
-                <a:srgbClr val="000000"/>
-              </a:solidFill>
-              <a:latin typeface="Calibri"/>
-            </a:endParaRPr>
-          </a:p>
-          <a:p>
-            <a:pPr marL="228600" indent="-228240">
-              <a:lnSpc>
-                <a:spcPct val="90000"/>
-              </a:lnSpc>
-              <a:spcBef>
-                <a:spcPts val="1001"/>
-              </a:spcBef>
-              <a:buClr>
-                <a:srgbClr val="000000"/>
-              </a:buClr>
-              <a:buFont typeface="Arial"/>
-              <a:buChar char="•"/>
-            </a:pPr>
-            <a:endParaRPr lang="de-DE" sz="2000" b="0" strike="noStrike" spc="-1">
-              <a:solidFill>
-                <a:srgbClr val="000000"/>
-              </a:solidFill>
-              <a:latin typeface="Calibri"/>
-            </a:endParaRPr>
-          </a:p>
-          <a:p>
-            <a:pPr marL="228600" indent="-228240">
-              <a:lnSpc>
-                <a:spcPct val="90000"/>
-              </a:lnSpc>
-              <a:spcBef>
-                <a:spcPts val="1001"/>
-              </a:spcBef>
-              <a:buClr>
-                <a:srgbClr val="000000"/>
-              </a:buClr>
-              <a:buFont typeface="Arial"/>
-              <a:buChar char="•"/>
-            </a:pPr>
-            <a:endParaRPr lang="de-DE" sz="2000" b="0" strike="noStrike" spc="-1">
+            <a:endParaRPr lang="de-DE" sz="2800" b="0" strike="noStrike" spc="-1" dirty="0">
               <a:solidFill>
                 <a:srgbClr val="000000"/>
               </a:solidFill>
@@ -9187,7 +10624,7 @@
       </p:sp>
       <p:pic>
         <p:nvPicPr>
-          <p:cNvPr id="146" name="Grafik 5"/>
+          <p:cNvPr id="137" name="Grafik 5"/>
           <p:cNvPicPr/>
           <p:nvPr/>
         </p:nvPicPr>
@@ -9208,7 +10645,102 @@
           </a:ln>
         </p:spPr>
       </p:pic>
+      <p:sp>
+        <p:nvSpPr>
+          <p:cNvPr id="4" name="Rechteck 3">
+            <a:extLst>
+              <a:ext uri="{FF2B5EF4-FFF2-40B4-BE49-F238E27FC236}">
+                <a16:creationId xmlns:a16="http://schemas.microsoft.com/office/drawing/2014/main" id="{6652F9D5-3CFE-6542-8AA1-02C069129473}"/>
+              </a:ext>
+            </a:extLst>
+          </p:cNvPr>
+          <p:cNvSpPr/>
+          <p:nvPr/>
+        </p:nvSpPr>
+        <p:spPr>
+          <a:xfrm>
+            <a:off x="9939647" y="1259328"/>
+            <a:ext cx="318913" cy="5584328"/>
+          </a:xfrm>
+          <a:prstGeom prst="rect">
+            <a:avLst/>
+          </a:prstGeom>
+          <a:solidFill>
+            <a:schemeClr val="bg1"/>
+          </a:solidFill>
+          <a:ln>
+            <a:solidFill>
+              <a:schemeClr val="bg1"/>
+            </a:solidFill>
+          </a:ln>
+        </p:spPr>
+        <p:style>
+          <a:lnRef idx="2">
+            <a:schemeClr val="accent1">
+              <a:shade val="50000"/>
+            </a:schemeClr>
+          </a:lnRef>
+          <a:fillRef idx="1">
+            <a:schemeClr val="accent1"/>
+          </a:fillRef>
+          <a:effectRef idx="0">
+            <a:schemeClr val="accent1"/>
+          </a:effectRef>
+          <a:fontRef idx="minor">
+            <a:schemeClr val="lt1"/>
+          </a:fontRef>
+        </p:style>
+        <p:txBody>
+          <a:bodyPr rtlCol="0" anchor="ctr"/>
+          <a:lstStyle/>
+          <a:p>
+            <a:pPr algn="ctr"/>
+            <a:endParaRPr lang="de-DE"/>
+          </a:p>
+        </p:txBody>
+      </p:sp>
+      <p:pic>
+        <p:nvPicPr>
+          <p:cNvPr id="5" name="Grafik 4">
+            <a:extLst>
+              <a:ext uri="{FF2B5EF4-FFF2-40B4-BE49-F238E27FC236}">
+                <a16:creationId xmlns:a16="http://schemas.microsoft.com/office/drawing/2014/main" id="{AD298D6D-4E96-C64C-9D9A-863343A42A08}"/>
+              </a:ext>
+            </a:extLst>
+          </p:cNvPr>
+          <p:cNvPicPr>
+            <a:picLocks noChangeAspect="1"/>
+          </p:cNvPicPr>
+          <p:nvPr/>
+        </p:nvPicPr>
+        <p:blipFill>
+          <a:blip r:embed="rId3">
+            <a:extLst>
+              <a:ext uri="{28A0092B-C50C-407E-A947-70E740481C1C}">
+                <a14:useLocalDpi xmlns:a14="http://schemas.microsoft.com/office/drawing/2010/main" val="0"/>
+              </a:ext>
+            </a:extLst>
+          </a:blip>
+          <a:stretch>
+            <a:fillRect/>
+          </a:stretch>
+        </p:blipFill>
+        <p:spPr>
+          <a:xfrm>
+            <a:off x="1743069" y="1557945"/>
+            <a:ext cx="8356034" cy="4987093"/>
+          </a:xfrm>
+          <a:prstGeom prst="rect">
+            <a:avLst/>
+          </a:prstGeom>
+        </p:spPr>
+      </p:pic>
     </p:spTree>
+    <p:extLst>
+      <p:ext uri="{BB962C8B-B14F-4D97-AF65-F5344CB8AC3E}">
+        <p14:creationId xmlns:p14="http://schemas.microsoft.com/office/powerpoint/2010/main" val="791430196"/>
+      </p:ext>
+    </p:extLst>
   </p:cSld>
   <p:clrMapOvr>
     <a:masterClrMapping/>
